--- a/C#_Chapter_7.pptx
+++ b/C#_Chapter_7.pptx
@@ -5,7 +5,7 @@
     <p:sldMasterId id="2147483648" r:id="rId1"/>
   </p:sldMasterIdLst>
   <p:notesMasterIdLst>
-    <p:notesMasterId r:id="rId24"/>
+    <p:notesMasterId r:id="rId23"/>
   </p:notesMasterIdLst>
   <p:sldIdLst>
     <p:sldId id="256" r:id="rId2"/>
@@ -23,13 +23,12 @@
     <p:sldId id="288" r:id="rId14"/>
     <p:sldId id="289" r:id="rId15"/>
     <p:sldId id="290" r:id="rId16"/>
-    <p:sldId id="291" r:id="rId17"/>
-    <p:sldId id="292" r:id="rId18"/>
-    <p:sldId id="293" r:id="rId19"/>
-    <p:sldId id="294" r:id="rId20"/>
-    <p:sldId id="295" r:id="rId21"/>
-    <p:sldId id="296" r:id="rId22"/>
-    <p:sldId id="297" r:id="rId23"/>
+    <p:sldId id="292" r:id="rId17"/>
+    <p:sldId id="293" r:id="rId18"/>
+    <p:sldId id="294" r:id="rId19"/>
+    <p:sldId id="295" r:id="rId20"/>
+    <p:sldId id="296" r:id="rId21"/>
+    <p:sldId id="297" r:id="rId22"/>
   </p:sldIdLst>
   <p:sldSz cx="12192000" cy="6858000"/>
   <p:notesSz cx="6858000" cy="9144000"/>
@@ -130,7 +129,7 @@
   </p:defaultTextStyle>
   <p:extLst>
     <p:ext uri="{EFAFB233-063F-42B5-8137-9DF3F51BA10A}">
-      <p15:sldGuideLst xmlns:p15="http://schemas.microsoft.com/office/powerpoint/2012/main">
+      <p15:sldGuideLst xmlns:p15="http://schemas.microsoft.com/office/powerpoint/2012/main" xmlns="">
         <p15:guide id="1" orient="horz" pos="2160">
           <p15:clr>
             <a:srgbClr val="A4A3A4"/>
@@ -229,7 +228,7 @@
           <a:p>
             <a:fld id="{53943FF0-91DD-4AB1-BFA6-6F59AE1E00F9}" type="datetimeFigureOut">
               <a:rPr lang="ko-KR" altLang="en-US" smtClean="0"/>
-              <a:t>2019-12-03</a:t>
+              <a:t>2020-02-17</a:t>
             </a:fld>
             <a:endParaRPr lang="ko-KR" altLang="en-US"/>
           </a:p>
@@ -990,7 +989,7 @@
     </p:spTree>
     <p:extLst>
       <p:ext uri="{BB962C8B-B14F-4D97-AF65-F5344CB8AC3E}">
-        <p14:creationId xmlns:p14="http://schemas.microsoft.com/office/powerpoint/2010/main" val="3679867991"/>
+        <p14:creationId xmlns:p14="http://schemas.microsoft.com/office/powerpoint/2010/main" val="217012410"/>
       </p:ext>
     </p:extLst>
   </p:cSld>
@@ -1074,7 +1073,7 @@
     </p:spTree>
     <p:extLst>
       <p:ext uri="{BB962C8B-B14F-4D97-AF65-F5344CB8AC3E}">
-        <p14:creationId xmlns:p14="http://schemas.microsoft.com/office/powerpoint/2010/main" val="217012410"/>
+        <p14:creationId xmlns:p14="http://schemas.microsoft.com/office/powerpoint/2010/main" val="3520668889"/>
       </p:ext>
     </p:extLst>
   </p:cSld>
@@ -1158,7 +1157,7 @@
     </p:spTree>
     <p:extLst>
       <p:ext uri="{BB962C8B-B14F-4D97-AF65-F5344CB8AC3E}">
-        <p14:creationId xmlns:p14="http://schemas.microsoft.com/office/powerpoint/2010/main" val="3520668889"/>
+        <p14:creationId xmlns:p14="http://schemas.microsoft.com/office/powerpoint/2010/main" val="2290264861"/>
       </p:ext>
     </p:extLst>
   </p:cSld>
@@ -1242,7 +1241,7 @@
     </p:spTree>
     <p:extLst>
       <p:ext uri="{BB962C8B-B14F-4D97-AF65-F5344CB8AC3E}">
-        <p14:creationId xmlns:p14="http://schemas.microsoft.com/office/powerpoint/2010/main" val="2290264861"/>
+        <p14:creationId xmlns:p14="http://schemas.microsoft.com/office/powerpoint/2010/main" val="145034604"/>
       </p:ext>
     </p:extLst>
   </p:cSld>
@@ -1326,7 +1325,7 @@
     </p:spTree>
     <p:extLst>
       <p:ext uri="{BB962C8B-B14F-4D97-AF65-F5344CB8AC3E}">
-        <p14:creationId xmlns:p14="http://schemas.microsoft.com/office/powerpoint/2010/main" val="145034604"/>
+        <p14:creationId xmlns:p14="http://schemas.microsoft.com/office/powerpoint/2010/main" val="676429196"/>
       </p:ext>
     </p:extLst>
   </p:cSld>
@@ -1410,7 +1409,7 @@
     </p:spTree>
     <p:extLst>
       <p:ext uri="{BB962C8B-B14F-4D97-AF65-F5344CB8AC3E}">
-        <p14:creationId xmlns:p14="http://schemas.microsoft.com/office/powerpoint/2010/main" val="676429196"/>
+        <p14:creationId xmlns:p14="http://schemas.microsoft.com/office/powerpoint/2010/main" val="1661693118"/>
       </p:ext>
     </p:extLst>
   </p:cSld>
@@ -1495,90 +1494,6 @@
     <p:extLst>
       <p:ext uri="{BB962C8B-B14F-4D97-AF65-F5344CB8AC3E}">
         <p14:creationId xmlns:p14="http://schemas.microsoft.com/office/powerpoint/2010/main" val="847736613"/>
-      </p:ext>
-    </p:extLst>
-  </p:cSld>
-  <p:clrMapOvr>
-    <a:masterClrMapping/>
-  </p:clrMapOvr>
-</p:notes>
-</file>
-
-<file path=ppt/notesSlides/notesSlide20.xml><?xml version="1.0" encoding="utf-8"?>
-<p:notes xmlns:a="http://schemas.openxmlformats.org/drawingml/2006/main" xmlns:r="http://schemas.openxmlformats.org/officeDocument/2006/relationships" xmlns:p="http://schemas.openxmlformats.org/presentationml/2006/main">
-  <p:cSld>
-    <p:spTree>
-      <p:nvGrpSpPr>
-        <p:cNvPr id="1" name=""/>
-        <p:cNvGrpSpPr/>
-        <p:nvPr/>
-      </p:nvGrpSpPr>
-      <p:grpSpPr>
-        <a:xfrm>
-          <a:off x="0" y="0"/>
-          <a:ext cx="0" cy="0"/>
-          <a:chOff x="0" y="0"/>
-          <a:chExt cx="0" cy="0"/>
-        </a:xfrm>
-      </p:grpSpPr>
-      <p:sp>
-        <p:nvSpPr>
-          <p:cNvPr id="2" name="슬라이드 이미지 개체 틀 1"/>
-          <p:cNvSpPr>
-            <a:spLocks noGrp="1" noRot="1" noChangeAspect="1"/>
-          </p:cNvSpPr>
-          <p:nvPr>
-            <p:ph type="sldImg"/>
-          </p:nvPr>
-        </p:nvSpPr>
-        <p:spPr/>
-      </p:sp>
-      <p:sp>
-        <p:nvSpPr>
-          <p:cNvPr id="3" name="슬라이드 노트 개체 틀 2"/>
-          <p:cNvSpPr>
-            <a:spLocks noGrp="1"/>
-          </p:cNvSpPr>
-          <p:nvPr>
-            <p:ph type="body" idx="1"/>
-          </p:nvPr>
-        </p:nvSpPr>
-        <p:spPr/>
-        <p:txBody>
-          <a:bodyPr/>
-          <a:lstStyle/>
-          <a:p>
-            <a:endParaRPr lang="ko-KR" altLang="en-US" dirty="0"/>
-          </a:p>
-        </p:txBody>
-      </p:sp>
-      <p:sp>
-        <p:nvSpPr>
-          <p:cNvPr id="4" name="슬라이드 번호 개체 틀 3"/>
-          <p:cNvSpPr>
-            <a:spLocks noGrp="1"/>
-          </p:cNvSpPr>
-          <p:nvPr>
-            <p:ph type="sldNum" sz="quarter" idx="10"/>
-          </p:nvPr>
-        </p:nvSpPr>
-        <p:spPr/>
-        <p:txBody>
-          <a:bodyPr/>
-          <a:lstStyle/>
-          <a:p>
-            <a:fld id="{58FE420B-9FF8-422D-AD08-A4FAC3E5B209}" type="slidenum">
-              <a:rPr lang="ko-KR" altLang="en-US" smtClean="0"/>
-              <a:t>22</a:t>
-            </a:fld>
-            <a:endParaRPr lang="ko-KR" altLang="en-US"/>
-          </a:p>
-        </p:txBody>
-      </p:sp>
-    </p:spTree>
-    <p:extLst>
-      <p:ext uri="{BB962C8B-B14F-4D97-AF65-F5344CB8AC3E}">
-        <p14:creationId xmlns:p14="http://schemas.microsoft.com/office/powerpoint/2010/main" val="1661693118"/>
       </p:ext>
     </p:extLst>
   </p:cSld>
@@ -6458,7 +6373,7 @@
           <a:p>
             <a:fld id="{48A87A34-81AB-432B-8DAE-1953F412C126}" type="datetimeFigureOut">
               <a:rPr lang="en-US" dirty="0"/>
-              <a:t>12/3/2019</a:t>
+              <a:t>2/17/2020</a:t>
             </a:fld>
             <a:endParaRPr lang="en-US" dirty="0"/>
           </a:p>
@@ -6720,7 +6635,7 @@
           <a:p>
             <a:fld id="{48A87A34-81AB-432B-8DAE-1953F412C126}" type="datetimeFigureOut">
               <a:rPr lang="en-US" dirty="0"/>
-              <a:t>12/3/2019</a:t>
+              <a:t>2/17/2020</a:t>
             </a:fld>
             <a:endParaRPr lang="en-US" dirty="0"/>
           </a:p>
@@ -6911,7 +6826,7 @@
           <a:p>
             <a:fld id="{48A87A34-81AB-432B-8DAE-1953F412C126}" type="datetimeFigureOut">
               <a:rPr lang="en-US" dirty="0"/>
-              <a:t>12/3/2019</a:t>
+              <a:t>2/17/2020</a:t>
             </a:fld>
             <a:endParaRPr lang="en-US" dirty="0"/>
           </a:p>
@@ -7169,7 +7084,7 @@
           <a:p>
             <a:fld id="{48A87A34-81AB-432B-8DAE-1953F412C126}" type="datetimeFigureOut">
               <a:rPr lang="en-US" dirty="0"/>
-              <a:t>12/3/2019</a:t>
+              <a:t>2/17/2020</a:t>
             </a:fld>
             <a:endParaRPr lang="en-US" dirty="0"/>
           </a:p>
@@ -7598,7 +7513,7 @@
           <a:p>
             <a:fld id="{48A87A34-81AB-432B-8DAE-1953F412C126}" type="datetimeFigureOut">
               <a:rPr lang="en-US" dirty="0"/>
-              <a:t>12/3/2019</a:t>
+              <a:t>2/17/2020</a:t>
             </a:fld>
             <a:endParaRPr lang="en-US" dirty="0"/>
           </a:p>
@@ -8139,7 +8054,7 @@
           <a:p>
             <a:fld id="{48A87A34-81AB-432B-8DAE-1953F412C126}" type="datetimeFigureOut">
               <a:rPr lang="en-US" dirty="0"/>
-              <a:t>12/3/2019</a:t>
+              <a:t>2/17/2020</a:t>
             </a:fld>
             <a:endParaRPr lang="en-US" dirty="0"/>
           </a:p>
@@ -8854,7 +8769,7 @@
           <a:p>
             <a:fld id="{48A87A34-81AB-432B-8DAE-1953F412C126}" type="datetimeFigureOut">
               <a:rPr lang="en-US" dirty="0"/>
-              <a:t>12/3/2019</a:t>
+              <a:t>2/17/2020</a:t>
             </a:fld>
             <a:endParaRPr lang="en-US" dirty="0"/>
           </a:p>
@@ -9019,7 +8934,7 @@
           <a:p>
             <a:fld id="{48A87A34-81AB-432B-8DAE-1953F412C126}" type="datetimeFigureOut">
               <a:rPr lang="en-US" dirty="0"/>
-              <a:t>12/3/2019</a:t>
+              <a:t>2/17/2020</a:t>
             </a:fld>
             <a:endParaRPr lang="en-US" dirty="0"/>
           </a:p>
@@ -9194,7 +9109,7 @@
           <a:p>
             <a:fld id="{48A87A34-81AB-432B-8DAE-1953F412C126}" type="datetimeFigureOut">
               <a:rPr lang="en-US" dirty="0"/>
-              <a:t>12/3/2019</a:t>
+              <a:t>2/17/2020</a:t>
             </a:fld>
             <a:endParaRPr lang="en-US" dirty="0"/>
           </a:p>
@@ -9359,7 +9274,7 @@
           <a:p>
             <a:fld id="{48A87A34-81AB-432B-8DAE-1953F412C126}" type="datetimeFigureOut">
               <a:rPr lang="en-US" dirty="0"/>
-              <a:t>12/3/2019</a:t>
+              <a:t>2/17/2020</a:t>
             </a:fld>
             <a:endParaRPr lang="en-US" dirty="0"/>
           </a:p>
@@ -9604,7 +9519,7 @@
           <a:p>
             <a:fld id="{48A87A34-81AB-432B-8DAE-1953F412C126}" type="datetimeFigureOut">
               <a:rPr lang="en-US" dirty="0"/>
-              <a:t>12/3/2019</a:t>
+              <a:t>2/17/2020</a:t>
             </a:fld>
             <a:endParaRPr lang="en-US" dirty="0"/>
           </a:p>
@@ -9831,7 +9746,7 @@
           <a:p>
             <a:fld id="{48A87A34-81AB-432B-8DAE-1953F412C126}" type="datetimeFigureOut">
               <a:rPr lang="en-US" dirty="0"/>
-              <a:t>12/3/2019</a:t>
+              <a:t>2/17/2020</a:t>
             </a:fld>
             <a:endParaRPr lang="en-US" dirty="0"/>
           </a:p>
@@ -10207,7 +10122,7 @@
           <a:p>
             <a:fld id="{48A87A34-81AB-432B-8DAE-1953F412C126}" type="datetimeFigureOut">
               <a:rPr lang="en-US" dirty="0"/>
-              <a:t>12/3/2019</a:t>
+              <a:t>2/17/2020</a:t>
             </a:fld>
             <a:endParaRPr lang="en-US" dirty="0"/>
           </a:p>
@@ -10320,7 +10235,7 @@
           <a:p>
             <a:fld id="{48A87A34-81AB-432B-8DAE-1953F412C126}" type="datetimeFigureOut">
               <a:rPr lang="en-US" dirty="0"/>
-              <a:t>12/3/2019</a:t>
+              <a:t>2/17/2020</a:t>
             </a:fld>
             <a:endParaRPr lang="en-US" dirty="0"/>
           </a:p>
@@ -10410,7 +10325,7 @@
           <a:p>
             <a:fld id="{48A87A34-81AB-432B-8DAE-1953F412C126}" type="datetimeFigureOut">
               <a:rPr lang="en-US" dirty="0"/>
-              <a:t>12/3/2019</a:t>
+              <a:t>2/17/2020</a:t>
             </a:fld>
             <a:endParaRPr lang="en-US" dirty="0"/>
           </a:p>
@@ -10654,7 +10569,7 @@
           <a:p>
             <a:fld id="{48A87A34-81AB-432B-8DAE-1953F412C126}" type="datetimeFigureOut">
               <a:rPr lang="en-US" dirty="0"/>
-              <a:t>12/3/2019</a:t>
+              <a:t>2/17/2020</a:t>
             </a:fld>
             <a:endParaRPr lang="en-US" dirty="0"/>
           </a:p>
@@ -10929,7 +10844,7 @@
           <a:p>
             <a:fld id="{48A87A34-81AB-432B-8DAE-1953F412C126}" type="datetimeFigureOut">
               <a:rPr lang="en-US" dirty="0"/>
-              <a:t>12/3/2019</a:t>
+              <a:t>2/17/2020</a:t>
             </a:fld>
             <a:endParaRPr lang="en-US" dirty="0"/>
           </a:p>
@@ -13992,7 +13907,7 @@
             <a:fld id="{48A87A34-81AB-432B-8DAE-1953F412C126}" type="datetimeFigureOut">
               <a:rPr lang="en-US" dirty="0"/>
               <a:pPr/>
-              <a:t>12/3/2019</a:t>
+              <a:t>2/17/2020</a:t>
             </a:fld>
             <a:endParaRPr lang="en-US" dirty="0"/>
           </a:p>
@@ -14413,7 +14328,7 @@
           <p:cNvPr id="2" name="제목 1">
             <a:extLst>
               <a:ext uri="{FF2B5EF4-FFF2-40B4-BE49-F238E27FC236}">
-                <a16:creationId xmlns:a16="http://schemas.microsoft.com/office/drawing/2014/main" id="{4B23899D-B179-4B97-B67E-34DA41771344}"/>
+                <a16:creationId xmlns:a16="http://schemas.microsoft.com/office/drawing/2014/main" xmlns="" id="{4B23899D-B179-4B97-B67E-34DA41771344}"/>
               </a:ext>
             </a:extLst>
           </p:cNvPr>
@@ -14450,7 +14365,7 @@
           <p:cNvPr id="3" name="부제목 2">
             <a:extLst>
               <a:ext uri="{FF2B5EF4-FFF2-40B4-BE49-F238E27FC236}">
-                <a16:creationId xmlns:a16="http://schemas.microsoft.com/office/drawing/2014/main" id="{60821D2A-C066-43FB-A265-C5947EA0976D}"/>
+                <a16:creationId xmlns:a16="http://schemas.microsoft.com/office/drawing/2014/main" xmlns="" id="{60821D2A-C066-43FB-A265-C5947EA0976D}"/>
               </a:ext>
             </a:extLst>
           </p:cNvPr>
@@ -14546,7 +14461,7 @@
           <p:cNvPr id="2" name="TextBox 1">
             <a:extLst>
               <a:ext uri="{FF2B5EF4-FFF2-40B4-BE49-F238E27FC236}">
-                <a16:creationId xmlns:a16="http://schemas.microsoft.com/office/drawing/2014/main" id="{5535DBAC-191A-4FCC-BA44-031FCF1FADAB}"/>
+                <a16:creationId xmlns:a16="http://schemas.microsoft.com/office/drawing/2014/main" xmlns="" id="{5535DBAC-191A-4FCC-BA44-031FCF1FADAB}"/>
               </a:ext>
             </a:extLst>
           </p:cNvPr>
@@ -14972,7 +14887,7 @@
           <p:cNvPr id="3" name="TextBox 2">
             <a:extLst>
               <a:ext uri="{FF2B5EF4-FFF2-40B4-BE49-F238E27FC236}">
-                <a16:creationId xmlns:a16="http://schemas.microsoft.com/office/drawing/2014/main" id="{09FB609E-2CD7-4D19-A64F-88BF6600F0DA}"/>
+                <a16:creationId xmlns:a16="http://schemas.microsoft.com/office/drawing/2014/main" xmlns="" id="{09FB609E-2CD7-4D19-A64F-88BF6600F0DA}"/>
               </a:ext>
             </a:extLst>
           </p:cNvPr>
@@ -15007,7 +14922,7 @@
           <p:cNvPr id="5" name="TextBox 4">
             <a:extLst>
               <a:ext uri="{FF2B5EF4-FFF2-40B4-BE49-F238E27FC236}">
-                <a16:creationId xmlns:a16="http://schemas.microsoft.com/office/drawing/2014/main" id="{6C1EC2A7-12AC-42ED-9E93-92A56BE85B26}"/>
+                <a16:creationId xmlns:a16="http://schemas.microsoft.com/office/drawing/2014/main" xmlns="" id="{6C1EC2A7-12AC-42ED-9E93-92A56BE85B26}"/>
               </a:ext>
             </a:extLst>
           </p:cNvPr>
@@ -15042,7 +14957,7 @@
           <p:cNvPr id="7" name="직선 화살표 연결선 6">
             <a:extLst>
               <a:ext uri="{FF2B5EF4-FFF2-40B4-BE49-F238E27FC236}">
-                <a16:creationId xmlns:a16="http://schemas.microsoft.com/office/drawing/2014/main" id="{4F558704-F494-4D96-B897-2BDBC3697546}"/>
+                <a16:creationId xmlns:a16="http://schemas.microsoft.com/office/drawing/2014/main" xmlns="" id="{4F558704-F494-4D96-B897-2BDBC3697546}"/>
               </a:ext>
             </a:extLst>
           </p:cNvPr>
@@ -15084,7 +14999,7 @@
           <p:cNvPr id="9" name="직선 화살표 연결선 8">
             <a:extLst>
               <a:ext uri="{FF2B5EF4-FFF2-40B4-BE49-F238E27FC236}">
-                <a16:creationId xmlns:a16="http://schemas.microsoft.com/office/drawing/2014/main" id="{E70094D2-79E4-4756-ADB2-EAF519216F8B}"/>
+                <a16:creationId xmlns:a16="http://schemas.microsoft.com/office/drawing/2014/main" xmlns="" id="{E70094D2-79E4-4756-ADB2-EAF519216F8B}"/>
               </a:ext>
             </a:extLst>
           </p:cNvPr>
@@ -15194,7 +15109,7 @@
           <p:cNvPr id="2" name="TextBox 1">
             <a:extLst>
               <a:ext uri="{FF2B5EF4-FFF2-40B4-BE49-F238E27FC236}">
-                <a16:creationId xmlns:a16="http://schemas.microsoft.com/office/drawing/2014/main" id="{5535DBAC-191A-4FCC-BA44-031FCF1FADAB}"/>
+                <a16:creationId xmlns:a16="http://schemas.microsoft.com/office/drawing/2014/main" xmlns="" id="{5535DBAC-191A-4FCC-BA44-031FCF1FADAB}"/>
               </a:ext>
             </a:extLst>
           </p:cNvPr>
@@ -15620,7 +15535,7 @@
           <p:cNvPr id="3" name="TextBox 2">
             <a:extLst>
               <a:ext uri="{FF2B5EF4-FFF2-40B4-BE49-F238E27FC236}">
-                <a16:creationId xmlns:a16="http://schemas.microsoft.com/office/drawing/2014/main" id="{09FB609E-2CD7-4D19-A64F-88BF6600F0DA}"/>
+                <a16:creationId xmlns:a16="http://schemas.microsoft.com/office/drawing/2014/main" xmlns="" id="{09FB609E-2CD7-4D19-A64F-88BF6600F0DA}"/>
               </a:ext>
             </a:extLst>
           </p:cNvPr>
@@ -15655,7 +15570,7 @@
           <p:cNvPr id="5" name="TextBox 4">
             <a:extLst>
               <a:ext uri="{FF2B5EF4-FFF2-40B4-BE49-F238E27FC236}">
-                <a16:creationId xmlns:a16="http://schemas.microsoft.com/office/drawing/2014/main" id="{6C1EC2A7-12AC-42ED-9E93-92A56BE85B26}"/>
+                <a16:creationId xmlns:a16="http://schemas.microsoft.com/office/drawing/2014/main" xmlns="" id="{6C1EC2A7-12AC-42ED-9E93-92A56BE85B26}"/>
               </a:ext>
             </a:extLst>
           </p:cNvPr>
@@ -15690,7 +15605,7 @@
           <p:cNvPr id="7" name="직선 화살표 연결선 6">
             <a:extLst>
               <a:ext uri="{FF2B5EF4-FFF2-40B4-BE49-F238E27FC236}">
-                <a16:creationId xmlns:a16="http://schemas.microsoft.com/office/drawing/2014/main" id="{4F558704-F494-4D96-B897-2BDBC3697546}"/>
+                <a16:creationId xmlns:a16="http://schemas.microsoft.com/office/drawing/2014/main" xmlns="" id="{4F558704-F494-4D96-B897-2BDBC3697546}"/>
               </a:ext>
             </a:extLst>
           </p:cNvPr>
@@ -15732,7 +15647,7 @@
           <p:cNvPr id="9" name="직선 화살표 연결선 8">
             <a:extLst>
               <a:ext uri="{FF2B5EF4-FFF2-40B4-BE49-F238E27FC236}">
-                <a16:creationId xmlns:a16="http://schemas.microsoft.com/office/drawing/2014/main" id="{E70094D2-79E4-4756-ADB2-EAF519216F8B}"/>
+                <a16:creationId xmlns:a16="http://schemas.microsoft.com/office/drawing/2014/main" xmlns="" id="{E70094D2-79E4-4756-ADB2-EAF519216F8B}"/>
               </a:ext>
             </a:extLst>
           </p:cNvPr>
@@ -15842,7 +15757,7 @@
           <p:cNvPr id="2" name="TextBox 1">
             <a:extLst>
               <a:ext uri="{FF2B5EF4-FFF2-40B4-BE49-F238E27FC236}">
-                <a16:creationId xmlns:a16="http://schemas.microsoft.com/office/drawing/2014/main" id="{5535DBAC-191A-4FCC-BA44-031FCF1FADAB}"/>
+                <a16:creationId xmlns:a16="http://schemas.microsoft.com/office/drawing/2014/main" xmlns="" id="{5535DBAC-191A-4FCC-BA44-031FCF1FADAB}"/>
               </a:ext>
             </a:extLst>
           </p:cNvPr>
@@ -16434,7 +16349,7 @@
           <p:cNvPr id="8" name="그룹 7">
             <a:extLst>
               <a:ext uri="{FF2B5EF4-FFF2-40B4-BE49-F238E27FC236}">
-                <a16:creationId xmlns:a16="http://schemas.microsoft.com/office/drawing/2014/main" id="{6C188574-3B85-4BF5-A3F1-5509F1B99897}"/>
+                <a16:creationId xmlns:a16="http://schemas.microsoft.com/office/drawing/2014/main" xmlns="" id="{6C188574-3B85-4BF5-A3F1-5509F1B99897}"/>
               </a:ext>
             </a:extLst>
           </p:cNvPr>
@@ -16454,7 +16369,7 @@
             <p:cNvPr id="10" name="직사각형 9">
               <a:extLst>
                 <a:ext uri="{FF2B5EF4-FFF2-40B4-BE49-F238E27FC236}">
-                  <a16:creationId xmlns:a16="http://schemas.microsoft.com/office/drawing/2014/main" id="{AA1BE09C-31B0-45DE-8A62-E058423233A1}"/>
+                  <a16:creationId xmlns:a16="http://schemas.microsoft.com/office/drawing/2014/main" xmlns="" id="{AA1BE09C-31B0-45DE-8A62-E058423233A1}"/>
                 </a:ext>
               </a:extLst>
             </p:cNvPr>
@@ -16514,7 +16429,7 @@
             <p:cNvPr id="11" name="직사각형 10">
               <a:extLst>
                 <a:ext uri="{FF2B5EF4-FFF2-40B4-BE49-F238E27FC236}">
-                  <a16:creationId xmlns:a16="http://schemas.microsoft.com/office/drawing/2014/main" id="{8A48CA84-F8B1-440B-905F-41A4D1FEA6E7}"/>
+                  <a16:creationId xmlns:a16="http://schemas.microsoft.com/office/drawing/2014/main" xmlns="" id="{8A48CA84-F8B1-440B-905F-41A4D1FEA6E7}"/>
                 </a:ext>
               </a:extLst>
             </p:cNvPr>
@@ -16574,7 +16489,7 @@
             <p:cNvPr id="12" name="직사각형 11">
               <a:extLst>
                 <a:ext uri="{FF2B5EF4-FFF2-40B4-BE49-F238E27FC236}">
-                  <a16:creationId xmlns:a16="http://schemas.microsoft.com/office/drawing/2014/main" id="{587D4C98-B37C-4391-A460-604468BC4690}"/>
+                  <a16:creationId xmlns:a16="http://schemas.microsoft.com/office/drawing/2014/main" xmlns="" id="{587D4C98-B37C-4391-A460-604468BC4690}"/>
                 </a:ext>
               </a:extLst>
             </p:cNvPr>
@@ -16634,7 +16549,7 @@
             <p:cNvPr id="13" name="직사각형 12">
               <a:extLst>
                 <a:ext uri="{FF2B5EF4-FFF2-40B4-BE49-F238E27FC236}">
-                  <a16:creationId xmlns:a16="http://schemas.microsoft.com/office/drawing/2014/main" id="{EB14F6E9-751E-450D-BDA1-C2A37E053D9A}"/>
+                  <a16:creationId xmlns:a16="http://schemas.microsoft.com/office/drawing/2014/main" xmlns="" id="{EB14F6E9-751E-450D-BDA1-C2A37E053D9A}"/>
                 </a:ext>
               </a:extLst>
             </p:cNvPr>
@@ -16694,7 +16609,7 @@
             <p:cNvPr id="14" name="직사각형 13">
               <a:extLst>
                 <a:ext uri="{FF2B5EF4-FFF2-40B4-BE49-F238E27FC236}">
-                  <a16:creationId xmlns:a16="http://schemas.microsoft.com/office/drawing/2014/main" id="{E9F72F22-F8CC-46CC-A8F9-A0AACA996704}"/>
+                  <a16:creationId xmlns:a16="http://schemas.microsoft.com/office/drawing/2014/main" xmlns="" id="{E9F72F22-F8CC-46CC-A8F9-A0AACA996704}"/>
                 </a:ext>
               </a:extLst>
             </p:cNvPr>
@@ -16755,7 +16670,7 @@
           <p:cNvPr id="15" name="그룹 14">
             <a:extLst>
               <a:ext uri="{FF2B5EF4-FFF2-40B4-BE49-F238E27FC236}">
-                <a16:creationId xmlns:a16="http://schemas.microsoft.com/office/drawing/2014/main" id="{74729714-E7C6-478C-B364-BA53F34A8A72}"/>
+                <a16:creationId xmlns:a16="http://schemas.microsoft.com/office/drawing/2014/main" xmlns="" id="{74729714-E7C6-478C-B364-BA53F34A8A72}"/>
               </a:ext>
             </a:extLst>
           </p:cNvPr>
@@ -16775,7 +16690,7 @@
             <p:cNvPr id="16" name="직사각형 15">
               <a:extLst>
                 <a:ext uri="{FF2B5EF4-FFF2-40B4-BE49-F238E27FC236}">
-                  <a16:creationId xmlns:a16="http://schemas.microsoft.com/office/drawing/2014/main" id="{31E2FE40-28E7-4604-92AF-FBF4B1407FE9}"/>
+                  <a16:creationId xmlns:a16="http://schemas.microsoft.com/office/drawing/2014/main" xmlns="" id="{31E2FE40-28E7-4604-92AF-FBF4B1407FE9}"/>
                 </a:ext>
               </a:extLst>
             </p:cNvPr>
@@ -16858,7 +16773,7 @@
             <p:cNvPr id="17" name="직사각형 16">
               <a:extLst>
                 <a:ext uri="{FF2B5EF4-FFF2-40B4-BE49-F238E27FC236}">
-                  <a16:creationId xmlns:a16="http://schemas.microsoft.com/office/drawing/2014/main" id="{9DCF7F8F-33F3-499F-8E1B-0357671794DE}"/>
+                  <a16:creationId xmlns:a16="http://schemas.microsoft.com/office/drawing/2014/main" xmlns="" id="{9DCF7F8F-33F3-499F-8E1B-0357671794DE}"/>
                 </a:ext>
               </a:extLst>
             </p:cNvPr>
@@ -16929,7 +16844,7 @@
             <p:cNvPr id="18" name="왼쪽 중괄호 17">
               <a:extLst>
                 <a:ext uri="{FF2B5EF4-FFF2-40B4-BE49-F238E27FC236}">
-                  <a16:creationId xmlns:a16="http://schemas.microsoft.com/office/drawing/2014/main" id="{17BD5CCE-FCFD-49A7-A4CA-63B3BE35237C}"/>
+                  <a16:creationId xmlns:a16="http://schemas.microsoft.com/office/drawing/2014/main" xmlns="" id="{17BD5CCE-FCFD-49A7-A4CA-63B3BE35237C}"/>
                 </a:ext>
               </a:extLst>
             </p:cNvPr>
@@ -16978,7 +16893,7 @@
             <p:cNvPr id="19" name="TextBox 18">
               <a:extLst>
                 <a:ext uri="{FF2B5EF4-FFF2-40B4-BE49-F238E27FC236}">
-                  <a16:creationId xmlns:a16="http://schemas.microsoft.com/office/drawing/2014/main" id="{79394F5B-6173-43FC-9C17-C25D6C5E23FA}"/>
+                  <a16:creationId xmlns:a16="http://schemas.microsoft.com/office/drawing/2014/main" xmlns="" id="{79394F5B-6173-43FC-9C17-C25D6C5E23FA}"/>
                 </a:ext>
               </a:extLst>
             </p:cNvPr>
@@ -17018,7 +16933,7 @@
             <p:cNvPr id="20" name="왼쪽 중괄호 19">
               <a:extLst>
                 <a:ext uri="{FF2B5EF4-FFF2-40B4-BE49-F238E27FC236}">
-                  <a16:creationId xmlns:a16="http://schemas.microsoft.com/office/drawing/2014/main" id="{52BF84A2-F3E1-4A90-80FC-EE6E6B60166F}"/>
+                  <a16:creationId xmlns:a16="http://schemas.microsoft.com/office/drawing/2014/main" xmlns="" id="{52BF84A2-F3E1-4A90-80FC-EE6E6B60166F}"/>
                 </a:ext>
               </a:extLst>
             </p:cNvPr>
@@ -17067,7 +16982,7 @@
             <p:cNvPr id="21" name="TextBox 20">
               <a:extLst>
                 <a:ext uri="{FF2B5EF4-FFF2-40B4-BE49-F238E27FC236}">
-                  <a16:creationId xmlns:a16="http://schemas.microsoft.com/office/drawing/2014/main" id="{7721C747-36FF-40F6-BA84-9A6D556DED9A}"/>
+                  <a16:creationId xmlns:a16="http://schemas.microsoft.com/office/drawing/2014/main" xmlns="" id="{7721C747-36FF-40F6-BA84-9A6D556DED9A}"/>
                 </a:ext>
               </a:extLst>
             </p:cNvPr>
@@ -17108,7 +17023,7 @@
           <p:cNvPr id="6" name="화살표: 오른쪽 5">
             <a:extLst>
               <a:ext uri="{FF2B5EF4-FFF2-40B4-BE49-F238E27FC236}">
-                <a16:creationId xmlns:a16="http://schemas.microsoft.com/office/drawing/2014/main" id="{50927A41-F588-464D-8742-07D8DD329B9C}"/>
+                <a16:creationId xmlns:a16="http://schemas.microsoft.com/office/drawing/2014/main" xmlns="" id="{50927A41-F588-464D-8742-07D8DD329B9C}"/>
               </a:ext>
             </a:extLst>
           </p:cNvPr>
@@ -17226,7 +17141,7 @@
           <p:cNvPr id="2" name="TextBox 1">
             <a:extLst>
               <a:ext uri="{FF2B5EF4-FFF2-40B4-BE49-F238E27FC236}">
-                <a16:creationId xmlns:a16="http://schemas.microsoft.com/office/drawing/2014/main" id="{5535DBAC-191A-4FCC-BA44-031FCF1FADAB}"/>
+                <a16:creationId xmlns:a16="http://schemas.microsoft.com/office/drawing/2014/main" xmlns="" id="{5535DBAC-191A-4FCC-BA44-031FCF1FADAB}"/>
               </a:ext>
             </a:extLst>
           </p:cNvPr>
@@ -17444,7 +17359,7 @@
           <p:cNvPr id="32" name="그룹 31">
             <a:extLst>
               <a:ext uri="{FF2B5EF4-FFF2-40B4-BE49-F238E27FC236}">
-                <a16:creationId xmlns:a16="http://schemas.microsoft.com/office/drawing/2014/main" id="{0959BB4A-9E8E-4D57-AA85-5521701D95B3}"/>
+                <a16:creationId xmlns:a16="http://schemas.microsoft.com/office/drawing/2014/main" xmlns="" id="{0959BB4A-9E8E-4D57-AA85-5521701D95B3}"/>
               </a:ext>
             </a:extLst>
           </p:cNvPr>
@@ -17464,7 +17379,7 @@
             <p:cNvPr id="18" name="그룹 17">
               <a:extLst>
                 <a:ext uri="{FF2B5EF4-FFF2-40B4-BE49-F238E27FC236}">
-                  <a16:creationId xmlns:a16="http://schemas.microsoft.com/office/drawing/2014/main" id="{DEC68C86-784B-4895-88A7-FF11F42A202A}"/>
+                  <a16:creationId xmlns:a16="http://schemas.microsoft.com/office/drawing/2014/main" xmlns="" id="{DEC68C86-784B-4895-88A7-FF11F42A202A}"/>
                 </a:ext>
               </a:extLst>
             </p:cNvPr>
@@ -17484,7 +17399,7 @@
               <p:cNvPr id="10" name="그룹 9">
                 <a:extLst>
                   <a:ext uri="{FF2B5EF4-FFF2-40B4-BE49-F238E27FC236}">
-                    <a16:creationId xmlns:a16="http://schemas.microsoft.com/office/drawing/2014/main" id="{0E54558C-E2DA-454F-AEB2-49330DFCB581}"/>
+                    <a16:creationId xmlns:a16="http://schemas.microsoft.com/office/drawing/2014/main" xmlns="" id="{0E54558C-E2DA-454F-AEB2-49330DFCB581}"/>
                   </a:ext>
                 </a:extLst>
               </p:cNvPr>
@@ -17504,7 +17419,7 @@
                 <p:cNvPr id="3" name="직사각형 2">
                   <a:extLst>
                     <a:ext uri="{FF2B5EF4-FFF2-40B4-BE49-F238E27FC236}">
-                      <a16:creationId xmlns:a16="http://schemas.microsoft.com/office/drawing/2014/main" id="{9511D7F0-D171-468B-9412-B9E135544002}"/>
+                      <a16:creationId xmlns:a16="http://schemas.microsoft.com/office/drawing/2014/main" xmlns="" id="{9511D7F0-D171-468B-9412-B9E135544002}"/>
                     </a:ext>
                   </a:extLst>
                 </p:cNvPr>
@@ -17572,7 +17487,7 @@
                 <p:cNvPr id="6" name="직사각형 5">
                   <a:extLst>
                     <a:ext uri="{FF2B5EF4-FFF2-40B4-BE49-F238E27FC236}">
-                      <a16:creationId xmlns:a16="http://schemas.microsoft.com/office/drawing/2014/main" id="{D7F862DB-B3EE-4F22-BF0A-F42D218432A5}"/>
+                      <a16:creationId xmlns:a16="http://schemas.microsoft.com/office/drawing/2014/main" xmlns="" id="{D7F862DB-B3EE-4F22-BF0A-F42D218432A5}"/>
                     </a:ext>
                   </a:extLst>
                 </p:cNvPr>
@@ -17640,7 +17555,7 @@
                 <p:cNvPr id="7" name="직사각형 6">
                   <a:extLst>
                     <a:ext uri="{FF2B5EF4-FFF2-40B4-BE49-F238E27FC236}">
-                      <a16:creationId xmlns:a16="http://schemas.microsoft.com/office/drawing/2014/main" id="{4E548783-0313-4428-9941-60F4A1D00C52}"/>
+                      <a16:creationId xmlns:a16="http://schemas.microsoft.com/office/drawing/2014/main" xmlns="" id="{4E548783-0313-4428-9941-60F4A1D00C52}"/>
                     </a:ext>
                   </a:extLst>
                 </p:cNvPr>
@@ -17708,7 +17623,7 @@
                 <p:cNvPr id="8" name="직사각형 7">
                   <a:extLst>
                     <a:ext uri="{FF2B5EF4-FFF2-40B4-BE49-F238E27FC236}">
-                      <a16:creationId xmlns:a16="http://schemas.microsoft.com/office/drawing/2014/main" id="{751F5BB6-258D-4640-A148-8B005DD835FA}"/>
+                      <a16:creationId xmlns:a16="http://schemas.microsoft.com/office/drawing/2014/main" xmlns="" id="{751F5BB6-258D-4640-A148-8B005DD835FA}"/>
                     </a:ext>
                   </a:extLst>
                 </p:cNvPr>
@@ -17776,7 +17691,7 @@
                 <p:cNvPr id="9" name="직사각형 8">
                   <a:extLst>
                     <a:ext uri="{FF2B5EF4-FFF2-40B4-BE49-F238E27FC236}">
-                      <a16:creationId xmlns:a16="http://schemas.microsoft.com/office/drawing/2014/main" id="{1A2AF367-4244-4B88-910D-F49A25E14E18}"/>
+                      <a16:creationId xmlns:a16="http://schemas.microsoft.com/office/drawing/2014/main" xmlns="" id="{1A2AF367-4244-4B88-910D-F49A25E14E18}"/>
                     </a:ext>
                   </a:extLst>
                 </p:cNvPr>
@@ -17845,7 +17760,7 @@
               <p:cNvPr id="17" name="TextBox 16">
                 <a:extLst>
                   <a:ext uri="{FF2B5EF4-FFF2-40B4-BE49-F238E27FC236}">
-                    <a16:creationId xmlns:a16="http://schemas.microsoft.com/office/drawing/2014/main" id="{4C977D70-E22D-4A54-85DA-3A423BFE2402}"/>
+                    <a16:creationId xmlns:a16="http://schemas.microsoft.com/office/drawing/2014/main" xmlns="" id="{4C977D70-E22D-4A54-85DA-3A423BFE2402}"/>
                   </a:ext>
                 </a:extLst>
               </p:cNvPr>
@@ -17898,7 +17813,7 @@
             <p:cNvPr id="20" name="그룹 19">
               <a:extLst>
                 <a:ext uri="{FF2B5EF4-FFF2-40B4-BE49-F238E27FC236}">
-                  <a16:creationId xmlns:a16="http://schemas.microsoft.com/office/drawing/2014/main" id="{B6C9BE0E-C305-4A18-886F-2345857EF773}"/>
+                  <a16:creationId xmlns:a16="http://schemas.microsoft.com/office/drawing/2014/main" xmlns="" id="{B6C9BE0E-C305-4A18-886F-2345857EF773}"/>
                 </a:ext>
               </a:extLst>
             </p:cNvPr>
@@ -17918,7 +17833,7 @@
               <p:cNvPr id="11" name="그룹 10">
                 <a:extLst>
                   <a:ext uri="{FF2B5EF4-FFF2-40B4-BE49-F238E27FC236}">
-                    <a16:creationId xmlns:a16="http://schemas.microsoft.com/office/drawing/2014/main" id="{4531CBAE-D7AC-4185-8963-BD1BD2F152C5}"/>
+                    <a16:creationId xmlns:a16="http://schemas.microsoft.com/office/drawing/2014/main" xmlns="" id="{4531CBAE-D7AC-4185-8963-BD1BD2F152C5}"/>
                   </a:ext>
                 </a:extLst>
               </p:cNvPr>
@@ -17938,7 +17853,7 @@
                 <p:cNvPr id="12" name="직사각형 11">
                   <a:extLst>
                     <a:ext uri="{FF2B5EF4-FFF2-40B4-BE49-F238E27FC236}">
-                      <a16:creationId xmlns:a16="http://schemas.microsoft.com/office/drawing/2014/main" id="{A4868451-D8D8-483F-A91F-D6ADB8570674}"/>
+                      <a16:creationId xmlns:a16="http://schemas.microsoft.com/office/drawing/2014/main" xmlns="" id="{A4868451-D8D8-483F-A91F-D6ADB8570674}"/>
                     </a:ext>
                   </a:extLst>
                 </p:cNvPr>
@@ -18009,7 +17924,7 @@
                 <p:cNvPr id="13" name="직사각형 12">
                   <a:extLst>
                     <a:ext uri="{FF2B5EF4-FFF2-40B4-BE49-F238E27FC236}">
-                      <a16:creationId xmlns:a16="http://schemas.microsoft.com/office/drawing/2014/main" id="{F39B92B4-26A8-4AD1-8BC9-C2DEF5E06B0D}"/>
+                      <a16:creationId xmlns:a16="http://schemas.microsoft.com/office/drawing/2014/main" xmlns="" id="{F39B92B4-26A8-4AD1-8BC9-C2DEF5E06B0D}"/>
                     </a:ext>
                   </a:extLst>
                 </p:cNvPr>
@@ -18086,7 +18001,7 @@
                 <p:cNvPr id="14" name="직사각형 13">
                   <a:extLst>
                     <a:ext uri="{FF2B5EF4-FFF2-40B4-BE49-F238E27FC236}">
-                      <a16:creationId xmlns:a16="http://schemas.microsoft.com/office/drawing/2014/main" id="{57CA7CC9-4520-4647-B961-03F68BE9FCF5}"/>
+                      <a16:creationId xmlns:a16="http://schemas.microsoft.com/office/drawing/2014/main" xmlns="" id="{57CA7CC9-4520-4647-B961-03F68BE9FCF5}"/>
                     </a:ext>
                   </a:extLst>
                 </p:cNvPr>
@@ -18157,7 +18072,7 @@
                 <p:cNvPr id="15" name="직사각형 14">
                   <a:extLst>
                     <a:ext uri="{FF2B5EF4-FFF2-40B4-BE49-F238E27FC236}">
-                      <a16:creationId xmlns:a16="http://schemas.microsoft.com/office/drawing/2014/main" id="{60BF5375-843F-4DDC-9D6A-C46C1BF7B799}"/>
+                      <a16:creationId xmlns:a16="http://schemas.microsoft.com/office/drawing/2014/main" xmlns="" id="{60BF5375-843F-4DDC-9D6A-C46C1BF7B799}"/>
                     </a:ext>
                   </a:extLst>
                 </p:cNvPr>
@@ -18228,7 +18143,7 @@
                 <p:cNvPr id="16" name="직사각형 15">
                   <a:extLst>
                     <a:ext uri="{FF2B5EF4-FFF2-40B4-BE49-F238E27FC236}">
-                      <a16:creationId xmlns:a16="http://schemas.microsoft.com/office/drawing/2014/main" id="{0CBDC033-B27D-41A2-AE3C-7A5239979A31}"/>
+                      <a16:creationId xmlns:a16="http://schemas.microsoft.com/office/drawing/2014/main" xmlns="" id="{0CBDC033-B27D-41A2-AE3C-7A5239979A31}"/>
                     </a:ext>
                   </a:extLst>
                 </p:cNvPr>
@@ -18309,7 +18224,7 @@
               <p:cNvPr id="19" name="TextBox 18">
                 <a:extLst>
                   <a:ext uri="{FF2B5EF4-FFF2-40B4-BE49-F238E27FC236}">
-                    <a16:creationId xmlns:a16="http://schemas.microsoft.com/office/drawing/2014/main" id="{5353132A-2CFC-4508-8894-94F437E9E4D2}"/>
+                    <a16:creationId xmlns:a16="http://schemas.microsoft.com/office/drawing/2014/main" xmlns="" id="{5353132A-2CFC-4508-8894-94F437E9E4D2}"/>
                   </a:ext>
                 </a:extLst>
               </p:cNvPr>
@@ -18362,7 +18277,7 @@
             <p:cNvPr id="21" name="TextBox 20">
               <a:extLst>
                 <a:ext uri="{FF2B5EF4-FFF2-40B4-BE49-F238E27FC236}">
-                  <a16:creationId xmlns:a16="http://schemas.microsoft.com/office/drawing/2014/main" id="{C4EF1B64-7BDC-4EF0-95AD-B6144E89BAA3}"/>
+                  <a16:creationId xmlns:a16="http://schemas.microsoft.com/office/drawing/2014/main" xmlns="" id="{C4EF1B64-7BDC-4EF0-95AD-B6144E89BAA3}"/>
                 </a:ext>
               </a:extLst>
             </p:cNvPr>
@@ -18402,7 +18317,7 @@
             <p:cNvPr id="23" name="TextBox 22">
               <a:extLst>
                 <a:ext uri="{FF2B5EF4-FFF2-40B4-BE49-F238E27FC236}">
-                  <a16:creationId xmlns:a16="http://schemas.microsoft.com/office/drawing/2014/main" id="{5052B17E-CF8F-43CC-870D-C2FEFFC88671}"/>
+                  <a16:creationId xmlns:a16="http://schemas.microsoft.com/office/drawing/2014/main" xmlns="" id="{5052B17E-CF8F-43CC-870D-C2FEFFC88671}"/>
                 </a:ext>
               </a:extLst>
             </p:cNvPr>
@@ -18442,7 +18357,7 @@
             <p:cNvPr id="24" name="그룹 23">
               <a:extLst>
                 <a:ext uri="{FF2B5EF4-FFF2-40B4-BE49-F238E27FC236}">
-                  <a16:creationId xmlns:a16="http://schemas.microsoft.com/office/drawing/2014/main" id="{C4F796C4-0F85-4065-A696-39C99AFF397B}"/>
+                  <a16:creationId xmlns:a16="http://schemas.microsoft.com/office/drawing/2014/main" xmlns="" id="{C4F796C4-0F85-4065-A696-39C99AFF397B}"/>
                 </a:ext>
               </a:extLst>
             </p:cNvPr>
@@ -18462,7 +18377,7 @@
               <p:cNvPr id="25" name="그룹 24">
                 <a:extLst>
                   <a:ext uri="{FF2B5EF4-FFF2-40B4-BE49-F238E27FC236}">
-                    <a16:creationId xmlns:a16="http://schemas.microsoft.com/office/drawing/2014/main" id="{0E1A5070-3C8F-4CA3-89B1-7A39C0D0BFFB}"/>
+                    <a16:creationId xmlns:a16="http://schemas.microsoft.com/office/drawing/2014/main" xmlns="" id="{0E1A5070-3C8F-4CA3-89B1-7A39C0D0BFFB}"/>
                   </a:ext>
                 </a:extLst>
               </p:cNvPr>
@@ -18482,7 +18397,7 @@
                 <p:cNvPr id="27" name="직사각형 26">
                   <a:extLst>
                     <a:ext uri="{FF2B5EF4-FFF2-40B4-BE49-F238E27FC236}">
-                      <a16:creationId xmlns:a16="http://schemas.microsoft.com/office/drawing/2014/main" id="{96352334-579C-4C39-AF8B-3720C0E35007}"/>
+                      <a16:creationId xmlns:a16="http://schemas.microsoft.com/office/drawing/2014/main" xmlns="" id="{96352334-579C-4C39-AF8B-3720C0E35007}"/>
                     </a:ext>
                   </a:extLst>
                 </p:cNvPr>
@@ -18561,7 +18476,7 @@
                 <p:cNvPr id="28" name="직사각형 27">
                   <a:extLst>
                     <a:ext uri="{FF2B5EF4-FFF2-40B4-BE49-F238E27FC236}">
-                      <a16:creationId xmlns:a16="http://schemas.microsoft.com/office/drawing/2014/main" id="{B7AC1241-F9E2-4042-A20B-FE4AA88482D1}"/>
+                      <a16:creationId xmlns:a16="http://schemas.microsoft.com/office/drawing/2014/main" xmlns="" id="{B7AC1241-F9E2-4042-A20B-FE4AA88482D1}"/>
                     </a:ext>
                   </a:extLst>
                 </p:cNvPr>
@@ -18640,7 +18555,7 @@
                 <p:cNvPr id="29" name="직사각형 28">
                   <a:extLst>
                     <a:ext uri="{FF2B5EF4-FFF2-40B4-BE49-F238E27FC236}">
-                      <a16:creationId xmlns:a16="http://schemas.microsoft.com/office/drawing/2014/main" id="{132CC3CE-9148-4F18-961B-815463908D03}"/>
+                      <a16:creationId xmlns:a16="http://schemas.microsoft.com/office/drawing/2014/main" xmlns="" id="{132CC3CE-9148-4F18-961B-815463908D03}"/>
                     </a:ext>
                   </a:extLst>
                 </p:cNvPr>
@@ -18719,7 +18634,7 @@
                 <p:cNvPr id="30" name="직사각형 29">
                   <a:extLst>
                     <a:ext uri="{FF2B5EF4-FFF2-40B4-BE49-F238E27FC236}">
-                      <a16:creationId xmlns:a16="http://schemas.microsoft.com/office/drawing/2014/main" id="{EB22403B-4224-4D99-946D-95A82F85284D}"/>
+                      <a16:creationId xmlns:a16="http://schemas.microsoft.com/office/drawing/2014/main" xmlns="" id="{EB22403B-4224-4D99-946D-95A82F85284D}"/>
                     </a:ext>
                   </a:extLst>
                 </p:cNvPr>
@@ -18798,7 +18713,7 @@
                 <p:cNvPr id="31" name="직사각형 30">
                   <a:extLst>
                     <a:ext uri="{FF2B5EF4-FFF2-40B4-BE49-F238E27FC236}">
-                      <a16:creationId xmlns:a16="http://schemas.microsoft.com/office/drawing/2014/main" id="{D6E557CE-FE43-441F-8A2B-1CB0E7A78920}"/>
+                      <a16:creationId xmlns:a16="http://schemas.microsoft.com/office/drawing/2014/main" xmlns="" id="{D6E557CE-FE43-441F-8A2B-1CB0E7A78920}"/>
                     </a:ext>
                   </a:extLst>
                 </p:cNvPr>
@@ -18878,7 +18793,7 @@
               <p:cNvPr id="26" name="TextBox 25">
                 <a:extLst>
                   <a:ext uri="{FF2B5EF4-FFF2-40B4-BE49-F238E27FC236}">
-                    <a16:creationId xmlns:a16="http://schemas.microsoft.com/office/drawing/2014/main" id="{F78D3F64-2DF1-46CD-892E-7101494A7EC3}"/>
+                    <a16:creationId xmlns:a16="http://schemas.microsoft.com/office/drawing/2014/main" xmlns="" id="{F78D3F64-2DF1-46CD-892E-7101494A7EC3}"/>
                   </a:ext>
                 </a:extLst>
               </p:cNvPr>
@@ -19016,7 +18931,7 @@
           <p:cNvPr id="2" name="TextBox 1">
             <a:extLst>
               <a:ext uri="{FF2B5EF4-FFF2-40B4-BE49-F238E27FC236}">
-                <a16:creationId xmlns:a16="http://schemas.microsoft.com/office/drawing/2014/main" id="{5535DBAC-191A-4FCC-BA44-031FCF1FADAB}"/>
+                <a16:creationId xmlns:a16="http://schemas.microsoft.com/office/drawing/2014/main" xmlns="" id="{5535DBAC-191A-4FCC-BA44-031FCF1FADAB}"/>
               </a:ext>
             </a:extLst>
           </p:cNvPr>
@@ -19575,7 +19490,7 @@
           <p:cNvPr id="2" name="TextBox 1">
             <a:extLst>
               <a:ext uri="{FF2B5EF4-FFF2-40B4-BE49-F238E27FC236}">
-                <a16:creationId xmlns:a16="http://schemas.microsoft.com/office/drawing/2014/main" id="{5535DBAC-191A-4FCC-BA44-031FCF1FADAB}"/>
+                <a16:creationId xmlns:a16="http://schemas.microsoft.com/office/drawing/2014/main" xmlns="" id="{5535DBAC-191A-4FCC-BA44-031FCF1FADAB}"/>
               </a:ext>
             </a:extLst>
           </p:cNvPr>
@@ -19847,7 +19762,7 @@
           <p:cNvPr id="33" name="그룹 32">
             <a:extLst>
               <a:ext uri="{FF2B5EF4-FFF2-40B4-BE49-F238E27FC236}">
-                <a16:creationId xmlns:a16="http://schemas.microsoft.com/office/drawing/2014/main" id="{213A82F3-5665-4F79-BDC3-5D7CB888A7BA}"/>
+                <a16:creationId xmlns:a16="http://schemas.microsoft.com/office/drawing/2014/main" xmlns="" id="{213A82F3-5665-4F79-BDC3-5D7CB888A7BA}"/>
               </a:ext>
             </a:extLst>
           </p:cNvPr>
@@ -19867,7 +19782,7 @@
             <p:cNvPr id="6" name="그룹 5">
               <a:extLst>
                 <a:ext uri="{FF2B5EF4-FFF2-40B4-BE49-F238E27FC236}">
-                  <a16:creationId xmlns:a16="http://schemas.microsoft.com/office/drawing/2014/main" id="{50A671A6-8628-4487-B76B-9D4E812085B5}"/>
+                  <a16:creationId xmlns:a16="http://schemas.microsoft.com/office/drawing/2014/main" xmlns="" id="{50A671A6-8628-4487-B76B-9D4E812085B5}"/>
                 </a:ext>
               </a:extLst>
             </p:cNvPr>
@@ -19887,7 +19802,7 @@
               <p:cNvPr id="25" name="그룹 24">
                 <a:extLst>
                   <a:ext uri="{FF2B5EF4-FFF2-40B4-BE49-F238E27FC236}">
-                    <a16:creationId xmlns:a16="http://schemas.microsoft.com/office/drawing/2014/main" id="{5A26A070-DFDF-4ED5-A41C-4E160151E7DB}"/>
+                    <a16:creationId xmlns:a16="http://schemas.microsoft.com/office/drawing/2014/main" xmlns="" id="{5A26A070-DFDF-4ED5-A41C-4E160151E7DB}"/>
                   </a:ext>
                 </a:extLst>
               </p:cNvPr>
@@ -19907,7 +19822,7 @@
                 <p:cNvPr id="27" name="직사각형 26">
                   <a:extLst>
                     <a:ext uri="{FF2B5EF4-FFF2-40B4-BE49-F238E27FC236}">
-                      <a16:creationId xmlns:a16="http://schemas.microsoft.com/office/drawing/2014/main" id="{F5F829DF-7290-4753-82EB-0C72A0FF2620}"/>
+                      <a16:creationId xmlns:a16="http://schemas.microsoft.com/office/drawing/2014/main" xmlns="" id="{F5F829DF-7290-4753-82EB-0C72A0FF2620}"/>
                     </a:ext>
                   </a:extLst>
                 </p:cNvPr>
@@ -19975,7 +19890,7 @@
                 <p:cNvPr id="28" name="직사각형 27">
                   <a:extLst>
                     <a:ext uri="{FF2B5EF4-FFF2-40B4-BE49-F238E27FC236}">
-                      <a16:creationId xmlns:a16="http://schemas.microsoft.com/office/drawing/2014/main" id="{62DE0C2D-E83F-4B5D-9B3F-106F7202C02A}"/>
+                      <a16:creationId xmlns:a16="http://schemas.microsoft.com/office/drawing/2014/main" xmlns="" id="{62DE0C2D-E83F-4B5D-9B3F-106F7202C02A}"/>
                     </a:ext>
                   </a:extLst>
                 </p:cNvPr>
@@ -20043,7 +19958,7 @@
                 <p:cNvPr id="29" name="직사각형 28">
                   <a:extLst>
                     <a:ext uri="{FF2B5EF4-FFF2-40B4-BE49-F238E27FC236}">
-                      <a16:creationId xmlns:a16="http://schemas.microsoft.com/office/drawing/2014/main" id="{290B4D56-C107-4F9D-BDD0-5E6461BE6CC2}"/>
+                      <a16:creationId xmlns:a16="http://schemas.microsoft.com/office/drawing/2014/main" xmlns="" id="{290B4D56-C107-4F9D-BDD0-5E6461BE6CC2}"/>
                     </a:ext>
                   </a:extLst>
                 </p:cNvPr>
@@ -20111,7 +20026,7 @@
                 <p:cNvPr id="30" name="직사각형 29">
                   <a:extLst>
                     <a:ext uri="{FF2B5EF4-FFF2-40B4-BE49-F238E27FC236}">
-                      <a16:creationId xmlns:a16="http://schemas.microsoft.com/office/drawing/2014/main" id="{3A66C090-8878-4CB5-886A-B7CAD9C12586}"/>
+                      <a16:creationId xmlns:a16="http://schemas.microsoft.com/office/drawing/2014/main" xmlns="" id="{3A66C090-8878-4CB5-886A-B7CAD9C12586}"/>
                     </a:ext>
                   </a:extLst>
                 </p:cNvPr>
@@ -20179,7 +20094,7 @@
                 <p:cNvPr id="31" name="직사각형 30">
                   <a:extLst>
                     <a:ext uri="{FF2B5EF4-FFF2-40B4-BE49-F238E27FC236}">
-                      <a16:creationId xmlns:a16="http://schemas.microsoft.com/office/drawing/2014/main" id="{E34F6EA1-28C5-4293-B8DD-B87FCC36DA1C}"/>
+                      <a16:creationId xmlns:a16="http://schemas.microsoft.com/office/drawing/2014/main" xmlns="" id="{E34F6EA1-28C5-4293-B8DD-B87FCC36DA1C}"/>
                     </a:ext>
                   </a:extLst>
                 </p:cNvPr>
@@ -20248,7 +20163,7 @@
               <p:cNvPr id="26" name="TextBox 25">
                 <a:extLst>
                   <a:ext uri="{FF2B5EF4-FFF2-40B4-BE49-F238E27FC236}">
-                    <a16:creationId xmlns:a16="http://schemas.microsoft.com/office/drawing/2014/main" id="{0CA9F7BC-AD2F-45CC-9BDE-60987A086062}"/>
+                    <a16:creationId xmlns:a16="http://schemas.microsoft.com/office/drawing/2014/main" xmlns="" id="{0CA9F7BC-AD2F-45CC-9BDE-60987A086062}"/>
                   </a:ext>
                 </a:extLst>
               </p:cNvPr>
@@ -20301,7 +20216,7 @@
             <p:cNvPr id="7" name="그룹 6">
               <a:extLst>
                 <a:ext uri="{FF2B5EF4-FFF2-40B4-BE49-F238E27FC236}">
-                  <a16:creationId xmlns:a16="http://schemas.microsoft.com/office/drawing/2014/main" id="{51293DFF-A591-410A-9AE3-8C42B3F1460A}"/>
+                  <a16:creationId xmlns:a16="http://schemas.microsoft.com/office/drawing/2014/main" xmlns="" id="{51293DFF-A591-410A-9AE3-8C42B3F1460A}"/>
                 </a:ext>
               </a:extLst>
             </p:cNvPr>
@@ -20321,7 +20236,7 @@
               <p:cNvPr id="18" name="그룹 17">
                 <a:extLst>
                   <a:ext uri="{FF2B5EF4-FFF2-40B4-BE49-F238E27FC236}">
-                    <a16:creationId xmlns:a16="http://schemas.microsoft.com/office/drawing/2014/main" id="{C193F7FB-DB5C-4F15-9780-B22622464087}"/>
+                    <a16:creationId xmlns:a16="http://schemas.microsoft.com/office/drawing/2014/main" xmlns="" id="{C193F7FB-DB5C-4F15-9780-B22622464087}"/>
                   </a:ext>
                 </a:extLst>
               </p:cNvPr>
@@ -20341,7 +20256,7 @@
                 <p:cNvPr id="20" name="직사각형 19">
                   <a:extLst>
                     <a:ext uri="{FF2B5EF4-FFF2-40B4-BE49-F238E27FC236}">
-                      <a16:creationId xmlns:a16="http://schemas.microsoft.com/office/drawing/2014/main" id="{711D0C5F-8479-424F-8D24-1DA64CD6C0FF}"/>
+                      <a16:creationId xmlns:a16="http://schemas.microsoft.com/office/drawing/2014/main" xmlns="" id="{711D0C5F-8479-424F-8D24-1DA64CD6C0FF}"/>
                     </a:ext>
                   </a:extLst>
                 </p:cNvPr>
@@ -20412,7 +20327,7 @@
                 <p:cNvPr id="21" name="직사각형 20">
                   <a:extLst>
                     <a:ext uri="{FF2B5EF4-FFF2-40B4-BE49-F238E27FC236}">
-                      <a16:creationId xmlns:a16="http://schemas.microsoft.com/office/drawing/2014/main" id="{2DA9B1DB-41CD-48D6-BE0F-DDEC6E96FB83}"/>
+                      <a16:creationId xmlns:a16="http://schemas.microsoft.com/office/drawing/2014/main" xmlns="" id="{2DA9B1DB-41CD-48D6-BE0F-DDEC6E96FB83}"/>
                     </a:ext>
                   </a:extLst>
                 </p:cNvPr>
@@ -20489,7 +20404,7 @@
                 <p:cNvPr id="22" name="직사각형 21">
                   <a:extLst>
                     <a:ext uri="{FF2B5EF4-FFF2-40B4-BE49-F238E27FC236}">
-                      <a16:creationId xmlns:a16="http://schemas.microsoft.com/office/drawing/2014/main" id="{1957DD94-9FEC-418B-BC7E-FCF5BCCAF2D3}"/>
+                      <a16:creationId xmlns:a16="http://schemas.microsoft.com/office/drawing/2014/main" xmlns="" id="{1957DD94-9FEC-418B-BC7E-FCF5BCCAF2D3}"/>
                     </a:ext>
                   </a:extLst>
                 </p:cNvPr>
@@ -20560,7 +20475,7 @@
                 <p:cNvPr id="23" name="직사각형 22">
                   <a:extLst>
                     <a:ext uri="{FF2B5EF4-FFF2-40B4-BE49-F238E27FC236}">
-                      <a16:creationId xmlns:a16="http://schemas.microsoft.com/office/drawing/2014/main" id="{55B51DFC-4C13-4487-A6B1-27EA4D678406}"/>
+                      <a16:creationId xmlns:a16="http://schemas.microsoft.com/office/drawing/2014/main" xmlns="" id="{55B51DFC-4C13-4487-A6B1-27EA4D678406}"/>
                     </a:ext>
                   </a:extLst>
                 </p:cNvPr>
@@ -20631,7 +20546,7 @@
                 <p:cNvPr id="24" name="직사각형 23">
                   <a:extLst>
                     <a:ext uri="{FF2B5EF4-FFF2-40B4-BE49-F238E27FC236}">
-                      <a16:creationId xmlns:a16="http://schemas.microsoft.com/office/drawing/2014/main" id="{3EC00946-402A-44CF-A3A5-9132C3E8AAEB}"/>
+                      <a16:creationId xmlns:a16="http://schemas.microsoft.com/office/drawing/2014/main" xmlns="" id="{3EC00946-402A-44CF-A3A5-9132C3E8AAEB}"/>
                     </a:ext>
                   </a:extLst>
                 </p:cNvPr>
@@ -20712,7 +20627,7 @@
               <p:cNvPr id="19" name="TextBox 18">
                 <a:extLst>
                   <a:ext uri="{FF2B5EF4-FFF2-40B4-BE49-F238E27FC236}">
-                    <a16:creationId xmlns:a16="http://schemas.microsoft.com/office/drawing/2014/main" id="{94B50322-0ABD-4E05-A349-4C7AB36B2E29}"/>
+                    <a16:creationId xmlns:a16="http://schemas.microsoft.com/office/drawing/2014/main" xmlns="" id="{94B50322-0ABD-4E05-A349-4C7AB36B2E29}"/>
                   </a:ext>
                 </a:extLst>
               </p:cNvPr>
@@ -20765,7 +20680,7 @@
             <p:cNvPr id="8" name="TextBox 7">
               <a:extLst>
                 <a:ext uri="{FF2B5EF4-FFF2-40B4-BE49-F238E27FC236}">
-                  <a16:creationId xmlns:a16="http://schemas.microsoft.com/office/drawing/2014/main" id="{FA1FE395-151B-4A76-B320-358322B4B3B0}"/>
+                  <a16:creationId xmlns:a16="http://schemas.microsoft.com/office/drawing/2014/main" xmlns="" id="{FA1FE395-151B-4A76-B320-358322B4B3B0}"/>
                 </a:ext>
               </a:extLst>
             </p:cNvPr>
@@ -20805,7 +20720,7 @@
             <p:cNvPr id="9" name="TextBox 8">
               <a:extLst>
                 <a:ext uri="{FF2B5EF4-FFF2-40B4-BE49-F238E27FC236}">
-                  <a16:creationId xmlns:a16="http://schemas.microsoft.com/office/drawing/2014/main" id="{8F82E5E5-B597-4289-B4CB-D839A2287830}"/>
+                  <a16:creationId xmlns:a16="http://schemas.microsoft.com/office/drawing/2014/main" xmlns="" id="{8F82E5E5-B597-4289-B4CB-D839A2287830}"/>
                 </a:ext>
               </a:extLst>
             </p:cNvPr>
@@ -20845,7 +20760,7 @@
             <p:cNvPr id="3" name="그룹 2">
               <a:extLst>
                 <a:ext uri="{FF2B5EF4-FFF2-40B4-BE49-F238E27FC236}">
-                  <a16:creationId xmlns:a16="http://schemas.microsoft.com/office/drawing/2014/main" id="{7FE47F1B-9F6E-46A4-9BAD-B176F8E95A09}"/>
+                  <a16:creationId xmlns:a16="http://schemas.microsoft.com/office/drawing/2014/main" xmlns="" id="{7FE47F1B-9F6E-46A4-9BAD-B176F8E95A09}"/>
                 </a:ext>
               </a:extLst>
             </p:cNvPr>
@@ -20865,7 +20780,7 @@
               <p:cNvPr id="10" name="그룹 9">
                 <a:extLst>
                   <a:ext uri="{FF2B5EF4-FFF2-40B4-BE49-F238E27FC236}">
-                    <a16:creationId xmlns:a16="http://schemas.microsoft.com/office/drawing/2014/main" id="{D02D4781-9882-4B94-BEA4-73E5EDB7A8D1}"/>
+                    <a16:creationId xmlns:a16="http://schemas.microsoft.com/office/drawing/2014/main" xmlns="" id="{D02D4781-9882-4B94-BEA4-73E5EDB7A8D1}"/>
                   </a:ext>
                 </a:extLst>
               </p:cNvPr>
@@ -20885,7 +20800,7 @@
                 <p:cNvPr id="11" name="그룹 10">
                   <a:extLst>
                     <a:ext uri="{FF2B5EF4-FFF2-40B4-BE49-F238E27FC236}">
-                      <a16:creationId xmlns:a16="http://schemas.microsoft.com/office/drawing/2014/main" id="{18A35555-3E65-4920-9E51-59E6403D6B61}"/>
+                      <a16:creationId xmlns:a16="http://schemas.microsoft.com/office/drawing/2014/main" xmlns="" id="{18A35555-3E65-4920-9E51-59E6403D6B61}"/>
                     </a:ext>
                   </a:extLst>
                 </p:cNvPr>
@@ -20905,7 +20820,7 @@
                   <p:cNvPr id="13" name="직사각형 12">
                     <a:extLst>
                       <a:ext uri="{FF2B5EF4-FFF2-40B4-BE49-F238E27FC236}">
-                        <a16:creationId xmlns:a16="http://schemas.microsoft.com/office/drawing/2014/main" id="{D2925A57-3786-463C-B563-EDA88CF66B68}"/>
+                        <a16:creationId xmlns:a16="http://schemas.microsoft.com/office/drawing/2014/main" xmlns="" id="{D2925A57-3786-463C-B563-EDA88CF66B68}"/>
                       </a:ext>
                     </a:extLst>
                   </p:cNvPr>
@@ -20984,7 +20899,7 @@
                   <p:cNvPr id="14" name="직사각형 13">
                     <a:extLst>
                       <a:ext uri="{FF2B5EF4-FFF2-40B4-BE49-F238E27FC236}">
-                        <a16:creationId xmlns:a16="http://schemas.microsoft.com/office/drawing/2014/main" id="{5B95B16A-DE52-468E-A338-002797A937CF}"/>
+                        <a16:creationId xmlns:a16="http://schemas.microsoft.com/office/drawing/2014/main" xmlns="" id="{5B95B16A-DE52-468E-A338-002797A937CF}"/>
                       </a:ext>
                     </a:extLst>
                   </p:cNvPr>
@@ -21063,7 +20978,7 @@
                   <p:cNvPr id="15" name="직사각형 14">
                     <a:extLst>
                       <a:ext uri="{FF2B5EF4-FFF2-40B4-BE49-F238E27FC236}">
-                        <a16:creationId xmlns:a16="http://schemas.microsoft.com/office/drawing/2014/main" id="{B788A138-A369-4512-8AE8-3C62B5E2ADDD}"/>
+                        <a16:creationId xmlns:a16="http://schemas.microsoft.com/office/drawing/2014/main" xmlns="" id="{B788A138-A369-4512-8AE8-3C62B5E2ADDD}"/>
                       </a:ext>
                     </a:extLst>
                   </p:cNvPr>
@@ -21142,7 +21057,7 @@
                   <p:cNvPr id="16" name="직사각형 15">
                     <a:extLst>
                       <a:ext uri="{FF2B5EF4-FFF2-40B4-BE49-F238E27FC236}">
-                        <a16:creationId xmlns:a16="http://schemas.microsoft.com/office/drawing/2014/main" id="{60AB5404-8AEC-4616-AEB9-7FD389DB3A15}"/>
+                        <a16:creationId xmlns:a16="http://schemas.microsoft.com/office/drawing/2014/main" xmlns="" id="{60AB5404-8AEC-4616-AEB9-7FD389DB3A15}"/>
                       </a:ext>
                     </a:extLst>
                   </p:cNvPr>
@@ -21221,7 +21136,7 @@
                   <p:cNvPr id="17" name="직사각형 16">
                     <a:extLst>
                       <a:ext uri="{FF2B5EF4-FFF2-40B4-BE49-F238E27FC236}">
-                        <a16:creationId xmlns:a16="http://schemas.microsoft.com/office/drawing/2014/main" id="{FD37CC0B-46A9-4278-B9A1-0B209B062ED2}"/>
+                        <a16:creationId xmlns:a16="http://schemas.microsoft.com/office/drawing/2014/main" xmlns="" id="{FD37CC0B-46A9-4278-B9A1-0B209B062ED2}"/>
                       </a:ext>
                     </a:extLst>
                   </p:cNvPr>
@@ -21301,7 +21216,7 @@
                 <p:cNvPr id="12" name="TextBox 11">
                   <a:extLst>
                     <a:ext uri="{FF2B5EF4-FFF2-40B4-BE49-F238E27FC236}">
-                      <a16:creationId xmlns:a16="http://schemas.microsoft.com/office/drawing/2014/main" id="{771715FD-6EF0-4319-9842-CE2C9B8E91C4}"/>
+                      <a16:creationId xmlns:a16="http://schemas.microsoft.com/office/drawing/2014/main" xmlns="" id="{771715FD-6EF0-4319-9842-CE2C9B8E91C4}"/>
                     </a:ext>
                   </a:extLst>
                 </p:cNvPr>
@@ -21372,7 +21287,7 @@
               <p:cNvPr id="32" name="직사각형 31">
                 <a:extLst>
                   <a:ext uri="{FF2B5EF4-FFF2-40B4-BE49-F238E27FC236}">
-                    <a16:creationId xmlns:a16="http://schemas.microsoft.com/office/drawing/2014/main" id="{E93A4B85-76DE-4DA5-B6B3-CC801D513A02}"/>
+                    <a16:creationId xmlns:a16="http://schemas.microsoft.com/office/drawing/2014/main" xmlns="" id="{E93A4B85-76DE-4DA5-B6B3-CC801D513A02}"/>
                   </a:ext>
                 </a:extLst>
               </p:cNvPr>
@@ -21507,7 +21422,7 @@
           <p:cNvPr id="2" name="TextBox 1">
             <a:extLst>
               <a:ext uri="{FF2B5EF4-FFF2-40B4-BE49-F238E27FC236}">
-                <a16:creationId xmlns:a16="http://schemas.microsoft.com/office/drawing/2014/main" id="{5535DBAC-191A-4FCC-BA44-031FCF1FADAB}"/>
+                <a16:creationId xmlns:a16="http://schemas.microsoft.com/office/drawing/2014/main" xmlns="" id="{5535DBAC-191A-4FCC-BA44-031FCF1FADAB}"/>
               </a:ext>
             </a:extLst>
           </p:cNvPr>
@@ -21517,7 +21432,7 @@
         <p:spPr>
           <a:xfrm>
             <a:off x="1141411" y="733245"/>
-            <a:ext cx="9902263" cy="5632311"/>
+            <a:ext cx="9902263" cy="5909310"/>
           </a:xfrm>
           <a:prstGeom prst="rect">
             <a:avLst/>
@@ -22036,49 +21951,59 @@
                 <a:latin typeface="Arial Black" panose="020B0A04020102020204" pitchFamily="34" charset="0"/>
                 <a:sym typeface="Wingdings" panose="05000000000000000000" pitchFamily="2" charset="2"/>
               </a:rPr>
-              <a:t> 표준 연산자는 총 </a:t>
+              <a:t> 표준 연산자 메소드 중 </a:t>
             </a:r>
             <a:r>
               <a:rPr lang="en-US" altLang="ko-KR" dirty="0">
                 <a:latin typeface="Arial Black" panose="020B0A04020102020204" pitchFamily="34" charset="0"/>
                 <a:sym typeface="Wingdings" panose="05000000000000000000" pitchFamily="2" charset="2"/>
               </a:rPr>
-              <a:t>53</a:t>
+              <a:t>C#</a:t>
             </a:r>
             <a:r>
               <a:rPr lang="ko-KR" altLang="en-US" dirty="0">
                 <a:latin typeface="Arial Black" panose="020B0A04020102020204" pitchFamily="34" charset="0"/>
                 <a:sym typeface="Wingdings" panose="05000000000000000000" pitchFamily="2" charset="2"/>
               </a:rPr>
-              <a:t>개를 지원하지만 </a:t>
+              <a:t>의 쿼리식에서 지원하는 것은 </a:t>
             </a:r>
             <a:r>
               <a:rPr lang="en-US" altLang="ko-KR" dirty="0">
                 <a:latin typeface="Arial Black" panose="020B0A04020102020204" pitchFamily="34" charset="0"/>
                 <a:sym typeface="Wingdings" panose="05000000000000000000" pitchFamily="2" charset="2"/>
               </a:rPr>
-              <a:t>C#</a:t>
+              <a:t>11</a:t>
             </a:r>
             <a:r>
               <a:rPr lang="ko-KR" altLang="en-US" dirty="0">
                 <a:latin typeface="Arial Black" panose="020B0A04020102020204" pitchFamily="34" charset="0"/>
                 <a:sym typeface="Wingdings" panose="05000000000000000000" pitchFamily="2" charset="2"/>
               </a:rPr>
-              <a:t>에서는 </a:t>
+              <a:t>개 뿐이다</a:t>
             </a:r>
             <a:r>
               <a:rPr lang="en-US" altLang="ko-KR" dirty="0">
                 <a:latin typeface="Arial Black" panose="020B0A04020102020204" pitchFamily="34" charset="0"/>
                 <a:sym typeface="Wingdings" panose="05000000000000000000" pitchFamily="2" charset="2"/>
               </a:rPr>
-              <a:t>11</a:t>
+              <a:t>.</a:t>
+            </a:r>
+          </a:p>
+          <a:p>
+            <a:pPr lvl="1"/>
+            <a:r>
+              <a:rPr lang="en-US" altLang="ko-KR" dirty="0">
+                <a:latin typeface="Arial Black" panose="020B0A04020102020204" pitchFamily="34" charset="0"/>
+                <a:sym typeface="Wingdings" panose="05000000000000000000" pitchFamily="2" charset="2"/>
+              </a:rPr>
+              <a:t> </a:t>
             </a:r>
             <a:r>
               <a:rPr lang="ko-KR" altLang="en-US" dirty="0">
                 <a:latin typeface="Arial Black" panose="020B0A04020102020204" pitchFamily="34" charset="0"/>
                 <a:sym typeface="Wingdings" panose="05000000000000000000" pitchFamily="2" charset="2"/>
               </a:rPr>
-              <a:t>개만 사용 된다</a:t>
+              <a:t>쿼리식으로 직접 사용할 수 없어도 메소드는 사용 할 수 있기 때문에 이를 활용한다면 얼마든지 활용 할 수 있다</a:t>
             </a:r>
             <a:r>
               <a:rPr lang="en-US" altLang="ko-KR" dirty="0">
@@ -22086,15 +22011,6 @@
                 <a:sym typeface="Wingdings" panose="05000000000000000000" pitchFamily="2" charset="2"/>
               </a:rPr>
               <a:t>.</a:t>
-            </a:r>
-          </a:p>
-          <a:p>
-            <a:r>
-              <a:rPr lang="en-US" altLang="ko-KR" dirty="0">
-                <a:latin typeface="Arial Black" panose="020B0A04020102020204" pitchFamily="34" charset="0"/>
-                <a:sym typeface="Wingdings" panose="05000000000000000000" pitchFamily="2" charset="2"/>
-              </a:rPr>
-              <a:t> </a:t>
             </a:r>
           </a:p>
         </p:txBody>
@@ -22102,7 +22018,7 @@
     </p:spTree>
     <p:extLst>
       <p:ext uri="{BB962C8B-B14F-4D97-AF65-F5344CB8AC3E}">
-        <p14:creationId xmlns:p14="http://schemas.microsoft.com/office/powerpoint/2010/main" val="1162047088"/>
+        <p14:creationId xmlns:p14="http://schemas.microsoft.com/office/powerpoint/2010/main" val="2340050295"/>
       </p:ext>
     </p:extLst>
   </p:cSld>
@@ -22170,671 +22086,7 @@
           <p:cNvPr id="2" name="TextBox 1">
             <a:extLst>
               <a:ext uri="{FF2B5EF4-FFF2-40B4-BE49-F238E27FC236}">
-                <a16:creationId xmlns:a16="http://schemas.microsoft.com/office/drawing/2014/main" id="{5535DBAC-191A-4FCC-BA44-031FCF1FADAB}"/>
-              </a:ext>
-            </a:extLst>
-          </p:cNvPr>
-          <p:cNvSpPr txBox="1"/>
-          <p:nvPr/>
-        </p:nvSpPr>
-        <p:spPr>
-          <a:xfrm>
-            <a:off x="1141411" y="733245"/>
-            <a:ext cx="9902263" cy="5909310"/>
-          </a:xfrm>
-          <a:prstGeom prst="rect">
-            <a:avLst/>
-          </a:prstGeom>
-          <a:noFill/>
-        </p:spPr>
-        <p:txBody>
-          <a:bodyPr wrap="square" rtlCol="0">
-            <a:spAutoFit/>
-          </a:bodyPr>
-          <a:lstStyle/>
-          <a:p>
-            <a:r>
-              <a:rPr lang="en-US" altLang="ko-KR" dirty="0">
-                <a:latin typeface="Arial Black" panose="020B0A04020102020204" pitchFamily="34" charset="0"/>
-                <a:sym typeface="Wingdings" panose="05000000000000000000" pitchFamily="2" charset="2"/>
-              </a:rPr>
-              <a:t>var </a:t>
-            </a:r>
-            <a:r>
-              <a:rPr lang="en-US" altLang="ko-KR" dirty="0" err="1">
-                <a:latin typeface="Arial Black" panose="020B0A04020102020204" pitchFamily="34" charset="0"/>
-                <a:sym typeface="Wingdings" panose="05000000000000000000" pitchFamily="2" charset="2"/>
-              </a:rPr>
-              <a:t>listProfile</a:t>
-            </a:r>
-            <a:r>
-              <a:rPr lang="en-US" altLang="ko-KR" dirty="0">
-                <a:latin typeface="Arial Black" panose="020B0A04020102020204" pitchFamily="34" charset="0"/>
-                <a:sym typeface="Wingdings" panose="05000000000000000000" pitchFamily="2" charset="2"/>
-              </a:rPr>
-              <a:t> =</a:t>
-            </a:r>
-          </a:p>
-          <a:p>
-            <a:r>
-              <a:rPr lang="en-US" altLang="ko-KR" dirty="0">
-                <a:latin typeface="Arial Black" panose="020B0A04020102020204" pitchFamily="34" charset="0"/>
-                <a:sym typeface="Wingdings" panose="05000000000000000000" pitchFamily="2" charset="2"/>
-              </a:rPr>
-              <a:t>	from 	profile	in </a:t>
-            </a:r>
-            <a:r>
-              <a:rPr lang="en-US" altLang="ko-KR" dirty="0" err="1">
-                <a:latin typeface="Arial Black" panose="020B0A04020102020204" pitchFamily="34" charset="0"/>
-                <a:sym typeface="Wingdings" panose="05000000000000000000" pitchFamily="2" charset="2"/>
-              </a:rPr>
-              <a:t>arrProfile</a:t>
-            </a:r>
-            <a:endParaRPr lang="en-US" altLang="ko-KR" dirty="0">
-              <a:latin typeface="Arial Black" panose="020B0A04020102020204" pitchFamily="34" charset="0"/>
-              <a:sym typeface="Wingdings" panose="05000000000000000000" pitchFamily="2" charset="2"/>
-            </a:endParaRPr>
-          </a:p>
-          <a:p>
-            <a:r>
-              <a:rPr lang="en-US" altLang="ko-KR" dirty="0">
-                <a:latin typeface="Arial Black" panose="020B0A04020102020204" pitchFamily="34" charset="0"/>
-                <a:sym typeface="Wingdings" panose="05000000000000000000" pitchFamily="2" charset="2"/>
-              </a:rPr>
-              <a:t>	join	product in </a:t>
-            </a:r>
-            <a:r>
-              <a:rPr lang="en-US" altLang="ko-KR" dirty="0" err="1">
-                <a:latin typeface="Arial Black" panose="020B0A04020102020204" pitchFamily="34" charset="0"/>
-                <a:sym typeface="Wingdings" panose="05000000000000000000" pitchFamily="2" charset="2"/>
-              </a:rPr>
-              <a:t>arrProduct</a:t>
-            </a:r>
-            <a:r>
-              <a:rPr lang="en-US" altLang="ko-KR" dirty="0">
-                <a:latin typeface="Arial Black" panose="020B0A04020102020204" pitchFamily="34" charset="0"/>
-                <a:sym typeface="Wingdings" panose="05000000000000000000" pitchFamily="2" charset="2"/>
-              </a:rPr>
-              <a:t> on </a:t>
-            </a:r>
-            <a:r>
-              <a:rPr lang="en-US" altLang="ko-KR" dirty="0" err="1">
-                <a:latin typeface="Arial Black" panose="020B0A04020102020204" pitchFamily="34" charset="0"/>
-                <a:sym typeface="Wingdings" panose="05000000000000000000" pitchFamily="2" charset="2"/>
-              </a:rPr>
-              <a:t>profile.Name</a:t>
-            </a:r>
-            <a:r>
-              <a:rPr lang="en-US" altLang="ko-KR" dirty="0">
-                <a:latin typeface="Arial Black" panose="020B0A04020102020204" pitchFamily="34" charset="0"/>
-                <a:sym typeface="Wingdings" panose="05000000000000000000" pitchFamily="2" charset="2"/>
-              </a:rPr>
-              <a:t> equals </a:t>
-            </a:r>
-            <a:r>
-              <a:rPr lang="en-US" altLang="ko-KR" dirty="0" err="1">
-                <a:latin typeface="Arial Black" panose="020B0A04020102020204" pitchFamily="34" charset="0"/>
-                <a:sym typeface="Wingdings" panose="05000000000000000000" pitchFamily="2" charset="2"/>
-              </a:rPr>
-              <a:t>product.Star</a:t>
-            </a:r>
-            <a:r>
-              <a:rPr lang="en-US" altLang="ko-KR" dirty="0">
-                <a:latin typeface="Arial Black" panose="020B0A04020102020204" pitchFamily="34" charset="0"/>
-                <a:sym typeface="Wingdings" panose="05000000000000000000" pitchFamily="2" charset="2"/>
-              </a:rPr>
-              <a:t> into </a:t>
-            </a:r>
-            <a:r>
-              <a:rPr lang="en-US" altLang="ko-KR" dirty="0" err="1">
-                <a:latin typeface="Arial Black" panose="020B0A04020102020204" pitchFamily="34" charset="0"/>
-                <a:sym typeface="Wingdings" panose="05000000000000000000" pitchFamily="2" charset="2"/>
-              </a:rPr>
-              <a:t>ps</a:t>
-            </a:r>
-            <a:endParaRPr lang="en-US" altLang="ko-KR" dirty="0">
-              <a:latin typeface="Arial Black" panose="020B0A04020102020204" pitchFamily="34" charset="0"/>
-              <a:sym typeface="Wingdings" panose="05000000000000000000" pitchFamily="2" charset="2"/>
-            </a:endParaRPr>
-          </a:p>
-          <a:p>
-            <a:r>
-              <a:rPr lang="en-US" altLang="ko-KR" dirty="0">
-                <a:latin typeface="Arial Black" panose="020B0A04020102020204" pitchFamily="34" charset="0"/>
-                <a:sym typeface="Wingdings" panose="05000000000000000000" pitchFamily="2" charset="2"/>
-              </a:rPr>
-              <a:t>	form	product in </a:t>
-            </a:r>
-            <a:r>
-              <a:rPr lang="en-US" altLang="ko-KR" dirty="0" err="1">
-                <a:latin typeface="Arial Black" panose="020B0A04020102020204" pitchFamily="34" charset="0"/>
-                <a:sym typeface="Wingdings" panose="05000000000000000000" pitchFamily="2" charset="2"/>
-              </a:rPr>
-              <a:t>ps.DefaultIfEmpty</a:t>
-            </a:r>
-            <a:r>
-              <a:rPr lang="en-US" altLang="ko-KR" dirty="0">
-                <a:latin typeface="Arial Black" panose="020B0A04020102020204" pitchFamily="34" charset="0"/>
-                <a:sym typeface="Wingdings" panose="05000000000000000000" pitchFamily="2" charset="2"/>
-              </a:rPr>
-              <a:t>(new Product(){Title = “</a:t>
-            </a:r>
-            <a:r>
-              <a:rPr lang="ko-KR" altLang="en-US" dirty="0" err="1">
-                <a:latin typeface="Arial Black" panose="020B0A04020102020204" pitchFamily="34" charset="0"/>
-                <a:sym typeface="Wingdings" panose="05000000000000000000" pitchFamily="2" charset="2"/>
-              </a:rPr>
-              <a:t>그런거</a:t>
-            </a:r>
-            <a:r>
-              <a:rPr lang="ko-KR" altLang="en-US" dirty="0">
-                <a:latin typeface="Arial Black" panose="020B0A04020102020204" pitchFamily="34" charset="0"/>
-                <a:sym typeface="Wingdings" panose="05000000000000000000" pitchFamily="2" charset="2"/>
-              </a:rPr>
-              <a:t> 없음</a:t>
-            </a:r>
-            <a:r>
-              <a:rPr lang="en-US" altLang="ko-KR" dirty="0">
-                <a:latin typeface="Arial Black" panose="020B0A04020102020204" pitchFamily="34" charset="0"/>
-                <a:sym typeface="Wingdings" panose="05000000000000000000" pitchFamily="2" charset="2"/>
-              </a:rPr>
-              <a:t>”})</a:t>
-            </a:r>
-          </a:p>
-          <a:p>
-            <a:r>
-              <a:rPr lang="en-US" altLang="ko-KR" dirty="0">
-                <a:latin typeface="Arial Black" panose="020B0A04020102020204" pitchFamily="34" charset="0"/>
-                <a:sym typeface="Wingdings" panose="05000000000000000000" pitchFamily="2" charset="2"/>
-              </a:rPr>
-              <a:t>	select</a:t>
-            </a:r>
-            <a:r>
-              <a:rPr lang="ko-KR" altLang="en-US" dirty="0">
-                <a:latin typeface="Arial Black" panose="020B0A04020102020204" pitchFamily="34" charset="0"/>
-                <a:sym typeface="Wingdings" panose="05000000000000000000" pitchFamily="2" charset="2"/>
-              </a:rPr>
-              <a:t> </a:t>
-            </a:r>
-            <a:r>
-              <a:rPr lang="en-US" altLang="ko-KR" dirty="0">
-                <a:latin typeface="Arial Black" panose="020B0A04020102020204" pitchFamily="34" charset="0"/>
-                <a:sym typeface="Wingdings" panose="05000000000000000000" pitchFamily="2" charset="2"/>
-              </a:rPr>
-              <a:t>	new</a:t>
-            </a:r>
-          </a:p>
-          <a:p>
-            <a:r>
-              <a:rPr lang="en-US" altLang="ko-KR" dirty="0">
-                <a:latin typeface="Arial Black" panose="020B0A04020102020204" pitchFamily="34" charset="0"/>
-                <a:sym typeface="Wingdings" panose="05000000000000000000" pitchFamily="2" charset="2"/>
-              </a:rPr>
-              <a:t>	{</a:t>
-            </a:r>
-          </a:p>
-          <a:p>
-            <a:r>
-              <a:rPr lang="en-US" altLang="ko-KR" dirty="0">
-                <a:latin typeface="Arial Black" panose="020B0A04020102020204" pitchFamily="34" charset="0"/>
-                <a:sym typeface="Wingdings" panose="05000000000000000000" pitchFamily="2" charset="2"/>
-              </a:rPr>
-              <a:t>		Name 	= </a:t>
-            </a:r>
-            <a:r>
-              <a:rPr lang="en-US" altLang="ko-KR" dirty="0" err="1">
-                <a:latin typeface="Arial Black" panose="020B0A04020102020204" pitchFamily="34" charset="0"/>
-                <a:sym typeface="Wingdings" panose="05000000000000000000" pitchFamily="2" charset="2"/>
-              </a:rPr>
-              <a:t>profile.Name</a:t>
-            </a:r>
-            <a:r>
-              <a:rPr lang="en-US" altLang="ko-KR" dirty="0">
-                <a:latin typeface="Arial Black" panose="020B0A04020102020204" pitchFamily="34" charset="0"/>
-                <a:sym typeface="Wingdings" panose="05000000000000000000" pitchFamily="2" charset="2"/>
-              </a:rPr>
-              <a:t>,</a:t>
-            </a:r>
-          </a:p>
-          <a:p>
-            <a:r>
-              <a:rPr lang="en-US" altLang="ko-KR" dirty="0">
-                <a:latin typeface="Arial Black" panose="020B0A04020102020204" pitchFamily="34" charset="0"/>
-                <a:sym typeface="Wingdings" panose="05000000000000000000" pitchFamily="2" charset="2"/>
-              </a:rPr>
-              <a:t>		Work	= </a:t>
-            </a:r>
-            <a:r>
-              <a:rPr lang="en-US" altLang="ko-KR" dirty="0" err="1">
-                <a:latin typeface="Arial Black" panose="020B0A04020102020204" pitchFamily="34" charset="0"/>
-                <a:sym typeface="Wingdings" panose="05000000000000000000" pitchFamily="2" charset="2"/>
-              </a:rPr>
-              <a:t>product.Title</a:t>
-            </a:r>
-            <a:r>
-              <a:rPr lang="en-US" altLang="ko-KR" dirty="0">
-                <a:latin typeface="Arial Black" panose="020B0A04020102020204" pitchFamily="34" charset="0"/>
-                <a:sym typeface="Wingdings" panose="05000000000000000000" pitchFamily="2" charset="2"/>
-              </a:rPr>
-              <a:t>,</a:t>
-            </a:r>
-          </a:p>
-          <a:p>
-            <a:r>
-              <a:rPr lang="en-US" altLang="ko-KR" dirty="0">
-                <a:latin typeface="Arial Black" panose="020B0A04020102020204" pitchFamily="34" charset="0"/>
-                <a:sym typeface="Wingdings" panose="05000000000000000000" pitchFamily="2" charset="2"/>
-              </a:rPr>
-              <a:t>		Height	= </a:t>
-            </a:r>
-            <a:r>
-              <a:rPr lang="en-US" altLang="ko-KR" dirty="0" err="1">
-                <a:latin typeface="Arial Black" panose="020B0A04020102020204" pitchFamily="34" charset="0"/>
-                <a:sym typeface="Wingdings" panose="05000000000000000000" pitchFamily="2" charset="2"/>
-              </a:rPr>
-              <a:t>profile.Height</a:t>
-            </a:r>
-            <a:endParaRPr lang="en-US" altLang="ko-KR" dirty="0">
-              <a:latin typeface="Arial Black" panose="020B0A04020102020204" pitchFamily="34" charset="0"/>
-              <a:sym typeface="Wingdings" panose="05000000000000000000" pitchFamily="2" charset="2"/>
-            </a:endParaRPr>
-          </a:p>
-          <a:p>
-            <a:r>
-              <a:rPr lang="en-US" altLang="ko-KR" dirty="0">
-                <a:latin typeface="Arial Black" panose="020B0A04020102020204" pitchFamily="34" charset="0"/>
-                <a:sym typeface="Wingdings" panose="05000000000000000000" pitchFamily="2" charset="2"/>
-              </a:rPr>
-              <a:t>	}</a:t>
-            </a:r>
-          </a:p>
-          <a:p>
-            <a:endParaRPr lang="en-US" altLang="ko-KR" dirty="0">
-              <a:latin typeface="Arial Black" panose="020B0A04020102020204" pitchFamily="34" charset="0"/>
-              <a:sym typeface="Wingdings" panose="05000000000000000000" pitchFamily="2" charset="2"/>
-            </a:endParaRPr>
-          </a:p>
-          <a:p>
-            <a:r>
-              <a:rPr lang="en-US" altLang="ko-KR" b="1" dirty="0">
-                <a:solidFill>
-                  <a:srgbClr val="00B0F0"/>
-                </a:solidFill>
-                <a:effectLst>
-                  <a:outerShdw blurRad="38100" dist="38100" dir="2700000" algn="tl">
-                    <a:srgbClr val="000000">
-                      <a:alpha val="43137"/>
-                    </a:srgbClr>
-                  </a:outerShdw>
-                </a:effectLst>
-                <a:latin typeface="Arial Black" panose="020B0A04020102020204" pitchFamily="34" charset="0"/>
-                <a:sym typeface="Wingdings" panose="05000000000000000000" pitchFamily="2" charset="2"/>
-              </a:rPr>
-              <a:t>LINQ </a:t>
-            </a:r>
-            <a:r>
-              <a:rPr lang="ko-KR" altLang="en-US" b="1" dirty="0">
-                <a:solidFill>
-                  <a:srgbClr val="00B0F0"/>
-                </a:solidFill>
-                <a:effectLst>
-                  <a:outerShdw blurRad="38100" dist="38100" dir="2700000" algn="tl">
-                    <a:srgbClr val="000000">
-                      <a:alpha val="43137"/>
-                    </a:srgbClr>
-                  </a:outerShdw>
-                </a:effectLst>
-                <a:latin typeface="Arial Black" panose="020B0A04020102020204" pitchFamily="34" charset="0"/>
-                <a:sym typeface="Wingdings" panose="05000000000000000000" pitchFamily="2" charset="2"/>
-              </a:rPr>
-              <a:t>표준 연산자</a:t>
-            </a:r>
-            <a:endParaRPr lang="en-US" altLang="ko-KR" b="1" dirty="0">
-              <a:solidFill>
-                <a:srgbClr val="00B0F0"/>
-              </a:solidFill>
-              <a:effectLst>
-                <a:outerShdw blurRad="38100" dist="38100" dir="2700000" algn="tl">
-                  <a:srgbClr val="000000">
-                    <a:alpha val="43137"/>
-                  </a:srgbClr>
-                </a:outerShdw>
-              </a:effectLst>
-              <a:latin typeface="Arial Black" panose="020B0A04020102020204" pitchFamily="34" charset="0"/>
-              <a:sym typeface="Wingdings" panose="05000000000000000000" pitchFamily="2" charset="2"/>
-            </a:endParaRPr>
-          </a:p>
-          <a:p>
-            <a:endParaRPr lang="en-US" altLang="ko-KR" dirty="0">
-              <a:latin typeface="Arial Black" panose="020B0A04020102020204" pitchFamily="34" charset="0"/>
-              <a:sym typeface="Wingdings" panose="05000000000000000000" pitchFamily="2" charset="2"/>
-            </a:endParaRPr>
-          </a:p>
-          <a:p>
-            <a:pPr marL="285750" indent="-285750">
-              <a:buFont typeface="Arial" panose="020B0604020202020204" pitchFamily="34" charset="0"/>
-              <a:buChar char="•"/>
-            </a:pPr>
-            <a:r>
-              <a:rPr lang="en-US" altLang="ko-KR" dirty="0">
-                <a:latin typeface="Arial Black" panose="020B0A04020102020204" pitchFamily="34" charset="0"/>
-                <a:sym typeface="Wingdings" panose="05000000000000000000" pitchFamily="2" charset="2"/>
-              </a:rPr>
-              <a:t>LINQ</a:t>
-            </a:r>
-            <a:r>
-              <a:rPr lang="ko-KR" altLang="en-US" dirty="0">
-                <a:latin typeface="Arial Black" panose="020B0A04020102020204" pitchFamily="34" charset="0"/>
-                <a:sym typeface="Wingdings" panose="05000000000000000000" pitchFamily="2" charset="2"/>
-              </a:rPr>
-              <a:t>는 </a:t>
-            </a:r>
-            <a:r>
-              <a:rPr lang="en-US" altLang="ko-KR" dirty="0">
-                <a:latin typeface="Arial Black" panose="020B0A04020102020204" pitchFamily="34" charset="0"/>
-                <a:sym typeface="Wingdings" panose="05000000000000000000" pitchFamily="2" charset="2"/>
-              </a:rPr>
-              <a:t>.NET </a:t>
-            </a:r>
-            <a:r>
-              <a:rPr lang="ko-KR" altLang="en-US" dirty="0">
-                <a:latin typeface="Arial Black" panose="020B0A04020102020204" pitchFamily="34" charset="0"/>
-                <a:sym typeface="Wingdings" panose="05000000000000000000" pitchFamily="2" charset="2"/>
-              </a:rPr>
-              <a:t>언어 중에 </a:t>
-            </a:r>
-            <a:r>
-              <a:rPr lang="en-US" altLang="ko-KR" dirty="0">
-                <a:latin typeface="Arial Black" panose="020B0A04020102020204" pitchFamily="34" charset="0"/>
-                <a:sym typeface="Wingdings" panose="05000000000000000000" pitchFamily="2" charset="2"/>
-              </a:rPr>
-              <a:t>C#</a:t>
-            </a:r>
-            <a:r>
-              <a:rPr lang="ko-KR" altLang="en-US" dirty="0">
-                <a:latin typeface="Arial Black" panose="020B0A04020102020204" pitchFamily="34" charset="0"/>
-                <a:sym typeface="Wingdings" panose="05000000000000000000" pitchFamily="2" charset="2"/>
-              </a:rPr>
-              <a:t>과 </a:t>
-            </a:r>
-            <a:r>
-              <a:rPr lang="en-US" altLang="ko-KR" dirty="0">
-                <a:latin typeface="Arial Black" panose="020B0A04020102020204" pitchFamily="34" charset="0"/>
-                <a:sym typeface="Wingdings" panose="05000000000000000000" pitchFamily="2" charset="2"/>
-              </a:rPr>
-              <a:t>VB</a:t>
-            </a:r>
-            <a:r>
-              <a:rPr lang="ko-KR" altLang="en-US" dirty="0">
-                <a:latin typeface="Arial Black" panose="020B0A04020102020204" pitchFamily="34" charset="0"/>
-                <a:sym typeface="Wingdings" panose="05000000000000000000" pitchFamily="2" charset="2"/>
-              </a:rPr>
-              <a:t>에서만 사용 가능 하다</a:t>
-            </a:r>
-            <a:r>
-              <a:rPr lang="en-US" altLang="ko-KR" dirty="0">
-                <a:latin typeface="Arial Black" panose="020B0A04020102020204" pitchFamily="34" charset="0"/>
-                <a:sym typeface="Wingdings" panose="05000000000000000000" pitchFamily="2" charset="2"/>
-              </a:rPr>
-              <a:t>.</a:t>
-            </a:r>
-          </a:p>
-          <a:p>
-            <a:pPr marL="285750" indent="-285750">
-              <a:buFont typeface="Arial" panose="020B0604020202020204" pitchFamily="34" charset="0"/>
-              <a:buChar char="•"/>
-            </a:pPr>
-            <a:r>
-              <a:rPr lang="en-US" altLang="ko-KR" dirty="0">
-                <a:latin typeface="Arial Black" panose="020B0A04020102020204" pitchFamily="34" charset="0"/>
-                <a:sym typeface="Wingdings" panose="05000000000000000000" pitchFamily="2" charset="2"/>
-              </a:rPr>
-              <a:t>LINQ </a:t>
-            </a:r>
-            <a:r>
-              <a:rPr lang="ko-KR" altLang="en-US" dirty="0">
-                <a:latin typeface="Arial Black" panose="020B0A04020102020204" pitchFamily="34" charset="0"/>
-                <a:sym typeface="Wingdings" panose="05000000000000000000" pitchFamily="2" charset="2"/>
-              </a:rPr>
-              <a:t>구문은 실제 내부에서 표준 연산자들을 사용할 수 있도록 키워드를 지정해 준다고 생각하면 된다</a:t>
-            </a:r>
-            <a:r>
-              <a:rPr lang="en-US" altLang="ko-KR" dirty="0">
-                <a:latin typeface="Arial Black" panose="020B0A04020102020204" pitchFamily="34" charset="0"/>
-                <a:sym typeface="Wingdings" panose="05000000000000000000" pitchFamily="2" charset="2"/>
-              </a:rPr>
-              <a:t>.</a:t>
-            </a:r>
-          </a:p>
-          <a:p>
-            <a:pPr marL="285750" indent="-285750">
-              <a:buFont typeface="Arial" panose="020B0604020202020204" pitchFamily="34" charset="0"/>
-              <a:buChar char="•"/>
-            </a:pPr>
-            <a:r>
-              <a:rPr lang="ko-KR" altLang="en-US" dirty="0">
-                <a:latin typeface="Arial Black" panose="020B0A04020102020204" pitchFamily="34" charset="0"/>
-                <a:sym typeface="Wingdings" panose="05000000000000000000" pitchFamily="2" charset="2"/>
-              </a:rPr>
-              <a:t>직관적으로 보기 편리하게 만들기 위해 </a:t>
-            </a:r>
-            <a:r>
-              <a:rPr lang="en-US" altLang="ko-KR" dirty="0">
-                <a:latin typeface="Arial Black" panose="020B0A04020102020204" pitchFamily="34" charset="0"/>
-                <a:sym typeface="Wingdings" panose="05000000000000000000" pitchFamily="2" charset="2"/>
-              </a:rPr>
-              <a:t>LINQ</a:t>
-            </a:r>
-            <a:r>
-              <a:rPr lang="ko-KR" altLang="en-US" dirty="0">
-                <a:latin typeface="Arial Black" panose="020B0A04020102020204" pitchFamily="34" charset="0"/>
-                <a:sym typeface="Wingdings" panose="05000000000000000000" pitchFamily="2" charset="2"/>
-              </a:rPr>
-              <a:t>의 구문을 생각해낸 것이고</a:t>
-            </a:r>
-            <a:r>
-              <a:rPr lang="en-US" altLang="ko-KR" dirty="0">
-                <a:latin typeface="Arial Black" panose="020B0A04020102020204" pitchFamily="34" charset="0"/>
-                <a:sym typeface="Wingdings" panose="05000000000000000000" pitchFamily="2" charset="2"/>
-              </a:rPr>
-              <a:t>, LINQ </a:t>
-            </a:r>
-            <a:r>
-              <a:rPr lang="ko-KR" altLang="en-US" dirty="0">
-                <a:latin typeface="Arial Black" panose="020B0A04020102020204" pitchFamily="34" charset="0"/>
-                <a:sym typeface="Wingdings" panose="05000000000000000000" pitchFamily="2" charset="2"/>
-              </a:rPr>
-              <a:t>구문은 </a:t>
-            </a:r>
-            <a:r>
-              <a:rPr lang="en-US" altLang="ko-KR" dirty="0">
-                <a:latin typeface="Arial Black" panose="020B0A04020102020204" pitchFamily="34" charset="0"/>
-                <a:sym typeface="Wingdings" panose="05000000000000000000" pitchFamily="2" charset="2"/>
-              </a:rPr>
-              <a:t>CLR</a:t>
-            </a:r>
-            <a:r>
-              <a:rPr lang="ko-KR" altLang="en-US" dirty="0">
-                <a:latin typeface="Arial Black" panose="020B0A04020102020204" pitchFamily="34" charset="0"/>
-                <a:sym typeface="Wingdings" panose="05000000000000000000" pitchFamily="2" charset="2"/>
-              </a:rPr>
-              <a:t>이 알아 볼 수 있도록 </a:t>
-            </a:r>
-            <a:r>
-              <a:rPr lang="en-US" altLang="ko-KR" dirty="0">
-                <a:latin typeface="Arial Black" panose="020B0A04020102020204" pitchFamily="34" charset="0"/>
-                <a:sym typeface="Wingdings" panose="05000000000000000000" pitchFamily="2" charset="2"/>
-              </a:rPr>
-              <a:t>C# </a:t>
-            </a:r>
-            <a:r>
-              <a:rPr lang="ko-KR" altLang="en-US" dirty="0">
-                <a:latin typeface="Arial Black" panose="020B0A04020102020204" pitchFamily="34" charset="0"/>
-                <a:sym typeface="Wingdings" panose="05000000000000000000" pitchFamily="2" charset="2"/>
-              </a:rPr>
-              <a:t>컴파일러가 변형해 준다</a:t>
-            </a:r>
-            <a:r>
-              <a:rPr lang="en-US" altLang="ko-KR" dirty="0">
-                <a:latin typeface="Arial Black" panose="020B0A04020102020204" pitchFamily="34" charset="0"/>
-                <a:sym typeface="Wingdings" panose="05000000000000000000" pitchFamily="2" charset="2"/>
-              </a:rPr>
-              <a:t>.</a:t>
-            </a:r>
-          </a:p>
-          <a:p>
-            <a:pPr marL="285750" indent="-285750">
-              <a:buFont typeface="Arial" panose="020B0604020202020204" pitchFamily="34" charset="0"/>
-              <a:buChar char="•"/>
-            </a:pPr>
-            <a:r>
-              <a:rPr lang="en-US" altLang="ko-KR" dirty="0">
-                <a:latin typeface="Arial Black" panose="020B0A04020102020204" pitchFamily="34" charset="0"/>
-                <a:sym typeface="Wingdings" panose="05000000000000000000" pitchFamily="2" charset="2"/>
-              </a:rPr>
-              <a:t>LINQ</a:t>
-            </a:r>
-            <a:r>
-              <a:rPr lang="ko-KR" altLang="en-US" dirty="0">
-                <a:latin typeface="Arial Black" panose="020B0A04020102020204" pitchFamily="34" charset="0"/>
-                <a:sym typeface="Wingdings" panose="05000000000000000000" pitchFamily="2" charset="2"/>
-              </a:rPr>
-              <a:t> 표준 연산자 메소드 중 </a:t>
-            </a:r>
-            <a:r>
-              <a:rPr lang="en-US" altLang="ko-KR" dirty="0">
-                <a:latin typeface="Arial Black" panose="020B0A04020102020204" pitchFamily="34" charset="0"/>
-                <a:sym typeface="Wingdings" panose="05000000000000000000" pitchFamily="2" charset="2"/>
-              </a:rPr>
-              <a:t>C#</a:t>
-            </a:r>
-            <a:r>
-              <a:rPr lang="ko-KR" altLang="en-US" dirty="0">
-                <a:latin typeface="Arial Black" panose="020B0A04020102020204" pitchFamily="34" charset="0"/>
-                <a:sym typeface="Wingdings" panose="05000000000000000000" pitchFamily="2" charset="2"/>
-              </a:rPr>
-              <a:t>의 쿼리식에서 지원하는 것은 </a:t>
-            </a:r>
-            <a:r>
-              <a:rPr lang="en-US" altLang="ko-KR" dirty="0">
-                <a:latin typeface="Arial Black" panose="020B0A04020102020204" pitchFamily="34" charset="0"/>
-                <a:sym typeface="Wingdings" panose="05000000000000000000" pitchFamily="2" charset="2"/>
-              </a:rPr>
-              <a:t>11</a:t>
-            </a:r>
-            <a:r>
-              <a:rPr lang="ko-KR" altLang="en-US" dirty="0">
-                <a:latin typeface="Arial Black" panose="020B0A04020102020204" pitchFamily="34" charset="0"/>
-                <a:sym typeface="Wingdings" panose="05000000000000000000" pitchFamily="2" charset="2"/>
-              </a:rPr>
-              <a:t>개 뿐이다</a:t>
-            </a:r>
-            <a:r>
-              <a:rPr lang="en-US" altLang="ko-KR" dirty="0">
-                <a:latin typeface="Arial Black" panose="020B0A04020102020204" pitchFamily="34" charset="0"/>
-                <a:sym typeface="Wingdings" panose="05000000000000000000" pitchFamily="2" charset="2"/>
-              </a:rPr>
-              <a:t>.</a:t>
-            </a:r>
-          </a:p>
-          <a:p>
-            <a:pPr lvl="1"/>
-            <a:r>
-              <a:rPr lang="en-US" altLang="ko-KR" dirty="0">
-                <a:latin typeface="Arial Black" panose="020B0A04020102020204" pitchFamily="34" charset="0"/>
-                <a:sym typeface="Wingdings" panose="05000000000000000000" pitchFamily="2" charset="2"/>
-              </a:rPr>
-              <a:t> </a:t>
-            </a:r>
-            <a:r>
-              <a:rPr lang="ko-KR" altLang="en-US" dirty="0">
-                <a:latin typeface="Arial Black" panose="020B0A04020102020204" pitchFamily="34" charset="0"/>
-                <a:sym typeface="Wingdings" panose="05000000000000000000" pitchFamily="2" charset="2"/>
-              </a:rPr>
-              <a:t>쿼리식으로 직접 사용할 수 없어도 메소드는 사용 할 수 있기 때문에 이를 활용한다면 얼마든지 활용 할 수 있다</a:t>
-            </a:r>
-            <a:r>
-              <a:rPr lang="en-US" altLang="ko-KR" dirty="0">
-                <a:latin typeface="Arial Black" panose="020B0A04020102020204" pitchFamily="34" charset="0"/>
-                <a:sym typeface="Wingdings" panose="05000000000000000000" pitchFamily="2" charset="2"/>
-              </a:rPr>
-              <a:t>.</a:t>
-            </a:r>
-          </a:p>
-        </p:txBody>
-      </p:sp>
-    </p:spTree>
-    <p:extLst>
-      <p:ext uri="{BB962C8B-B14F-4D97-AF65-F5344CB8AC3E}">
-        <p14:creationId xmlns:p14="http://schemas.microsoft.com/office/powerpoint/2010/main" val="2340050295"/>
-      </p:ext>
-    </p:extLst>
-  </p:cSld>
-  <p:clrMapOvr>
-    <a:masterClrMapping/>
-  </p:clrMapOvr>
-</p:sld>
-</file>
-
-<file path=ppt/slides/slide18.xml><?xml version="1.0" encoding="utf-8"?>
-<p:sld xmlns:a="http://schemas.openxmlformats.org/drawingml/2006/main" xmlns:r="http://schemas.openxmlformats.org/officeDocument/2006/relationships" xmlns:p="http://schemas.openxmlformats.org/presentationml/2006/main">
-  <p:cSld>
-    <p:spTree>
-      <p:nvGrpSpPr>
-        <p:cNvPr id="1" name=""/>
-        <p:cNvGrpSpPr/>
-        <p:nvPr/>
-      </p:nvGrpSpPr>
-      <p:grpSpPr>
-        <a:xfrm>
-          <a:off x="0" y="0"/>
-          <a:ext cx="0" cy="0"/>
-          <a:chOff x="0" y="0"/>
-          <a:chExt cx="0" cy="0"/>
-        </a:xfrm>
-      </p:grpSpPr>
-      <p:sp>
-        <p:nvSpPr>
-          <p:cNvPr id="4" name="제목 1"/>
-          <p:cNvSpPr>
-            <a:spLocks noGrp="1"/>
-          </p:cNvSpPr>
-          <p:nvPr>
-            <p:ph type="title"/>
-          </p:nvPr>
-        </p:nvSpPr>
-        <p:spPr>
-          <a:xfrm>
-            <a:off x="1141411" y="0"/>
-            <a:ext cx="9905998" cy="733245"/>
-          </a:xfrm>
-          <a:ln>
-            <a:noFill/>
-          </a:ln>
-        </p:spPr>
-        <p:txBody>
-          <a:bodyPr/>
-          <a:lstStyle/>
-          <a:p>
-            <a:pPr marL="342900" indent="-342900"/>
-            <a:r>
-              <a:rPr lang="en-US" altLang="ko-KR" dirty="0"/>
-              <a:t>1. </a:t>
-            </a:r>
-            <a:r>
-              <a:rPr lang="en-US" altLang="ko-KR" dirty="0" err="1"/>
-              <a:t>linq</a:t>
-            </a:r>
-            <a:endParaRPr lang="en-US" altLang="ko-KR" dirty="0"/>
-          </a:p>
-        </p:txBody>
-      </p:sp>
-      <p:sp>
-        <p:nvSpPr>
-          <p:cNvPr id="2" name="TextBox 1">
-            <a:extLst>
-              <a:ext uri="{FF2B5EF4-FFF2-40B4-BE49-F238E27FC236}">
-                <a16:creationId xmlns:a16="http://schemas.microsoft.com/office/drawing/2014/main" id="{5535DBAC-191A-4FCC-BA44-031FCF1FADAB}"/>
+                <a16:creationId xmlns:a16="http://schemas.microsoft.com/office/drawing/2014/main" xmlns="" id="{5535DBAC-191A-4FCC-BA44-031FCF1FADAB}"/>
               </a:ext>
             </a:extLst>
           </p:cNvPr>
@@ -22883,7 +22135,7 @@
           <p:cNvPr id="3" name="표 4">
             <a:extLst>
               <a:ext uri="{FF2B5EF4-FFF2-40B4-BE49-F238E27FC236}">
-                <a16:creationId xmlns:a16="http://schemas.microsoft.com/office/drawing/2014/main" id="{913AC82F-4D76-4E35-81C4-F2DA6312D7AA}"/>
+                <a16:creationId xmlns:a16="http://schemas.microsoft.com/office/drawing/2014/main" xmlns="" id="{913AC82F-4D76-4E35-81C4-F2DA6312D7AA}"/>
               </a:ext>
             </a:extLst>
           </p:cNvPr>
@@ -22912,28 +22164,28 @@
                 <a:gridCol w="1494503">
                   <a:extLst>
                     <a:ext uri="{9D8B030D-6E8A-4147-A177-3AD203B41FA5}">
-                      <a16:colId xmlns:a16="http://schemas.microsoft.com/office/drawing/2014/main" val="3834144307"/>
+                      <a16:colId xmlns:a16="http://schemas.microsoft.com/office/drawing/2014/main" xmlns="" val="3834144307"/>
                     </a:ext>
                   </a:extLst>
                 </a:gridCol>
                 <a:gridCol w="2399071">
                   <a:extLst>
                     <a:ext uri="{9D8B030D-6E8A-4147-A177-3AD203B41FA5}">
-                      <a16:colId xmlns:a16="http://schemas.microsoft.com/office/drawing/2014/main" val="2120062107"/>
+                      <a16:colId xmlns:a16="http://schemas.microsoft.com/office/drawing/2014/main" xmlns="" val="2120062107"/>
                     </a:ext>
                   </a:extLst>
                 </a:gridCol>
                 <a:gridCol w="6331974">
                   <a:extLst>
                     <a:ext uri="{9D8B030D-6E8A-4147-A177-3AD203B41FA5}">
-                      <a16:colId xmlns:a16="http://schemas.microsoft.com/office/drawing/2014/main" val="1440019558"/>
+                      <a16:colId xmlns:a16="http://schemas.microsoft.com/office/drawing/2014/main" xmlns="" val="1440019558"/>
                     </a:ext>
                   </a:extLst>
                 </a:gridCol>
                 <a:gridCol w="1966452">
                   <a:extLst>
                     <a:ext uri="{9D8B030D-6E8A-4147-A177-3AD203B41FA5}">
-                      <a16:colId xmlns:a16="http://schemas.microsoft.com/office/drawing/2014/main" val="3841132719"/>
+                      <a16:colId xmlns:a16="http://schemas.microsoft.com/office/drawing/2014/main" xmlns="" val="3841132719"/>
                     </a:ext>
                   </a:extLst>
                 </a:gridCol>
@@ -23017,7 +22269,7 @@
                 </a:tc>
                 <a:extLst>
                   <a:ext uri="{0D108BD9-81ED-4DB2-BD59-A6C34878D82A}">
-                    <a16:rowId xmlns:a16="http://schemas.microsoft.com/office/drawing/2014/main" val="2898954390"/>
+                    <a16:rowId xmlns:a16="http://schemas.microsoft.com/office/drawing/2014/main" xmlns="" val="2898954390"/>
                   </a:ext>
                 </a:extLst>
               </a:tr>
@@ -23094,7 +22346,7 @@
                 </a:tc>
                 <a:extLst>
                   <a:ext uri="{0D108BD9-81ED-4DB2-BD59-A6C34878D82A}">
-                    <a16:rowId xmlns:a16="http://schemas.microsoft.com/office/drawing/2014/main" val="3996163792"/>
+                    <a16:rowId xmlns:a16="http://schemas.microsoft.com/office/drawing/2014/main" xmlns="" val="3996163792"/>
                   </a:ext>
                 </a:extLst>
               </a:tr>
@@ -23183,7 +22435,7 @@
                 </a:tc>
                 <a:extLst>
                   <a:ext uri="{0D108BD9-81ED-4DB2-BD59-A6C34878D82A}">
-                    <a16:rowId xmlns:a16="http://schemas.microsoft.com/office/drawing/2014/main" val="3414200194"/>
+                    <a16:rowId xmlns:a16="http://schemas.microsoft.com/office/drawing/2014/main" xmlns="" val="3414200194"/>
                   </a:ext>
                 </a:extLst>
               </a:tr>
@@ -23275,7 +22527,7 @@
                 </a:tc>
                 <a:extLst>
                   <a:ext uri="{0D108BD9-81ED-4DB2-BD59-A6C34878D82A}">
-                    <a16:rowId xmlns:a16="http://schemas.microsoft.com/office/drawing/2014/main" val="1835957480"/>
+                    <a16:rowId xmlns:a16="http://schemas.microsoft.com/office/drawing/2014/main" xmlns="" val="1835957480"/>
                   </a:ext>
                 </a:extLst>
               </a:tr>
@@ -23376,7 +22628,7 @@
                 </a:tc>
                 <a:extLst>
                   <a:ext uri="{0D108BD9-81ED-4DB2-BD59-A6C34878D82A}">
-                    <a16:rowId xmlns:a16="http://schemas.microsoft.com/office/drawing/2014/main" val="1289862799"/>
+                    <a16:rowId xmlns:a16="http://schemas.microsoft.com/office/drawing/2014/main" xmlns="" val="1289862799"/>
                   </a:ext>
                 </a:extLst>
               </a:tr>
@@ -23453,7 +22705,7 @@
                 </a:tc>
                 <a:extLst>
                   <a:ext uri="{0D108BD9-81ED-4DB2-BD59-A6C34878D82A}">
-                    <a16:rowId xmlns:a16="http://schemas.microsoft.com/office/drawing/2014/main" val="476163804"/>
+                    <a16:rowId xmlns:a16="http://schemas.microsoft.com/office/drawing/2014/main" xmlns="" val="476163804"/>
                   </a:ext>
                 </a:extLst>
               </a:tr>
@@ -23539,7 +22791,7 @@
                 </a:tc>
                 <a:extLst>
                   <a:ext uri="{0D108BD9-81ED-4DB2-BD59-A6C34878D82A}">
-                    <a16:rowId xmlns:a16="http://schemas.microsoft.com/office/drawing/2014/main" val="3833203514"/>
+                    <a16:rowId xmlns:a16="http://schemas.microsoft.com/office/drawing/2014/main" xmlns="" val="3833203514"/>
                   </a:ext>
                 </a:extLst>
               </a:tr>
@@ -23640,7 +22892,7 @@
                 </a:tc>
                 <a:extLst>
                   <a:ext uri="{0D108BD9-81ED-4DB2-BD59-A6C34878D82A}">
-                    <a16:rowId xmlns:a16="http://schemas.microsoft.com/office/drawing/2014/main" val="506145892"/>
+                    <a16:rowId xmlns:a16="http://schemas.microsoft.com/office/drawing/2014/main" xmlns="" val="506145892"/>
                   </a:ext>
                 </a:extLst>
               </a:tr>
@@ -23762,7 +23014,7 @@
                 </a:tc>
                 <a:extLst>
                   <a:ext uri="{0D108BD9-81ED-4DB2-BD59-A6C34878D82A}">
-                    <a16:rowId xmlns:a16="http://schemas.microsoft.com/office/drawing/2014/main" val="2891529692"/>
+                    <a16:rowId xmlns:a16="http://schemas.microsoft.com/office/drawing/2014/main" xmlns="" val="2891529692"/>
                   </a:ext>
                 </a:extLst>
               </a:tr>
@@ -23869,7 +23121,7 @@
                 </a:tc>
                 <a:extLst>
                   <a:ext uri="{0D108BD9-81ED-4DB2-BD59-A6C34878D82A}">
-                    <a16:rowId xmlns:a16="http://schemas.microsoft.com/office/drawing/2014/main" val="4070837523"/>
+                    <a16:rowId xmlns:a16="http://schemas.microsoft.com/office/drawing/2014/main" xmlns="" val="4070837523"/>
                   </a:ext>
                 </a:extLst>
               </a:tr>
@@ -24024,7 +23276,7 @@
                 </a:tc>
                 <a:extLst>
                   <a:ext uri="{0D108BD9-81ED-4DB2-BD59-A6C34878D82A}">
-                    <a16:rowId xmlns:a16="http://schemas.microsoft.com/office/drawing/2014/main" val="3659583434"/>
+                    <a16:rowId xmlns:a16="http://schemas.microsoft.com/office/drawing/2014/main" xmlns="" val="3659583434"/>
                   </a:ext>
                 </a:extLst>
               </a:tr>
@@ -24116,7 +23368,7 @@
                 </a:tc>
                 <a:extLst>
                   <a:ext uri="{0D108BD9-81ED-4DB2-BD59-A6C34878D82A}">
-                    <a16:rowId xmlns:a16="http://schemas.microsoft.com/office/drawing/2014/main" val="2423374131"/>
+                    <a16:rowId xmlns:a16="http://schemas.microsoft.com/office/drawing/2014/main" xmlns="" val="2423374131"/>
                   </a:ext>
                 </a:extLst>
               </a:tr>
@@ -24137,7 +23389,7 @@
 </p:sld>
 </file>
 
-<file path=ppt/slides/slide19.xml><?xml version="1.0" encoding="utf-8"?>
+<file path=ppt/slides/slide18.xml><?xml version="1.0" encoding="utf-8"?>
 <p:sld xmlns:a="http://schemas.openxmlformats.org/drawingml/2006/main" xmlns:r="http://schemas.openxmlformats.org/officeDocument/2006/relationships" xmlns:p="http://schemas.openxmlformats.org/presentationml/2006/main">
   <p:cSld>
     <p:spTree>
@@ -24195,7 +23447,7 @@
           <p:cNvPr id="2" name="TextBox 1">
             <a:extLst>
               <a:ext uri="{FF2B5EF4-FFF2-40B4-BE49-F238E27FC236}">
-                <a16:creationId xmlns:a16="http://schemas.microsoft.com/office/drawing/2014/main" id="{5535DBAC-191A-4FCC-BA44-031FCF1FADAB}"/>
+                <a16:creationId xmlns:a16="http://schemas.microsoft.com/office/drawing/2014/main" xmlns="" id="{5535DBAC-191A-4FCC-BA44-031FCF1FADAB}"/>
               </a:ext>
             </a:extLst>
           </p:cNvPr>
@@ -24254,7 +23506,7 @@
           <p:cNvPr id="3" name="표 4">
             <a:extLst>
               <a:ext uri="{FF2B5EF4-FFF2-40B4-BE49-F238E27FC236}">
-                <a16:creationId xmlns:a16="http://schemas.microsoft.com/office/drawing/2014/main" id="{913AC82F-4D76-4E35-81C4-F2DA6312D7AA}"/>
+                <a16:creationId xmlns:a16="http://schemas.microsoft.com/office/drawing/2014/main" xmlns="" id="{913AC82F-4D76-4E35-81C4-F2DA6312D7AA}"/>
               </a:ext>
             </a:extLst>
           </p:cNvPr>
@@ -24283,21 +23535,21 @@
                 <a:gridCol w="1494503">
                   <a:extLst>
                     <a:ext uri="{9D8B030D-6E8A-4147-A177-3AD203B41FA5}">
-                      <a16:colId xmlns:a16="http://schemas.microsoft.com/office/drawing/2014/main" val="3834144307"/>
+                      <a16:colId xmlns:a16="http://schemas.microsoft.com/office/drawing/2014/main" xmlns="" val="3834144307"/>
                     </a:ext>
                   </a:extLst>
                 </a:gridCol>
                 <a:gridCol w="2399071">
                   <a:extLst>
                     <a:ext uri="{9D8B030D-6E8A-4147-A177-3AD203B41FA5}">
-                      <a16:colId xmlns:a16="http://schemas.microsoft.com/office/drawing/2014/main" val="2120062107"/>
+                      <a16:colId xmlns:a16="http://schemas.microsoft.com/office/drawing/2014/main" xmlns="" val="2120062107"/>
                     </a:ext>
                   </a:extLst>
                 </a:gridCol>
                 <a:gridCol w="8298426">
                   <a:extLst>
                     <a:ext uri="{9D8B030D-6E8A-4147-A177-3AD203B41FA5}">
-                      <a16:colId xmlns:a16="http://schemas.microsoft.com/office/drawing/2014/main" val="1440019558"/>
+                      <a16:colId xmlns:a16="http://schemas.microsoft.com/office/drawing/2014/main" xmlns="" val="1440019558"/>
                     </a:ext>
                   </a:extLst>
                 </a:gridCol>
@@ -24353,7 +23605,7 @@
                 </a:tc>
                 <a:extLst>
                   <a:ext uri="{0D108BD9-81ED-4DB2-BD59-A6C34878D82A}">
-                    <a16:rowId xmlns:a16="http://schemas.microsoft.com/office/drawing/2014/main" val="2898954390"/>
+                    <a16:rowId xmlns:a16="http://schemas.microsoft.com/office/drawing/2014/main" xmlns="" val="2898954390"/>
                   </a:ext>
                 </a:extLst>
               </a:tr>
@@ -24420,7 +23672,7 @@
                 </a:tc>
                 <a:extLst>
                   <a:ext uri="{0D108BD9-81ED-4DB2-BD59-A6C34878D82A}">
-                    <a16:rowId xmlns:a16="http://schemas.microsoft.com/office/drawing/2014/main" val="3996163792"/>
+                    <a16:rowId xmlns:a16="http://schemas.microsoft.com/office/drawing/2014/main" xmlns="" val="3996163792"/>
                   </a:ext>
                 </a:extLst>
               </a:tr>
@@ -24487,7 +23739,7 @@
                 </a:tc>
                 <a:extLst>
                   <a:ext uri="{0D108BD9-81ED-4DB2-BD59-A6C34878D82A}">
-                    <a16:rowId xmlns:a16="http://schemas.microsoft.com/office/drawing/2014/main" val="476163804"/>
+                    <a16:rowId xmlns:a16="http://schemas.microsoft.com/office/drawing/2014/main" xmlns="" val="476163804"/>
                   </a:ext>
                 </a:extLst>
               </a:tr>
@@ -24599,7 +23851,7 @@
                 </a:tc>
                 <a:extLst>
                   <a:ext uri="{0D108BD9-81ED-4DB2-BD59-A6C34878D82A}">
-                    <a16:rowId xmlns:a16="http://schemas.microsoft.com/office/drawing/2014/main" val="1358587513"/>
+                    <a16:rowId xmlns:a16="http://schemas.microsoft.com/office/drawing/2014/main" xmlns="" val="1358587513"/>
                   </a:ext>
                 </a:extLst>
               </a:tr>
@@ -24663,7 +23915,7 @@
                 </a:tc>
                 <a:extLst>
                   <a:ext uri="{0D108BD9-81ED-4DB2-BD59-A6C34878D82A}">
-                    <a16:rowId xmlns:a16="http://schemas.microsoft.com/office/drawing/2014/main" val="3888127659"/>
+                    <a16:rowId xmlns:a16="http://schemas.microsoft.com/office/drawing/2014/main" xmlns="" val="3888127659"/>
                   </a:ext>
                 </a:extLst>
               </a:tr>
@@ -24742,7 +23994,7 @@
                 </a:tc>
                 <a:extLst>
                   <a:ext uri="{0D108BD9-81ED-4DB2-BD59-A6C34878D82A}">
-                    <a16:rowId xmlns:a16="http://schemas.microsoft.com/office/drawing/2014/main" val="3725144329"/>
+                    <a16:rowId xmlns:a16="http://schemas.microsoft.com/office/drawing/2014/main" xmlns="" val="3725144329"/>
                   </a:ext>
                 </a:extLst>
               </a:tr>
@@ -24809,7 +24061,7 @@
                 </a:tc>
                 <a:extLst>
                   <a:ext uri="{0D108BD9-81ED-4DB2-BD59-A6C34878D82A}">
-                    <a16:rowId xmlns:a16="http://schemas.microsoft.com/office/drawing/2014/main" val="3833203514"/>
+                    <a16:rowId xmlns:a16="http://schemas.microsoft.com/office/drawing/2014/main" xmlns="" val="3833203514"/>
                   </a:ext>
                 </a:extLst>
               </a:tr>
@@ -24896,7 +24148,7 @@
                 </a:tc>
                 <a:extLst>
                   <a:ext uri="{0D108BD9-81ED-4DB2-BD59-A6C34878D82A}">
-                    <a16:rowId xmlns:a16="http://schemas.microsoft.com/office/drawing/2014/main" val="2295019934"/>
+                    <a16:rowId xmlns:a16="http://schemas.microsoft.com/office/drawing/2014/main" xmlns="" val="2295019934"/>
                   </a:ext>
                 </a:extLst>
               </a:tr>
@@ -24996,7 +24248,7 @@
                 </a:tc>
                 <a:extLst>
                   <a:ext uri="{0D108BD9-81ED-4DB2-BD59-A6C34878D82A}">
-                    <a16:rowId xmlns:a16="http://schemas.microsoft.com/office/drawing/2014/main" val="3041922315"/>
+                    <a16:rowId xmlns:a16="http://schemas.microsoft.com/office/drawing/2014/main" xmlns="" val="3041922315"/>
                   </a:ext>
                 </a:extLst>
               </a:tr>
@@ -25096,7 +24348,7 @@
                 </a:tc>
                 <a:extLst>
                   <a:ext uri="{0D108BD9-81ED-4DB2-BD59-A6C34878D82A}">
-                    <a16:rowId xmlns:a16="http://schemas.microsoft.com/office/drawing/2014/main" val="3957888601"/>
+                    <a16:rowId xmlns:a16="http://schemas.microsoft.com/office/drawing/2014/main" xmlns="" val="3957888601"/>
                   </a:ext>
                 </a:extLst>
               </a:tr>
@@ -25163,7 +24415,7 @@
                 </a:tc>
                 <a:extLst>
                   <a:ext uri="{0D108BD9-81ED-4DB2-BD59-A6C34878D82A}">
-                    <a16:rowId xmlns:a16="http://schemas.microsoft.com/office/drawing/2014/main" val="2891529692"/>
+                    <a16:rowId xmlns:a16="http://schemas.microsoft.com/office/drawing/2014/main" xmlns="" val="2891529692"/>
                   </a:ext>
                 </a:extLst>
               </a:tr>
@@ -25227,7 +24479,7 @@
                 </a:tc>
                 <a:extLst>
                   <a:ext uri="{0D108BD9-81ED-4DB2-BD59-A6C34878D82A}">
-                    <a16:rowId xmlns:a16="http://schemas.microsoft.com/office/drawing/2014/main" val="4070837523"/>
+                    <a16:rowId xmlns:a16="http://schemas.microsoft.com/office/drawing/2014/main" xmlns="" val="4070837523"/>
                   </a:ext>
                 </a:extLst>
               </a:tr>
@@ -25291,7 +24543,7 @@
                 </a:tc>
                 <a:extLst>
                   <a:ext uri="{0D108BD9-81ED-4DB2-BD59-A6C34878D82A}">
-                    <a16:rowId xmlns:a16="http://schemas.microsoft.com/office/drawing/2014/main" val="3659583434"/>
+                    <a16:rowId xmlns:a16="http://schemas.microsoft.com/office/drawing/2014/main" xmlns="" val="3659583434"/>
                   </a:ext>
                 </a:extLst>
               </a:tr>
@@ -25355,7 +24607,7 @@
                 </a:tc>
                 <a:extLst>
                   <a:ext uri="{0D108BD9-81ED-4DB2-BD59-A6C34878D82A}">
-                    <a16:rowId xmlns:a16="http://schemas.microsoft.com/office/drawing/2014/main" val="2423374131"/>
+                    <a16:rowId xmlns:a16="http://schemas.microsoft.com/office/drawing/2014/main" xmlns="" val="2423374131"/>
                   </a:ext>
                 </a:extLst>
               </a:tr>
@@ -25376,3603 +24628,7 @@
 </p:sld>
 </file>
 
-<file path=ppt/slides/slide2.xml><?xml version="1.0" encoding="utf-8"?>
-<p:sld xmlns:a="http://schemas.openxmlformats.org/drawingml/2006/main" xmlns:r="http://schemas.openxmlformats.org/officeDocument/2006/relationships" xmlns:p="http://schemas.openxmlformats.org/presentationml/2006/main">
-  <p:cSld>
-    <p:spTree>
-      <p:nvGrpSpPr>
-        <p:cNvPr id="1" name=""/>
-        <p:cNvGrpSpPr/>
-        <p:nvPr/>
-      </p:nvGrpSpPr>
-      <p:grpSpPr>
-        <a:xfrm>
-          <a:off x="0" y="0"/>
-          <a:ext cx="0" cy="0"/>
-          <a:chOff x="0" y="0"/>
-          <a:chExt cx="0" cy="0"/>
-        </a:xfrm>
-      </p:grpSpPr>
-      <p:sp useBgFill="1">
-        <p:nvSpPr>
-          <p:cNvPr id="8" name="Rectangle 7">
-            <a:extLst>
-              <a:ext uri="{FF2B5EF4-FFF2-40B4-BE49-F238E27FC236}">
-                <a16:creationId xmlns:a16="http://schemas.microsoft.com/office/drawing/2014/main" id="{E978A47D-4F17-40FE-AB70-7AF78A9575EB}"/>
-              </a:ext>
-              <a:ext uri="{C183D7F6-B498-43B3-948B-1728B52AA6E4}">
-                <adec:decorative xmlns:adec="http://schemas.microsoft.com/office/drawing/2017/decorative" val="1"/>
-              </a:ext>
-            </a:extLst>
-          </p:cNvPr>
-          <p:cNvSpPr>
-            <a:spLocks noGrp="1" noRot="1" noChangeAspect="1" noMove="1" noResize="1" noEditPoints="1" noAdjustHandles="1" noChangeArrowheads="1" noChangeShapeType="1" noTextEdit="1"/>
-          </p:cNvSpPr>
-          <p:nvPr>
-            <p:extLst>
-              <p:ext uri="{386F3935-93C4-4BCD-93E2-E3B085C9AB24}">
-                <p16:designElem xmlns:p16="http://schemas.microsoft.com/office/powerpoint/2015/main" val="1"/>
-              </p:ext>
-            </p:extLst>
-          </p:nvPr>
-        </p:nvSpPr>
-        <p:spPr>
-          <a:xfrm>
-            <a:off x="25400" y="-14287"/>
-            <a:ext cx="12192000" cy="6858000"/>
-          </a:xfrm>
-          <a:prstGeom prst="rect">
-            <a:avLst/>
-          </a:prstGeom>
-          <a:ln>
-            <a:noFill/>
-          </a:ln>
-        </p:spPr>
-        <p:style>
-          <a:lnRef idx="2">
-            <a:schemeClr val="accent1">
-              <a:shade val="50000"/>
-            </a:schemeClr>
-          </a:lnRef>
-          <a:fillRef idx="1">
-            <a:schemeClr val="accent1"/>
-          </a:fillRef>
-          <a:effectRef idx="0">
-            <a:schemeClr val="accent1"/>
-          </a:effectRef>
-          <a:fontRef idx="minor">
-            <a:schemeClr val="lt1"/>
-          </a:fontRef>
-        </p:style>
-        <p:txBody>
-          <a:bodyPr rtlCol="0" anchor="ctr"/>
-          <a:lstStyle/>
-          <a:p>
-            <a:pPr algn="ctr"/>
-            <a:endParaRPr lang="en-US"/>
-          </a:p>
-        </p:txBody>
-      </p:sp>
-      <p:grpSp>
-        <p:nvGrpSpPr>
-          <p:cNvPr id="10" name="Group 9">
-            <a:extLst>
-              <a:ext uri="{FF2B5EF4-FFF2-40B4-BE49-F238E27FC236}">
-                <a16:creationId xmlns:a16="http://schemas.microsoft.com/office/drawing/2014/main" id="{85BE3A7E-6A3F-401E-A025-BBB8FDB8DD30}"/>
-              </a:ext>
-              <a:ext uri="{C183D7F6-B498-43B3-948B-1728B52AA6E4}">
-                <adec:decorative xmlns:adec="http://schemas.microsoft.com/office/drawing/2017/decorative" val="1"/>
-              </a:ext>
-            </a:extLst>
-          </p:cNvPr>
-          <p:cNvGrpSpPr>
-            <a:grpSpLocks noGrp="1" noUngrp="1" noRot="1" noChangeAspect="1" noMove="1" noResize="1"/>
-          </p:cNvGrpSpPr>
-          <p:nvPr>
-            <p:extLst>
-              <p:ext uri="{386F3935-93C4-4BCD-93E2-E3B085C9AB24}">
-                <p16:designElem xmlns:p16="http://schemas.microsoft.com/office/powerpoint/2015/main" val="1"/>
-              </p:ext>
-            </p:extLst>
-          </p:nvPr>
-        </p:nvGrpSpPr>
-        <p:grpSpPr>
-          <a:xfrm>
-            <a:off x="-14288" y="0"/>
-            <a:ext cx="1220788" cy="6858001"/>
-            <a:chOff x="-14288" y="0"/>
-            <a:chExt cx="1220788" cy="6858001"/>
-          </a:xfrm>
-          <a:solidFill>
-            <a:schemeClr val="tx1">
-              <a:alpha val="60000"/>
-            </a:schemeClr>
-          </a:solidFill>
-        </p:grpSpPr>
-        <p:sp>
-          <p:nvSpPr>
-            <p:cNvPr id="11" name="Rectangle 5">
-              <a:extLst>
-                <a:ext uri="{FF2B5EF4-FFF2-40B4-BE49-F238E27FC236}">
-                  <a16:creationId xmlns:a16="http://schemas.microsoft.com/office/drawing/2014/main" id="{41EE9036-817C-476C-BD59-B5184F9A3E35}"/>
-                </a:ext>
-                <a:ext uri="{C183D7F6-B498-43B3-948B-1728B52AA6E4}">
-                  <adec:decorative xmlns:adec="http://schemas.microsoft.com/office/drawing/2017/decorative" val="1"/>
-                </a:ext>
-              </a:extLst>
-            </p:cNvPr>
-            <p:cNvSpPr>
-              <a:spLocks noChangeArrowheads="1"/>
-            </p:cNvSpPr>
-            <p:nvPr>
-              <p:extLst>
-                <p:ext uri="{386F3935-93C4-4BCD-93E2-E3B085C9AB24}">
-                  <p16:designElem xmlns:p16="http://schemas.microsoft.com/office/powerpoint/2015/main" val="1"/>
-                </p:ext>
-              </p:extLst>
-            </p:nvPr>
-          </p:nvSpPr>
-          <p:spPr bwMode="auto">
-            <a:xfrm>
-              <a:off x="114300" y="4763"/>
-              <a:ext cx="23813" cy="2181225"/>
-            </a:xfrm>
-            <a:prstGeom prst="rect">
-              <a:avLst/>
-            </a:prstGeom>
-            <a:grpFill/>
-            <a:ln>
-              <a:noFill/>
-            </a:ln>
-            <a:extLst>
-              <a:ext uri="{91240B29-F687-4F45-9708-019B960494DF}">
-                <a14:hiddenLine xmlns:a14="http://schemas.microsoft.com/office/drawing/2010/main" w="9525">
-                  <a:solidFill>
-                    <a:srgbClr val="000000"/>
-                  </a:solidFill>
-                  <a:miter lim="800000"/>
-                  <a:headEnd/>
-                  <a:tailEnd/>
-                </a14:hiddenLine>
-              </a:ext>
-            </a:extLst>
-          </p:spPr>
-        </p:sp>
-        <p:sp>
-          <p:nvSpPr>
-            <p:cNvPr id="12" name="Freeform 6">
-              <a:extLst>
-                <a:ext uri="{FF2B5EF4-FFF2-40B4-BE49-F238E27FC236}">
-                  <a16:creationId xmlns:a16="http://schemas.microsoft.com/office/drawing/2014/main" id="{F098087A-B4E4-4300-A841-44988BD88E2F}"/>
-                </a:ext>
-                <a:ext uri="{C183D7F6-B498-43B3-948B-1728B52AA6E4}">
-                  <adec:decorative xmlns:adec="http://schemas.microsoft.com/office/drawing/2017/decorative" val="1"/>
-                </a:ext>
-              </a:extLst>
-            </p:cNvPr>
-            <p:cNvSpPr>
-              <a:spLocks noEditPoints="1"/>
-            </p:cNvSpPr>
-            <p:nvPr>
-              <p:extLst>
-                <p:ext uri="{386F3935-93C4-4BCD-93E2-E3B085C9AB24}">
-                  <p16:designElem xmlns:p16="http://schemas.microsoft.com/office/powerpoint/2015/main" val="1"/>
-                </p:ext>
-              </p:extLst>
-            </p:nvPr>
-          </p:nvSpPr>
-          <p:spPr bwMode="auto">
-            <a:xfrm>
-              <a:off x="33337" y="2176463"/>
-              <a:ext cx="190500" cy="190500"/>
-            </a:xfrm>
-            <a:custGeom>
-              <a:avLst/>
-              <a:gdLst/>
-              <a:ahLst/>
-              <a:cxnLst/>
-              <a:rect l="0" t="0" r="r" b="b"/>
-              <a:pathLst>
-                <a:path w="40" h="40">
-                  <a:moveTo>
-                    <a:pt x="20" y="40"/>
-                  </a:moveTo>
-                  <a:cubicBezTo>
-                    <a:pt x="9" y="40"/>
-                    <a:pt x="0" y="31"/>
-                    <a:pt x="0" y="20"/>
-                  </a:cubicBezTo>
-                  <a:cubicBezTo>
-                    <a:pt x="0" y="9"/>
-                    <a:pt x="9" y="0"/>
-                    <a:pt x="20" y="0"/>
-                  </a:cubicBezTo>
-                  <a:cubicBezTo>
-                    <a:pt x="31" y="0"/>
-                    <a:pt x="40" y="9"/>
-                    <a:pt x="40" y="20"/>
-                  </a:cubicBezTo>
-                  <a:cubicBezTo>
-                    <a:pt x="40" y="31"/>
-                    <a:pt x="31" y="40"/>
-                    <a:pt x="20" y="40"/>
-                  </a:cubicBezTo>
-                  <a:close/>
-                  <a:moveTo>
-                    <a:pt x="20" y="4"/>
-                  </a:moveTo>
-                  <a:cubicBezTo>
-                    <a:pt x="11" y="4"/>
-                    <a:pt x="4" y="11"/>
-                    <a:pt x="4" y="20"/>
-                  </a:cubicBezTo>
-                  <a:cubicBezTo>
-                    <a:pt x="4" y="29"/>
-                    <a:pt x="11" y="36"/>
-                    <a:pt x="20" y="36"/>
-                  </a:cubicBezTo>
-                  <a:cubicBezTo>
-                    <a:pt x="28" y="36"/>
-                    <a:pt x="36" y="29"/>
-                    <a:pt x="36" y="20"/>
-                  </a:cubicBezTo>
-                  <a:cubicBezTo>
-                    <a:pt x="36" y="11"/>
-                    <a:pt x="28" y="4"/>
-                    <a:pt x="20" y="4"/>
-                  </a:cubicBezTo>
-                  <a:close/>
-                </a:path>
-              </a:pathLst>
-            </a:custGeom>
-            <a:grpFill/>
-            <a:ln>
-              <a:noFill/>
-            </a:ln>
-            <a:extLst>
-              <a:ext uri="{91240B29-F687-4F45-9708-019B960494DF}">
-                <a14:hiddenLine xmlns:a14="http://schemas.microsoft.com/office/drawing/2010/main" w="9525">
-                  <a:solidFill>
-                    <a:srgbClr val="000000"/>
-                  </a:solidFill>
-                  <a:round/>
-                  <a:headEnd/>
-                  <a:tailEnd/>
-                </a14:hiddenLine>
-              </a:ext>
-            </a:extLst>
-          </p:spPr>
-        </p:sp>
-        <p:sp>
-          <p:nvSpPr>
-            <p:cNvPr id="13" name="Freeform 7">
-              <a:extLst>
-                <a:ext uri="{FF2B5EF4-FFF2-40B4-BE49-F238E27FC236}">
-                  <a16:creationId xmlns:a16="http://schemas.microsoft.com/office/drawing/2014/main" id="{F5BD5F4B-A39C-4DF9-84E4-A4D33F30E6EE}"/>
-                </a:ext>
-                <a:ext uri="{C183D7F6-B498-43B3-948B-1728B52AA6E4}">
-                  <adec:decorative xmlns:adec="http://schemas.microsoft.com/office/drawing/2017/decorative" val="1"/>
-                </a:ext>
-              </a:extLst>
-            </p:cNvPr>
-            <p:cNvSpPr>
-              <a:spLocks noEditPoints="1"/>
-            </p:cNvSpPr>
-            <p:nvPr>
-              <p:extLst>
-                <p:ext uri="{386F3935-93C4-4BCD-93E2-E3B085C9AB24}">
-                  <p16:designElem xmlns:p16="http://schemas.microsoft.com/office/powerpoint/2015/main" val="1"/>
-                </p:ext>
-              </p:extLst>
-            </p:nvPr>
-          </p:nvSpPr>
-          <p:spPr bwMode="auto">
-            <a:xfrm>
-              <a:off x="28575" y="4021138"/>
-              <a:ext cx="190500" cy="188913"/>
-            </a:xfrm>
-            <a:custGeom>
-              <a:avLst/>
-              <a:gdLst/>
-              <a:ahLst/>
-              <a:cxnLst/>
-              <a:rect l="0" t="0" r="r" b="b"/>
-              <a:pathLst>
-                <a:path w="40" h="40">
-                  <a:moveTo>
-                    <a:pt x="20" y="40"/>
-                  </a:moveTo>
-                  <a:cubicBezTo>
-                    <a:pt x="9" y="40"/>
-                    <a:pt x="0" y="31"/>
-                    <a:pt x="0" y="20"/>
-                  </a:cubicBezTo>
-                  <a:cubicBezTo>
-                    <a:pt x="0" y="9"/>
-                    <a:pt x="9" y="0"/>
-                    <a:pt x="20" y="0"/>
-                  </a:cubicBezTo>
-                  <a:cubicBezTo>
-                    <a:pt x="31" y="0"/>
-                    <a:pt x="40" y="9"/>
-                    <a:pt x="40" y="20"/>
-                  </a:cubicBezTo>
-                  <a:cubicBezTo>
-                    <a:pt x="40" y="31"/>
-                    <a:pt x="31" y="40"/>
-                    <a:pt x="20" y="40"/>
-                  </a:cubicBezTo>
-                  <a:close/>
-                  <a:moveTo>
-                    <a:pt x="20" y="4"/>
-                  </a:moveTo>
-                  <a:cubicBezTo>
-                    <a:pt x="12" y="4"/>
-                    <a:pt x="4" y="11"/>
-                    <a:pt x="4" y="20"/>
-                  </a:cubicBezTo>
-                  <a:cubicBezTo>
-                    <a:pt x="4" y="29"/>
-                    <a:pt x="12" y="36"/>
-                    <a:pt x="20" y="36"/>
-                  </a:cubicBezTo>
-                  <a:cubicBezTo>
-                    <a:pt x="29" y="36"/>
-                    <a:pt x="36" y="29"/>
-                    <a:pt x="36" y="20"/>
-                  </a:cubicBezTo>
-                  <a:cubicBezTo>
-                    <a:pt x="36" y="11"/>
-                    <a:pt x="29" y="4"/>
-                    <a:pt x="20" y="4"/>
-                  </a:cubicBezTo>
-                  <a:close/>
-                </a:path>
-              </a:pathLst>
-            </a:custGeom>
-            <a:grpFill/>
-            <a:ln>
-              <a:noFill/>
-            </a:ln>
-            <a:extLst>
-              <a:ext uri="{91240B29-F687-4F45-9708-019B960494DF}">
-                <a14:hiddenLine xmlns:a14="http://schemas.microsoft.com/office/drawing/2010/main" w="9525">
-                  <a:solidFill>
-                    <a:srgbClr val="000000"/>
-                  </a:solidFill>
-                  <a:round/>
-                  <a:headEnd/>
-                  <a:tailEnd/>
-                </a14:hiddenLine>
-              </a:ext>
-            </a:extLst>
-          </p:spPr>
-        </p:sp>
-        <p:sp>
-          <p:nvSpPr>
-            <p:cNvPr id="14" name="Freeform 8">
-              <a:extLst>
-                <a:ext uri="{FF2B5EF4-FFF2-40B4-BE49-F238E27FC236}">
-                  <a16:creationId xmlns:a16="http://schemas.microsoft.com/office/drawing/2014/main" id="{D7FA9858-BFA0-4D5B-AF72-B1B65EB0699C}"/>
-                </a:ext>
-                <a:ext uri="{C183D7F6-B498-43B3-948B-1728B52AA6E4}">
-                  <adec:decorative xmlns:adec="http://schemas.microsoft.com/office/drawing/2017/decorative" val="1"/>
-                </a:ext>
-              </a:extLst>
-            </p:cNvPr>
-            <p:cNvSpPr/>
-            <p:nvPr>
-              <p:extLst>
-                <p:ext uri="{386F3935-93C4-4BCD-93E2-E3B085C9AB24}">
-                  <p16:designElem xmlns:p16="http://schemas.microsoft.com/office/powerpoint/2015/main" val="1"/>
-                </p:ext>
-              </p:extLst>
-            </p:nvPr>
-          </p:nvSpPr>
-          <p:spPr bwMode="auto">
-            <a:xfrm>
-              <a:off x="200025" y="4763"/>
-              <a:ext cx="369888" cy="1811338"/>
-            </a:xfrm>
-            <a:custGeom>
-              <a:avLst/>
-              <a:gdLst/>
-              <a:ahLst/>
-              <a:cxnLst/>
-              <a:rect l="0" t="0" r="r" b="b"/>
-              <a:pathLst>
-                <a:path w="233" h="1141">
-                  <a:moveTo>
-                    <a:pt x="218" y="1141"/>
-                  </a:moveTo>
-                  <a:lnTo>
-                    <a:pt x="0" y="626"/>
-                  </a:lnTo>
-                  <a:lnTo>
-                    <a:pt x="0" y="0"/>
-                  </a:lnTo>
-                  <a:lnTo>
-                    <a:pt x="15" y="0"/>
-                  </a:lnTo>
-                  <a:lnTo>
-                    <a:pt x="15" y="623"/>
-                  </a:lnTo>
-                  <a:lnTo>
-                    <a:pt x="233" y="1135"/>
-                  </a:lnTo>
-                  <a:lnTo>
-                    <a:pt x="218" y="1141"/>
-                  </a:lnTo>
-                  <a:close/>
-                </a:path>
-              </a:pathLst>
-            </a:custGeom>
-            <a:grpFill/>
-            <a:ln>
-              <a:noFill/>
-            </a:ln>
-            <a:extLst>
-              <a:ext uri="{91240B29-F687-4F45-9708-019B960494DF}">
-                <a14:hiddenLine xmlns:a14="http://schemas.microsoft.com/office/drawing/2010/main" w="9525">
-                  <a:solidFill>
-                    <a:srgbClr val="000000"/>
-                  </a:solidFill>
-                  <a:round/>
-                  <a:headEnd/>
-                  <a:tailEnd/>
-                </a14:hiddenLine>
-              </a:ext>
-            </a:extLst>
-          </p:spPr>
-        </p:sp>
-        <p:sp>
-          <p:nvSpPr>
-            <p:cNvPr id="15" name="Freeform 9">
-              <a:extLst>
-                <a:ext uri="{FF2B5EF4-FFF2-40B4-BE49-F238E27FC236}">
-                  <a16:creationId xmlns:a16="http://schemas.microsoft.com/office/drawing/2014/main" id="{A508A5F3-AFE0-4750-A9C2-B51A514FFC4C}"/>
-                </a:ext>
-                <a:ext uri="{C183D7F6-B498-43B3-948B-1728B52AA6E4}">
-                  <adec:decorative xmlns:adec="http://schemas.microsoft.com/office/drawing/2017/decorative" val="1"/>
-                </a:ext>
-              </a:extLst>
-            </p:cNvPr>
-            <p:cNvSpPr>
-              <a:spLocks noEditPoints="1"/>
-            </p:cNvSpPr>
-            <p:nvPr>
-              <p:extLst>
-                <p:ext uri="{386F3935-93C4-4BCD-93E2-E3B085C9AB24}">
-                  <p16:designElem xmlns:p16="http://schemas.microsoft.com/office/powerpoint/2015/main" val="1"/>
-                </p:ext>
-              </p:extLst>
-            </p:nvPr>
-          </p:nvSpPr>
-          <p:spPr bwMode="auto">
-            <a:xfrm>
-              <a:off x="503237" y="1801813"/>
-              <a:ext cx="190500" cy="188913"/>
-            </a:xfrm>
-            <a:custGeom>
-              <a:avLst/>
-              <a:gdLst/>
-              <a:ahLst/>
-              <a:cxnLst/>
-              <a:rect l="0" t="0" r="r" b="b"/>
-              <a:pathLst>
-                <a:path w="40" h="40">
-                  <a:moveTo>
-                    <a:pt x="20" y="40"/>
-                  </a:moveTo>
-                  <a:cubicBezTo>
-                    <a:pt x="9" y="40"/>
-                    <a:pt x="0" y="31"/>
-                    <a:pt x="0" y="20"/>
-                  </a:cubicBezTo>
-                  <a:cubicBezTo>
-                    <a:pt x="0" y="9"/>
-                    <a:pt x="9" y="0"/>
-                    <a:pt x="20" y="0"/>
-                  </a:cubicBezTo>
-                  <a:cubicBezTo>
-                    <a:pt x="33" y="0"/>
-                    <a:pt x="40" y="6"/>
-                    <a:pt x="40" y="20"/>
-                  </a:cubicBezTo>
-                  <a:cubicBezTo>
-                    <a:pt x="40" y="31"/>
-                    <a:pt x="31" y="40"/>
-                    <a:pt x="20" y="40"/>
-                  </a:cubicBezTo>
-                  <a:close/>
-                  <a:moveTo>
-                    <a:pt x="20" y="4"/>
-                  </a:moveTo>
-                  <a:cubicBezTo>
-                    <a:pt x="11" y="4"/>
-                    <a:pt x="4" y="11"/>
-                    <a:pt x="4" y="20"/>
-                  </a:cubicBezTo>
-                  <a:cubicBezTo>
-                    <a:pt x="4" y="29"/>
-                    <a:pt x="11" y="36"/>
-                    <a:pt x="20" y="36"/>
-                  </a:cubicBezTo>
-                  <a:cubicBezTo>
-                    <a:pt x="28" y="36"/>
-                    <a:pt x="36" y="29"/>
-                    <a:pt x="36" y="20"/>
-                  </a:cubicBezTo>
-                  <a:cubicBezTo>
-                    <a:pt x="36" y="9"/>
-                    <a:pt x="31" y="4"/>
-                    <a:pt x="20" y="4"/>
-                  </a:cubicBezTo>
-                  <a:close/>
-                </a:path>
-              </a:pathLst>
-            </a:custGeom>
-            <a:grpFill/>
-            <a:ln>
-              <a:noFill/>
-            </a:ln>
-            <a:extLst>
-              <a:ext uri="{91240B29-F687-4F45-9708-019B960494DF}">
-                <a14:hiddenLine xmlns:a14="http://schemas.microsoft.com/office/drawing/2010/main" w="9525">
-                  <a:solidFill>
-                    <a:srgbClr val="000000"/>
-                  </a:solidFill>
-                  <a:round/>
-                  <a:headEnd/>
-                  <a:tailEnd/>
-                </a14:hiddenLine>
-              </a:ext>
-            </a:extLst>
-          </p:spPr>
-        </p:sp>
-        <p:sp>
-          <p:nvSpPr>
-            <p:cNvPr id="16" name="Freeform 10">
-              <a:extLst>
-                <a:ext uri="{FF2B5EF4-FFF2-40B4-BE49-F238E27FC236}">
-                  <a16:creationId xmlns:a16="http://schemas.microsoft.com/office/drawing/2014/main" id="{92B4AAEB-ABF4-42A7-BE52-0B442190D16A}"/>
-                </a:ext>
-                <a:ext uri="{C183D7F6-B498-43B3-948B-1728B52AA6E4}">
-                  <adec:decorative xmlns:adec="http://schemas.microsoft.com/office/drawing/2017/decorative" val="1"/>
-                </a:ext>
-              </a:extLst>
-            </p:cNvPr>
-            <p:cNvSpPr/>
-            <p:nvPr>
-              <p:extLst>
-                <p:ext uri="{386F3935-93C4-4BCD-93E2-E3B085C9AB24}">
-                  <p16:designElem xmlns:p16="http://schemas.microsoft.com/office/powerpoint/2015/main" val="1"/>
-                </p:ext>
-              </p:extLst>
-            </p:nvPr>
-          </p:nvSpPr>
-          <p:spPr bwMode="auto">
-            <a:xfrm>
-              <a:off x="285750" y="4763"/>
-              <a:ext cx="369888" cy="1430338"/>
-            </a:xfrm>
-            <a:custGeom>
-              <a:avLst/>
-              <a:gdLst/>
-              <a:ahLst/>
-              <a:cxnLst/>
-              <a:rect l="0" t="0" r="r" b="b"/>
-              <a:pathLst>
-                <a:path w="233" h="901">
-                  <a:moveTo>
-                    <a:pt x="221" y="901"/>
-                  </a:moveTo>
-                  <a:lnTo>
-                    <a:pt x="0" y="383"/>
-                  </a:lnTo>
-                  <a:lnTo>
-                    <a:pt x="0" y="0"/>
-                  </a:lnTo>
-                  <a:lnTo>
-                    <a:pt x="18" y="0"/>
-                  </a:lnTo>
-                  <a:lnTo>
-                    <a:pt x="18" y="380"/>
-                  </a:lnTo>
-                  <a:lnTo>
-                    <a:pt x="233" y="895"/>
-                  </a:lnTo>
-                  <a:lnTo>
-                    <a:pt x="221" y="901"/>
-                  </a:lnTo>
-                  <a:close/>
-                </a:path>
-              </a:pathLst>
-            </a:custGeom>
-            <a:grpFill/>
-            <a:ln>
-              <a:noFill/>
-            </a:ln>
-            <a:extLst>
-              <a:ext uri="{91240B29-F687-4F45-9708-019B960494DF}">
-                <a14:hiddenLine xmlns:a14="http://schemas.microsoft.com/office/drawing/2010/main" w="9525">
-                  <a:solidFill>
-                    <a:srgbClr val="000000"/>
-                  </a:solidFill>
-                  <a:round/>
-                  <a:headEnd/>
-                  <a:tailEnd/>
-                </a14:hiddenLine>
-              </a:ext>
-            </a:extLst>
-          </p:spPr>
-        </p:sp>
-        <p:sp>
-          <p:nvSpPr>
-            <p:cNvPr id="17" name="Freeform 11">
-              <a:extLst>
-                <a:ext uri="{FF2B5EF4-FFF2-40B4-BE49-F238E27FC236}">
-                  <a16:creationId xmlns:a16="http://schemas.microsoft.com/office/drawing/2014/main" id="{3767C370-4A42-4376-8CAE-606C4BC8F450}"/>
-                </a:ext>
-                <a:ext uri="{C183D7F6-B498-43B3-948B-1728B52AA6E4}">
-                  <adec:decorative xmlns:adec="http://schemas.microsoft.com/office/drawing/2017/decorative" val="1"/>
-                </a:ext>
-              </a:extLst>
-            </p:cNvPr>
-            <p:cNvSpPr/>
-            <p:nvPr>
-              <p:extLst>
-                <p:ext uri="{386F3935-93C4-4BCD-93E2-E3B085C9AB24}">
-                  <p16:designElem xmlns:p16="http://schemas.microsoft.com/office/powerpoint/2015/main" val="1"/>
-                </p:ext>
-              </p:extLst>
-            </p:nvPr>
-          </p:nvSpPr>
-          <p:spPr bwMode="auto">
-            <a:xfrm>
-              <a:off x="546100" y="0"/>
-              <a:ext cx="152400" cy="912813"/>
-            </a:xfrm>
-            <a:custGeom>
-              <a:avLst/>
-              <a:gdLst/>
-              <a:ahLst/>
-              <a:cxnLst/>
-              <a:rect l="0" t="0" r="r" b="b"/>
-              <a:pathLst>
-                <a:path w="96" h="575">
-                  <a:moveTo>
-                    <a:pt x="96" y="575"/>
-                  </a:moveTo>
-                  <a:lnTo>
-                    <a:pt x="78" y="575"/>
-                  </a:lnTo>
-                  <a:lnTo>
-                    <a:pt x="78" y="192"/>
-                  </a:lnTo>
-                  <a:lnTo>
-                    <a:pt x="0" y="6"/>
-                  </a:lnTo>
-                  <a:lnTo>
-                    <a:pt x="15" y="0"/>
-                  </a:lnTo>
-                  <a:lnTo>
-                    <a:pt x="96" y="189"/>
-                  </a:lnTo>
-                  <a:lnTo>
-                    <a:pt x="96" y="575"/>
-                  </a:lnTo>
-                  <a:close/>
-                </a:path>
-              </a:pathLst>
-            </a:custGeom>
-            <a:grpFill/>
-            <a:ln>
-              <a:noFill/>
-            </a:ln>
-            <a:extLst>
-              <a:ext uri="{91240B29-F687-4F45-9708-019B960494DF}">
-                <a14:hiddenLine xmlns:a14="http://schemas.microsoft.com/office/drawing/2010/main" w="9525">
-                  <a:solidFill>
-                    <a:srgbClr val="000000"/>
-                  </a:solidFill>
-                  <a:round/>
-                  <a:headEnd/>
-                  <a:tailEnd/>
-                </a14:hiddenLine>
-              </a:ext>
-            </a:extLst>
-          </p:spPr>
-        </p:sp>
-        <p:sp>
-          <p:nvSpPr>
-            <p:cNvPr id="18" name="Freeform 12">
-              <a:extLst>
-                <a:ext uri="{FF2B5EF4-FFF2-40B4-BE49-F238E27FC236}">
-                  <a16:creationId xmlns:a16="http://schemas.microsoft.com/office/drawing/2014/main" id="{36205F53-9C95-4954-B97C-1625BB8A350F}"/>
-                </a:ext>
-                <a:ext uri="{C183D7F6-B498-43B3-948B-1728B52AA6E4}">
-                  <adec:decorative xmlns:adec="http://schemas.microsoft.com/office/drawing/2017/decorative" val="1"/>
-                </a:ext>
-              </a:extLst>
-            </p:cNvPr>
-            <p:cNvSpPr>
-              <a:spLocks noEditPoints="1"/>
-            </p:cNvSpPr>
-            <p:nvPr>
-              <p:extLst>
-                <p:ext uri="{386F3935-93C4-4BCD-93E2-E3B085C9AB24}">
-                  <p16:designElem xmlns:p16="http://schemas.microsoft.com/office/powerpoint/2015/main" val="1"/>
-                </p:ext>
-              </p:extLst>
-            </p:nvPr>
-          </p:nvSpPr>
-          <p:spPr bwMode="auto">
-            <a:xfrm>
-              <a:off x="588962" y="1420813"/>
-              <a:ext cx="190500" cy="190500"/>
-            </a:xfrm>
-            <a:custGeom>
-              <a:avLst/>
-              <a:gdLst/>
-              <a:ahLst/>
-              <a:cxnLst/>
-              <a:rect l="0" t="0" r="r" b="b"/>
-              <a:pathLst>
-                <a:path w="40" h="40">
-                  <a:moveTo>
-                    <a:pt x="20" y="40"/>
-                  </a:moveTo>
-                  <a:cubicBezTo>
-                    <a:pt x="9" y="40"/>
-                    <a:pt x="0" y="31"/>
-                    <a:pt x="0" y="20"/>
-                  </a:cubicBezTo>
-                  <a:cubicBezTo>
-                    <a:pt x="0" y="9"/>
-                    <a:pt x="9" y="0"/>
-                    <a:pt x="20" y="0"/>
-                  </a:cubicBezTo>
-                  <a:cubicBezTo>
-                    <a:pt x="33" y="0"/>
-                    <a:pt x="40" y="7"/>
-                    <a:pt x="40" y="20"/>
-                  </a:cubicBezTo>
-                  <a:cubicBezTo>
-                    <a:pt x="40" y="31"/>
-                    <a:pt x="31" y="40"/>
-                    <a:pt x="20" y="40"/>
-                  </a:cubicBezTo>
-                  <a:close/>
-                  <a:moveTo>
-                    <a:pt x="20" y="4"/>
-                  </a:moveTo>
-                  <a:cubicBezTo>
-                    <a:pt x="11" y="4"/>
-                    <a:pt x="4" y="11"/>
-                    <a:pt x="4" y="20"/>
-                  </a:cubicBezTo>
-                  <a:cubicBezTo>
-                    <a:pt x="4" y="29"/>
-                    <a:pt x="11" y="36"/>
-                    <a:pt x="20" y="36"/>
-                  </a:cubicBezTo>
-                  <a:cubicBezTo>
-                    <a:pt x="29" y="36"/>
-                    <a:pt x="36" y="29"/>
-                    <a:pt x="36" y="20"/>
-                  </a:cubicBezTo>
-                  <a:cubicBezTo>
-                    <a:pt x="36" y="9"/>
-                    <a:pt x="31" y="4"/>
-                    <a:pt x="20" y="4"/>
-                  </a:cubicBezTo>
-                  <a:close/>
-                </a:path>
-              </a:pathLst>
-            </a:custGeom>
-            <a:grpFill/>
-            <a:ln>
-              <a:noFill/>
-            </a:ln>
-            <a:extLst>
-              <a:ext uri="{91240B29-F687-4F45-9708-019B960494DF}">
-                <a14:hiddenLine xmlns:a14="http://schemas.microsoft.com/office/drawing/2010/main" w="9525">
-                  <a:solidFill>
-                    <a:srgbClr val="000000"/>
-                  </a:solidFill>
-                  <a:round/>
-                  <a:headEnd/>
-                  <a:tailEnd/>
-                </a14:hiddenLine>
-              </a:ext>
-            </a:extLst>
-          </p:spPr>
-        </p:sp>
-        <p:sp>
-          <p:nvSpPr>
-            <p:cNvPr id="19" name="Freeform 13">
-              <a:extLst>
-                <a:ext uri="{FF2B5EF4-FFF2-40B4-BE49-F238E27FC236}">
-                  <a16:creationId xmlns:a16="http://schemas.microsoft.com/office/drawing/2014/main" id="{DC80B58E-3469-43E9-96FC-D747B6983030}"/>
-                </a:ext>
-                <a:ext uri="{C183D7F6-B498-43B3-948B-1728B52AA6E4}">
-                  <adec:decorative xmlns:adec="http://schemas.microsoft.com/office/drawing/2017/decorative" val="1"/>
-                </a:ext>
-              </a:extLst>
-            </p:cNvPr>
-            <p:cNvSpPr>
-              <a:spLocks noEditPoints="1"/>
-            </p:cNvSpPr>
-            <p:nvPr>
-              <p:extLst>
-                <p:ext uri="{386F3935-93C4-4BCD-93E2-E3B085C9AB24}">
-                  <p16:designElem xmlns:p16="http://schemas.microsoft.com/office/powerpoint/2015/main" val="1"/>
-                </p:ext>
-              </p:extLst>
-            </p:nvPr>
-          </p:nvSpPr>
-          <p:spPr bwMode="auto">
-            <a:xfrm>
-              <a:off x="588962" y="903288"/>
-              <a:ext cx="190500" cy="190500"/>
-            </a:xfrm>
-            <a:custGeom>
-              <a:avLst/>
-              <a:gdLst/>
-              <a:ahLst/>
-              <a:cxnLst/>
-              <a:rect l="0" t="0" r="r" b="b"/>
-              <a:pathLst>
-                <a:path w="40" h="40">
-                  <a:moveTo>
-                    <a:pt x="20" y="40"/>
-                  </a:moveTo>
-                  <a:cubicBezTo>
-                    <a:pt x="9" y="40"/>
-                    <a:pt x="0" y="31"/>
-                    <a:pt x="0" y="20"/>
-                  </a:cubicBezTo>
-                  <a:cubicBezTo>
-                    <a:pt x="0" y="9"/>
-                    <a:pt x="9" y="0"/>
-                    <a:pt x="20" y="0"/>
-                  </a:cubicBezTo>
-                  <a:cubicBezTo>
-                    <a:pt x="31" y="0"/>
-                    <a:pt x="40" y="9"/>
-                    <a:pt x="40" y="20"/>
-                  </a:cubicBezTo>
-                  <a:cubicBezTo>
-                    <a:pt x="40" y="31"/>
-                    <a:pt x="31" y="40"/>
-                    <a:pt x="20" y="40"/>
-                  </a:cubicBezTo>
-                  <a:close/>
-                  <a:moveTo>
-                    <a:pt x="20" y="4"/>
-                  </a:moveTo>
-                  <a:cubicBezTo>
-                    <a:pt x="11" y="4"/>
-                    <a:pt x="4" y="11"/>
-                    <a:pt x="4" y="20"/>
-                  </a:cubicBezTo>
-                  <a:cubicBezTo>
-                    <a:pt x="4" y="29"/>
-                    <a:pt x="11" y="36"/>
-                    <a:pt x="20" y="36"/>
-                  </a:cubicBezTo>
-                  <a:cubicBezTo>
-                    <a:pt x="29" y="36"/>
-                    <a:pt x="36" y="29"/>
-                    <a:pt x="36" y="20"/>
-                  </a:cubicBezTo>
-                  <a:cubicBezTo>
-                    <a:pt x="36" y="11"/>
-                    <a:pt x="29" y="4"/>
-                    <a:pt x="20" y="4"/>
-                  </a:cubicBezTo>
-                  <a:close/>
-                </a:path>
-              </a:pathLst>
-            </a:custGeom>
-            <a:grpFill/>
-            <a:ln>
-              <a:noFill/>
-            </a:ln>
-            <a:extLst>
-              <a:ext uri="{91240B29-F687-4F45-9708-019B960494DF}">
-                <a14:hiddenLine xmlns:a14="http://schemas.microsoft.com/office/drawing/2010/main" w="9525">
-                  <a:solidFill>
-                    <a:srgbClr val="000000"/>
-                  </a:solidFill>
-                  <a:round/>
-                  <a:headEnd/>
-                  <a:tailEnd/>
-                </a14:hiddenLine>
-              </a:ext>
-            </a:extLst>
-          </p:spPr>
-        </p:sp>
-        <p:sp>
-          <p:nvSpPr>
-            <p:cNvPr id="20" name="Freeform 14">
-              <a:extLst>
-                <a:ext uri="{FF2B5EF4-FFF2-40B4-BE49-F238E27FC236}">
-                  <a16:creationId xmlns:a16="http://schemas.microsoft.com/office/drawing/2014/main" id="{E17A4ED2-DDD7-4B4D-A39C-9B0121C88622}"/>
-                </a:ext>
-                <a:ext uri="{C183D7F6-B498-43B3-948B-1728B52AA6E4}">
-                  <adec:decorative xmlns:adec="http://schemas.microsoft.com/office/drawing/2017/decorative" val="1"/>
-                </a:ext>
-              </a:extLst>
-            </p:cNvPr>
-            <p:cNvSpPr/>
-            <p:nvPr>
-              <p:extLst>
-                <p:ext uri="{386F3935-93C4-4BCD-93E2-E3B085C9AB24}">
-                  <p16:designElem xmlns:p16="http://schemas.microsoft.com/office/powerpoint/2015/main" val="1"/>
-                </p:ext>
-              </p:extLst>
-            </p:nvPr>
-          </p:nvSpPr>
-          <p:spPr bwMode="auto">
-            <a:xfrm>
-              <a:off x="641350" y="0"/>
-              <a:ext cx="422275" cy="527050"/>
-            </a:xfrm>
-            <a:custGeom>
-              <a:avLst/>
-              <a:gdLst/>
-              <a:ahLst/>
-              <a:cxnLst/>
-              <a:rect l="0" t="0" r="r" b="b"/>
-              <a:pathLst>
-                <a:path w="266" h="332">
-                  <a:moveTo>
-                    <a:pt x="257" y="332"/>
-                  </a:moveTo>
-                  <a:lnTo>
-                    <a:pt x="48" y="123"/>
-                  </a:lnTo>
-                  <a:lnTo>
-                    <a:pt x="0" y="6"/>
-                  </a:lnTo>
-                  <a:lnTo>
-                    <a:pt x="15" y="0"/>
-                  </a:lnTo>
-                  <a:lnTo>
-                    <a:pt x="63" y="114"/>
-                  </a:lnTo>
-                  <a:lnTo>
-                    <a:pt x="266" y="320"/>
-                  </a:lnTo>
-                  <a:lnTo>
-                    <a:pt x="257" y="332"/>
-                  </a:lnTo>
-                  <a:close/>
-                </a:path>
-              </a:pathLst>
-            </a:custGeom>
-            <a:grpFill/>
-            <a:ln>
-              <a:noFill/>
-            </a:ln>
-            <a:extLst>
-              <a:ext uri="{91240B29-F687-4F45-9708-019B960494DF}">
-                <a14:hiddenLine xmlns:a14="http://schemas.microsoft.com/office/drawing/2010/main" w="9525">
-                  <a:solidFill>
-                    <a:srgbClr val="000000"/>
-                  </a:solidFill>
-                  <a:round/>
-                  <a:headEnd/>
-                  <a:tailEnd/>
-                </a14:hiddenLine>
-              </a:ext>
-            </a:extLst>
-          </p:spPr>
-        </p:sp>
-        <p:sp>
-          <p:nvSpPr>
-            <p:cNvPr id="21" name="Freeform 15">
-              <a:extLst>
-                <a:ext uri="{FF2B5EF4-FFF2-40B4-BE49-F238E27FC236}">
-                  <a16:creationId xmlns:a16="http://schemas.microsoft.com/office/drawing/2014/main" id="{A2C14A85-E7A9-4E1D-809F-20F5CFA788BE}"/>
-                </a:ext>
-                <a:ext uri="{C183D7F6-B498-43B3-948B-1728B52AA6E4}">
-                  <adec:decorative xmlns:adec="http://schemas.microsoft.com/office/drawing/2017/decorative" val="1"/>
-                </a:ext>
-              </a:extLst>
-            </p:cNvPr>
-            <p:cNvSpPr>
-              <a:spLocks noEditPoints="1"/>
-            </p:cNvSpPr>
-            <p:nvPr>
-              <p:extLst>
-                <p:ext uri="{386F3935-93C4-4BCD-93E2-E3B085C9AB24}">
-                  <p16:designElem xmlns:p16="http://schemas.microsoft.com/office/powerpoint/2015/main" val="1"/>
-                </p:ext>
-              </p:extLst>
-            </p:nvPr>
-          </p:nvSpPr>
-          <p:spPr bwMode="auto">
-            <a:xfrm>
-              <a:off x="1020762" y="488950"/>
-              <a:ext cx="161925" cy="147638"/>
-            </a:xfrm>
-            <a:custGeom>
-              <a:avLst/>
-              <a:gdLst/>
-              <a:ahLst/>
-              <a:cxnLst/>
-              <a:rect l="0" t="0" r="r" b="b"/>
-              <a:pathLst>
-                <a:path w="34" h="31">
-                  <a:moveTo>
-                    <a:pt x="17" y="31"/>
-                  </a:moveTo>
-                  <a:cubicBezTo>
-                    <a:pt x="13" y="31"/>
-                    <a:pt x="9" y="30"/>
-                    <a:pt x="6" y="27"/>
-                  </a:cubicBezTo>
-                  <a:cubicBezTo>
-                    <a:pt x="0" y="20"/>
-                    <a:pt x="0" y="10"/>
-                    <a:pt x="6" y="4"/>
-                  </a:cubicBezTo>
-                  <a:cubicBezTo>
-                    <a:pt x="9" y="1"/>
-                    <a:pt x="13" y="0"/>
-                    <a:pt x="17" y="0"/>
-                  </a:cubicBezTo>
-                  <a:cubicBezTo>
-                    <a:pt x="21" y="0"/>
-                    <a:pt x="25" y="1"/>
-                    <a:pt x="28" y="4"/>
-                  </a:cubicBezTo>
-                  <a:cubicBezTo>
-                    <a:pt x="34" y="10"/>
-                    <a:pt x="34" y="20"/>
-                    <a:pt x="28" y="27"/>
-                  </a:cubicBezTo>
-                  <a:cubicBezTo>
-                    <a:pt x="25" y="30"/>
-                    <a:pt x="21" y="31"/>
-                    <a:pt x="17" y="31"/>
-                  </a:cubicBezTo>
-                  <a:close/>
-                  <a:moveTo>
-                    <a:pt x="17" y="4"/>
-                  </a:moveTo>
-                  <a:cubicBezTo>
-                    <a:pt x="14" y="4"/>
-                    <a:pt x="11" y="5"/>
-                    <a:pt x="9" y="7"/>
-                  </a:cubicBezTo>
-                  <a:cubicBezTo>
-                    <a:pt x="4" y="12"/>
-                    <a:pt x="4" y="19"/>
-                    <a:pt x="9" y="24"/>
-                  </a:cubicBezTo>
-                  <a:cubicBezTo>
-                    <a:pt x="11" y="26"/>
-                    <a:pt x="14" y="27"/>
-                    <a:pt x="17" y="27"/>
-                  </a:cubicBezTo>
-                  <a:cubicBezTo>
-                    <a:pt x="20" y="27"/>
-                    <a:pt x="23" y="26"/>
-                    <a:pt x="25" y="24"/>
-                  </a:cubicBezTo>
-                  <a:cubicBezTo>
-                    <a:pt x="30" y="19"/>
-                    <a:pt x="30" y="12"/>
-                    <a:pt x="25" y="7"/>
-                  </a:cubicBezTo>
-                  <a:cubicBezTo>
-                    <a:pt x="23" y="5"/>
-                    <a:pt x="20" y="4"/>
-                    <a:pt x="17" y="4"/>
-                  </a:cubicBezTo>
-                  <a:close/>
-                </a:path>
-              </a:pathLst>
-            </a:custGeom>
-            <a:grpFill/>
-            <a:ln>
-              <a:noFill/>
-            </a:ln>
-            <a:extLst>
-              <a:ext uri="{91240B29-F687-4F45-9708-019B960494DF}">
-                <a14:hiddenLine xmlns:a14="http://schemas.microsoft.com/office/drawing/2010/main" w="9525">
-                  <a:solidFill>
-                    <a:srgbClr val="000000"/>
-                  </a:solidFill>
-                  <a:round/>
-                  <a:headEnd/>
-                  <a:tailEnd/>
-                </a14:hiddenLine>
-              </a:ext>
-            </a:extLst>
-          </p:spPr>
-        </p:sp>
-        <p:sp>
-          <p:nvSpPr>
-            <p:cNvPr id="22" name="Line 16">
-              <a:extLst>
-                <a:ext uri="{FF2B5EF4-FFF2-40B4-BE49-F238E27FC236}">
-                  <a16:creationId xmlns:a16="http://schemas.microsoft.com/office/drawing/2014/main" id="{F3D51E32-9399-4B7F-8D91-BF9A068B834B}"/>
-                </a:ext>
-                <a:ext uri="{C183D7F6-B498-43B3-948B-1728B52AA6E4}">
-                  <adec:decorative xmlns:adec="http://schemas.microsoft.com/office/drawing/2017/decorative" val="1"/>
-                </a:ext>
-              </a:extLst>
-            </p:cNvPr>
-            <p:cNvSpPr>
-              <a:spLocks noChangeShapeType="1"/>
-            </p:cNvSpPr>
-            <p:nvPr>
-              <p:extLst>
-                <p:ext uri="{386F3935-93C4-4BCD-93E2-E3B085C9AB24}">
-                  <p16:designElem xmlns:p16="http://schemas.microsoft.com/office/powerpoint/2015/main" val="1"/>
-                </p:ext>
-              </p:extLst>
-            </p:nvPr>
-          </p:nvSpPr>
-          <p:spPr bwMode="auto">
-            <a:xfrm>
-              <a:off x="-4763" y="9525"/>
-              <a:ext cx="0" cy="0"/>
-            </a:xfrm>
-            <a:prstGeom prst="line">
-              <a:avLst/>
-            </a:prstGeom>
-            <a:grpFill/>
-            <a:ln w="15" cap="flat">
-              <a:solidFill>
-                <a:srgbClr val="FFFFFF"/>
-              </a:solidFill>
-              <a:prstDash val="solid"/>
-              <a:miter lim="800000"/>
-              <a:headEnd/>
-              <a:tailEnd/>
-            </a:ln>
-          </p:spPr>
-        </p:sp>
-        <p:sp>
-          <p:nvSpPr>
-            <p:cNvPr id="23" name="Freeform 17">
-              <a:extLst>
-                <a:ext uri="{FF2B5EF4-FFF2-40B4-BE49-F238E27FC236}">
-                  <a16:creationId xmlns:a16="http://schemas.microsoft.com/office/drawing/2014/main" id="{9969F9D2-502D-4C1D-ABA5-02B1BF2A0013}"/>
-                </a:ext>
-                <a:ext uri="{C183D7F6-B498-43B3-948B-1728B52AA6E4}">
-                  <adec:decorative xmlns:adec="http://schemas.microsoft.com/office/drawing/2017/decorative" val="1"/>
-                </a:ext>
-              </a:extLst>
-            </p:cNvPr>
-            <p:cNvSpPr/>
-            <p:nvPr>
-              <p:extLst>
-                <p:ext uri="{386F3935-93C4-4BCD-93E2-E3B085C9AB24}">
-                  <p16:designElem xmlns:p16="http://schemas.microsoft.com/office/powerpoint/2015/main" val="1"/>
-                </p:ext>
-              </p:extLst>
-            </p:nvPr>
-          </p:nvSpPr>
-          <p:spPr bwMode="auto">
-            <a:xfrm>
-              <a:off x="9525" y="1801813"/>
-              <a:ext cx="123825" cy="127000"/>
-            </a:xfrm>
-            <a:custGeom>
-              <a:avLst/>
-              <a:gdLst/>
-              <a:ahLst/>
-              <a:cxnLst/>
-              <a:rect l="0" t="0" r="r" b="b"/>
-              <a:pathLst>
-                <a:path w="78" h="80">
-                  <a:moveTo>
-                    <a:pt x="6" y="80"/>
-                  </a:moveTo>
-                  <a:lnTo>
-                    <a:pt x="0" y="71"/>
-                  </a:lnTo>
-                  <a:lnTo>
-                    <a:pt x="69" y="0"/>
-                  </a:lnTo>
-                  <a:lnTo>
-                    <a:pt x="78" y="9"/>
-                  </a:lnTo>
-                  <a:lnTo>
-                    <a:pt x="6" y="80"/>
-                  </a:lnTo>
-                  <a:close/>
-                </a:path>
-              </a:pathLst>
-            </a:custGeom>
-            <a:grpFill/>
-            <a:ln>
-              <a:noFill/>
-            </a:ln>
-            <a:extLst>
-              <a:ext uri="{91240B29-F687-4F45-9708-019B960494DF}">
-                <a14:hiddenLine xmlns:a14="http://schemas.microsoft.com/office/drawing/2010/main" w="9525">
-                  <a:solidFill>
-                    <a:srgbClr val="000000"/>
-                  </a:solidFill>
-                  <a:round/>
-                  <a:headEnd/>
-                  <a:tailEnd/>
-                </a14:hiddenLine>
-              </a:ext>
-            </a:extLst>
-          </p:spPr>
-        </p:sp>
-        <p:sp>
-          <p:nvSpPr>
-            <p:cNvPr id="24" name="Freeform 18">
-              <a:extLst>
-                <a:ext uri="{FF2B5EF4-FFF2-40B4-BE49-F238E27FC236}">
-                  <a16:creationId xmlns:a16="http://schemas.microsoft.com/office/drawing/2014/main" id="{4AE555C6-5623-478A-BF35-63E9929A3A23}"/>
-                </a:ext>
-                <a:ext uri="{C183D7F6-B498-43B3-948B-1728B52AA6E4}">
-                  <adec:decorative xmlns:adec="http://schemas.microsoft.com/office/drawing/2017/decorative" val="1"/>
-                </a:ext>
-              </a:extLst>
-            </p:cNvPr>
-            <p:cNvSpPr/>
-            <p:nvPr>
-              <p:extLst>
-                <p:ext uri="{386F3935-93C4-4BCD-93E2-E3B085C9AB24}">
-                  <p16:designElem xmlns:p16="http://schemas.microsoft.com/office/powerpoint/2015/main" val="1"/>
-                </p:ext>
-              </p:extLst>
-            </p:nvPr>
-          </p:nvSpPr>
-          <p:spPr bwMode="auto">
-            <a:xfrm>
-              <a:off x="-9525" y="3549650"/>
-              <a:ext cx="147638" cy="481013"/>
-            </a:xfrm>
-            <a:custGeom>
-              <a:avLst/>
-              <a:gdLst/>
-              <a:ahLst/>
-              <a:cxnLst/>
-              <a:rect l="0" t="0" r="r" b="b"/>
-              <a:pathLst>
-                <a:path w="93" h="303">
-                  <a:moveTo>
-                    <a:pt x="93" y="303"/>
-                  </a:moveTo>
-                  <a:lnTo>
-                    <a:pt x="78" y="303"/>
-                  </a:lnTo>
-                  <a:lnTo>
-                    <a:pt x="78" y="78"/>
-                  </a:lnTo>
-                  <a:lnTo>
-                    <a:pt x="0" y="12"/>
-                  </a:lnTo>
-                  <a:lnTo>
-                    <a:pt x="12" y="0"/>
-                  </a:lnTo>
-                  <a:lnTo>
-                    <a:pt x="93" y="69"/>
-                  </a:lnTo>
-                  <a:lnTo>
-                    <a:pt x="93" y="303"/>
-                  </a:lnTo>
-                  <a:close/>
-                </a:path>
-              </a:pathLst>
-            </a:custGeom>
-            <a:grpFill/>
-            <a:ln>
-              <a:noFill/>
-            </a:ln>
-            <a:extLst>
-              <a:ext uri="{91240B29-F687-4F45-9708-019B960494DF}">
-                <a14:hiddenLine xmlns:a14="http://schemas.microsoft.com/office/drawing/2010/main" w="9525">
-                  <a:solidFill>
-                    <a:srgbClr val="000000"/>
-                  </a:solidFill>
-                  <a:round/>
-                  <a:headEnd/>
-                  <a:tailEnd/>
-                </a14:hiddenLine>
-              </a:ext>
-            </a:extLst>
-          </p:spPr>
-        </p:sp>
-        <p:sp>
-          <p:nvSpPr>
-            <p:cNvPr id="25" name="Freeform 19">
-              <a:extLst>
-                <a:ext uri="{FF2B5EF4-FFF2-40B4-BE49-F238E27FC236}">
-                  <a16:creationId xmlns:a16="http://schemas.microsoft.com/office/drawing/2014/main" id="{A3D3AED4-A69E-4301-9BB4-436DC5F0C95D}"/>
-                </a:ext>
-                <a:ext uri="{C183D7F6-B498-43B3-948B-1728B52AA6E4}">
-                  <adec:decorative xmlns:adec="http://schemas.microsoft.com/office/drawing/2017/decorative" val="1"/>
-                </a:ext>
-              </a:extLst>
-            </p:cNvPr>
-            <p:cNvSpPr/>
-            <p:nvPr>
-              <p:extLst>
-                <p:ext uri="{386F3935-93C4-4BCD-93E2-E3B085C9AB24}">
-                  <p16:designElem xmlns:p16="http://schemas.microsoft.com/office/powerpoint/2015/main" val="1"/>
-                </p:ext>
-              </p:extLst>
-            </p:nvPr>
-          </p:nvSpPr>
-          <p:spPr bwMode="auto">
-            <a:xfrm>
-              <a:off x="128587" y="1382713"/>
-              <a:ext cx="142875" cy="476250"/>
-            </a:xfrm>
-            <a:custGeom>
-              <a:avLst/>
-              <a:gdLst/>
-              <a:ahLst/>
-              <a:cxnLst/>
-              <a:rect l="0" t="0" r="r" b="b"/>
-              <a:pathLst>
-                <a:path w="90" h="300">
-                  <a:moveTo>
-                    <a:pt x="90" y="300"/>
-                  </a:moveTo>
-                  <a:lnTo>
-                    <a:pt x="78" y="300"/>
-                  </a:lnTo>
-                  <a:lnTo>
-                    <a:pt x="78" y="84"/>
-                  </a:lnTo>
-                  <a:lnTo>
-                    <a:pt x="0" y="9"/>
-                  </a:lnTo>
-                  <a:lnTo>
-                    <a:pt x="9" y="0"/>
-                  </a:lnTo>
-                  <a:lnTo>
-                    <a:pt x="90" y="81"/>
-                  </a:lnTo>
-                  <a:lnTo>
-                    <a:pt x="90" y="300"/>
-                  </a:lnTo>
-                  <a:close/>
-                </a:path>
-              </a:pathLst>
-            </a:custGeom>
-            <a:grpFill/>
-            <a:ln>
-              <a:noFill/>
-            </a:ln>
-            <a:extLst>
-              <a:ext uri="{91240B29-F687-4F45-9708-019B960494DF}">
-                <a14:hiddenLine xmlns:a14="http://schemas.microsoft.com/office/drawing/2010/main" w="9525">
-                  <a:solidFill>
-                    <a:srgbClr val="000000"/>
-                  </a:solidFill>
-                  <a:round/>
-                  <a:headEnd/>
-                  <a:tailEnd/>
-                </a14:hiddenLine>
-              </a:ext>
-            </a:extLst>
-          </p:spPr>
-        </p:sp>
-        <p:sp>
-          <p:nvSpPr>
-            <p:cNvPr id="26" name="Freeform 20">
-              <a:extLst>
-                <a:ext uri="{FF2B5EF4-FFF2-40B4-BE49-F238E27FC236}">
-                  <a16:creationId xmlns:a16="http://schemas.microsoft.com/office/drawing/2014/main" id="{C3B8082C-2D81-48D7-8B45-85B7C892963C}"/>
-                </a:ext>
-                <a:ext uri="{C183D7F6-B498-43B3-948B-1728B52AA6E4}">
-                  <adec:decorative xmlns:adec="http://schemas.microsoft.com/office/drawing/2017/decorative" val="1"/>
-                </a:ext>
-              </a:extLst>
-            </p:cNvPr>
-            <p:cNvSpPr>
-              <a:spLocks noEditPoints="1"/>
-            </p:cNvSpPr>
-            <p:nvPr>
-              <p:extLst>
-                <p:ext uri="{386F3935-93C4-4BCD-93E2-E3B085C9AB24}">
-                  <p16:designElem xmlns:p16="http://schemas.microsoft.com/office/powerpoint/2015/main" val="1"/>
-                </p:ext>
-              </p:extLst>
-            </p:nvPr>
-          </p:nvSpPr>
-          <p:spPr bwMode="auto">
-            <a:xfrm>
-              <a:off x="204787" y="1849438"/>
-              <a:ext cx="114300" cy="107950"/>
-            </a:xfrm>
-            <a:custGeom>
-              <a:avLst/>
-              <a:gdLst/>
-              <a:ahLst/>
-              <a:cxnLst/>
-              <a:rect l="0" t="0" r="r" b="b"/>
-              <a:pathLst>
-                <a:path w="24" h="23">
-                  <a:moveTo>
-                    <a:pt x="12" y="23"/>
-                  </a:moveTo>
-                  <a:cubicBezTo>
-                    <a:pt x="6" y="23"/>
-                    <a:pt x="0" y="18"/>
-                    <a:pt x="0" y="12"/>
-                  </a:cubicBezTo>
-                  <a:cubicBezTo>
-                    <a:pt x="0" y="5"/>
-                    <a:pt x="6" y="0"/>
-                    <a:pt x="12" y="0"/>
-                  </a:cubicBezTo>
-                  <a:cubicBezTo>
-                    <a:pt x="18" y="0"/>
-                    <a:pt x="24" y="5"/>
-                    <a:pt x="24" y="12"/>
-                  </a:cubicBezTo>
-                  <a:cubicBezTo>
-                    <a:pt x="24" y="18"/>
-                    <a:pt x="18" y="23"/>
-                    <a:pt x="12" y="23"/>
-                  </a:cubicBezTo>
-                  <a:close/>
-                  <a:moveTo>
-                    <a:pt x="12" y="4"/>
-                  </a:moveTo>
-                  <a:cubicBezTo>
-                    <a:pt x="8" y="4"/>
-                    <a:pt x="4" y="8"/>
-                    <a:pt x="4" y="12"/>
-                  </a:cubicBezTo>
-                  <a:cubicBezTo>
-                    <a:pt x="4" y="16"/>
-                    <a:pt x="8" y="19"/>
-                    <a:pt x="12" y="19"/>
-                  </a:cubicBezTo>
-                  <a:cubicBezTo>
-                    <a:pt x="16" y="19"/>
-                    <a:pt x="20" y="16"/>
-                    <a:pt x="20" y="12"/>
-                  </a:cubicBezTo>
-                  <a:cubicBezTo>
-                    <a:pt x="20" y="8"/>
-                    <a:pt x="16" y="4"/>
-                    <a:pt x="12" y="4"/>
-                  </a:cubicBezTo>
-                  <a:close/>
-                </a:path>
-              </a:pathLst>
-            </a:custGeom>
-            <a:grpFill/>
-            <a:ln>
-              <a:noFill/>
-            </a:ln>
-            <a:extLst>
-              <a:ext uri="{91240B29-F687-4F45-9708-019B960494DF}">
-                <a14:hiddenLine xmlns:a14="http://schemas.microsoft.com/office/drawing/2010/main" w="9525">
-                  <a:solidFill>
-                    <a:srgbClr val="000000"/>
-                  </a:solidFill>
-                  <a:round/>
-                  <a:headEnd/>
-                  <a:tailEnd/>
-                </a14:hiddenLine>
-              </a:ext>
-            </a:extLst>
-          </p:spPr>
-        </p:sp>
-        <p:sp>
-          <p:nvSpPr>
-            <p:cNvPr id="27" name="Rectangle 21">
-              <a:extLst>
-                <a:ext uri="{FF2B5EF4-FFF2-40B4-BE49-F238E27FC236}">
-                  <a16:creationId xmlns:a16="http://schemas.microsoft.com/office/drawing/2014/main" id="{9AD35461-BA86-408B-8A29-244EB2F2FB55}"/>
-                </a:ext>
-                <a:ext uri="{C183D7F6-B498-43B3-948B-1728B52AA6E4}">
-                  <adec:decorative xmlns:adec="http://schemas.microsoft.com/office/drawing/2017/decorative" val="1"/>
-                </a:ext>
-              </a:extLst>
-            </p:cNvPr>
-            <p:cNvSpPr>
-              <a:spLocks noChangeArrowheads="1"/>
-            </p:cNvSpPr>
-            <p:nvPr>
-              <p:extLst>
-                <p:ext uri="{386F3935-93C4-4BCD-93E2-E3B085C9AB24}">
-                  <p16:designElem xmlns:p16="http://schemas.microsoft.com/office/powerpoint/2015/main" val="1"/>
-                </p:ext>
-              </p:extLst>
-            </p:nvPr>
-          </p:nvSpPr>
-          <p:spPr bwMode="auto">
-            <a:xfrm>
-              <a:off x="133350" y="4662488"/>
-              <a:ext cx="23813" cy="2181225"/>
-            </a:xfrm>
-            <a:prstGeom prst="rect">
-              <a:avLst/>
-            </a:prstGeom>
-            <a:grpFill/>
-            <a:ln>
-              <a:noFill/>
-            </a:ln>
-            <a:extLst>
-              <a:ext uri="{91240B29-F687-4F45-9708-019B960494DF}">
-                <a14:hiddenLine xmlns:a14="http://schemas.microsoft.com/office/drawing/2010/main" w="9525">
-                  <a:solidFill>
-                    <a:srgbClr val="000000"/>
-                  </a:solidFill>
-                  <a:miter lim="800000"/>
-                  <a:headEnd/>
-                  <a:tailEnd/>
-                </a14:hiddenLine>
-              </a:ext>
-            </a:extLst>
-          </p:spPr>
-        </p:sp>
-        <p:sp>
-          <p:nvSpPr>
-            <p:cNvPr id="28" name="Freeform 22">
-              <a:extLst>
-                <a:ext uri="{FF2B5EF4-FFF2-40B4-BE49-F238E27FC236}">
-                  <a16:creationId xmlns:a16="http://schemas.microsoft.com/office/drawing/2014/main" id="{F238E495-B6C6-4857-899B-CDD584831201}"/>
-                </a:ext>
-                <a:ext uri="{C183D7F6-B498-43B3-948B-1728B52AA6E4}">
-                  <adec:decorative xmlns:adec="http://schemas.microsoft.com/office/drawing/2017/decorative" val="1"/>
-                </a:ext>
-              </a:extLst>
-            </p:cNvPr>
-            <p:cNvSpPr/>
-            <p:nvPr>
-              <p:extLst>
-                <p:ext uri="{386F3935-93C4-4BCD-93E2-E3B085C9AB24}">
-                  <p16:designElem xmlns:p16="http://schemas.microsoft.com/office/powerpoint/2015/main" val="1"/>
-                </p:ext>
-              </p:extLst>
-            </p:nvPr>
-          </p:nvSpPr>
-          <p:spPr bwMode="auto">
-            <a:xfrm>
-              <a:off x="223837" y="5041900"/>
-              <a:ext cx="369888" cy="1801813"/>
-            </a:xfrm>
-            <a:custGeom>
-              <a:avLst/>
-              <a:gdLst/>
-              <a:ahLst/>
-              <a:cxnLst/>
-              <a:rect l="0" t="0" r="r" b="b"/>
-              <a:pathLst>
-                <a:path w="233" h="1135">
-                  <a:moveTo>
-                    <a:pt x="15" y="1135"/>
-                  </a:moveTo>
-                  <a:lnTo>
-                    <a:pt x="0" y="1135"/>
-                  </a:lnTo>
-                  <a:lnTo>
-                    <a:pt x="0" y="515"/>
-                  </a:lnTo>
-                  <a:lnTo>
-                    <a:pt x="0" y="512"/>
-                  </a:lnTo>
-                  <a:lnTo>
-                    <a:pt x="218" y="0"/>
-                  </a:lnTo>
-                  <a:lnTo>
-                    <a:pt x="233" y="6"/>
-                  </a:lnTo>
-                  <a:lnTo>
-                    <a:pt x="15" y="518"/>
-                  </a:lnTo>
-                  <a:lnTo>
-                    <a:pt x="15" y="1135"/>
-                  </a:lnTo>
-                  <a:close/>
-                </a:path>
-              </a:pathLst>
-            </a:custGeom>
-            <a:grpFill/>
-            <a:ln>
-              <a:noFill/>
-            </a:ln>
-            <a:extLst>
-              <a:ext uri="{91240B29-F687-4F45-9708-019B960494DF}">
-                <a14:hiddenLine xmlns:a14="http://schemas.microsoft.com/office/drawing/2010/main" w="9525">
-                  <a:solidFill>
-                    <a:srgbClr val="000000"/>
-                  </a:solidFill>
-                  <a:round/>
-                  <a:headEnd/>
-                  <a:tailEnd/>
-                </a14:hiddenLine>
-              </a:ext>
-            </a:extLst>
-          </p:spPr>
-        </p:sp>
-        <p:sp>
-          <p:nvSpPr>
-            <p:cNvPr id="29" name="Freeform 23">
-              <a:extLst>
-                <a:ext uri="{FF2B5EF4-FFF2-40B4-BE49-F238E27FC236}">
-                  <a16:creationId xmlns:a16="http://schemas.microsoft.com/office/drawing/2014/main" id="{E20A751E-054C-4EC2-8DA3-0EC923A65888}"/>
-                </a:ext>
-                <a:ext uri="{C183D7F6-B498-43B3-948B-1728B52AA6E4}">
-                  <adec:decorative xmlns:adec="http://schemas.microsoft.com/office/drawing/2017/decorative" val="1"/>
-                </a:ext>
-              </a:extLst>
-            </p:cNvPr>
-            <p:cNvSpPr>
-              <a:spLocks noEditPoints="1"/>
-            </p:cNvSpPr>
-            <p:nvPr>
-              <p:extLst>
-                <p:ext uri="{386F3935-93C4-4BCD-93E2-E3B085C9AB24}">
-                  <p16:designElem xmlns:p16="http://schemas.microsoft.com/office/powerpoint/2015/main" val="1"/>
-                </p:ext>
-              </p:extLst>
-            </p:nvPr>
-          </p:nvSpPr>
-          <p:spPr bwMode="auto">
-            <a:xfrm>
-              <a:off x="52387" y="4481513"/>
-              <a:ext cx="190500" cy="190500"/>
-            </a:xfrm>
-            <a:custGeom>
-              <a:avLst/>
-              <a:gdLst/>
-              <a:ahLst/>
-              <a:cxnLst/>
-              <a:rect l="0" t="0" r="r" b="b"/>
-              <a:pathLst>
-                <a:path w="40" h="40">
-                  <a:moveTo>
-                    <a:pt x="20" y="40"/>
-                  </a:moveTo>
-                  <a:cubicBezTo>
-                    <a:pt x="9" y="40"/>
-                    <a:pt x="0" y="31"/>
-                    <a:pt x="0" y="20"/>
-                  </a:cubicBezTo>
-                  <a:cubicBezTo>
-                    <a:pt x="0" y="9"/>
-                    <a:pt x="9" y="0"/>
-                    <a:pt x="20" y="0"/>
-                  </a:cubicBezTo>
-                  <a:cubicBezTo>
-                    <a:pt x="31" y="0"/>
-                    <a:pt x="40" y="9"/>
-                    <a:pt x="40" y="20"/>
-                  </a:cubicBezTo>
-                  <a:cubicBezTo>
-                    <a:pt x="40" y="31"/>
-                    <a:pt x="31" y="40"/>
-                    <a:pt x="20" y="40"/>
-                  </a:cubicBezTo>
-                  <a:close/>
-                  <a:moveTo>
-                    <a:pt x="20" y="4"/>
-                  </a:moveTo>
-                  <a:cubicBezTo>
-                    <a:pt x="11" y="4"/>
-                    <a:pt x="4" y="11"/>
-                    <a:pt x="4" y="20"/>
-                  </a:cubicBezTo>
-                  <a:cubicBezTo>
-                    <a:pt x="4" y="29"/>
-                    <a:pt x="11" y="36"/>
-                    <a:pt x="20" y="36"/>
-                  </a:cubicBezTo>
-                  <a:cubicBezTo>
-                    <a:pt x="28" y="36"/>
-                    <a:pt x="36" y="29"/>
-                    <a:pt x="36" y="20"/>
-                  </a:cubicBezTo>
-                  <a:cubicBezTo>
-                    <a:pt x="36" y="11"/>
-                    <a:pt x="28" y="4"/>
-                    <a:pt x="20" y="4"/>
-                  </a:cubicBezTo>
-                  <a:close/>
-                </a:path>
-              </a:pathLst>
-            </a:custGeom>
-            <a:grpFill/>
-            <a:ln>
-              <a:noFill/>
-            </a:ln>
-            <a:extLst>
-              <a:ext uri="{91240B29-F687-4F45-9708-019B960494DF}">
-                <a14:hiddenLine xmlns:a14="http://schemas.microsoft.com/office/drawing/2010/main" w="9525">
-                  <a:solidFill>
-                    <a:srgbClr val="000000"/>
-                  </a:solidFill>
-                  <a:round/>
-                  <a:headEnd/>
-                  <a:tailEnd/>
-                </a14:hiddenLine>
-              </a:ext>
-            </a:extLst>
-          </p:spPr>
-        </p:sp>
-        <p:sp>
-          <p:nvSpPr>
-            <p:cNvPr id="30" name="Freeform 24">
-              <a:extLst>
-                <a:ext uri="{FF2B5EF4-FFF2-40B4-BE49-F238E27FC236}">
-                  <a16:creationId xmlns:a16="http://schemas.microsoft.com/office/drawing/2014/main" id="{B6E8E701-3D21-4E5C-AB6E-9A7404697066}"/>
-                </a:ext>
-                <a:ext uri="{C183D7F6-B498-43B3-948B-1728B52AA6E4}">
-                  <adec:decorative xmlns:adec="http://schemas.microsoft.com/office/drawing/2017/decorative" val="1"/>
-                </a:ext>
-              </a:extLst>
-            </p:cNvPr>
-            <p:cNvSpPr/>
-            <p:nvPr>
-              <p:extLst>
-                <p:ext uri="{386F3935-93C4-4BCD-93E2-E3B085C9AB24}">
-                  <p16:designElem xmlns:p16="http://schemas.microsoft.com/office/powerpoint/2015/main" val="1"/>
-                </p:ext>
-              </p:extLst>
-            </p:nvPr>
-          </p:nvSpPr>
-          <p:spPr bwMode="auto">
-            <a:xfrm>
-              <a:off x="-14288" y="5627688"/>
-              <a:ext cx="85725" cy="1216025"/>
-            </a:xfrm>
-            <a:custGeom>
-              <a:avLst/>
-              <a:gdLst/>
-              <a:ahLst/>
-              <a:cxnLst/>
-              <a:rect l="0" t="0" r="r" b="b"/>
-              <a:pathLst>
-                <a:path w="54" h="766">
-                  <a:moveTo>
-                    <a:pt x="54" y="766"/>
-                  </a:moveTo>
-                  <a:lnTo>
-                    <a:pt x="36" y="766"/>
-                  </a:lnTo>
-                  <a:lnTo>
-                    <a:pt x="36" y="149"/>
-                  </a:lnTo>
-                  <a:lnTo>
-                    <a:pt x="0" y="3"/>
-                  </a:lnTo>
-                  <a:lnTo>
-                    <a:pt x="18" y="0"/>
-                  </a:lnTo>
-                  <a:lnTo>
-                    <a:pt x="54" y="146"/>
-                  </a:lnTo>
-                  <a:lnTo>
-                    <a:pt x="54" y="766"/>
-                  </a:lnTo>
-                  <a:close/>
-                </a:path>
-              </a:pathLst>
-            </a:custGeom>
-            <a:grpFill/>
-            <a:ln>
-              <a:noFill/>
-            </a:ln>
-            <a:extLst>
-              <a:ext uri="{91240B29-F687-4F45-9708-019B960494DF}">
-                <a14:hiddenLine xmlns:a14="http://schemas.microsoft.com/office/drawing/2010/main" w="9525">
-                  <a:solidFill>
-                    <a:srgbClr val="000000"/>
-                  </a:solidFill>
-                  <a:round/>
-                  <a:headEnd/>
-                  <a:tailEnd/>
-                </a14:hiddenLine>
-              </a:ext>
-            </a:extLst>
-          </p:spPr>
-        </p:sp>
-        <p:sp>
-          <p:nvSpPr>
-            <p:cNvPr id="31" name="Freeform 25">
-              <a:extLst>
-                <a:ext uri="{FF2B5EF4-FFF2-40B4-BE49-F238E27FC236}">
-                  <a16:creationId xmlns:a16="http://schemas.microsoft.com/office/drawing/2014/main" id="{431BDA41-D09D-4984-B888-756F5F81B49E}"/>
-                </a:ext>
-                <a:ext uri="{C183D7F6-B498-43B3-948B-1728B52AA6E4}">
-                  <adec:decorative xmlns:adec="http://schemas.microsoft.com/office/drawing/2017/decorative" val="1"/>
-                </a:ext>
-              </a:extLst>
-            </p:cNvPr>
-            <p:cNvSpPr>
-              <a:spLocks noEditPoints="1"/>
-            </p:cNvSpPr>
-            <p:nvPr>
-              <p:extLst>
-                <p:ext uri="{386F3935-93C4-4BCD-93E2-E3B085C9AB24}">
-                  <p16:designElem xmlns:p16="http://schemas.microsoft.com/office/powerpoint/2015/main" val="1"/>
-                </p:ext>
-              </p:extLst>
-            </p:nvPr>
-          </p:nvSpPr>
-          <p:spPr bwMode="auto">
-            <a:xfrm>
-              <a:off x="527050" y="4867275"/>
-              <a:ext cx="190500" cy="188913"/>
-            </a:xfrm>
-            <a:custGeom>
-              <a:avLst/>
-              <a:gdLst/>
-              <a:ahLst/>
-              <a:cxnLst/>
-              <a:rect l="0" t="0" r="r" b="b"/>
-              <a:pathLst>
-                <a:path w="40" h="40">
-                  <a:moveTo>
-                    <a:pt x="20" y="40"/>
-                  </a:moveTo>
-                  <a:cubicBezTo>
-                    <a:pt x="9" y="40"/>
-                    <a:pt x="0" y="31"/>
-                    <a:pt x="0" y="20"/>
-                  </a:cubicBezTo>
-                  <a:cubicBezTo>
-                    <a:pt x="0" y="9"/>
-                    <a:pt x="9" y="0"/>
-                    <a:pt x="20" y="0"/>
-                  </a:cubicBezTo>
-                  <a:cubicBezTo>
-                    <a:pt x="31" y="0"/>
-                    <a:pt x="40" y="9"/>
-                    <a:pt x="40" y="20"/>
-                  </a:cubicBezTo>
-                  <a:cubicBezTo>
-                    <a:pt x="40" y="31"/>
-                    <a:pt x="31" y="40"/>
-                    <a:pt x="20" y="40"/>
-                  </a:cubicBezTo>
-                  <a:close/>
-                  <a:moveTo>
-                    <a:pt x="20" y="4"/>
-                  </a:moveTo>
-                  <a:cubicBezTo>
-                    <a:pt x="11" y="4"/>
-                    <a:pt x="4" y="11"/>
-                    <a:pt x="4" y="20"/>
-                  </a:cubicBezTo>
-                  <a:cubicBezTo>
-                    <a:pt x="4" y="29"/>
-                    <a:pt x="11" y="36"/>
-                    <a:pt x="20" y="36"/>
-                  </a:cubicBezTo>
-                  <a:cubicBezTo>
-                    <a:pt x="29" y="36"/>
-                    <a:pt x="36" y="29"/>
-                    <a:pt x="36" y="20"/>
-                  </a:cubicBezTo>
-                  <a:cubicBezTo>
-                    <a:pt x="36" y="11"/>
-                    <a:pt x="29" y="4"/>
-                    <a:pt x="20" y="4"/>
-                  </a:cubicBezTo>
-                  <a:close/>
-                </a:path>
-              </a:pathLst>
-            </a:custGeom>
-            <a:grpFill/>
-            <a:ln>
-              <a:noFill/>
-            </a:ln>
-            <a:extLst>
-              <a:ext uri="{91240B29-F687-4F45-9708-019B960494DF}">
-                <a14:hiddenLine xmlns:a14="http://schemas.microsoft.com/office/drawing/2010/main" w="9525">
-                  <a:solidFill>
-                    <a:srgbClr val="000000"/>
-                  </a:solidFill>
-                  <a:round/>
-                  <a:headEnd/>
-                  <a:tailEnd/>
-                </a14:hiddenLine>
-              </a:ext>
-            </a:extLst>
-          </p:spPr>
-        </p:sp>
-        <p:sp>
-          <p:nvSpPr>
-            <p:cNvPr id="32" name="Freeform 26">
-              <a:extLst>
-                <a:ext uri="{FF2B5EF4-FFF2-40B4-BE49-F238E27FC236}">
-                  <a16:creationId xmlns:a16="http://schemas.microsoft.com/office/drawing/2014/main" id="{0DC943D2-20E4-4C00-82D2-D405A7C00BBE}"/>
-                </a:ext>
-                <a:ext uri="{C183D7F6-B498-43B3-948B-1728B52AA6E4}">
-                  <adec:decorative xmlns:adec="http://schemas.microsoft.com/office/drawing/2017/decorative" val="1"/>
-                </a:ext>
-              </a:extLst>
-            </p:cNvPr>
-            <p:cNvSpPr/>
-            <p:nvPr>
-              <p:extLst>
-                <p:ext uri="{386F3935-93C4-4BCD-93E2-E3B085C9AB24}">
-                  <p16:designElem xmlns:p16="http://schemas.microsoft.com/office/powerpoint/2015/main" val="1"/>
-                </p:ext>
-              </p:extLst>
-            </p:nvPr>
-          </p:nvSpPr>
-          <p:spPr bwMode="auto">
-            <a:xfrm>
-              <a:off x="309562" y="5422900"/>
-              <a:ext cx="374650" cy="1425575"/>
-            </a:xfrm>
-            <a:custGeom>
-              <a:avLst/>
-              <a:gdLst/>
-              <a:ahLst/>
-              <a:cxnLst/>
-              <a:rect l="0" t="0" r="r" b="b"/>
-              <a:pathLst>
-                <a:path w="236" h="898">
-                  <a:moveTo>
-                    <a:pt x="18" y="898"/>
-                  </a:moveTo>
-                  <a:lnTo>
-                    <a:pt x="0" y="898"/>
-                  </a:lnTo>
-                  <a:lnTo>
-                    <a:pt x="0" y="515"/>
-                  </a:lnTo>
-                  <a:lnTo>
-                    <a:pt x="3" y="512"/>
-                  </a:lnTo>
-                  <a:lnTo>
-                    <a:pt x="221" y="0"/>
-                  </a:lnTo>
-                  <a:lnTo>
-                    <a:pt x="236" y="6"/>
-                  </a:lnTo>
-                  <a:lnTo>
-                    <a:pt x="18" y="518"/>
-                  </a:lnTo>
-                  <a:lnTo>
-                    <a:pt x="18" y="898"/>
-                  </a:lnTo>
-                  <a:close/>
-                </a:path>
-              </a:pathLst>
-            </a:custGeom>
-            <a:grpFill/>
-            <a:ln>
-              <a:noFill/>
-            </a:ln>
-            <a:extLst>
-              <a:ext uri="{91240B29-F687-4F45-9708-019B960494DF}">
-                <a14:hiddenLine xmlns:a14="http://schemas.microsoft.com/office/drawing/2010/main" w="9525">
-                  <a:solidFill>
-                    <a:srgbClr val="000000"/>
-                  </a:solidFill>
-                  <a:round/>
-                  <a:headEnd/>
-                  <a:tailEnd/>
-                </a14:hiddenLine>
-              </a:ext>
-            </a:extLst>
-          </p:spPr>
-        </p:sp>
-        <p:sp>
-          <p:nvSpPr>
-            <p:cNvPr id="33" name="Freeform 27">
-              <a:extLst>
-                <a:ext uri="{FF2B5EF4-FFF2-40B4-BE49-F238E27FC236}">
-                  <a16:creationId xmlns:a16="http://schemas.microsoft.com/office/drawing/2014/main" id="{4BC34A74-80A2-4DE1-8ADC-BBD1709035BA}"/>
-                </a:ext>
-                <a:ext uri="{C183D7F6-B498-43B3-948B-1728B52AA6E4}">
-                  <adec:decorative xmlns:adec="http://schemas.microsoft.com/office/drawing/2017/decorative" val="1"/>
-                </a:ext>
-              </a:extLst>
-            </p:cNvPr>
-            <p:cNvSpPr/>
-            <p:nvPr>
-              <p:extLst>
-                <p:ext uri="{386F3935-93C4-4BCD-93E2-E3B085C9AB24}">
-                  <p16:designElem xmlns:p16="http://schemas.microsoft.com/office/powerpoint/2015/main" val="1"/>
-                </p:ext>
-              </p:extLst>
-            </p:nvPr>
-          </p:nvSpPr>
-          <p:spPr bwMode="auto">
-            <a:xfrm>
-              <a:off x="569912" y="5945188"/>
-              <a:ext cx="152400" cy="912813"/>
-            </a:xfrm>
-            <a:custGeom>
-              <a:avLst/>
-              <a:gdLst/>
-              <a:ahLst/>
-              <a:cxnLst/>
-              <a:rect l="0" t="0" r="r" b="b"/>
-              <a:pathLst>
-                <a:path w="96" h="575">
-                  <a:moveTo>
-                    <a:pt x="15" y="575"/>
-                  </a:moveTo>
-                  <a:lnTo>
-                    <a:pt x="0" y="569"/>
-                  </a:lnTo>
-                  <a:lnTo>
-                    <a:pt x="81" y="383"/>
-                  </a:lnTo>
-                  <a:lnTo>
-                    <a:pt x="81" y="0"/>
-                  </a:lnTo>
-                  <a:lnTo>
-                    <a:pt x="96" y="0"/>
-                  </a:lnTo>
-                  <a:lnTo>
-                    <a:pt x="96" y="386"/>
-                  </a:lnTo>
-                  <a:lnTo>
-                    <a:pt x="15" y="575"/>
-                  </a:lnTo>
-                  <a:close/>
-                </a:path>
-              </a:pathLst>
-            </a:custGeom>
-            <a:grpFill/>
-            <a:ln>
-              <a:noFill/>
-            </a:ln>
-            <a:extLst>
-              <a:ext uri="{91240B29-F687-4F45-9708-019B960494DF}">
-                <a14:hiddenLine xmlns:a14="http://schemas.microsoft.com/office/drawing/2010/main" w="9525">
-                  <a:solidFill>
-                    <a:srgbClr val="000000"/>
-                  </a:solidFill>
-                  <a:round/>
-                  <a:headEnd/>
-                  <a:tailEnd/>
-                </a14:hiddenLine>
-              </a:ext>
-            </a:extLst>
-          </p:spPr>
-        </p:sp>
-        <p:sp>
-          <p:nvSpPr>
-            <p:cNvPr id="34" name="Freeform 28">
-              <a:extLst>
-                <a:ext uri="{FF2B5EF4-FFF2-40B4-BE49-F238E27FC236}">
-                  <a16:creationId xmlns:a16="http://schemas.microsoft.com/office/drawing/2014/main" id="{C6C3CA25-431F-4E26-952D-4AA9C4C725CF}"/>
-                </a:ext>
-                <a:ext uri="{C183D7F6-B498-43B3-948B-1728B52AA6E4}">
-                  <adec:decorative xmlns:adec="http://schemas.microsoft.com/office/drawing/2017/decorative" val="1"/>
-                </a:ext>
-              </a:extLst>
-            </p:cNvPr>
-            <p:cNvSpPr>
-              <a:spLocks noEditPoints="1"/>
-            </p:cNvSpPr>
-            <p:nvPr>
-              <p:extLst>
-                <p:ext uri="{386F3935-93C4-4BCD-93E2-E3B085C9AB24}">
-                  <p16:designElem xmlns:p16="http://schemas.microsoft.com/office/powerpoint/2015/main" val="1"/>
-                </p:ext>
-              </p:extLst>
-            </p:nvPr>
-          </p:nvSpPr>
-          <p:spPr bwMode="auto">
-            <a:xfrm>
-              <a:off x="612775" y="5246688"/>
-              <a:ext cx="190500" cy="190500"/>
-            </a:xfrm>
-            <a:custGeom>
-              <a:avLst/>
-              <a:gdLst/>
-              <a:ahLst/>
-              <a:cxnLst/>
-              <a:rect l="0" t="0" r="r" b="b"/>
-              <a:pathLst>
-                <a:path w="40" h="40">
-                  <a:moveTo>
-                    <a:pt x="20" y="40"/>
-                  </a:moveTo>
-                  <a:cubicBezTo>
-                    <a:pt x="9" y="40"/>
-                    <a:pt x="0" y="31"/>
-                    <a:pt x="0" y="20"/>
-                  </a:cubicBezTo>
-                  <a:cubicBezTo>
-                    <a:pt x="0" y="9"/>
-                    <a:pt x="9" y="0"/>
-                    <a:pt x="20" y="0"/>
-                  </a:cubicBezTo>
-                  <a:cubicBezTo>
-                    <a:pt x="31" y="0"/>
-                    <a:pt x="40" y="9"/>
-                    <a:pt x="40" y="20"/>
-                  </a:cubicBezTo>
-                  <a:cubicBezTo>
-                    <a:pt x="40" y="31"/>
-                    <a:pt x="31" y="40"/>
-                    <a:pt x="20" y="40"/>
-                  </a:cubicBezTo>
-                  <a:close/>
-                  <a:moveTo>
-                    <a:pt x="20" y="4"/>
-                  </a:moveTo>
-                  <a:cubicBezTo>
-                    <a:pt x="12" y="4"/>
-                    <a:pt x="4" y="11"/>
-                    <a:pt x="4" y="20"/>
-                  </a:cubicBezTo>
-                  <a:cubicBezTo>
-                    <a:pt x="4" y="29"/>
-                    <a:pt x="12" y="36"/>
-                    <a:pt x="20" y="36"/>
-                  </a:cubicBezTo>
-                  <a:cubicBezTo>
-                    <a:pt x="29" y="36"/>
-                    <a:pt x="36" y="29"/>
-                    <a:pt x="36" y="20"/>
-                  </a:cubicBezTo>
-                  <a:cubicBezTo>
-                    <a:pt x="36" y="11"/>
-                    <a:pt x="29" y="4"/>
-                    <a:pt x="20" y="4"/>
-                  </a:cubicBezTo>
-                  <a:close/>
-                </a:path>
-              </a:pathLst>
-            </a:custGeom>
-            <a:grpFill/>
-            <a:ln>
-              <a:noFill/>
-            </a:ln>
-            <a:extLst>
-              <a:ext uri="{91240B29-F687-4F45-9708-019B960494DF}">
-                <a14:hiddenLine xmlns:a14="http://schemas.microsoft.com/office/drawing/2010/main" w="9525">
-                  <a:solidFill>
-                    <a:srgbClr val="000000"/>
-                  </a:solidFill>
-                  <a:round/>
-                  <a:headEnd/>
-                  <a:tailEnd/>
-                </a14:hiddenLine>
-              </a:ext>
-            </a:extLst>
-          </p:spPr>
-        </p:sp>
-        <p:sp>
-          <p:nvSpPr>
-            <p:cNvPr id="35" name="Freeform 29">
-              <a:extLst>
-                <a:ext uri="{FF2B5EF4-FFF2-40B4-BE49-F238E27FC236}">
-                  <a16:creationId xmlns:a16="http://schemas.microsoft.com/office/drawing/2014/main" id="{776D1836-82AE-40EF-9829-C6B8D2CF0258}"/>
-                </a:ext>
-                <a:ext uri="{C183D7F6-B498-43B3-948B-1728B52AA6E4}">
-                  <adec:decorative xmlns:adec="http://schemas.microsoft.com/office/drawing/2017/decorative" val="1"/>
-                </a:ext>
-              </a:extLst>
-            </p:cNvPr>
-            <p:cNvSpPr>
-              <a:spLocks noEditPoints="1"/>
-            </p:cNvSpPr>
-            <p:nvPr>
-              <p:extLst>
-                <p:ext uri="{386F3935-93C4-4BCD-93E2-E3B085C9AB24}">
-                  <p16:designElem xmlns:p16="http://schemas.microsoft.com/office/powerpoint/2015/main" val="1"/>
-                </p:ext>
-              </p:extLst>
-            </p:nvPr>
-          </p:nvSpPr>
-          <p:spPr bwMode="auto">
-            <a:xfrm>
-              <a:off x="612775" y="5764213"/>
-              <a:ext cx="190500" cy="190500"/>
-            </a:xfrm>
-            <a:custGeom>
-              <a:avLst/>
-              <a:gdLst/>
-              <a:ahLst/>
-              <a:cxnLst/>
-              <a:rect l="0" t="0" r="r" b="b"/>
-              <a:pathLst>
-                <a:path w="40" h="40">
-                  <a:moveTo>
-                    <a:pt x="20" y="40"/>
-                  </a:moveTo>
-                  <a:cubicBezTo>
-                    <a:pt x="9" y="40"/>
-                    <a:pt x="0" y="31"/>
-                    <a:pt x="0" y="20"/>
-                  </a:cubicBezTo>
-                  <a:cubicBezTo>
-                    <a:pt x="0" y="9"/>
-                    <a:pt x="9" y="0"/>
-                    <a:pt x="20" y="0"/>
-                  </a:cubicBezTo>
-                  <a:cubicBezTo>
-                    <a:pt x="31" y="0"/>
-                    <a:pt x="40" y="9"/>
-                    <a:pt x="40" y="20"/>
-                  </a:cubicBezTo>
-                  <a:cubicBezTo>
-                    <a:pt x="40" y="31"/>
-                    <a:pt x="31" y="40"/>
-                    <a:pt x="20" y="40"/>
-                  </a:cubicBezTo>
-                  <a:close/>
-                  <a:moveTo>
-                    <a:pt x="20" y="4"/>
-                  </a:moveTo>
-                  <a:cubicBezTo>
-                    <a:pt x="12" y="4"/>
-                    <a:pt x="4" y="11"/>
-                    <a:pt x="4" y="20"/>
-                  </a:cubicBezTo>
-                  <a:cubicBezTo>
-                    <a:pt x="4" y="29"/>
-                    <a:pt x="12" y="36"/>
-                    <a:pt x="20" y="36"/>
-                  </a:cubicBezTo>
-                  <a:cubicBezTo>
-                    <a:pt x="29" y="36"/>
-                    <a:pt x="36" y="29"/>
-                    <a:pt x="36" y="20"/>
-                  </a:cubicBezTo>
-                  <a:cubicBezTo>
-                    <a:pt x="36" y="11"/>
-                    <a:pt x="29" y="4"/>
-                    <a:pt x="20" y="4"/>
-                  </a:cubicBezTo>
-                  <a:close/>
-                </a:path>
-              </a:pathLst>
-            </a:custGeom>
-            <a:grpFill/>
-            <a:ln>
-              <a:noFill/>
-            </a:ln>
-            <a:extLst>
-              <a:ext uri="{91240B29-F687-4F45-9708-019B960494DF}">
-                <a14:hiddenLine xmlns:a14="http://schemas.microsoft.com/office/drawing/2010/main" w="9525">
-                  <a:solidFill>
-                    <a:srgbClr val="000000"/>
-                  </a:solidFill>
-                  <a:round/>
-                  <a:headEnd/>
-                  <a:tailEnd/>
-                </a14:hiddenLine>
-              </a:ext>
-            </a:extLst>
-          </p:spPr>
-        </p:sp>
-        <p:sp>
-          <p:nvSpPr>
-            <p:cNvPr id="36" name="Freeform 30">
-              <a:extLst>
-                <a:ext uri="{FF2B5EF4-FFF2-40B4-BE49-F238E27FC236}">
-                  <a16:creationId xmlns:a16="http://schemas.microsoft.com/office/drawing/2014/main" id="{9A8E397E-ADF9-45C1-98F4-3F5A86378B6F}"/>
-                </a:ext>
-                <a:ext uri="{C183D7F6-B498-43B3-948B-1728B52AA6E4}">
-                  <adec:decorative xmlns:adec="http://schemas.microsoft.com/office/drawing/2017/decorative" val="1"/>
-                </a:ext>
-              </a:extLst>
-            </p:cNvPr>
-            <p:cNvSpPr/>
-            <p:nvPr>
-              <p:extLst>
-                <p:ext uri="{386F3935-93C4-4BCD-93E2-E3B085C9AB24}">
-                  <p16:designElem xmlns:p16="http://schemas.microsoft.com/office/powerpoint/2015/main" val="1"/>
-                </p:ext>
-              </p:extLst>
-            </p:nvPr>
-          </p:nvSpPr>
-          <p:spPr bwMode="auto">
-            <a:xfrm>
-              <a:off x="669925" y="6330950"/>
-              <a:ext cx="417513" cy="517525"/>
-            </a:xfrm>
-            <a:custGeom>
-              <a:avLst/>
-              <a:gdLst/>
-              <a:ahLst/>
-              <a:cxnLst/>
-              <a:rect l="0" t="0" r="r" b="b"/>
-              <a:pathLst>
-                <a:path w="263" h="326">
-                  <a:moveTo>
-                    <a:pt x="15" y="326"/>
-                  </a:moveTo>
-                  <a:lnTo>
-                    <a:pt x="0" y="320"/>
-                  </a:lnTo>
-                  <a:lnTo>
-                    <a:pt x="45" y="206"/>
-                  </a:lnTo>
-                  <a:lnTo>
-                    <a:pt x="48" y="206"/>
-                  </a:lnTo>
-                  <a:lnTo>
-                    <a:pt x="254" y="0"/>
-                  </a:lnTo>
-                  <a:lnTo>
-                    <a:pt x="263" y="12"/>
-                  </a:lnTo>
-                  <a:lnTo>
-                    <a:pt x="60" y="215"/>
-                  </a:lnTo>
-                  <a:lnTo>
-                    <a:pt x="15" y="326"/>
-                  </a:lnTo>
-                  <a:close/>
-                </a:path>
-              </a:pathLst>
-            </a:custGeom>
-            <a:grpFill/>
-            <a:ln>
-              <a:noFill/>
-            </a:ln>
-            <a:extLst>
-              <a:ext uri="{91240B29-F687-4F45-9708-019B960494DF}">
-                <a14:hiddenLine xmlns:a14="http://schemas.microsoft.com/office/drawing/2010/main" w="9525">
-                  <a:solidFill>
-                    <a:srgbClr val="000000"/>
-                  </a:solidFill>
-                  <a:round/>
-                  <a:headEnd/>
-                  <a:tailEnd/>
-                </a14:hiddenLine>
-              </a:ext>
-            </a:extLst>
-          </p:spPr>
-        </p:sp>
-        <p:sp>
-          <p:nvSpPr>
-            <p:cNvPr id="37" name="Freeform 31">
-              <a:extLst>
-                <a:ext uri="{FF2B5EF4-FFF2-40B4-BE49-F238E27FC236}">
-                  <a16:creationId xmlns:a16="http://schemas.microsoft.com/office/drawing/2014/main" id="{DE07CFD9-357F-40BC-A792-CE874BFE5094}"/>
-                </a:ext>
-                <a:ext uri="{C183D7F6-B498-43B3-948B-1728B52AA6E4}">
-                  <adec:decorative xmlns:adec="http://schemas.microsoft.com/office/drawing/2017/decorative" val="1"/>
-                </a:ext>
-              </a:extLst>
-            </p:cNvPr>
-            <p:cNvSpPr>
-              <a:spLocks noEditPoints="1"/>
-            </p:cNvSpPr>
-            <p:nvPr>
-              <p:extLst>
-                <p:ext uri="{386F3935-93C4-4BCD-93E2-E3B085C9AB24}">
-                  <p16:designElem xmlns:p16="http://schemas.microsoft.com/office/powerpoint/2015/main" val="1"/>
-                </p:ext>
-              </p:extLst>
-            </p:nvPr>
-          </p:nvSpPr>
-          <p:spPr bwMode="auto">
-            <a:xfrm>
-              <a:off x="1049337" y="6221413"/>
-              <a:ext cx="157163" cy="147638"/>
-            </a:xfrm>
-            <a:custGeom>
-              <a:avLst/>
-              <a:gdLst/>
-              <a:ahLst/>
-              <a:cxnLst/>
-              <a:rect l="0" t="0" r="r" b="b"/>
-              <a:pathLst>
-                <a:path w="33" h="31">
-                  <a:moveTo>
-                    <a:pt x="16" y="31"/>
-                  </a:moveTo>
-                  <a:cubicBezTo>
-                    <a:pt x="12" y="31"/>
-                    <a:pt x="8" y="29"/>
-                    <a:pt x="5" y="26"/>
-                  </a:cubicBezTo>
-                  <a:cubicBezTo>
-                    <a:pt x="2" y="24"/>
-                    <a:pt x="0" y="20"/>
-                    <a:pt x="0" y="15"/>
-                  </a:cubicBezTo>
-                  <a:cubicBezTo>
-                    <a:pt x="0" y="11"/>
-                    <a:pt x="2" y="7"/>
-                    <a:pt x="5" y="4"/>
-                  </a:cubicBezTo>
-                  <a:cubicBezTo>
-                    <a:pt x="8" y="1"/>
-                    <a:pt x="12" y="0"/>
-                    <a:pt x="16" y="0"/>
-                  </a:cubicBezTo>
-                  <a:cubicBezTo>
-                    <a:pt x="20" y="0"/>
-                    <a:pt x="24" y="1"/>
-                    <a:pt x="27" y="4"/>
-                  </a:cubicBezTo>
-                  <a:cubicBezTo>
-                    <a:pt x="33" y="10"/>
-                    <a:pt x="33" y="20"/>
-                    <a:pt x="27" y="26"/>
-                  </a:cubicBezTo>
-                  <a:cubicBezTo>
-                    <a:pt x="24" y="29"/>
-                    <a:pt x="20" y="31"/>
-                    <a:pt x="16" y="31"/>
-                  </a:cubicBezTo>
-                  <a:close/>
-                  <a:moveTo>
-                    <a:pt x="16" y="4"/>
-                  </a:moveTo>
-                  <a:cubicBezTo>
-                    <a:pt x="13" y="4"/>
-                    <a:pt x="10" y="5"/>
-                    <a:pt x="8" y="7"/>
-                  </a:cubicBezTo>
-                  <a:cubicBezTo>
-                    <a:pt x="6" y="9"/>
-                    <a:pt x="4" y="12"/>
-                    <a:pt x="4" y="15"/>
-                  </a:cubicBezTo>
-                  <a:cubicBezTo>
-                    <a:pt x="4" y="19"/>
-                    <a:pt x="6" y="21"/>
-                    <a:pt x="8" y="24"/>
-                  </a:cubicBezTo>
-                  <a:cubicBezTo>
-                    <a:pt x="10" y="26"/>
-                    <a:pt x="13" y="27"/>
-                    <a:pt x="16" y="27"/>
-                  </a:cubicBezTo>
-                  <a:cubicBezTo>
-                    <a:pt x="19" y="27"/>
-                    <a:pt x="22" y="26"/>
-                    <a:pt x="24" y="24"/>
-                  </a:cubicBezTo>
-                  <a:cubicBezTo>
-                    <a:pt x="29" y="19"/>
-                    <a:pt x="29" y="12"/>
-                    <a:pt x="24" y="7"/>
-                  </a:cubicBezTo>
-                  <a:cubicBezTo>
-                    <a:pt x="22" y="5"/>
-                    <a:pt x="19" y="4"/>
-                    <a:pt x="16" y="4"/>
-                  </a:cubicBezTo>
-                  <a:close/>
-                </a:path>
-              </a:pathLst>
-            </a:custGeom>
-            <a:grpFill/>
-            <a:ln>
-              <a:noFill/>
-            </a:ln>
-            <a:extLst>
-              <a:ext uri="{91240B29-F687-4F45-9708-019B960494DF}">
-                <a14:hiddenLine xmlns:a14="http://schemas.microsoft.com/office/drawing/2010/main" w="9525">
-                  <a:solidFill>
-                    <a:srgbClr val="000000"/>
-                  </a:solidFill>
-                  <a:round/>
-                  <a:headEnd/>
-                  <a:tailEnd/>
-                </a14:hiddenLine>
-              </a:ext>
-            </a:extLst>
-          </p:spPr>
-        </p:sp>
-      </p:grpSp>
-      <p:sp>
-        <p:nvSpPr>
-          <p:cNvPr id="2" name="제목 1">
-            <a:extLst>
-              <a:ext uri="{FF2B5EF4-FFF2-40B4-BE49-F238E27FC236}">
-                <a16:creationId xmlns:a16="http://schemas.microsoft.com/office/drawing/2014/main" id="{E1E58DEC-E87F-4697-AFE4-375E2155E787}"/>
-              </a:ext>
-            </a:extLst>
-          </p:cNvPr>
-          <p:cNvSpPr>
-            <a:spLocks noGrp="1"/>
-          </p:cNvSpPr>
-          <p:nvPr>
-            <p:ph type="title"/>
-          </p:nvPr>
-        </p:nvSpPr>
-        <p:spPr>
-          <a:xfrm>
-            <a:off x="1141413" y="1082673"/>
-            <a:ext cx="2869416" cy="4708528"/>
-          </a:xfrm>
-        </p:spPr>
-        <p:txBody>
-          <a:bodyPr>
-            <a:normAutofit/>
-          </a:bodyPr>
-          <a:lstStyle/>
-          <a:p>
-            <a:pPr algn="r"/>
-            <a:r>
-              <a:rPr lang="ko-KR" altLang="en-US" sz="4000" dirty="0"/>
-              <a:t>목차</a:t>
-            </a:r>
-          </a:p>
-        </p:txBody>
-      </p:sp>
-      <p:cxnSp>
-        <p:nvCxnSpPr>
-          <p:cNvPr id="39" name="Straight Connector 38">
-            <a:extLst>
-              <a:ext uri="{FF2B5EF4-FFF2-40B4-BE49-F238E27FC236}">
-                <a16:creationId xmlns:a16="http://schemas.microsoft.com/office/drawing/2014/main" id="{085ECEC0-FF5D-4348-92C7-1EA7C61E770C}"/>
-              </a:ext>
-              <a:ext uri="{C183D7F6-B498-43B3-948B-1728B52AA6E4}">
-                <adec:decorative xmlns:adec="http://schemas.microsoft.com/office/drawing/2017/decorative" val="1"/>
-              </a:ext>
-            </a:extLst>
-          </p:cNvPr>
-          <p:cNvCxnSpPr>
-            <a:cxnSpLocks noGrp="1" noRot="1" noChangeAspect="1" noMove="1" noResize="1" noEditPoints="1" noAdjustHandles="1" noChangeArrowheads="1" noChangeShapeType="1"/>
-          </p:cNvCxnSpPr>
-          <p:nvPr>
-            <p:extLst>
-              <p:ext uri="{386F3935-93C4-4BCD-93E2-E3B085C9AB24}">
-                <p16:designElem xmlns:p16="http://schemas.microsoft.com/office/powerpoint/2015/main" val="1"/>
-              </p:ext>
-            </p:extLst>
-          </p:nvPr>
-        </p:nvCxnSpPr>
-        <p:spPr>
-          <a:xfrm>
-            <a:off x="4654296" y="1454684"/>
-            <a:ext cx="0" cy="3649129"/>
-          </a:xfrm>
-          <a:prstGeom prst="line">
-            <a:avLst/>
-          </a:prstGeom>
-          <a:ln w="25400">
-            <a:solidFill>
-              <a:schemeClr val="tx1">
-                <a:alpha val="70000"/>
-              </a:schemeClr>
-            </a:solidFill>
-          </a:ln>
-        </p:spPr>
-        <p:style>
-          <a:lnRef idx="1">
-            <a:schemeClr val="accent1"/>
-          </a:lnRef>
-          <a:fillRef idx="0">
-            <a:schemeClr val="accent1"/>
-          </a:fillRef>
-          <a:effectRef idx="0">
-            <a:schemeClr val="accent1"/>
-          </a:effectRef>
-          <a:fontRef idx="minor">
-            <a:schemeClr val="tx1"/>
-          </a:fontRef>
-        </p:style>
-      </p:cxnSp>
-      <p:sp>
-        <p:nvSpPr>
-          <p:cNvPr id="3" name="내용 개체 틀 2">
-            <a:extLst>
-              <a:ext uri="{FF2B5EF4-FFF2-40B4-BE49-F238E27FC236}">
-                <a16:creationId xmlns:a16="http://schemas.microsoft.com/office/drawing/2014/main" id="{D9510D38-BC57-41C4-AC5D-07E22B3AF0F1}"/>
-              </a:ext>
-            </a:extLst>
-          </p:cNvPr>
-          <p:cNvSpPr>
-            <a:spLocks noGrp="1"/>
-          </p:cNvSpPr>
-          <p:nvPr>
-            <p:ph idx="1"/>
-          </p:nvPr>
-        </p:nvSpPr>
-        <p:spPr>
-          <a:xfrm>
-            <a:off x="5297763" y="1082673"/>
-            <a:ext cx="5751237" cy="4708528"/>
-          </a:xfrm>
-        </p:spPr>
-        <p:txBody>
-          <a:bodyPr anchor="ctr">
-            <a:normAutofit/>
-          </a:bodyPr>
-          <a:lstStyle/>
-          <a:p>
-            <a:pPr marL="342900" indent="-342900">
-              <a:buFont typeface="+mj-lt"/>
-              <a:buAutoNum type="arabicPeriod"/>
-            </a:pPr>
-            <a:r>
-              <a:rPr lang="en-US" altLang="ko-KR" sz="1800" dirty="0"/>
-              <a:t>LINQ</a:t>
-            </a:r>
-          </a:p>
-        </p:txBody>
-      </p:sp>
-      <p:grpSp>
-        <p:nvGrpSpPr>
-          <p:cNvPr id="41" name="Group 40">
-            <a:extLst>
-              <a:ext uri="{FF2B5EF4-FFF2-40B4-BE49-F238E27FC236}">
-                <a16:creationId xmlns:a16="http://schemas.microsoft.com/office/drawing/2014/main" id="{F4E035BE-9FF4-43D3-BC25-CF582D7FF85E}"/>
-              </a:ext>
-              <a:ext uri="{C183D7F6-B498-43B3-948B-1728B52AA6E4}">
-                <adec:decorative xmlns:adec="http://schemas.microsoft.com/office/drawing/2017/decorative" val="1"/>
-              </a:ext>
-            </a:extLst>
-          </p:cNvPr>
-          <p:cNvGrpSpPr>
-            <a:grpSpLocks noGrp="1" noUngrp="1" noRot="1" noChangeAspect="1" noMove="1" noResize="1"/>
-          </p:cNvGrpSpPr>
-          <p:nvPr>
-            <p:extLst>
-              <p:ext uri="{386F3935-93C4-4BCD-93E2-E3B085C9AB24}">
-                <p16:designElem xmlns:p16="http://schemas.microsoft.com/office/powerpoint/2015/main" val="1"/>
-              </p:ext>
-            </p:extLst>
-          </p:nvPr>
-        </p:nvGrpSpPr>
-        <p:grpSpPr>
-          <a:xfrm>
-            <a:off x="11364912" y="0"/>
-            <a:ext cx="674688" cy="6848476"/>
-            <a:chOff x="11364912" y="0"/>
-            <a:chExt cx="674688" cy="6848476"/>
-          </a:xfrm>
-          <a:solidFill>
-            <a:schemeClr val="tx1">
-              <a:alpha val="60000"/>
-            </a:schemeClr>
-          </a:solidFill>
-        </p:grpSpPr>
-        <p:sp>
-          <p:nvSpPr>
-            <p:cNvPr id="42" name="Freeform 32">
-              <a:extLst>
-                <a:ext uri="{FF2B5EF4-FFF2-40B4-BE49-F238E27FC236}">
-                  <a16:creationId xmlns:a16="http://schemas.microsoft.com/office/drawing/2014/main" id="{F98BCEB2-EC20-4E84-A994-0AC37292C8B2}"/>
-                </a:ext>
-                <a:ext uri="{C183D7F6-B498-43B3-948B-1728B52AA6E4}">
-                  <adec:decorative xmlns:adec="http://schemas.microsoft.com/office/drawing/2017/decorative" val="1"/>
-                </a:ext>
-              </a:extLst>
-            </p:cNvPr>
-            <p:cNvSpPr/>
-            <p:nvPr>
-              <p:extLst>
-                <p:ext uri="{386F3935-93C4-4BCD-93E2-E3B085C9AB24}">
-                  <p16:designElem xmlns:p16="http://schemas.microsoft.com/office/powerpoint/2015/main" val="1"/>
-                </p:ext>
-              </p:extLst>
-            </p:nvPr>
-          </p:nvSpPr>
-          <p:spPr bwMode="auto">
-            <a:xfrm>
-              <a:off x="11483975" y="0"/>
-              <a:ext cx="417513" cy="512763"/>
-            </a:xfrm>
-            <a:custGeom>
-              <a:avLst/>
-              <a:gdLst/>
-              <a:ahLst/>
-              <a:cxnLst/>
-              <a:rect l="0" t="0" r="r" b="b"/>
-              <a:pathLst>
-                <a:path w="263" h="323">
-                  <a:moveTo>
-                    <a:pt x="12" y="323"/>
-                  </a:moveTo>
-                  <a:lnTo>
-                    <a:pt x="0" y="314"/>
-                  </a:lnTo>
-                  <a:lnTo>
-                    <a:pt x="203" y="108"/>
-                  </a:lnTo>
-                  <a:lnTo>
-                    <a:pt x="248" y="0"/>
-                  </a:lnTo>
-                  <a:lnTo>
-                    <a:pt x="263" y="6"/>
-                  </a:lnTo>
-                  <a:lnTo>
-                    <a:pt x="218" y="117"/>
-                  </a:lnTo>
-                  <a:lnTo>
-                    <a:pt x="218" y="117"/>
-                  </a:lnTo>
-                  <a:lnTo>
-                    <a:pt x="12" y="323"/>
-                  </a:lnTo>
-                  <a:close/>
-                </a:path>
-              </a:pathLst>
-            </a:custGeom>
-            <a:grpFill/>
-            <a:ln>
-              <a:noFill/>
-            </a:ln>
-            <a:extLst>
-              <a:ext uri="{91240B29-F687-4F45-9708-019B960494DF}">
-                <a14:hiddenLine xmlns:a14="http://schemas.microsoft.com/office/drawing/2010/main" w="9525">
-                  <a:solidFill>
-                    <a:srgbClr val="000000"/>
-                  </a:solidFill>
-                  <a:round/>
-                  <a:headEnd/>
-                  <a:tailEnd/>
-                </a14:hiddenLine>
-              </a:ext>
-            </a:extLst>
-          </p:spPr>
-        </p:sp>
-        <p:sp>
-          <p:nvSpPr>
-            <p:cNvPr id="43" name="Freeform 33">
-              <a:extLst>
-                <a:ext uri="{FF2B5EF4-FFF2-40B4-BE49-F238E27FC236}">
-                  <a16:creationId xmlns:a16="http://schemas.microsoft.com/office/drawing/2014/main" id="{7A2E1821-AEDF-417E-9F17-83379E9C0941}"/>
-                </a:ext>
-                <a:ext uri="{C183D7F6-B498-43B3-948B-1728B52AA6E4}">
-                  <adec:decorative xmlns:adec="http://schemas.microsoft.com/office/drawing/2017/decorative" val="1"/>
-                </a:ext>
-              </a:extLst>
-            </p:cNvPr>
-            <p:cNvSpPr>
-              <a:spLocks noEditPoints="1"/>
-            </p:cNvSpPr>
-            <p:nvPr>
-              <p:extLst>
-                <p:ext uri="{386F3935-93C4-4BCD-93E2-E3B085C9AB24}">
-                  <p16:designElem xmlns:p16="http://schemas.microsoft.com/office/powerpoint/2015/main" val="1"/>
-                </p:ext>
-              </p:extLst>
-            </p:nvPr>
-          </p:nvSpPr>
-          <p:spPr bwMode="auto">
-            <a:xfrm>
-              <a:off x="11364912" y="474663"/>
-              <a:ext cx="157163" cy="152400"/>
-            </a:xfrm>
-            <a:custGeom>
-              <a:avLst/>
-              <a:gdLst/>
-              <a:ahLst/>
-              <a:cxnLst/>
-              <a:rect l="0" t="0" r="r" b="b"/>
-              <a:pathLst>
-                <a:path w="33" h="32">
-                  <a:moveTo>
-                    <a:pt x="17" y="32"/>
-                  </a:moveTo>
-                  <a:cubicBezTo>
-                    <a:pt x="13" y="32"/>
-                    <a:pt x="9" y="30"/>
-                    <a:pt x="6" y="27"/>
-                  </a:cubicBezTo>
-                  <a:cubicBezTo>
-                    <a:pt x="0" y="21"/>
-                    <a:pt x="0" y="11"/>
-                    <a:pt x="6" y="5"/>
-                  </a:cubicBezTo>
-                  <a:cubicBezTo>
-                    <a:pt x="9" y="2"/>
-                    <a:pt x="13" y="0"/>
-                    <a:pt x="17" y="0"/>
-                  </a:cubicBezTo>
-                  <a:cubicBezTo>
-                    <a:pt x="21" y="0"/>
-                    <a:pt x="25" y="2"/>
-                    <a:pt x="28" y="5"/>
-                  </a:cubicBezTo>
-                  <a:cubicBezTo>
-                    <a:pt x="31" y="8"/>
-                    <a:pt x="33" y="12"/>
-                    <a:pt x="33" y="16"/>
-                  </a:cubicBezTo>
-                  <a:cubicBezTo>
-                    <a:pt x="33" y="20"/>
-                    <a:pt x="31" y="24"/>
-                    <a:pt x="28" y="27"/>
-                  </a:cubicBezTo>
-                  <a:cubicBezTo>
-                    <a:pt x="25" y="30"/>
-                    <a:pt x="21" y="32"/>
-                    <a:pt x="17" y="32"/>
-                  </a:cubicBezTo>
-                  <a:close/>
-                  <a:moveTo>
-                    <a:pt x="17" y="4"/>
-                  </a:moveTo>
-                  <a:cubicBezTo>
-                    <a:pt x="14" y="4"/>
-                    <a:pt x="11" y="6"/>
-                    <a:pt x="9" y="8"/>
-                  </a:cubicBezTo>
-                  <a:cubicBezTo>
-                    <a:pt x="4" y="12"/>
-                    <a:pt x="4" y="20"/>
-                    <a:pt x="9" y="24"/>
-                  </a:cubicBezTo>
-                  <a:cubicBezTo>
-                    <a:pt x="11" y="27"/>
-                    <a:pt x="14" y="28"/>
-                    <a:pt x="17" y="28"/>
-                  </a:cubicBezTo>
-                  <a:cubicBezTo>
-                    <a:pt x="20" y="28"/>
-                    <a:pt x="23" y="27"/>
-                    <a:pt x="26" y="24"/>
-                  </a:cubicBezTo>
-                  <a:cubicBezTo>
-                    <a:pt x="30" y="20"/>
-                    <a:pt x="30" y="12"/>
-                    <a:pt x="26" y="8"/>
-                  </a:cubicBezTo>
-                  <a:cubicBezTo>
-                    <a:pt x="23" y="6"/>
-                    <a:pt x="20" y="4"/>
-                    <a:pt x="17" y="4"/>
-                  </a:cubicBezTo>
-                  <a:close/>
-                </a:path>
-              </a:pathLst>
-            </a:custGeom>
-            <a:grpFill/>
-            <a:ln>
-              <a:noFill/>
-            </a:ln>
-            <a:extLst>
-              <a:ext uri="{91240B29-F687-4F45-9708-019B960494DF}">
-                <a14:hiddenLine xmlns:a14="http://schemas.microsoft.com/office/drawing/2010/main" w="9525">
-                  <a:solidFill>
-                    <a:srgbClr val="000000"/>
-                  </a:solidFill>
-                  <a:round/>
-                  <a:headEnd/>
-                  <a:tailEnd/>
-                </a14:hiddenLine>
-              </a:ext>
-            </a:extLst>
-          </p:spPr>
-        </p:sp>
-        <p:sp>
-          <p:nvSpPr>
-            <p:cNvPr id="44" name="Freeform 34">
-              <a:extLst>
-                <a:ext uri="{FF2B5EF4-FFF2-40B4-BE49-F238E27FC236}">
-                  <a16:creationId xmlns:a16="http://schemas.microsoft.com/office/drawing/2014/main" id="{CB3734E2-8292-4B47-B6AB-0E5A058DE95A}"/>
-                </a:ext>
-                <a:ext uri="{C183D7F6-B498-43B3-948B-1728B52AA6E4}">
-                  <adec:decorative xmlns:adec="http://schemas.microsoft.com/office/drawing/2017/decorative" val="1"/>
-                </a:ext>
-              </a:extLst>
-            </p:cNvPr>
-            <p:cNvSpPr>
-              <a:spLocks noEditPoints="1"/>
-            </p:cNvSpPr>
-            <p:nvPr>
-              <p:extLst>
-                <p:ext uri="{386F3935-93C4-4BCD-93E2-E3B085C9AB24}">
-                  <p16:designElem xmlns:p16="http://schemas.microsoft.com/office/powerpoint/2015/main" val="1"/>
-                </p:ext>
-              </p:extLst>
-            </p:nvPr>
-          </p:nvSpPr>
-          <p:spPr bwMode="auto">
-            <a:xfrm>
-              <a:off x="11631612" y="1539875"/>
-              <a:ext cx="188913" cy="190500"/>
-            </a:xfrm>
-            <a:custGeom>
-              <a:avLst/>
-              <a:gdLst/>
-              <a:ahLst/>
-              <a:cxnLst/>
-              <a:rect l="0" t="0" r="r" b="b"/>
-              <a:pathLst>
-                <a:path w="40" h="40">
-                  <a:moveTo>
-                    <a:pt x="20" y="40"/>
-                  </a:moveTo>
-                  <a:cubicBezTo>
-                    <a:pt x="9" y="40"/>
-                    <a:pt x="0" y="31"/>
-                    <a:pt x="0" y="20"/>
-                  </a:cubicBezTo>
-                  <a:cubicBezTo>
-                    <a:pt x="0" y="9"/>
-                    <a:pt x="9" y="0"/>
-                    <a:pt x="20" y="0"/>
-                  </a:cubicBezTo>
-                  <a:cubicBezTo>
-                    <a:pt x="31" y="0"/>
-                    <a:pt x="40" y="9"/>
-                    <a:pt x="40" y="20"/>
-                  </a:cubicBezTo>
-                  <a:cubicBezTo>
-                    <a:pt x="40" y="31"/>
-                    <a:pt x="31" y="40"/>
-                    <a:pt x="20" y="40"/>
-                  </a:cubicBezTo>
-                  <a:close/>
-                  <a:moveTo>
-                    <a:pt x="20" y="4"/>
-                  </a:moveTo>
-                  <a:cubicBezTo>
-                    <a:pt x="11" y="4"/>
-                    <a:pt x="4" y="11"/>
-                    <a:pt x="4" y="20"/>
-                  </a:cubicBezTo>
-                  <a:cubicBezTo>
-                    <a:pt x="4" y="29"/>
-                    <a:pt x="11" y="36"/>
-                    <a:pt x="20" y="36"/>
-                  </a:cubicBezTo>
-                  <a:cubicBezTo>
-                    <a:pt x="29" y="36"/>
-                    <a:pt x="36" y="29"/>
-                    <a:pt x="36" y="20"/>
-                  </a:cubicBezTo>
-                  <a:cubicBezTo>
-                    <a:pt x="36" y="11"/>
-                    <a:pt x="29" y="4"/>
-                    <a:pt x="20" y="4"/>
-                  </a:cubicBezTo>
-                  <a:close/>
-                </a:path>
-              </a:pathLst>
-            </a:custGeom>
-            <a:grpFill/>
-            <a:ln>
-              <a:noFill/>
-            </a:ln>
-            <a:extLst>
-              <a:ext uri="{91240B29-F687-4F45-9708-019B960494DF}">
-                <a14:hiddenLine xmlns:a14="http://schemas.microsoft.com/office/drawing/2010/main" w="9525">
-                  <a:solidFill>
-                    <a:srgbClr val="000000"/>
-                  </a:solidFill>
-                  <a:round/>
-                  <a:headEnd/>
-                  <a:tailEnd/>
-                </a14:hiddenLine>
-              </a:ext>
-            </a:extLst>
-          </p:spPr>
-        </p:sp>
-        <p:sp>
-          <p:nvSpPr>
-            <p:cNvPr id="45" name="Freeform 35">
-              <a:extLst>
-                <a:ext uri="{FF2B5EF4-FFF2-40B4-BE49-F238E27FC236}">
-                  <a16:creationId xmlns:a16="http://schemas.microsoft.com/office/drawing/2014/main" id="{A0B09C51-29AB-45C0-B707-CCFB9DF280B1}"/>
-                </a:ext>
-                <a:ext uri="{C183D7F6-B498-43B3-948B-1728B52AA6E4}">
-                  <adec:decorative xmlns:adec="http://schemas.microsoft.com/office/drawing/2017/decorative" val="1"/>
-                </a:ext>
-              </a:extLst>
-            </p:cNvPr>
-            <p:cNvSpPr/>
-            <p:nvPr>
-              <p:extLst>
-                <p:ext uri="{386F3935-93C4-4BCD-93E2-E3B085C9AB24}">
-                  <p16:designElem xmlns:p16="http://schemas.microsoft.com/office/powerpoint/2015/main" val="1"/>
-                </p:ext>
-              </p:extLst>
-            </p:nvPr>
-          </p:nvSpPr>
-          <p:spPr bwMode="auto">
-            <a:xfrm>
-              <a:off x="11531600" y="5694363"/>
-              <a:ext cx="298450" cy="1154113"/>
-            </a:xfrm>
-            <a:custGeom>
-              <a:avLst/>
-              <a:gdLst/>
-              <a:ahLst/>
-              <a:cxnLst/>
-              <a:rect l="0" t="0" r="r" b="b"/>
-              <a:pathLst>
-                <a:path w="188" h="727">
-                  <a:moveTo>
-                    <a:pt x="15" y="727"/>
-                  </a:moveTo>
-                  <a:lnTo>
-                    <a:pt x="0" y="727"/>
-                  </a:lnTo>
-                  <a:lnTo>
-                    <a:pt x="0" y="407"/>
-                  </a:lnTo>
-                  <a:lnTo>
-                    <a:pt x="0" y="407"/>
-                  </a:lnTo>
-                  <a:lnTo>
-                    <a:pt x="176" y="0"/>
-                  </a:lnTo>
-                  <a:lnTo>
-                    <a:pt x="188" y="6"/>
-                  </a:lnTo>
-                  <a:lnTo>
-                    <a:pt x="15" y="410"/>
-                  </a:lnTo>
-                  <a:lnTo>
-                    <a:pt x="15" y="727"/>
-                  </a:lnTo>
-                  <a:close/>
-                </a:path>
-              </a:pathLst>
-            </a:custGeom>
-            <a:grpFill/>
-            <a:ln>
-              <a:noFill/>
-            </a:ln>
-            <a:extLst>
-              <a:ext uri="{91240B29-F687-4F45-9708-019B960494DF}">
-                <a14:hiddenLine xmlns:a14="http://schemas.microsoft.com/office/drawing/2010/main" w="9525">
-                  <a:solidFill>
-                    <a:srgbClr val="000000"/>
-                  </a:solidFill>
-                  <a:round/>
-                  <a:headEnd/>
-                  <a:tailEnd/>
-                </a14:hiddenLine>
-              </a:ext>
-            </a:extLst>
-          </p:spPr>
-        </p:sp>
-        <p:sp>
-          <p:nvSpPr>
-            <p:cNvPr id="46" name="Freeform 36">
-              <a:extLst>
-                <a:ext uri="{FF2B5EF4-FFF2-40B4-BE49-F238E27FC236}">
-                  <a16:creationId xmlns:a16="http://schemas.microsoft.com/office/drawing/2014/main" id="{510C0CED-AE1B-45AE-B5E1-57521E589D27}"/>
-                </a:ext>
-                <a:ext uri="{C183D7F6-B498-43B3-948B-1728B52AA6E4}">
-                  <adec:decorative xmlns:adec="http://schemas.microsoft.com/office/drawing/2017/decorative" val="1"/>
-                </a:ext>
-              </a:extLst>
-            </p:cNvPr>
-            <p:cNvSpPr>
-              <a:spLocks noEditPoints="1"/>
-            </p:cNvSpPr>
-            <p:nvPr>
-              <p:extLst>
-                <p:ext uri="{386F3935-93C4-4BCD-93E2-E3B085C9AB24}">
-                  <p16:designElem xmlns:p16="http://schemas.microsoft.com/office/powerpoint/2015/main" val="1"/>
-                </p:ext>
-              </p:extLst>
-            </p:nvPr>
-          </p:nvSpPr>
-          <p:spPr bwMode="auto">
-            <a:xfrm>
-              <a:off x="11772900" y="5551488"/>
-              <a:ext cx="157163" cy="155575"/>
-            </a:xfrm>
-            <a:custGeom>
-              <a:avLst/>
-              <a:gdLst/>
-              <a:ahLst/>
-              <a:cxnLst/>
-              <a:rect l="0" t="0" r="r" b="b"/>
-              <a:pathLst>
-                <a:path w="33" h="33">
-                  <a:moveTo>
-                    <a:pt x="17" y="33"/>
-                  </a:moveTo>
-                  <a:cubicBezTo>
-                    <a:pt x="8" y="33"/>
-                    <a:pt x="0" y="25"/>
-                    <a:pt x="0" y="16"/>
-                  </a:cubicBezTo>
-                  <a:cubicBezTo>
-                    <a:pt x="0" y="7"/>
-                    <a:pt x="8" y="0"/>
-                    <a:pt x="17" y="0"/>
-                  </a:cubicBezTo>
-                  <a:cubicBezTo>
-                    <a:pt x="26" y="0"/>
-                    <a:pt x="33" y="7"/>
-                    <a:pt x="33" y="16"/>
-                  </a:cubicBezTo>
-                  <a:cubicBezTo>
-                    <a:pt x="33" y="25"/>
-                    <a:pt x="26" y="33"/>
-                    <a:pt x="17" y="33"/>
-                  </a:cubicBezTo>
-                  <a:close/>
-                  <a:moveTo>
-                    <a:pt x="17" y="4"/>
-                  </a:moveTo>
-                  <a:cubicBezTo>
-                    <a:pt x="10" y="4"/>
-                    <a:pt x="4" y="9"/>
-                    <a:pt x="4" y="16"/>
-                  </a:cubicBezTo>
-                  <a:cubicBezTo>
-                    <a:pt x="4" y="23"/>
-                    <a:pt x="10" y="29"/>
-                    <a:pt x="17" y="29"/>
-                  </a:cubicBezTo>
-                  <a:cubicBezTo>
-                    <a:pt x="23" y="29"/>
-                    <a:pt x="29" y="23"/>
-                    <a:pt x="29" y="16"/>
-                  </a:cubicBezTo>
-                  <a:cubicBezTo>
-                    <a:pt x="29" y="9"/>
-                    <a:pt x="23" y="4"/>
-                    <a:pt x="17" y="4"/>
-                  </a:cubicBezTo>
-                  <a:close/>
-                </a:path>
-              </a:pathLst>
-            </a:custGeom>
-            <a:grpFill/>
-            <a:ln>
-              <a:noFill/>
-            </a:ln>
-            <a:extLst>
-              <a:ext uri="{91240B29-F687-4F45-9708-019B960494DF}">
-                <a14:hiddenLine xmlns:a14="http://schemas.microsoft.com/office/drawing/2010/main" w="9525">
-                  <a:solidFill>
-                    <a:srgbClr val="000000"/>
-                  </a:solidFill>
-                  <a:round/>
-                  <a:headEnd/>
-                  <a:tailEnd/>
-                </a14:hiddenLine>
-              </a:ext>
-            </a:extLst>
-          </p:spPr>
-        </p:sp>
-        <p:sp>
-          <p:nvSpPr>
-            <p:cNvPr id="47" name="Freeform 37">
-              <a:extLst>
-                <a:ext uri="{FF2B5EF4-FFF2-40B4-BE49-F238E27FC236}">
-                  <a16:creationId xmlns:a16="http://schemas.microsoft.com/office/drawing/2014/main" id="{591F2327-4B45-41AA-B41C-7404B6A1E4F2}"/>
-                </a:ext>
-                <a:ext uri="{C183D7F6-B498-43B3-948B-1728B52AA6E4}">
-                  <adec:decorative xmlns:adec="http://schemas.microsoft.com/office/drawing/2017/decorative" val="1"/>
-                </a:ext>
-              </a:extLst>
-            </p:cNvPr>
-            <p:cNvSpPr/>
-            <p:nvPr>
-              <p:extLst>
-                <p:ext uri="{386F3935-93C4-4BCD-93E2-E3B085C9AB24}">
-                  <p16:designElem xmlns:p16="http://schemas.microsoft.com/office/powerpoint/2015/main" val="1"/>
-                </p:ext>
-              </p:extLst>
-            </p:nvPr>
-          </p:nvSpPr>
-          <p:spPr bwMode="auto">
-            <a:xfrm>
-              <a:off x="11710987" y="4763"/>
-              <a:ext cx="304800" cy="1544638"/>
-            </a:xfrm>
-            <a:custGeom>
-              <a:avLst/>
-              <a:gdLst/>
-              <a:ahLst/>
-              <a:cxnLst/>
-              <a:rect l="0" t="0" r="r" b="b"/>
-              <a:pathLst>
-                <a:path w="192" h="973">
-                  <a:moveTo>
-                    <a:pt x="15" y="973"/>
-                  </a:moveTo>
-                  <a:lnTo>
-                    <a:pt x="0" y="973"/>
-                  </a:lnTo>
-                  <a:lnTo>
-                    <a:pt x="0" y="790"/>
-                  </a:lnTo>
-                  <a:lnTo>
-                    <a:pt x="174" y="614"/>
-                  </a:lnTo>
-                  <a:lnTo>
-                    <a:pt x="174" y="0"/>
-                  </a:lnTo>
-                  <a:lnTo>
-                    <a:pt x="192" y="0"/>
-                  </a:lnTo>
-                  <a:lnTo>
-                    <a:pt x="192" y="620"/>
-                  </a:lnTo>
-                  <a:lnTo>
-                    <a:pt x="15" y="796"/>
-                  </a:lnTo>
-                  <a:lnTo>
-                    <a:pt x="15" y="973"/>
-                  </a:lnTo>
-                  <a:close/>
-                </a:path>
-              </a:pathLst>
-            </a:custGeom>
-            <a:grpFill/>
-            <a:ln>
-              <a:noFill/>
-            </a:ln>
-            <a:extLst>
-              <a:ext uri="{91240B29-F687-4F45-9708-019B960494DF}">
-                <a14:hiddenLine xmlns:a14="http://schemas.microsoft.com/office/drawing/2010/main" w="9525">
-                  <a:solidFill>
-                    <a:srgbClr val="000000"/>
-                  </a:solidFill>
-                  <a:round/>
-                  <a:headEnd/>
-                  <a:tailEnd/>
-                </a14:hiddenLine>
-              </a:ext>
-            </a:extLst>
-          </p:spPr>
-        </p:sp>
-        <p:sp>
-          <p:nvSpPr>
-            <p:cNvPr id="48" name="Freeform 38">
-              <a:extLst>
-                <a:ext uri="{FF2B5EF4-FFF2-40B4-BE49-F238E27FC236}">
-                  <a16:creationId xmlns:a16="http://schemas.microsoft.com/office/drawing/2014/main" id="{5A63224C-41A0-42C0-96F6-0B2BE99A1353}"/>
-                </a:ext>
-                <a:ext uri="{C183D7F6-B498-43B3-948B-1728B52AA6E4}">
-                  <adec:decorative xmlns:adec="http://schemas.microsoft.com/office/drawing/2017/decorative" val="1"/>
-                </a:ext>
-              </a:extLst>
-            </p:cNvPr>
-            <p:cNvSpPr>
-              <a:spLocks noEditPoints="1"/>
-            </p:cNvSpPr>
-            <p:nvPr>
-              <p:extLst>
-                <p:ext uri="{386F3935-93C4-4BCD-93E2-E3B085C9AB24}">
-                  <p16:designElem xmlns:p16="http://schemas.microsoft.com/office/powerpoint/2015/main" val="1"/>
-                </p:ext>
-              </p:extLst>
-            </p:nvPr>
-          </p:nvSpPr>
-          <p:spPr bwMode="auto">
-            <a:xfrm>
-              <a:off x="11636375" y="4867275"/>
-              <a:ext cx="188913" cy="188913"/>
-            </a:xfrm>
-            <a:custGeom>
-              <a:avLst/>
-              <a:gdLst/>
-              <a:ahLst/>
-              <a:cxnLst/>
-              <a:rect l="0" t="0" r="r" b="b"/>
-              <a:pathLst>
-                <a:path w="40" h="40">
-                  <a:moveTo>
-                    <a:pt x="20" y="40"/>
-                  </a:moveTo>
-                  <a:cubicBezTo>
-                    <a:pt x="9" y="40"/>
-                    <a:pt x="0" y="31"/>
-                    <a:pt x="0" y="20"/>
-                  </a:cubicBezTo>
-                  <a:cubicBezTo>
-                    <a:pt x="0" y="9"/>
-                    <a:pt x="9" y="0"/>
-                    <a:pt x="20" y="0"/>
-                  </a:cubicBezTo>
-                  <a:cubicBezTo>
-                    <a:pt x="31" y="0"/>
-                    <a:pt x="40" y="9"/>
-                    <a:pt x="40" y="20"/>
-                  </a:cubicBezTo>
-                  <a:cubicBezTo>
-                    <a:pt x="40" y="31"/>
-                    <a:pt x="31" y="40"/>
-                    <a:pt x="20" y="40"/>
-                  </a:cubicBezTo>
-                  <a:close/>
-                  <a:moveTo>
-                    <a:pt x="20" y="4"/>
-                  </a:moveTo>
-                  <a:cubicBezTo>
-                    <a:pt x="11" y="4"/>
-                    <a:pt x="4" y="11"/>
-                    <a:pt x="4" y="20"/>
-                  </a:cubicBezTo>
-                  <a:cubicBezTo>
-                    <a:pt x="4" y="29"/>
-                    <a:pt x="11" y="36"/>
-                    <a:pt x="20" y="36"/>
-                  </a:cubicBezTo>
-                  <a:cubicBezTo>
-                    <a:pt x="29" y="36"/>
-                    <a:pt x="36" y="29"/>
-                    <a:pt x="36" y="20"/>
-                  </a:cubicBezTo>
-                  <a:cubicBezTo>
-                    <a:pt x="36" y="11"/>
-                    <a:pt x="29" y="4"/>
-                    <a:pt x="20" y="4"/>
-                  </a:cubicBezTo>
-                  <a:close/>
-                </a:path>
-              </a:pathLst>
-            </a:custGeom>
-            <a:grpFill/>
-            <a:ln>
-              <a:noFill/>
-            </a:ln>
-            <a:extLst>
-              <a:ext uri="{91240B29-F687-4F45-9708-019B960494DF}">
-                <a14:hiddenLine xmlns:a14="http://schemas.microsoft.com/office/drawing/2010/main" w="9525">
-                  <a:solidFill>
-                    <a:srgbClr val="000000"/>
-                  </a:solidFill>
-                  <a:round/>
-                  <a:headEnd/>
-                  <a:tailEnd/>
-                </a14:hiddenLine>
-              </a:ext>
-            </a:extLst>
-          </p:spPr>
-        </p:sp>
-        <p:sp>
-          <p:nvSpPr>
-            <p:cNvPr id="49" name="Freeform 39">
-              <a:extLst>
-                <a:ext uri="{FF2B5EF4-FFF2-40B4-BE49-F238E27FC236}">
-                  <a16:creationId xmlns:a16="http://schemas.microsoft.com/office/drawing/2014/main" id="{A7C00B9F-C253-4776-9935-EC02254A4F2F}"/>
-                </a:ext>
-                <a:ext uri="{C183D7F6-B498-43B3-948B-1728B52AA6E4}">
-                  <adec:decorative xmlns:adec="http://schemas.microsoft.com/office/drawing/2017/decorative" val="1"/>
-                </a:ext>
-              </a:extLst>
-            </p:cNvPr>
-            <p:cNvSpPr/>
-            <p:nvPr>
-              <p:extLst>
-                <p:ext uri="{386F3935-93C4-4BCD-93E2-E3B085C9AB24}">
-                  <p16:designElem xmlns:p16="http://schemas.microsoft.com/office/powerpoint/2015/main" val="1"/>
-                </p:ext>
-              </p:extLst>
-            </p:nvPr>
-          </p:nvSpPr>
-          <p:spPr bwMode="auto">
-            <a:xfrm>
-              <a:off x="11441112" y="5046663"/>
-              <a:ext cx="307975" cy="1801813"/>
-            </a:xfrm>
-            <a:custGeom>
-              <a:avLst/>
-              <a:gdLst/>
-              <a:ahLst/>
-              <a:cxnLst/>
-              <a:rect l="0" t="0" r="r" b="b"/>
-              <a:pathLst>
-                <a:path w="194" h="1135">
-                  <a:moveTo>
-                    <a:pt x="18" y="1135"/>
-                  </a:moveTo>
-                  <a:lnTo>
-                    <a:pt x="0" y="1135"/>
-                  </a:lnTo>
-                  <a:lnTo>
-                    <a:pt x="0" y="354"/>
-                  </a:lnTo>
-                  <a:lnTo>
-                    <a:pt x="176" y="177"/>
-                  </a:lnTo>
-                  <a:lnTo>
-                    <a:pt x="176" y="0"/>
-                  </a:lnTo>
-                  <a:lnTo>
-                    <a:pt x="194" y="0"/>
-                  </a:lnTo>
-                  <a:lnTo>
-                    <a:pt x="194" y="183"/>
-                  </a:lnTo>
-                  <a:lnTo>
-                    <a:pt x="18" y="360"/>
-                  </a:lnTo>
-                  <a:lnTo>
-                    <a:pt x="18" y="1135"/>
-                  </a:lnTo>
-                  <a:close/>
-                </a:path>
-              </a:pathLst>
-            </a:custGeom>
-            <a:grpFill/>
-            <a:ln>
-              <a:noFill/>
-            </a:ln>
-            <a:extLst>
-              <a:ext uri="{91240B29-F687-4F45-9708-019B960494DF}">
-                <a14:hiddenLine xmlns:a14="http://schemas.microsoft.com/office/drawing/2010/main" w="9525">
-                  <a:solidFill>
-                    <a:srgbClr val="000000"/>
-                  </a:solidFill>
-                  <a:round/>
-                  <a:headEnd/>
-                  <a:tailEnd/>
-                </a14:hiddenLine>
-              </a:ext>
-            </a:extLst>
-          </p:spPr>
-        </p:sp>
-        <p:sp>
-          <p:nvSpPr>
-            <p:cNvPr id="50" name="Freeform 40">
-              <a:extLst>
-                <a:ext uri="{FF2B5EF4-FFF2-40B4-BE49-F238E27FC236}">
-                  <a16:creationId xmlns:a16="http://schemas.microsoft.com/office/drawing/2014/main" id="{5062D4AA-13F3-4064-8440-FFE8562D8540}"/>
-                </a:ext>
-                <a:ext uri="{C183D7F6-B498-43B3-948B-1728B52AA6E4}">
-                  <adec:decorative xmlns:adec="http://schemas.microsoft.com/office/drawing/2017/decorative" val="1"/>
-                </a:ext>
-              </a:extLst>
-            </p:cNvPr>
-            <p:cNvSpPr>
-              <a:spLocks noEditPoints="1"/>
-            </p:cNvSpPr>
-            <p:nvPr>
-              <p:extLst>
-                <p:ext uri="{386F3935-93C4-4BCD-93E2-E3B085C9AB24}">
-                  <p16:designElem xmlns:p16="http://schemas.microsoft.com/office/powerpoint/2015/main" val="1"/>
-                </p:ext>
-              </p:extLst>
-            </p:nvPr>
-          </p:nvSpPr>
-          <p:spPr bwMode="auto">
-            <a:xfrm>
-              <a:off x="11849100" y="6416675"/>
-              <a:ext cx="190500" cy="188913"/>
-            </a:xfrm>
-            <a:custGeom>
-              <a:avLst/>
-              <a:gdLst/>
-              <a:ahLst/>
-              <a:cxnLst/>
-              <a:rect l="0" t="0" r="r" b="b"/>
-              <a:pathLst>
-                <a:path w="40" h="40">
-                  <a:moveTo>
-                    <a:pt x="20" y="40"/>
-                  </a:moveTo>
-                  <a:cubicBezTo>
-                    <a:pt x="9" y="40"/>
-                    <a:pt x="0" y="31"/>
-                    <a:pt x="0" y="20"/>
-                  </a:cubicBezTo>
-                  <a:cubicBezTo>
-                    <a:pt x="0" y="9"/>
-                    <a:pt x="9" y="0"/>
-                    <a:pt x="20" y="0"/>
-                  </a:cubicBezTo>
-                  <a:cubicBezTo>
-                    <a:pt x="31" y="0"/>
-                    <a:pt x="40" y="9"/>
-                    <a:pt x="40" y="20"/>
-                  </a:cubicBezTo>
-                  <a:cubicBezTo>
-                    <a:pt x="40" y="31"/>
-                    <a:pt x="31" y="40"/>
-                    <a:pt x="20" y="40"/>
-                  </a:cubicBezTo>
-                  <a:close/>
-                  <a:moveTo>
-                    <a:pt x="20" y="4"/>
-                  </a:moveTo>
-                  <a:cubicBezTo>
-                    <a:pt x="12" y="4"/>
-                    <a:pt x="4" y="11"/>
-                    <a:pt x="4" y="20"/>
-                  </a:cubicBezTo>
-                  <a:cubicBezTo>
-                    <a:pt x="4" y="29"/>
-                    <a:pt x="12" y="36"/>
-                    <a:pt x="20" y="36"/>
-                  </a:cubicBezTo>
-                  <a:cubicBezTo>
-                    <a:pt x="29" y="36"/>
-                    <a:pt x="36" y="29"/>
-                    <a:pt x="36" y="20"/>
-                  </a:cubicBezTo>
-                  <a:cubicBezTo>
-                    <a:pt x="36" y="11"/>
-                    <a:pt x="29" y="4"/>
-                    <a:pt x="20" y="4"/>
-                  </a:cubicBezTo>
-                  <a:close/>
-                </a:path>
-              </a:pathLst>
-            </a:custGeom>
-            <a:grpFill/>
-            <a:ln>
-              <a:noFill/>
-            </a:ln>
-            <a:extLst>
-              <a:ext uri="{91240B29-F687-4F45-9708-019B960494DF}">
-                <a14:hiddenLine xmlns:a14="http://schemas.microsoft.com/office/drawing/2010/main" w="9525">
-                  <a:solidFill>
-                    <a:srgbClr val="000000"/>
-                  </a:solidFill>
-                  <a:round/>
-                  <a:headEnd/>
-                  <a:tailEnd/>
-                </a14:hiddenLine>
-              </a:ext>
-            </a:extLst>
-          </p:spPr>
-        </p:sp>
-        <p:sp>
-          <p:nvSpPr>
-            <p:cNvPr id="51" name="Rectangle 41">
-              <a:extLst>
-                <a:ext uri="{FF2B5EF4-FFF2-40B4-BE49-F238E27FC236}">
-                  <a16:creationId xmlns:a16="http://schemas.microsoft.com/office/drawing/2014/main" id="{3E143B27-CB82-440B-879B-D25C1891C191}"/>
-                </a:ext>
-                <a:ext uri="{C183D7F6-B498-43B3-948B-1728B52AA6E4}">
-                  <adec:decorative xmlns:adec="http://schemas.microsoft.com/office/drawing/2017/decorative" val="1"/>
-                </a:ext>
-              </a:extLst>
-            </p:cNvPr>
-            <p:cNvSpPr>
-              <a:spLocks noChangeArrowheads="1"/>
-            </p:cNvSpPr>
-            <p:nvPr>
-              <p:extLst>
-                <p:ext uri="{386F3935-93C4-4BCD-93E2-E3B085C9AB24}">
-                  <p16:designElem xmlns:p16="http://schemas.microsoft.com/office/powerpoint/2015/main" val="1"/>
-                </p:ext>
-              </p:extLst>
-            </p:nvPr>
-          </p:nvSpPr>
-          <p:spPr bwMode="auto">
-            <a:xfrm>
-              <a:off x="11939587" y="6596063"/>
-              <a:ext cx="23813" cy="252413"/>
-            </a:xfrm>
-            <a:prstGeom prst="rect">
-              <a:avLst/>
-            </a:prstGeom>
-            <a:grpFill/>
-            <a:ln>
-              <a:noFill/>
-            </a:ln>
-            <a:extLst>
-              <a:ext uri="{91240B29-F687-4F45-9708-019B960494DF}">
-                <a14:hiddenLine xmlns:a14="http://schemas.microsoft.com/office/drawing/2010/main" w="9525">
-                  <a:solidFill>
-                    <a:srgbClr val="000000"/>
-                  </a:solidFill>
-                  <a:miter lim="800000"/>
-                  <a:headEnd/>
-                  <a:tailEnd/>
-                </a14:hiddenLine>
-              </a:ext>
-            </a:extLst>
-          </p:spPr>
-        </p:sp>
-      </p:grpSp>
-    </p:spTree>
-    <p:extLst>
-      <p:ext uri="{BB962C8B-B14F-4D97-AF65-F5344CB8AC3E}">
-        <p14:creationId xmlns:p14="http://schemas.microsoft.com/office/powerpoint/2010/main" val="3687747631"/>
-      </p:ext>
-    </p:extLst>
-  </p:cSld>
-  <p:clrMapOvr>
-    <a:masterClrMapping/>
-  </p:clrMapOvr>
-</p:sld>
-</file>
-
-<file path=ppt/slides/slide20.xml><?xml version="1.0" encoding="utf-8"?>
+<file path=ppt/slides/slide19.xml><?xml version="1.0" encoding="utf-8"?>
 <p:sld xmlns:a="http://schemas.openxmlformats.org/drawingml/2006/main" xmlns:r="http://schemas.openxmlformats.org/officeDocument/2006/relationships" xmlns:p="http://schemas.openxmlformats.org/presentationml/2006/main">
   <p:cSld>
     <p:spTree>
@@ -29030,7 +24686,7 @@
           <p:cNvPr id="3" name="표 4">
             <a:extLst>
               <a:ext uri="{FF2B5EF4-FFF2-40B4-BE49-F238E27FC236}">
-                <a16:creationId xmlns:a16="http://schemas.microsoft.com/office/drawing/2014/main" id="{913AC82F-4D76-4E35-81C4-F2DA6312D7AA}"/>
+                <a16:creationId xmlns:a16="http://schemas.microsoft.com/office/drawing/2014/main" xmlns="" id="{913AC82F-4D76-4E35-81C4-F2DA6312D7AA}"/>
               </a:ext>
             </a:extLst>
           </p:cNvPr>
@@ -29059,21 +24715,21 @@
                 <a:gridCol w="1494503">
                   <a:extLst>
                     <a:ext uri="{9D8B030D-6E8A-4147-A177-3AD203B41FA5}">
-                      <a16:colId xmlns:a16="http://schemas.microsoft.com/office/drawing/2014/main" val="3834144307"/>
+                      <a16:colId xmlns:a16="http://schemas.microsoft.com/office/drawing/2014/main" xmlns="" val="3834144307"/>
                     </a:ext>
                   </a:extLst>
                 </a:gridCol>
                 <a:gridCol w="2399071">
                   <a:extLst>
                     <a:ext uri="{9D8B030D-6E8A-4147-A177-3AD203B41FA5}">
-                      <a16:colId xmlns:a16="http://schemas.microsoft.com/office/drawing/2014/main" val="2120062107"/>
+                      <a16:colId xmlns:a16="http://schemas.microsoft.com/office/drawing/2014/main" xmlns="" val="2120062107"/>
                     </a:ext>
                   </a:extLst>
                 </a:gridCol>
                 <a:gridCol w="8298426">
                   <a:extLst>
                     <a:ext uri="{9D8B030D-6E8A-4147-A177-3AD203B41FA5}">
-                      <a16:colId xmlns:a16="http://schemas.microsoft.com/office/drawing/2014/main" val="1440019558"/>
+                      <a16:colId xmlns:a16="http://schemas.microsoft.com/office/drawing/2014/main" xmlns="" val="1440019558"/>
                     </a:ext>
                   </a:extLst>
                 </a:gridCol>
@@ -29129,7 +24785,7 @@
                 </a:tc>
                 <a:extLst>
                   <a:ext uri="{0D108BD9-81ED-4DB2-BD59-A6C34878D82A}">
-                    <a16:rowId xmlns:a16="http://schemas.microsoft.com/office/drawing/2014/main" val="2898954390"/>
+                    <a16:rowId xmlns:a16="http://schemas.microsoft.com/office/drawing/2014/main" xmlns="" val="2898954390"/>
                   </a:ext>
                 </a:extLst>
               </a:tr>
@@ -29256,7 +24912,7 @@
                 </a:tc>
                 <a:extLst>
                   <a:ext uri="{0D108BD9-81ED-4DB2-BD59-A6C34878D82A}">
-                    <a16:rowId xmlns:a16="http://schemas.microsoft.com/office/drawing/2014/main" val="3996163792"/>
+                    <a16:rowId xmlns:a16="http://schemas.microsoft.com/office/drawing/2014/main" xmlns="" val="3996163792"/>
                   </a:ext>
                 </a:extLst>
               </a:tr>
@@ -29401,7 +25057,7 @@
                 </a:tc>
                 <a:extLst>
                   <a:ext uri="{0D108BD9-81ED-4DB2-BD59-A6C34878D82A}">
-                    <a16:rowId xmlns:a16="http://schemas.microsoft.com/office/drawing/2014/main" val="476163804"/>
+                    <a16:rowId xmlns:a16="http://schemas.microsoft.com/office/drawing/2014/main" xmlns="" val="476163804"/>
                   </a:ext>
                 </a:extLst>
               </a:tr>
@@ -29456,7 +25112,7 @@
                 </a:tc>
                 <a:extLst>
                   <a:ext uri="{0D108BD9-81ED-4DB2-BD59-A6C34878D82A}">
-                    <a16:rowId xmlns:a16="http://schemas.microsoft.com/office/drawing/2014/main" val="1358587513"/>
+                    <a16:rowId xmlns:a16="http://schemas.microsoft.com/office/drawing/2014/main" xmlns="" val="1358587513"/>
                   </a:ext>
                 </a:extLst>
               </a:tr>
@@ -29520,7 +25176,7 @@
                 </a:tc>
                 <a:extLst>
                   <a:ext uri="{0D108BD9-81ED-4DB2-BD59-A6C34878D82A}">
-                    <a16:rowId xmlns:a16="http://schemas.microsoft.com/office/drawing/2014/main" val="3888127659"/>
+                    <a16:rowId xmlns:a16="http://schemas.microsoft.com/office/drawing/2014/main" xmlns="" val="3888127659"/>
                   </a:ext>
                 </a:extLst>
               </a:tr>
@@ -29584,7 +25240,7 @@
                 </a:tc>
                 <a:extLst>
                   <a:ext uri="{0D108BD9-81ED-4DB2-BD59-A6C34878D82A}">
-                    <a16:rowId xmlns:a16="http://schemas.microsoft.com/office/drawing/2014/main" val="3725144329"/>
+                    <a16:rowId xmlns:a16="http://schemas.microsoft.com/office/drawing/2014/main" xmlns="" val="3725144329"/>
                   </a:ext>
                 </a:extLst>
               </a:tr>
@@ -29651,7 +25307,7 @@
                 </a:tc>
                 <a:extLst>
                   <a:ext uri="{0D108BD9-81ED-4DB2-BD59-A6C34878D82A}">
-                    <a16:rowId xmlns:a16="http://schemas.microsoft.com/office/drawing/2014/main" val="3833203514"/>
+                    <a16:rowId xmlns:a16="http://schemas.microsoft.com/office/drawing/2014/main" xmlns="" val="3833203514"/>
                   </a:ext>
                 </a:extLst>
               </a:tr>
@@ -29718,7 +25374,7 @@
                 </a:tc>
                 <a:extLst>
                   <a:ext uri="{0D108BD9-81ED-4DB2-BD59-A6C34878D82A}">
-                    <a16:rowId xmlns:a16="http://schemas.microsoft.com/office/drawing/2014/main" val="2295019934"/>
+                    <a16:rowId xmlns:a16="http://schemas.microsoft.com/office/drawing/2014/main" xmlns="" val="2295019934"/>
                   </a:ext>
                 </a:extLst>
               </a:tr>
@@ -29801,7 +25457,7 @@
                 </a:tc>
                 <a:extLst>
                   <a:ext uri="{0D108BD9-81ED-4DB2-BD59-A6C34878D82A}">
-                    <a16:rowId xmlns:a16="http://schemas.microsoft.com/office/drawing/2014/main" val="3041922315"/>
+                    <a16:rowId xmlns:a16="http://schemas.microsoft.com/office/drawing/2014/main" xmlns="" val="3041922315"/>
                   </a:ext>
                 </a:extLst>
               </a:tr>
@@ -29884,7 +25540,7 @@
                 </a:tc>
                 <a:extLst>
                   <a:ext uri="{0D108BD9-81ED-4DB2-BD59-A6C34878D82A}">
-                    <a16:rowId xmlns:a16="http://schemas.microsoft.com/office/drawing/2014/main" val="3957888601"/>
+                    <a16:rowId xmlns:a16="http://schemas.microsoft.com/office/drawing/2014/main" xmlns="" val="3957888601"/>
                   </a:ext>
                 </a:extLst>
               </a:tr>
@@ -29966,7 +25622,7 @@
                 </a:tc>
                 <a:extLst>
                   <a:ext uri="{0D108BD9-81ED-4DB2-BD59-A6C34878D82A}">
-                    <a16:rowId xmlns:a16="http://schemas.microsoft.com/office/drawing/2014/main" val="2891529692"/>
+                    <a16:rowId xmlns:a16="http://schemas.microsoft.com/office/drawing/2014/main" xmlns="" val="2891529692"/>
                   </a:ext>
                 </a:extLst>
               </a:tr>
@@ -30042,7 +25698,7 @@
                 </a:tc>
                 <a:extLst>
                   <a:ext uri="{0D108BD9-81ED-4DB2-BD59-A6C34878D82A}">
-                    <a16:rowId xmlns:a16="http://schemas.microsoft.com/office/drawing/2014/main" val="4070837523"/>
+                    <a16:rowId xmlns:a16="http://schemas.microsoft.com/office/drawing/2014/main" xmlns="" val="4070837523"/>
                   </a:ext>
                 </a:extLst>
               </a:tr>
@@ -30124,7 +25780,7 @@
                 </a:tc>
                 <a:extLst>
                   <a:ext uri="{0D108BD9-81ED-4DB2-BD59-A6C34878D82A}">
-                    <a16:rowId xmlns:a16="http://schemas.microsoft.com/office/drawing/2014/main" val="3659583434"/>
+                    <a16:rowId xmlns:a16="http://schemas.microsoft.com/office/drawing/2014/main" xmlns="" val="3659583434"/>
                   </a:ext>
                 </a:extLst>
               </a:tr>
@@ -30200,7 +25856,7 @@
                 </a:tc>
                 <a:extLst>
                   <a:ext uri="{0D108BD9-81ED-4DB2-BD59-A6C34878D82A}">
-                    <a16:rowId xmlns:a16="http://schemas.microsoft.com/office/drawing/2014/main" val="2423374131"/>
+                    <a16:rowId xmlns:a16="http://schemas.microsoft.com/office/drawing/2014/main" xmlns="" val="2423374131"/>
                   </a:ext>
                 </a:extLst>
               </a:tr>
@@ -30221,7 +25877,3603 @@
 </p:sld>
 </file>
 
-<file path=ppt/slides/slide21.xml><?xml version="1.0" encoding="utf-8"?>
+<file path=ppt/slides/slide2.xml><?xml version="1.0" encoding="utf-8"?>
+<p:sld xmlns:a="http://schemas.openxmlformats.org/drawingml/2006/main" xmlns:r="http://schemas.openxmlformats.org/officeDocument/2006/relationships" xmlns:p="http://schemas.openxmlformats.org/presentationml/2006/main">
+  <p:cSld>
+    <p:spTree>
+      <p:nvGrpSpPr>
+        <p:cNvPr id="1" name=""/>
+        <p:cNvGrpSpPr/>
+        <p:nvPr/>
+      </p:nvGrpSpPr>
+      <p:grpSpPr>
+        <a:xfrm>
+          <a:off x="0" y="0"/>
+          <a:ext cx="0" cy="0"/>
+          <a:chOff x="0" y="0"/>
+          <a:chExt cx="0" cy="0"/>
+        </a:xfrm>
+      </p:grpSpPr>
+      <p:sp useBgFill="1">
+        <p:nvSpPr>
+          <p:cNvPr id="8" name="Rectangle 7">
+            <a:extLst>
+              <a:ext uri="{FF2B5EF4-FFF2-40B4-BE49-F238E27FC236}">
+                <a16:creationId xmlns:a16="http://schemas.microsoft.com/office/drawing/2014/main" xmlns="" id="{E978A47D-4F17-40FE-AB70-7AF78A9575EB}"/>
+              </a:ext>
+              <a:ext uri="{C183D7F6-B498-43B3-948B-1728B52AA6E4}">
+                <adec:decorative xmlns:adec="http://schemas.microsoft.com/office/drawing/2017/decorative" xmlns="" val="1"/>
+              </a:ext>
+            </a:extLst>
+          </p:cNvPr>
+          <p:cNvSpPr>
+            <a:spLocks noGrp="1" noRot="1" noChangeAspect="1" noMove="1" noResize="1" noEditPoints="1" noAdjustHandles="1" noChangeArrowheads="1" noChangeShapeType="1" noTextEdit="1"/>
+          </p:cNvSpPr>
+          <p:nvPr>
+            <p:extLst>
+              <p:ext uri="{386F3935-93C4-4BCD-93E2-E3B085C9AB24}">
+                <p16:designElem xmlns:p16="http://schemas.microsoft.com/office/powerpoint/2015/main" xmlns="" val="1"/>
+              </p:ext>
+            </p:extLst>
+          </p:nvPr>
+        </p:nvSpPr>
+        <p:spPr>
+          <a:xfrm>
+            <a:off x="25400" y="-14287"/>
+            <a:ext cx="12192000" cy="6858000"/>
+          </a:xfrm>
+          <a:prstGeom prst="rect">
+            <a:avLst/>
+          </a:prstGeom>
+          <a:ln>
+            <a:noFill/>
+          </a:ln>
+        </p:spPr>
+        <p:style>
+          <a:lnRef idx="2">
+            <a:schemeClr val="accent1">
+              <a:shade val="50000"/>
+            </a:schemeClr>
+          </a:lnRef>
+          <a:fillRef idx="1">
+            <a:schemeClr val="accent1"/>
+          </a:fillRef>
+          <a:effectRef idx="0">
+            <a:schemeClr val="accent1"/>
+          </a:effectRef>
+          <a:fontRef idx="minor">
+            <a:schemeClr val="lt1"/>
+          </a:fontRef>
+        </p:style>
+        <p:txBody>
+          <a:bodyPr rtlCol="0" anchor="ctr"/>
+          <a:lstStyle/>
+          <a:p>
+            <a:pPr algn="ctr"/>
+            <a:endParaRPr lang="en-US"/>
+          </a:p>
+        </p:txBody>
+      </p:sp>
+      <p:grpSp>
+        <p:nvGrpSpPr>
+          <p:cNvPr id="10" name="Group 9">
+            <a:extLst>
+              <a:ext uri="{FF2B5EF4-FFF2-40B4-BE49-F238E27FC236}">
+                <a16:creationId xmlns:a16="http://schemas.microsoft.com/office/drawing/2014/main" xmlns="" id="{85BE3A7E-6A3F-401E-A025-BBB8FDB8DD30}"/>
+              </a:ext>
+              <a:ext uri="{C183D7F6-B498-43B3-948B-1728B52AA6E4}">
+                <adec:decorative xmlns:adec="http://schemas.microsoft.com/office/drawing/2017/decorative" xmlns="" val="1"/>
+              </a:ext>
+            </a:extLst>
+          </p:cNvPr>
+          <p:cNvGrpSpPr>
+            <a:grpSpLocks noGrp="1" noUngrp="1" noRot="1" noChangeAspect="1" noMove="1" noResize="1"/>
+          </p:cNvGrpSpPr>
+          <p:nvPr>
+            <p:extLst>
+              <p:ext uri="{386F3935-93C4-4BCD-93E2-E3B085C9AB24}">
+                <p16:designElem xmlns:p16="http://schemas.microsoft.com/office/powerpoint/2015/main" xmlns="" val="1"/>
+              </p:ext>
+            </p:extLst>
+          </p:nvPr>
+        </p:nvGrpSpPr>
+        <p:grpSpPr>
+          <a:xfrm>
+            <a:off x="-14288" y="0"/>
+            <a:ext cx="1220788" cy="6858001"/>
+            <a:chOff x="-14288" y="0"/>
+            <a:chExt cx="1220788" cy="6858001"/>
+          </a:xfrm>
+          <a:solidFill>
+            <a:schemeClr val="tx1">
+              <a:alpha val="60000"/>
+            </a:schemeClr>
+          </a:solidFill>
+        </p:grpSpPr>
+        <p:sp>
+          <p:nvSpPr>
+            <p:cNvPr id="11" name="Rectangle 5">
+              <a:extLst>
+                <a:ext uri="{FF2B5EF4-FFF2-40B4-BE49-F238E27FC236}">
+                  <a16:creationId xmlns:a16="http://schemas.microsoft.com/office/drawing/2014/main" xmlns="" id="{41EE9036-817C-476C-BD59-B5184F9A3E35}"/>
+                </a:ext>
+                <a:ext uri="{C183D7F6-B498-43B3-948B-1728B52AA6E4}">
+                  <adec:decorative xmlns:adec="http://schemas.microsoft.com/office/drawing/2017/decorative" xmlns="" val="1"/>
+                </a:ext>
+              </a:extLst>
+            </p:cNvPr>
+            <p:cNvSpPr>
+              <a:spLocks noChangeArrowheads="1"/>
+            </p:cNvSpPr>
+            <p:nvPr>
+              <p:extLst>
+                <p:ext uri="{386F3935-93C4-4BCD-93E2-E3B085C9AB24}">
+                  <p16:designElem xmlns:p16="http://schemas.microsoft.com/office/powerpoint/2015/main" xmlns="" val="1"/>
+                </p:ext>
+              </p:extLst>
+            </p:nvPr>
+          </p:nvSpPr>
+          <p:spPr bwMode="auto">
+            <a:xfrm>
+              <a:off x="114300" y="4763"/>
+              <a:ext cx="23813" cy="2181225"/>
+            </a:xfrm>
+            <a:prstGeom prst="rect">
+              <a:avLst/>
+            </a:prstGeom>
+            <a:grpFill/>
+            <a:ln>
+              <a:noFill/>
+            </a:ln>
+            <a:extLst>
+              <a:ext uri="{91240B29-F687-4F45-9708-019B960494DF}">
+                <a14:hiddenLine xmlns:a14="http://schemas.microsoft.com/office/drawing/2010/main" w="9525">
+                  <a:solidFill>
+                    <a:srgbClr val="000000"/>
+                  </a:solidFill>
+                  <a:miter lim="800000"/>
+                  <a:headEnd/>
+                  <a:tailEnd/>
+                </a14:hiddenLine>
+              </a:ext>
+            </a:extLst>
+          </p:spPr>
+        </p:sp>
+        <p:sp>
+          <p:nvSpPr>
+            <p:cNvPr id="12" name="Freeform 6">
+              <a:extLst>
+                <a:ext uri="{FF2B5EF4-FFF2-40B4-BE49-F238E27FC236}">
+                  <a16:creationId xmlns:a16="http://schemas.microsoft.com/office/drawing/2014/main" xmlns="" id="{F098087A-B4E4-4300-A841-44988BD88E2F}"/>
+                </a:ext>
+                <a:ext uri="{C183D7F6-B498-43B3-948B-1728B52AA6E4}">
+                  <adec:decorative xmlns:adec="http://schemas.microsoft.com/office/drawing/2017/decorative" xmlns="" val="1"/>
+                </a:ext>
+              </a:extLst>
+            </p:cNvPr>
+            <p:cNvSpPr>
+              <a:spLocks noEditPoints="1"/>
+            </p:cNvSpPr>
+            <p:nvPr>
+              <p:extLst>
+                <p:ext uri="{386F3935-93C4-4BCD-93E2-E3B085C9AB24}">
+                  <p16:designElem xmlns:p16="http://schemas.microsoft.com/office/powerpoint/2015/main" xmlns="" val="1"/>
+                </p:ext>
+              </p:extLst>
+            </p:nvPr>
+          </p:nvSpPr>
+          <p:spPr bwMode="auto">
+            <a:xfrm>
+              <a:off x="33337" y="2176463"/>
+              <a:ext cx="190500" cy="190500"/>
+            </a:xfrm>
+            <a:custGeom>
+              <a:avLst/>
+              <a:gdLst/>
+              <a:ahLst/>
+              <a:cxnLst/>
+              <a:rect l="0" t="0" r="r" b="b"/>
+              <a:pathLst>
+                <a:path w="40" h="40">
+                  <a:moveTo>
+                    <a:pt x="20" y="40"/>
+                  </a:moveTo>
+                  <a:cubicBezTo>
+                    <a:pt x="9" y="40"/>
+                    <a:pt x="0" y="31"/>
+                    <a:pt x="0" y="20"/>
+                  </a:cubicBezTo>
+                  <a:cubicBezTo>
+                    <a:pt x="0" y="9"/>
+                    <a:pt x="9" y="0"/>
+                    <a:pt x="20" y="0"/>
+                  </a:cubicBezTo>
+                  <a:cubicBezTo>
+                    <a:pt x="31" y="0"/>
+                    <a:pt x="40" y="9"/>
+                    <a:pt x="40" y="20"/>
+                  </a:cubicBezTo>
+                  <a:cubicBezTo>
+                    <a:pt x="40" y="31"/>
+                    <a:pt x="31" y="40"/>
+                    <a:pt x="20" y="40"/>
+                  </a:cubicBezTo>
+                  <a:close/>
+                  <a:moveTo>
+                    <a:pt x="20" y="4"/>
+                  </a:moveTo>
+                  <a:cubicBezTo>
+                    <a:pt x="11" y="4"/>
+                    <a:pt x="4" y="11"/>
+                    <a:pt x="4" y="20"/>
+                  </a:cubicBezTo>
+                  <a:cubicBezTo>
+                    <a:pt x="4" y="29"/>
+                    <a:pt x="11" y="36"/>
+                    <a:pt x="20" y="36"/>
+                  </a:cubicBezTo>
+                  <a:cubicBezTo>
+                    <a:pt x="28" y="36"/>
+                    <a:pt x="36" y="29"/>
+                    <a:pt x="36" y="20"/>
+                  </a:cubicBezTo>
+                  <a:cubicBezTo>
+                    <a:pt x="36" y="11"/>
+                    <a:pt x="28" y="4"/>
+                    <a:pt x="20" y="4"/>
+                  </a:cubicBezTo>
+                  <a:close/>
+                </a:path>
+              </a:pathLst>
+            </a:custGeom>
+            <a:grpFill/>
+            <a:ln>
+              <a:noFill/>
+            </a:ln>
+            <a:extLst>
+              <a:ext uri="{91240B29-F687-4F45-9708-019B960494DF}">
+                <a14:hiddenLine xmlns:a14="http://schemas.microsoft.com/office/drawing/2010/main" w="9525">
+                  <a:solidFill>
+                    <a:srgbClr val="000000"/>
+                  </a:solidFill>
+                  <a:round/>
+                  <a:headEnd/>
+                  <a:tailEnd/>
+                </a14:hiddenLine>
+              </a:ext>
+            </a:extLst>
+          </p:spPr>
+        </p:sp>
+        <p:sp>
+          <p:nvSpPr>
+            <p:cNvPr id="13" name="Freeform 7">
+              <a:extLst>
+                <a:ext uri="{FF2B5EF4-FFF2-40B4-BE49-F238E27FC236}">
+                  <a16:creationId xmlns:a16="http://schemas.microsoft.com/office/drawing/2014/main" xmlns="" id="{F5BD5F4B-A39C-4DF9-84E4-A4D33F30E6EE}"/>
+                </a:ext>
+                <a:ext uri="{C183D7F6-B498-43B3-948B-1728B52AA6E4}">
+                  <adec:decorative xmlns:adec="http://schemas.microsoft.com/office/drawing/2017/decorative" xmlns="" val="1"/>
+                </a:ext>
+              </a:extLst>
+            </p:cNvPr>
+            <p:cNvSpPr>
+              <a:spLocks noEditPoints="1"/>
+            </p:cNvSpPr>
+            <p:nvPr>
+              <p:extLst>
+                <p:ext uri="{386F3935-93C4-4BCD-93E2-E3B085C9AB24}">
+                  <p16:designElem xmlns:p16="http://schemas.microsoft.com/office/powerpoint/2015/main" xmlns="" val="1"/>
+                </p:ext>
+              </p:extLst>
+            </p:nvPr>
+          </p:nvSpPr>
+          <p:spPr bwMode="auto">
+            <a:xfrm>
+              <a:off x="28575" y="4021138"/>
+              <a:ext cx="190500" cy="188913"/>
+            </a:xfrm>
+            <a:custGeom>
+              <a:avLst/>
+              <a:gdLst/>
+              <a:ahLst/>
+              <a:cxnLst/>
+              <a:rect l="0" t="0" r="r" b="b"/>
+              <a:pathLst>
+                <a:path w="40" h="40">
+                  <a:moveTo>
+                    <a:pt x="20" y="40"/>
+                  </a:moveTo>
+                  <a:cubicBezTo>
+                    <a:pt x="9" y="40"/>
+                    <a:pt x="0" y="31"/>
+                    <a:pt x="0" y="20"/>
+                  </a:cubicBezTo>
+                  <a:cubicBezTo>
+                    <a:pt x="0" y="9"/>
+                    <a:pt x="9" y="0"/>
+                    <a:pt x="20" y="0"/>
+                  </a:cubicBezTo>
+                  <a:cubicBezTo>
+                    <a:pt x="31" y="0"/>
+                    <a:pt x="40" y="9"/>
+                    <a:pt x="40" y="20"/>
+                  </a:cubicBezTo>
+                  <a:cubicBezTo>
+                    <a:pt x="40" y="31"/>
+                    <a:pt x="31" y="40"/>
+                    <a:pt x="20" y="40"/>
+                  </a:cubicBezTo>
+                  <a:close/>
+                  <a:moveTo>
+                    <a:pt x="20" y="4"/>
+                  </a:moveTo>
+                  <a:cubicBezTo>
+                    <a:pt x="12" y="4"/>
+                    <a:pt x="4" y="11"/>
+                    <a:pt x="4" y="20"/>
+                  </a:cubicBezTo>
+                  <a:cubicBezTo>
+                    <a:pt x="4" y="29"/>
+                    <a:pt x="12" y="36"/>
+                    <a:pt x="20" y="36"/>
+                  </a:cubicBezTo>
+                  <a:cubicBezTo>
+                    <a:pt x="29" y="36"/>
+                    <a:pt x="36" y="29"/>
+                    <a:pt x="36" y="20"/>
+                  </a:cubicBezTo>
+                  <a:cubicBezTo>
+                    <a:pt x="36" y="11"/>
+                    <a:pt x="29" y="4"/>
+                    <a:pt x="20" y="4"/>
+                  </a:cubicBezTo>
+                  <a:close/>
+                </a:path>
+              </a:pathLst>
+            </a:custGeom>
+            <a:grpFill/>
+            <a:ln>
+              <a:noFill/>
+            </a:ln>
+            <a:extLst>
+              <a:ext uri="{91240B29-F687-4F45-9708-019B960494DF}">
+                <a14:hiddenLine xmlns:a14="http://schemas.microsoft.com/office/drawing/2010/main" w="9525">
+                  <a:solidFill>
+                    <a:srgbClr val="000000"/>
+                  </a:solidFill>
+                  <a:round/>
+                  <a:headEnd/>
+                  <a:tailEnd/>
+                </a14:hiddenLine>
+              </a:ext>
+            </a:extLst>
+          </p:spPr>
+        </p:sp>
+        <p:sp>
+          <p:nvSpPr>
+            <p:cNvPr id="14" name="Freeform 8">
+              <a:extLst>
+                <a:ext uri="{FF2B5EF4-FFF2-40B4-BE49-F238E27FC236}">
+                  <a16:creationId xmlns:a16="http://schemas.microsoft.com/office/drawing/2014/main" xmlns="" id="{D7FA9858-BFA0-4D5B-AF72-B1B65EB0699C}"/>
+                </a:ext>
+                <a:ext uri="{C183D7F6-B498-43B3-948B-1728B52AA6E4}">
+                  <adec:decorative xmlns:adec="http://schemas.microsoft.com/office/drawing/2017/decorative" xmlns="" val="1"/>
+                </a:ext>
+              </a:extLst>
+            </p:cNvPr>
+            <p:cNvSpPr/>
+            <p:nvPr>
+              <p:extLst>
+                <p:ext uri="{386F3935-93C4-4BCD-93E2-E3B085C9AB24}">
+                  <p16:designElem xmlns:p16="http://schemas.microsoft.com/office/powerpoint/2015/main" xmlns="" val="1"/>
+                </p:ext>
+              </p:extLst>
+            </p:nvPr>
+          </p:nvSpPr>
+          <p:spPr bwMode="auto">
+            <a:xfrm>
+              <a:off x="200025" y="4763"/>
+              <a:ext cx="369888" cy="1811338"/>
+            </a:xfrm>
+            <a:custGeom>
+              <a:avLst/>
+              <a:gdLst/>
+              <a:ahLst/>
+              <a:cxnLst/>
+              <a:rect l="0" t="0" r="r" b="b"/>
+              <a:pathLst>
+                <a:path w="233" h="1141">
+                  <a:moveTo>
+                    <a:pt x="218" y="1141"/>
+                  </a:moveTo>
+                  <a:lnTo>
+                    <a:pt x="0" y="626"/>
+                  </a:lnTo>
+                  <a:lnTo>
+                    <a:pt x="0" y="0"/>
+                  </a:lnTo>
+                  <a:lnTo>
+                    <a:pt x="15" y="0"/>
+                  </a:lnTo>
+                  <a:lnTo>
+                    <a:pt x="15" y="623"/>
+                  </a:lnTo>
+                  <a:lnTo>
+                    <a:pt x="233" y="1135"/>
+                  </a:lnTo>
+                  <a:lnTo>
+                    <a:pt x="218" y="1141"/>
+                  </a:lnTo>
+                  <a:close/>
+                </a:path>
+              </a:pathLst>
+            </a:custGeom>
+            <a:grpFill/>
+            <a:ln>
+              <a:noFill/>
+            </a:ln>
+            <a:extLst>
+              <a:ext uri="{91240B29-F687-4F45-9708-019B960494DF}">
+                <a14:hiddenLine xmlns:a14="http://schemas.microsoft.com/office/drawing/2010/main" w="9525">
+                  <a:solidFill>
+                    <a:srgbClr val="000000"/>
+                  </a:solidFill>
+                  <a:round/>
+                  <a:headEnd/>
+                  <a:tailEnd/>
+                </a14:hiddenLine>
+              </a:ext>
+            </a:extLst>
+          </p:spPr>
+        </p:sp>
+        <p:sp>
+          <p:nvSpPr>
+            <p:cNvPr id="15" name="Freeform 9">
+              <a:extLst>
+                <a:ext uri="{FF2B5EF4-FFF2-40B4-BE49-F238E27FC236}">
+                  <a16:creationId xmlns:a16="http://schemas.microsoft.com/office/drawing/2014/main" xmlns="" id="{A508A5F3-AFE0-4750-A9C2-B51A514FFC4C}"/>
+                </a:ext>
+                <a:ext uri="{C183D7F6-B498-43B3-948B-1728B52AA6E4}">
+                  <adec:decorative xmlns:adec="http://schemas.microsoft.com/office/drawing/2017/decorative" xmlns="" val="1"/>
+                </a:ext>
+              </a:extLst>
+            </p:cNvPr>
+            <p:cNvSpPr>
+              <a:spLocks noEditPoints="1"/>
+            </p:cNvSpPr>
+            <p:nvPr>
+              <p:extLst>
+                <p:ext uri="{386F3935-93C4-4BCD-93E2-E3B085C9AB24}">
+                  <p16:designElem xmlns:p16="http://schemas.microsoft.com/office/powerpoint/2015/main" xmlns="" val="1"/>
+                </p:ext>
+              </p:extLst>
+            </p:nvPr>
+          </p:nvSpPr>
+          <p:spPr bwMode="auto">
+            <a:xfrm>
+              <a:off x="503237" y="1801813"/>
+              <a:ext cx="190500" cy="188913"/>
+            </a:xfrm>
+            <a:custGeom>
+              <a:avLst/>
+              <a:gdLst/>
+              <a:ahLst/>
+              <a:cxnLst/>
+              <a:rect l="0" t="0" r="r" b="b"/>
+              <a:pathLst>
+                <a:path w="40" h="40">
+                  <a:moveTo>
+                    <a:pt x="20" y="40"/>
+                  </a:moveTo>
+                  <a:cubicBezTo>
+                    <a:pt x="9" y="40"/>
+                    <a:pt x="0" y="31"/>
+                    <a:pt x="0" y="20"/>
+                  </a:cubicBezTo>
+                  <a:cubicBezTo>
+                    <a:pt x="0" y="9"/>
+                    <a:pt x="9" y="0"/>
+                    <a:pt x="20" y="0"/>
+                  </a:cubicBezTo>
+                  <a:cubicBezTo>
+                    <a:pt x="33" y="0"/>
+                    <a:pt x="40" y="6"/>
+                    <a:pt x="40" y="20"/>
+                  </a:cubicBezTo>
+                  <a:cubicBezTo>
+                    <a:pt x="40" y="31"/>
+                    <a:pt x="31" y="40"/>
+                    <a:pt x="20" y="40"/>
+                  </a:cubicBezTo>
+                  <a:close/>
+                  <a:moveTo>
+                    <a:pt x="20" y="4"/>
+                  </a:moveTo>
+                  <a:cubicBezTo>
+                    <a:pt x="11" y="4"/>
+                    <a:pt x="4" y="11"/>
+                    <a:pt x="4" y="20"/>
+                  </a:cubicBezTo>
+                  <a:cubicBezTo>
+                    <a:pt x="4" y="29"/>
+                    <a:pt x="11" y="36"/>
+                    <a:pt x="20" y="36"/>
+                  </a:cubicBezTo>
+                  <a:cubicBezTo>
+                    <a:pt x="28" y="36"/>
+                    <a:pt x="36" y="29"/>
+                    <a:pt x="36" y="20"/>
+                  </a:cubicBezTo>
+                  <a:cubicBezTo>
+                    <a:pt x="36" y="9"/>
+                    <a:pt x="31" y="4"/>
+                    <a:pt x="20" y="4"/>
+                  </a:cubicBezTo>
+                  <a:close/>
+                </a:path>
+              </a:pathLst>
+            </a:custGeom>
+            <a:grpFill/>
+            <a:ln>
+              <a:noFill/>
+            </a:ln>
+            <a:extLst>
+              <a:ext uri="{91240B29-F687-4F45-9708-019B960494DF}">
+                <a14:hiddenLine xmlns:a14="http://schemas.microsoft.com/office/drawing/2010/main" w="9525">
+                  <a:solidFill>
+                    <a:srgbClr val="000000"/>
+                  </a:solidFill>
+                  <a:round/>
+                  <a:headEnd/>
+                  <a:tailEnd/>
+                </a14:hiddenLine>
+              </a:ext>
+            </a:extLst>
+          </p:spPr>
+        </p:sp>
+        <p:sp>
+          <p:nvSpPr>
+            <p:cNvPr id="16" name="Freeform 10">
+              <a:extLst>
+                <a:ext uri="{FF2B5EF4-FFF2-40B4-BE49-F238E27FC236}">
+                  <a16:creationId xmlns:a16="http://schemas.microsoft.com/office/drawing/2014/main" xmlns="" id="{92B4AAEB-ABF4-42A7-BE52-0B442190D16A}"/>
+                </a:ext>
+                <a:ext uri="{C183D7F6-B498-43B3-948B-1728B52AA6E4}">
+                  <adec:decorative xmlns:adec="http://schemas.microsoft.com/office/drawing/2017/decorative" xmlns="" val="1"/>
+                </a:ext>
+              </a:extLst>
+            </p:cNvPr>
+            <p:cNvSpPr/>
+            <p:nvPr>
+              <p:extLst>
+                <p:ext uri="{386F3935-93C4-4BCD-93E2-E3B085C9AB24}">
+                  <p16:designElem xmlns:p16="http://schemas.microsoft.com/office/powerpoint/2015/main" xmlns="" val="1"/>
+                </p:ext>
+              </p:extLst>
+            </p:nvPr>
+          </p:nvSpPr>
+          <p:spPr bwMode="auto">
+            <a:xfrm>
+              <a:off x="285750" y="4763"/>
+              <a:ext cx="369888" cy="1430338"/>
+            </a:xfrm>
+            <a:custGeom>
+              <a:avLst/>
+              <a:gdLst/>
+              <a:ahLst/>
+              <a:cxnLst/>
+              <a:rect l="0" t="0" r="r" b="b"/>
+              <a:pathLst>
+                <a:path w="233" h="901">
+                  <a:moveTo>
+                    <a:pt x="221" y="901"/>
+                  </a:moveTo>
+                  <a:lnTo>
+                    <a:pt x="0" y="383"/>
+                  </a:lnTo>
+                  <a:lnTo>
+                    <a:pt x="0" y="0"/>
+                  </a:lnTo>
+                  <a:lnTo>
+                    <a:pt x="18" y="0"/>
+                  </a:lnTo>
+                  <a:lnTo>
+                    <a:pt x="18" y="380"/>
+                  </a:lnTo>
+                  <a:lnTo>
+                    <a:pt x="233" y="895"/>
+                  </a:lnTo>
+                  <a:lnTo>
+                    <a:pt x="221" y="901"/>
+                  </a:lnTo>
+                  <a:close/>
+                </a:path>
+              </a:pathLst>
+            </a:custGeom>
+            <a:grpFill/>
+            <a:ln>
+              <a:noFill/>
+            </a:ln>
+            <a:extLst>
+              <a:ext uri="{91240B29-F687-4F45-9708-019B960494DF}">
+                <a14:hiddenLine xmlns:a14="http://schemas.microsoft.com/office/drawing/2010/main" w="9525">
+                  <a:solidFill>
+                    <a:srgbClr val="000000"/>
+                  </a:solidFill>
+                  <a:round/>
+                  <a:headEnd/>
+                  <a:tailEnd/>
+                </a14:hiddenLine>
+              </a:ext>
+            </a:extLst>
+          </p:spPr>
+        </p:sp>
+        <p:sp>
+          <p:nvSpPr>
+            <p:cNvPr id="17" name="Freeform 11">
+              <a:extLst>
+                <a:ext uri="{FF2B5EF4-FFF2-40B4-BE49-F238E27FC236}">
+                  <a16:creationId xmlns:a16="http://schemas.microsoft.com/office/drawing/2014/main" xmlns="" id="{3767C370-4A42-4376-8CAE-606C4BC8F450}"/>
+                </a:ext>
+                <a:ext uri="{C183D7F6-B498-43B3-948B-1728B52AA6E4}">
+                  <adec:decorative xmlns:adec="http://schemas.microsoft.com/office/drawing/2017/decorative" xmlns="" val="1"/>
+                </a:ext>
+              </a:extLst>
+            </p:cNvPr>
+            <p:cNvSpPr/>
+            <p:nvPr>
+              <p:extLst>
+                <p:ext uri="{386F3935-93C4-4BCD-93E2-E3B085C9AB24}">
+                  <p16:designElem xmlns:p16="http://schemas.microsoft.com/office/powerpoint/2015/main" xmlns="" val="1"/>
+                </p:ext>
+              </p:extLst>
+            </p:nvPr>
+          </p:nvSpPr>
+          <p:spPr bwMode="auto">
+            <a:xfrm>
+              <a:off x="546100" y="0"/>
+              <a:ext cx="152400" cy="912813"/>
+            </a:xfrm>
+            <a:custGeom>
+              <a:avLst/>
+              <a:gdLst/>
+              <a:ahLst/>
+              <a:cxnLst/>
+              <a:rect l="0" t="0" r="r" b="b"/>
+              <a:pathLst>
+                <a:path w="96" h="575">
+                  <a:moveTo>
+                    <a:pt x="96" y="575"/>
+                  </a:moveTo>
+                  <a:lnTo>
+                    <a:pt x="78" y="575"/>
+                  </a:lnTo>
+                  <a:lnTo>
+                    <a:pt x="78" y="192"/>
+                  </a:lnTo>
+                  <a:lnTo>
+                    <a:pt x="0" y="6"/>
+                  </a:lnTo>
+                  <a:lnTo>
+                    <a:pt x="15" y="0"/>
+                  </a:lnTo>
+                  <a:lnTo>
+                    <a:pt x="96" y="189"/>
+                  </a:lnTo>
+                  <a:lnTo>
+                    <a:pt x="96" y="575"/>
+                  </a:lnTo>
+                  <a:close/>
+                </a:path>
+              </a:pathLst>
+            </a:custGeom>
+            <a:grpFill/>
+            <a:ln>
+              <a:noFill/>
+            </a:ln>
+            <a:extLst>
+              <a:ext uri="{91240B29-F687-4F45-9708-019B960494DF}">
+                <a14:hiddenLine xmlns:a14="http://schemas.microsoft.com/office/drawing/2010/main" w="9525">
+                  <a:solidFill>
+                    <a:srgbClr val="000000"/>
+                  </a:solidFill>
+                  <a:round/>
+                  <a:headEnd/>
+                  <a:tailEnd/>
+                </a14:hiddenLine>
+              </a:ext>
+            </a:extLst>
+          </p:spPr>
+        </p:sp>
+        <p:sp>
+          <p:nvSpPr>
+            <p:cNvPr id="18" name="Freeform 12">
+              <a:extLst>
+                <a:ext uri="{FF2B5EF4-FFF2-40B4-BE49-F238E27FC236}">
+                  <a16:creationId xmlns:a16="http://schemas.microsoft.com/office/drawing/2014/main" xmlns="" id="{36205F53-9C95-4954-B97C-1625BB8A350F}"/>
+                </a:ext>
+                <a:ext uri="{C183D7F6-B498-43B3-948B-1728B52AA6E4}">
+                  <adec:decorative xmlns:adec="http://schemas.microsoft.com/office/drawing/2017/decorative" xmlns="" val="1"/>
+                </a:ext>
+              </a:extLst>
+            </p:cNvPr>
+            <p:cNvSpPr>
+              <a:spLocks noEditPoints="1"/>
+            </p:cNvSpPr>
+            <p:nvPr>
+              <p:extLst>
+                <p:ext uri="{386F3935-93C4-4BCD-93E2-E3B085C9AB24}">
+                  <p16:designElem xmlns:p16="http://schemas.microsoft.com/office/powerpoint/2015/main" xmlns="" val="1"/>
+                </p:ext>
+              </p:extLst>
+            </p:nvPr>
+          </p:nvSpPr>
+          <p:spPr bwMode="auto">
+            <a:xfrm>
+              <a:off x="588962" y="1420813"/>
+              <a:ext cx="190500" cy="190500"/>
+            </a:xfrm>
+            <a:custGeom>
+              <a:avLst/>
+              <a:gdLst/>
+              <a:ahLst/>
+              <a:cxnLst/>
+              <a:rect l="0" t="0" r="r" b="b"/>
+              <a:pathLst>
+                <a:path w="40" h="40">
+                  <a:moveTo>
+                    <a:pt x="20" y="40"/>
+                  </a:moveTo>
+                  <a:cubicBezTo>
+                    <a:pt x="9" y="40"/>
+                    <a:pt x="0" y="31"/>
+                    <a:pt x="0" y="20"/>
+                  </a:cubicBezTo>
+                  <a:cubicBezTo>
+                    <a:pt x="0" y="9"/>
+                    <a:pt x="9" y="0"/>
+                    <a:pt x="20" y="0"/>
+                  </a:cubicBezTo>
+                  <a:cubicBezTo>
+                    <a:pt x="33" y="0"/>
+                    <a:pt x="40" y="7"/>
+                    <a:pt x="40" y="20"/>
+                  </a:cubicBezTo>
+                  <a:cubicBezTo>
+                    <a:pt x="40" y="31"/>
+                    <a:pt x="31" y="40"/>
+                    <a:pt x="20" y="40"/>
+                  </a:cubicBezTo>
+                  <a:close/>
+                  <a:moveTo>
+                    <a:pt x="20" y="4"/>
+                  </a:moveTo>
+                  <a:cubicBezTo>
+                    <a:pt x="11" y="4"/>
+                    <a:pt x="4" y="11"/>
+                    <a:pt x="4" y="20"/>
+                  </a:cubicBezTo>
+                  <a:cubicBezTo>
+                    <a:pt x="4" y="29"/>
+                    <a:pt x="11" y="36"/>
+                    <a:pt x="20" y="36"/>
+                  </a:cubicBezTo>
+                  <a:cubicBezTo>
+                    <a:pt x="29" y="36"/>
+                    <a:pt x="36" y="29"/>
+                    <a:pt x="36" y="20"/>
+                  </a:cubicBezTo>
+                  <a:cubicBezTo>
+                    <a:pt x="36" y="9"/>
+                    <a:pt x="31" y="4"/>
+                    <a:pt x="20" y="4"/>
+                  </a:cubicBezTo>
+                  <a:close/>
+                </a:path>
+              </a:pathLst>
+            </a:custGeom>
+            <a:grpFill/>
+            <a:ln>
+              <a:noFill/>
+            </a:ln>
+            <a:extLst>
+              <a:ext uri="{91240B29-F687-4F45-9708-019B960494DF}">
+                <a14:hiddenLine xmlns:a14="http://schemas.microsoft.com/office/drawing/2010/main" w="9525">
+                  <a:solidFill>
+                    <a:srgbClr val="000000"/>
+                  </a:solidFill>
+                  <a:round/>
+                  <a:headEnd/>
+                  <a:tailEnd/>
+                </a14:hiddenLine>
+              </a:ext>
+            </a:extLst>
+          </p:spPr>
+        </p:sp>
+        <p:sp>
+          <p:nvSpPr>
+            <p:cNvPr id="19" name="Freeform 13">
+              <a:extLst>
+                <a:ext uri="{FF2B5EF4-FFF2-40B4-BE49-F238E27FC236}">
+                  <a16:creationId xmlns:a16="http://schemas.microsoft.com/office/drawing/2014/main" xmlns="" id="{DC80B58E-3469-43E9-96FC-D747B6983030}"/>
+                </a:ext>
+                <a:ext uri="{C183D7F6-B498-43B3-948B-1728B52AA6E4}">
+                  <adec:decorative xmlns:adec="http://schemas.microsoft.com/office/drawing/2017/decorative" xmlns="" val="1"/>
+                </a:ext>
+              </a:extLst>
+            </p:cNvPr>
+            <p:cNvSpPr>
+              <a:spLocks noEditPoints="1"/>
+            </p:cNvSpPr>
+            <p:nvPr>
+              <p:extLst>
+                <p:ext uri="{386F3935-93C4-4BCD-93E2-E3B085C9AB24}">
+                  <p16:designElem xmlns:p16="http://schemas.microsoft.com/office/powerpoint/2015/main" xmlns="" val="1"/>
+                </p:ext>
+              </p:extLst>
+            </p:nvPr>
+          </p:nvSpPr>
+          <p:spPr bwMode="auto">
+            <a:xfrm>
+              <a:off x="588962" y="903288"/>
+              <a:ext cx="190500" cy="190500"/>
+            </a:xfrm>
+            <a:custGeom>
+              <a:avLst/>
+              <a:gdLst/>
+              <a:ahLst/>
+              <a:cxnLst/>
+              <a:rect l="0" t="0" r="r" b="b"/>
+              <a:pathLst>
+                <a:path w="40" h="40">
+                  <a:moveTo>
+                    <a:pt x="20" y="40"/>
+                  </a:moveTo>
+                  <a:cubicBezTo>
+                    <a:pt x="9" y="40"/>
+                    <a:pt x="0" y="31"/>
+                    <a:pt x="0" y="20"/>
+                  </a:cubicBezTo>
+                  <a:cubicBezTo>
+                    <a:pt x="0" y="9"/>
+                    <a:pt x="9" y="0"/>
+                    <a:pt x="20" y="0"/>
+                  </a:cubicBezTo>
+                  <a:cubicBezTo>
+                    <a:pt x="31" y="0"/>
+                    <a:pt x="40" y="9"/>
+                    <a:pt x="40" y="20"/>
+                  </a:cubicBezTo>
+                  <a:cubicBezTo>
+                    <a:pt x="40" y="31"/>
+                    <a:pt x="31" y="40"/>
+                    <a:pt x="20" y="40"/>
+                  </a:cubicBezTo>
+                  <a:close/>
+                  <a:moveTo>
+                    <a:pt x="20" y="4"/>
+                  </a:moveTo>
+                  <a:cubicBezTo>
+                    <a:pt x="11" y="4"/>
+                    <a:pt x="4" y="11"/>
+                    <a:pt x="4" y="20"/>
+                  </a:cubicBezTo>
+                  <a:cubicBezTo>
+                    <a:pt x="4" y="29"/>
+                    <a:pt x="11" y="36"/>
+                    <a:pt x="20" y="36"/>
+                  </a:cubicBezTo>
+                  <a:cubicBezTo>
+                    <a:pt x="29" y="36"/>
+                    <a:pt x="36" y="29"/>
+                    <a:pt x="36" y="20"/>
+                  </a:cubicBezTo>
+                  <a:cubicBezTo>
+                    <a:pt x="36" y="11"/>
+                    <a:pt x="29" y="4"/>
+                    <a:pt x="20" y="4"/>
+                  </a:cubicBezTo>
+                  <a:close/>
+                </a:path>
+              </a:pathLst>
+            </a:custGeom>
+            <a:grpFill/>
+            <a:ln>
+              <a:noFill/>
+            </a:ln>
+            <a:extLst>
+              <a:ext uri="{91240B29-F687-4F45-9708-019B960494DF}">
+                <a14:hiddenLine xmlns:a14="http://schemas.microsoft.com/office/drawing/2010/main" w="9525">
+                  <a:solidFill>
+                    <a:srgbClr val="000000"/>
+                  </a:solidFill>
+                  <a:round/>
+                  <a:headEnd/>
+                  <a:tailEnd/>
+                </a14:hiddenLine>
+              </a:ext>
+            </a:extLst>
+          </p:spPr>
+        </p:sp>
+        <p:sp>
+          <p:nvSpPr>
+            <p:cNvPr id="20" name="Freeform 14">
+              <a:extLst>
+                <a:ext uri="{FF2B5EF4-FFF2-40B4-BE49-F238E27FC236}">
+                  <a16:creationId xmlns:a16="http://schemas.microsoft.com/office/drawing/2014/main" xmlns="" id="{E17A4ED2-DDD7-4B4D-A39C-9B0121C88622}"/>
+                </a:ext>
+                <a:ext uri="{C183D7F6-B498-43B3-948B-1728B52AA6E4}">
+                  <adec:decorative xmlns:adec="http://schemas.microsoft.com/office/drawing/2017/decorative" xmlns="" val="1"/>
+                </a:ext>
+              </a:extLst>
+            </p:cNvPr>
+            <p:cNvSpPr/>
+            <p:nvPr>
+              <p:extLst>
+                <p:ext uri="{386F3935-93C4-4BCD-93E2-E3B085C9AB24}">
+                  <p16:designElem xmlns:p16="http://schemas.microsoft.com/office/powerpoint/2015/main" xmlns="" val="1"/>
+                </p:ext>
+              </p:extLst>
+            </p:nvPr>
+          </p:nvSpPr>
+          <p:spPr bwMode="auto">
+            <a:xfrm>
+              <a:off x="641350" y="0"/>
+              <a:ext cx="422275" cy="527050"/>
+            </a:xfrm>
+            <a:custGeom>
+              <a:avLst/>
+              <a:gdLst/>
+              <a:ahLst/>
+              <a:cxnLst/>
+              <a:rect l="0" t="0" r="r" b="b"/>
+              <a:pathLst>
+                <a:path w="266" h="332">
+                  <a:moveTo>
+                    <a:pt x="257" y="332"/>
+                  </a:moveTo>
+                  <a:lnTo>
+                    <a:pt x="48" y="123"/>
+                  </a:lnTo>
+                  <a:lnTo>
+                    <a:pt x="0" y="6"/>
+                  </a:lnTo>
+                  <a:lnTo>
+                    <a:pt x="15" y="0"/>
+                  </a:lnTo>
+                  <a:lnTo>
+                    <a:pt x="63" y="114"/>
+                  </a:lnTo>
+                  <a:lnTo>
+                    <a:pt x="266" y="320"/>
+                  </a:lnTo>
+                  <a:lnTo>
+                    <a:pt x="257" y="332"/>
+                  </a:lnTo>
+                  <a:close/>
+                </a:path>
+              </a:pathLst>
+            </a:custGeom>
+            <a:grpFill/>
+            <a:ln>
+              <a:noFill/>
+            </a:ln>
+            <a:extLst>
+              <a:ext uri="{91240B29-F687-4F45-9708-019B960494DF}">
+                <a14:hiddenLine xmlns:a14="http://schemas.microsoft.com/office/drawing/2010/main" w="9525">
+                  <a:solidFill>
+                    <a:srgbClr val="000000"/>
+                  </a:solidFill>
+                  <a:round/>
+                  <a:headEnd/>
+                  <a:tailEnd/>
+                </a14:hiddenLine>
+              </a:ext>
+            </a:extLst>
+          </p:spPr>
+        </p:sp>
+        <p:sp>
+          <p:nvSpPr>
+            <p:cNvPr id="21" name="Freeform 15">
+              <a:extLst>
+                <a:ext uri="{FF2B5EF4-FFF2-40B4-BE49-F238E27FC236}">
+                  <a16:creationId xmlns:a16="http://schemas.microsoft.com/office/drawing/2014/main" xmlns="" id="{A2C14A85-E7A9-4E1D-809F-20F5CFA788BE}"/>
+                </a:ext>
+                <a:ext uri="{C183D7F6-B498-43B3-948B-1728B52AA6E4}">
+                  <adec:decorative xmlns:adec="http://schemas.microsoft.com/office/drawing/2017/decorative" xmlns="" val="1"/>
+                </a:ext>
+              </a:extLst>
+            </p:cNvPr>
+            <p:cNvSpPr>
+              <a:spLocks noEditPoints="1"/>
+            </p:cNvSpPr>
+            <p:nvPr>
+              <p:extLst>
+                <p:ext uri="{386F3935-93C4-4BCD-93E2-E3B085C9AB24}">
+                  <p16:designElem xmlns:p16="http://schemas.microsoft.com/office/powerpoint/2015/main" xmlns="" val="1"/>
+                </p:ext>
+              </p:extLst>
+            </p:nvPr>
+          </p:nvSpPr>
+          <p:spPr bwMode="auto">
+            <a:xfrm>
+              <a:off x="1020762" y="488950"/>
+              <a:ext cx="161925" cy="147638"/>
+            </a:xfrm>
+            <a:custGeom>
+              <a:avLst/>
+              <a:gdLst/>
+              <a:ahLst/>
+              <a:cxnLst/>
+              <a:rect l="0" t="0" r="r" b="b"/>
+              <a:pathLst>
+                <a:path w="34" h="31">
+                  <a:moveTo>
+                    <a:pt x="17" y="31"/>
+                  </a:moveTo>
+                  <a:cubicBezTo>
+                    <a:pt x="13" y="31"/>
+                    <a:pt x="9" y="30"/>
+                    <a:pt x="6" y="27"/>
+                  </a:cubicBezTo>
+                  <a:cubicBezTo>
+                    <a:pt x="0" y="20"/>
+                    <a:pt x="0" y="10"/>
+                    <a:pt x="6" y="4"/>
+                  </a:cubicBezTo>
+                  <a:cubicBezTo>
+                    <a:pt x="9" y="1"/>
+                    <a:pt x="13" y="0"/>
+                    <a:pt x="17" y="0"/>
+                  </a:cubicBezTo>
+                  <a:cubicBezTo>
+                    <a:pt x="21" y="0"/>
+                    <a:pt x="25" y="1"/>
+                    <a:pt x="28" y="4"/>
+                  </a:cubicBezTo>
+                  <a:cubicBezTo>
+                    <a:pt x="34" y="10"/>
+                    <a:pt x="34" y="20"/>
+                    <a:pt x="28" y="27"/>
+                  </a:cubicBezTo>
+                  <a:cubicBezTo>
+                    <a:pt x="25" y="30"/>
+                    <a:pt x="21" y="31"/>
+                    <a:pt x="17" y="31"/>
+                  </a:cubicBezTo>
+                  <a:close/>
+                  <a:moveTo>
+                    <a:pt x="17" y="4"/>
+                  </a:moveTo>
+                  <a:cubicBezTo>
+                    <a:pt x="14" y="4"/>
+                    <a:pt x="11" y="5"/>
+                    <a:pt x="9" y="7"/>
+                  </a:cubicBezTo>
+                  <a:cubicBezTo>
+                    <a:pt x="4" y="12"/>
+                    <a:pt x="4" y="19"/>
+                    <a:pt x="9" y="24"/>
+                  </a:cubicBezTo>
+                  <a:cubicBezTo>
+                    <a:pt x="11" y="26"/>
+                    <a:pt x="14" y="27"/>
+                    <a:pt x="17" y="27"/>
+                  </a:cubicBezTo>
+                  <a:cubicBezTo>
+                    <a:pt x="20" y="27"/>
+                    <a:pt x="23" y="26"/>
+                    <a:pt x="25" y="24"/>
+                  </a:cubicBezTo>
+                  <a:cubicBezTo>
+                    <a:pt x="30" y="19"/>
+                    <a:pt x="30" y="12"/>
+                    <a:pt x="25" y="7"/>
+                  </a:cubicBezTo>
+                  <a:cubicBezTo>
+                    <a:pt x="23" y="5"/>
+                    <a:pt x="20" y="4"/>
+                    <a:pt x="17" y="4"/>
+                  </a:cubicBezTo>
+                  <a:close/>
+                </a:path>
+              </a:pathLst>
+            </a:custGeom>
+            <a:grpFill/>
+            <a:ln>
+              <a:noFill/>
+            </a:ln>
+            <a:extLst>
+              <a:ext uri="{91240B29-F687-4F45-9708-019B960494DF}">
+                <a14:hiddenLine xmlns:a14="http://schemas.microsoft.com/office/drawing/2010/main" w="9525">
+                  <a:solidFill>
+                    <a:srgbClr val="000000"/>
+                  </a:solidFill>
+                  <a:round/>
+                  <a:headEnd/>
+                  <a:tailEnd/>
+                </a14:hiddenLine>
+              </a:ext>
+            </a:extLst>
+          </p:spPr>
+        </p:sp>
+        <p:sp>
+          <p:nvSpPr>
+            <p:cNvPr id="22" name="Line 16">
+              <a:extLst>
+                <a:ext uri="{FF2B5EF4-FFF2-40B4-BE49-F238E27FC236}">
+                  <a16:creationId xmlns:a16="http://schemas.microsoft.com/office/drawing/2014/main" xmlns="" id="{F3D51E32-9399-4B7F-8D91-BF9A068B834B}"/>
+                </a:ext>
+                <a:ext uri="{C183D7F6-B498-43B3-948B-1728B52AA6E4}">
+                  <adec:decorative xmlns:adec="http://schemas.microsoft.com/office/drawing/2017/decorative" xmlns="" val="1"/>
+                </a:ext>
+              </a:extLst>
+            </p:cNvPr>
+            <p:cNvSpPr>
+              <a:spLocks noChangeShapeType="1"/>
+            </p:cNvSpPr>
+            <p:nvPr>
+              <p:extLst>
+                <p:ext uri="{386F3935-93C4-4BCD-93E2-E3B085C9AB24}">
+                  <p16:designElem xmlns:p16="http://schemas.microsoft.com/office/powerpoint/2015/main" xmlns="" val="1"/>
+                </p:ext>
+              </p:extLst>
+            </p:nvPr>
+          </p:nvSpPr>
+          <p:spPr bwMode="auto">
+            <a:xfrm>
+              <a:off x="-4763" y="9525"/>
+              <a:ext cx="0" cy="0"/>
+            </a:xfrm>
+            <a:prstGeom prst="line">
+              <a:avLst/>
+            </a:prstGeom>
+            <a:grpFill/>
+            <a:ln w="15" cap="flat">
+              <a:solidFill>
+                <a:srgbClr val="FFFFFF"/>
+              </a:solidFill>
+              <a:prstDash val="solid"/>
+              <a:miter lim="800000"/>
+              <a:headEnd/>
+              <a:tailEnd/>
+            </a:ln>
+          </p:spPr>
+        </p:sp>
+        <p:sp>
+          <p:nvSpPr>
+            <p:cNvPr id="23" name="Freeform 17">
+              <a:extLst>
+                <a:ext uri="{FF2B5EF4-FFF2-40B4-BE49-F238E27FC236}">
+                  <a16:creationId xmlns:a16="http://schemas.microsoft.com/office/drawing/2014/main" xmlns="" id="{9969F9D2-502D-4C1D-ABA5-02B1BF2A0013}"/>
+                </a:ext>
+                <a:ext uri="{C183D7F6-B498-43B3-948B-1728B52AA6E4}">
+                  <adec:decorative xmlns:adec="http://schemas.microsoft.com/office/drawing/2017/decorative" xmlns="" val="1"/>
+                </a:ext>
+              </a:extLst>
+            </p:cNvPr>
+            <p:cNvSpPr/>
+            <p:nvPr>
+              <p:extLst>
+                <p:ext uri="{386F3935-93C4-4BCD-93E2-E3B085C9AB24}">
+                  <p16:designElem xmlns:p16="http://schemas.microsoft.com/office/powerpoint/2015/main" xmlns="" val="1"/>
+                </p:ext>
+              </p:extLst>
+            </p:nvPr>
+          </p:nvSpPr>
+          <p:spPr bwMode="auto">
+            <a:xfrm>
+              <a:off x="9525" y="1801813"/>
+              <a:ext cx="123825" cy="127000"/>
+            </a:xfrm>
+            <a:custGeom>
+              <a:avLst/>
+              <a:gdLst/>
+              <a:ahLst/>
+              <a:cxnLst/>
+              <a:rect l="0" t="0" r="r" b="b"/>
+              <a:pathLst>
+                <a:path w="78" h="80">
+                  <a:moveTo>
+                    <a:pt x="6" y="80"/>
+                  </a:moveTo>
+                  <a:lnTo>
+                    <a:pt x="0" y="71"/>
+                  </a:lnTo>
+                  <a:lnTo>
+                    <a:pt x="69" y="0"/>
+                  </a:lnTo>
+                  <a:lnTo>
+                    <a:pt x="78" y="9"/>
+                  </a:lnTo>
+                  <a:lnTo>
+                    <a:pt x="6" y="80"/>
+                  </a:lnTo>
+                  <a:close/>
+                </a:path>
+              </a:pathLst>
+            </a:custGeom>
+            <a:grpFill/>
+            <a:ln>
+              <a:noFill/>
+            </a:ln>
+            <a:extLst>
+              <a:ext uri="{91240B29-F687-4F45-9708-019B960494DF}">
+                <a14:hiddenLine xmlns:a14="http://schemas.microsoft.com/office/drawing/2010/main" w="9525">
+                  <a:solidFill>
+                    <a:srgbClr val="000000"/>
+                  </a:solidFill>
+                  <a:round/>
+                  <a:headEnd/>
+                  <a:tailEnd/>
+                </a14:hiddenLine>
+              </a:ext>
+            </a:extLst>
+          </p:spPr>
+        </p:sp>
+        <p:sp>
+          <p:nvSpPr>
+            <p:cNvPr id="24" name="Freeform 18">
+              <a:extLst>
+                <a:ext uri="{FF2B5EF4-FFF2-40B4-BE49-F238E27FC236}">
+                  <a16:creationId xmlns:a16="http://schemas.microsoft.com/office/drawing/2014/main" xmlns="" id="{4AE555C6-5623-478A-BF35-63E9929A3A23}"/>
+                </a:ext>
+                <a:ext uri="{C183D7F6-B498-43B3-948B-1728B52AA6E4}">
+                  <adec:decorative xmlns:adec="http://schemas.microsoft.com/office/drawing/2017/decorative" xmlns="" val="1"/>
+                </a:ext>
+              </a:extLst>
+            </p:cNvPr>
+            <p:cNvSpPr/>
+            <p:nvPr>
+              <p:extLst>
+                <p:ext uri="{386F3935-93C4-4BCD-93E2-E3B085C9AB24}">
+                  <p16:designElem xmlns:p16="http://schemas.microsoft.com/office/powerpoint/2015/main" xmlns="" val="1"/>
+                </p:ext>
+              </p:extLst>
+            </p:nvPr>
+          </p:nvSpPr>
+          <p:spPr bwMode="auto">
+            <a:xfrm>
+              <a:off x="-9525" y="3549650"/>
+              <a:ext cx="147638" cy="481013"/>
+            </a:xfrm>
+            <a:custGeom>
+              <a:avLst/>
+              <a:gdLst/>
+              <a:ahLst/>
+              <a:cxnLst/>
+              <a:rect l="0" t="0" r="r" b="b"/>
+              <a:pathLst>
+                <a:path w="93" h="303">
+                  <a:moveTo>
+                    <a:pt x="93" y="303"/>
+                  </a:moveTo>
+                  <a:lnTo>
+                    <a:pt x="78" y="303"/>
+                  </a:lnTo>
+                  <a:lnTo>
+                    <a:pt x="78" y="78"/>
+                  </a:lnTo>
+                  <a:lnTo>
+                    <a:pt x="0" y="12"/>
+                  </a:lnTo>
+                  <a:lnTo>
+                    <a:pt x="12" y="0"/>
+                  </a:lnTo>
+                  <a:lnTo>
+                    <a:pt x="93" y="69"/>
+                  </a:lnTo>
+                  <a:lnTo>
+                    <a:pt x="93" y="303"/>
+                  </a:lnTo>
+                  <a:close/>
+                </a:path>
+              </a:pathLst>
+            </a:custGeom>
+            <a:grpFill/>
+            <a:ln>
+              <a:noFill/>
+            </a:ln>
+            <a:extLst>
+              <a:ext uri="{91240B29-F687-4F45-9708-019B960494DF}">
+                <a14:hiddenLine xmlns:a14="http://schemas.microsoft.com/office/drawing/2010/main" w="9525">
+                  <a:solidFill>
+                    <a:srgbClr val="000000"/>
+                  </a:solidFill>
+                  <a:round/>
+                  <a:headEnd/>
+                  <a:tailEnd/>
+                </a14:hiddenLine>
+              </a:ext>
+            </a:extLst>
+          </p:spPr>
+        </p:sp>
+        <p:sp>
+          <p:nvSpPr>
+            <p:cNvPr id="25" name="Freeform 19">
+              <a:extLst>
+                <a:ext uri="{FF2B5EF4-FFF2-40B4-BE49-F238E27FC236}">
+                  <a16:creationId xmlns:a16="http://schemas.microsoft.com/office/drawing/2014/main" xmlns="" id="{A3D3AED4-A69E-4301-9BB4-436DC5F0C95D}"/>
+                </a:ext>
+                <a:ext uri="{C183D7F6-B498-43B3-948B-1728B52AA6E4}">
+                  <adec:decorative xmlns:adec="http://schemas.microsoft.com/office/drawing/2017/decorative" xmlns="" val="1"/>
+                </a:ext>
+              </a:extLst>
+            </p:cNvPr>
+            <p:cNvSpPr/>
+            <p:nvPr>
+              <p:extLst>
+                <p:ext uri="{386F3935-93C4-4BCD-93E2-E3B085C9AB24}">
+                  <p16:designElem xmlns:p16="http://schemas.microsoft.com/office/powerpoint/2015/main" xmlns="" val="1"/>
+                </p:ext>
+              </p:extLst>
+            </p:nvPr>
+          </p:nvSpPr>
+          <p:spPr bwMode="auto">
+            <a:xfrm>
+              <a:off x="128587" y="1382713"/>
+              <a:ext cx="142875" cy="476250"/>
+            </a:xfrm>
+            <a:custGeom>
+              <a:avLst/>
+              <a:gdLst/>
+              <a:ahLst/>
+              <a:cxnLst/>
+              <a:rect l="0" t="0" r="r" b="b"/>
+              <a:pathLst>
+                <a:path w="90" h="300">
+                  <a:moveTo>
+                    <a:pt x="90" y="300"/>
+                  </a:moveTo>
+                  <a:lnTo>
+                    <a:pt x="78" y="300"/>
+                  </a:lnTo>
+                  <a:lnTo>
+                    <a:pt x="78" y="84"/>
+                  </a:lnTo>
+                  <a:lnTo>
+                    <a:pt x="0" y="9"/>
+                  </a:lnTo>
+                  <a:lnTo>
+                    <a:pt x="9" y="0"/>
+                  </a:lnTo>
+                  <a:lnTo>
+                    <a:pt x="90" y="81"/>
+                  </a:lnTo>
+                  <a:lnTo>
+                    <a:pt x="90" y="300"/>
+                  </a:lnTo>
+                  <a:close/>
+                </a:path>
+              </a:pathLst>
+            </a:custGeom>
+            <a:grpFill/>
+            <a:ln>
+              <a:noFill/>
+            </a:ln>
+            <a:extLst>
+              <a:ext uri="{91240B29-F687-4F45-9708-019B960494DF}">
+                <a14:hiddenLine xmlns:a14="http://schemas.microsoft.com/office/drawing/2010/main" w="9525">
+                  <a:solidFill>
+                    <a:srgbClr val="000000"/>
+                  </a:solidFill>
+                  <a:round/>
+                  <a:headEnd/>
+                  <a:tailEnd/>
+                </a14:hiddenLine>
+              </a:ext>
+            </a:extLst>
+          </p:spPr>
+        </p:sp>
+        <p:sp>
+          <p:nvSpPr>
+            <p:cNvPr id="26" name="Freeform 20">
+              <a:extLst>
+                <a:ext uri="{FF2B5EF4-FFF2-40B4-BE49-F238E27FC236}">
+                  <a16:creationId xmlns:a16="http://schemas.microsoft.com/office/drawing/2014/main" xmlns="" id="{C3B8082C-2D81-48D7-8B45-85B7C892963C}"/>
+                </a:ext>
+                <a:ext uri="{C183D7F6-B498-43B3-948B-1728B52AA6E4}">
+                  <adec:decorative xmlns:adec="http://schemas.microsoft.com/office/drawing/2017/decorative" xmlns="" val="1"/>
+                </a:ext>
+              </a:extLst>
+            </p:cNvPr>
+            <p:cNvSpPr>
+              <a:spLocks noEditPoints="1"/>
+            </p:cNvSpPr>
+            <p:nvPr>
+              <p:extLst>
+                <p:ext uri="{386F3935-93C4-4BCD-93E2-E3B085C9AB24}">
+                  <p16:designElem xmlns:p16="http://schemas.microsoft.com/office/powerpoint/2015/main" xmlns="" val="1"/>
+                </p:ext>
+              </p:extLst>
+            </p:nvPr>
+          </p:nvSpPr>
+          <p:spPr bwMode="auto">
+            <a:xfrm>
+              <a:off x="204787" y="1849438"/>
+              <a:ext cx="114300" cy="107950"/>
+            </a:xfrm>
+            <a:custGeom>
+              <a:avLst/>
+              <a:gdLst/>
+              <a:ahLst/>
+              <a:cxnLst/>
+              <a:rect l="0" t="0" r="r" b="b"/>
+              <a:pathLst>
+                <a:path w="24" h="23">
+                  <a:moveTo>
+                    <a:pt x="12" y="23"/>
+                  </a:moveTo>
+                  <a:cubicBezTo>
+                    <a:pt x="6" y="23"/>
+                    <a:pt x="0" y="18"/>
+                    <a:pt x="0" y="12"/>
+                  </a:cubicBezTo>
+                  <a:cubicBezTo>
+                    <a:pt x="0" y="5"/>
+                    <a:pt x="6" y="0"/>
+                    <a:pt x="12" y="0"/>
+                  </a:cubicBezTo>
+                  <a:cubicBezTo>
+                    <a:pt x="18" y="0"/>
+                    <a:pt x="24" y="5"/>
+                    <a:pt x="24" y="12"/>
+                  </a:cubicBezTo>
+                  <a:cubicBezTo>
+                    <a:pt x="24" y="18"/>
+                    <a:pt x="18" y="23"/>
+                    <a:pt x="12" y="23"/>
+                  </a:cubicBezTo>
+                  <a:close/>
+                  <a:moveTo>
+                    <a:pt x="12" y="4"/>
+                  </a:moveTo>
+                  <a:cubicBezTo>
+                    <a:pt x="8" y="4"/>
+                    <a:pt x="4" y="8"/>
+                    <a:pt x="4" y="12"/>
+                  </a:cubicBezTo>
+                  <a:cubicBezTo>
+                    <a:pt x="4" y="16"/>
+                    <a:pt x="8" y="19"/>
+                    <a:pt x="12" y="19"/>
+                  </a:cubicBezTo>
+                  <a:cubicBezTo>
+                    <a:pt x="16" y="19"/>
+                    <a:pt x="20" y="16"/>
+                    <a:pt x="20" y="12"/>
+                  </a:cubicBezTo>
+                  <a:cubicBezTo>
+                    <a:pt x="20" y="8"/>
+                    <a:pt x="16" y="4"/>
+                    <a:pt x="12" y="4"/>
+                  </a:cubicBezTo>
+                  <a:close/>
+                </a:path>
+              </a:pathLst>
+            </a:custGeom>
+            <a:grpFill/>
+            <a:ln>
+              <a:noFill/>
+            </a:ln>
+            <a:extLst>
+              <a:ext uri="{91240B29-F687-4F45-9708-019B960494DF}">
+                <a14:hiddenLine xmlns:a14="http://schemas.microsoft.com/office/drawing/2010/main" w="9525">
+                  <a:solidFill>
+                    <a:srgbClr val="000000"/>
+                  </a:solidFill>
+                  <a:round/>
+                  <a:headEnd/>
+                  <a:tailEnd/>
+                </a14:hiddenLine>
+              </a:ext>
+            </a:extLst>
+          </p:spPr>
+        </p:sp>
+        <p:sp>
+          <p:nvSpPr>
+            <p:cNvPr id="27" name="Rectangle 21">
+              <a:extLst>
+                <a:ext uri="{FF2B5EF4-FFF2-40B4-BE49-F238E27FC236}">
+                  <a16:creationId xmlns:a16="http://schemas.microsoft.com/office/drawing/2014/main" xmlns="" id="{9AD35461-BA86-408B-8A29-244EB2F2FB55}"/>
+                </a:ext>
+                <a:ext uri="{C183D7F6-B498-43B3-948B-1728B52AA6E4}">
+                  <adec:decorative xmlns:adec="http://schemas.microsoft.com/office/drawing/2017/decorative" xmlns="" val="1"/>
+                </a:ext>
+              </a:extLst>
+            </p:cNvPr>
+            <p:cNvSpPr>
+              <a:spLocks noChangeArrowheads="1"/>
+            </p:cNvSpPr>
+            <p:nvPr>
+              <p:extLst>
+                <p:ext uri="{386F3935-93C4-4BCD-93E2-E3B085C9AB24}">
+                  <p16:designElem xmlns:p16="http://schemas.microsoft.com/office/powerpoint/2015/main" xmlns="" val="1"/>
+                </p:ext>
+              </p:extLst>
+            </p:nvPr>
+          </p:nvSpPr>
+          <p:spPr bwMode="auto">
+            <a:xfrm>
+              <a:off x="133350" y="4662488"/>
+              <a:ext cx="23813" cy="2181225"/>
+            </a:xfrm>
+            <a:prstGeom prst="rect">
+              <a:avLst/>
+            </a:prstGeom>
+            <a:grpFill/>
+            <a:ln>
+              <a:noFill/>
+            </a:ln>
+            <a:extLst>
+              <a:ext uri="{91240B29-F687-4F45-9708-019B960494DF}">
+                <a14:hiddenLine xmlns:a14="http://schemas.microsoft.com/office/drawing/2010/main" w="9525">
+                  <a:solidFill>
+                    <a:srgbClr val="000000"/>
+                  </a:solidFill>
+                  <a:miter lim="800000"/>
+                  <a:headEnd/>
+                  <a:tailEnd/>
+                </a14:hiddenLine>
+              </a:ext>
+            </a:extLst>
+          </p:spPr>
+        </p:sp>
+        <p:sp>
+          <p:nvSpPr>
+            <p:cNvPr id="28" name="Freeform 22">
+              <a:extLst>
+                <a:ext uri="{FF2B5EF4-FFF2-40B4-BE49-F238E27FC236}">
+                  <a16:creationId xmlns:a16="http://schemas.microsoft.com/office/drawing/2014/main" xmlns="" id="{F238E495-B6C6-4857-899B-CDD584831201}"/>
+                </a:ext>
+                <a:ext uri="{C183D7F6-B498-43B3-948B-1728B52AA6E4}">
+                  <adec:decorative xmlns:adec="http://schemas.microsoft.com/office/drawing/2017/decorative" xmlns="" val="1"/>
+                </a:ext>
+              </a:extLst>
+            </p:cNvPr>
+            <p:cNvSpPr/>
+            <p:nvPr>
+              <p:extLst>
+                <p:ext uri="{386F3935-93C4-4BCD-93E2-E3B085C9AB24}">
+                  <p16:designElem xmlns:p16="http://schemas.microsoft.com/office/powerpoint/2015/main" xmlns="" val="1"/>
+                </p:ext>
+              </p:extLst>
+            </p:nvPr>
+          </p:nvSpPr>
+          <p:spPr bwMode="auto">
+            <a:xfrm>
+              <a:off x="223837" y="5041900"/>
+              <a:ext cx="369888" cy="1801813"/>
+            </a:xfrm>
+            <a:custGeom>
+              <a:avLst/>
+              <a:gdLst/>
+              <a:ahLst/>
+              <a:cxnLst/>
+              <a:rect l="0" t="0" r="r" b="b"/>
+              <a:pathLst>
+                <a:path w="233" h="1135">
+                  <a:moveTo>
+                    <a:pt x="15" y="1135"/>
+                  </a:moveTo>
+                  <a:lnTo>
+                    <a:pt x="0" y="1135"/>
+                  </a:lnTo>
+                  <a:lnTo>
+                    <a:pt x="0" y="515"/>
+                  </a:lnTo>
+                  <a:lnTo>
+                    <a:pt x="0" y="512"/>
+                  </a:lnTo>
+                  <a:lnTo>
+                    <a:pt x="218" y="0"/>
+                  </a:lnTo>
+                  <a:lnTo>
+                    <a:pt x="233" y="6"/>
+                  </a:lnTo>
+                  <a:lnTo>
+                    <a:pt x="15" y="518"/>
+                  </a:lnTo>
+                  <a:lnTo>
+                    <a:pt x="15" y="1135"/>
+                  </a:lnTo>
+                  <a:close/>
+                </a:path>
+              </a:pathLst>
+            </a:custGeom>
+            <a:grpFill/>
+            <a:ln>
+              <a:noFill/>
+            </a:ln>
+            <a:extLst>
+              <a:ext uri="{91240B29-F687-4F45-9708-019B960494DF}">
+                <a14:hiddenLine xmlns:a14="http://schemas.microsoft.com/office/drawing/2010/main" w="9525">
+                  <a:solidFill>
+                    <a:srgbClr val="000000"/>
+                  </a:solidFill>
+                  <a:round/>
+                  <a:headEnd/>
+                  <a:tailEnd/>
+                </a14:hiddenLine>
+              </a:ext>
+            </a:extLst>
+          </p:spPr>
+        </p:sp>
+        <p:sp>
+          <p:nvSpPr>
+            <p:cNvPr id="29" name="Freeform 23">
+              <a:extLst>
+                <a:ext uri="{FF2B5EF4-FFF2-40B4-BE49-F238E27FC236}">
+                  <a16:creationId xmlns:a16="http://schemas.microsoft.com/office/drawing/2014/main" xmlns="" id="{E20A751E-054C-4EC2-8DA3-0EC923A65888}"/>
+                </a:ext>
+                <a:ext uri="{C183D7F6-B498-43B3-948B-1728B52AA6E4}">
+                  <adec:decorative xmlns:adec="http://schemas.microsoft.com/office/drawing/2017/decorative" xmlns="" val="1"/>
+                </a:ext>
+              </a:extLst>
+            </p:cNvPr>
+            <p:cNvSpPr>
+              <a:spLocks noEditPoints="1"/>
+            </p:cNvSpPr>
+            <p:nvPr>
+              <p:extLst>
+                <p:ext uri="{386F3935-93C4-4BCD-93E2-E3B085C9AB24}">
+                  <p16:designElem xmlns:p16="http://schemas.microsoft.com/office/powerpoint/2015/main" xmlns="" val="1"/>
+                </p:ext>
+              </p:extLst>
+            </p:nvPr>
+          </p:nvSpPr>
+          <p:spPr bwMode="auto">
+            <a:xfrm>
+              <a:off x="52387" y="4481513"/>
+              <a:ext cx="190500" cy="190500"/>
+            </a:xfrm>
+            <a:custGeom>
+              <a:avLst/>
+              <a:gdLst/>
+              <a:ahLst/>
+              <a:cxnLst/>
+              <a:rect l="0" t="0" r="r" b="b"/>
+              <a:pathLst>
+                <a:path w="40" h="40">
+                  <a:moveTo>
+                    <a:pt x="20" y="40"/>
+                  </a:moveTo>
+                  <a:cubicBezTo>
+                    <a:pt x="9" y="40"/>
+                    <a:pt x="0" y="31"/>
+                    <a:pt x="0" y="20"/>
+                  </a:cubicBezTo>
+                  <a:cubicBezTo>
+                    <a:pt x="0" y="9"/>
+                    <a:pt x="9" y="0"/>
+                    <a:pt x="20" y="0"/>
+                  </a:cubicBezTo>
+                  <a:cubicBezTo>
+                    <a:pt x="31" y="0"/>
+                    <a:pt x="40" y="9"/>
+                    <a:pt x="40" y="20"/>
+                  </a:cubicBezTo>
+                  <a:cubicBezTo>
+                    <a:pt x="40" y="31"/>
+                    <a:pt x="31" y="40"/>
+                    <a:pt x="20" y="40"/>
+                  </a:cubicBezTo>
+                  <a:close/>
+                  <a:moveTo>
+                    <a:pt x="20" y="4"/>
+                  </a:moveTo>
+                  <a:cubicBezTo>
+                    <a:pt x="11" y="4"/>
+                    <a:pt x="4" y="11"/>
+                    <a:pt x="4" y="20"/>
+                  </a:cubicBezTo>
+                  <a:cubicBezTo>
+                    <a:pt x="4" y="29"/>
+                    <a:pt x="11" y="36"/>
+                    <a:pt x="20" y="36"/>
+                  </a:cubicBezTo>
+                  <a:cubicBezTo>
+                    <a:pt x="28" y="36"/>
+                    <a:pt x="36" y="29"/>
+                    <a:pt x="36" y="20"/>
+                  </a:cubicBezTo>
+                  <a:cubicBezTo>
+                    <a:pt x="36" y="11"/>
+                    <a:pt x="28" y="4"/>
+                    <a:pt x="20" y="4"/>
+                  </a:cubicBezTo>
+                  <a:close/>
+                </a:path>
+              </a:pathLst>
+            </a:custGeom>
+            <a:grpFill/>
+            <a:ln>
+              <a:noFill/>
+            </a:ln>
+            <a:extLst>
+              <a:ext uri="{91240B29-F687-4F45-9708-019B960494DF}">
+                <a14:hiddenLine xmlns:a14="http://schemas.microsoft.com/office/drawing/2010/main" w="9525">
+                  <a:solidFill>
+                    <a:srgbClr val="000000"/>
+                  </a:solidFill>
+                  <a:round/>
+                  <a:headEnd/>
+                  <a:tailEnd/>
+                </a14:hiddenLine>
+              </a:ext>
+            </a:extLst>
+          </p:spPr>
+        </p:sp>
+        <p:sp>
+          <p:nvSpPr>
+            <p:cNvPr id="30" name="Freeform 24">
+              <a:extLst>
+                <a:ext uri="{FF2B5EF4-FFF2-40B4-BE49-F238E27FC236}">
+                  <a16:creationId xmlns:a16="http://schemas.microsoft.com/office/drawing/2014/main" xmlns="" id="{B6E8E701-3D21-4E5C-AB6E-9A7404697066}"/>
+                </a:ext>
+                <a:ext uri="{C183D7F6-B498-43B3-948B-1728B52AA6E4}">
+                  <adec:decorative xmlns:adec="http://schemas.microsoft.com/office/drawing/2017/decorative" xmlns="" val="1"/>
+                </a:ext>
+              </a:extLst>
+            </p:cNvPr>
+            <p:cNvSpPr/>
+            <p:nvPr>
+              <p:extLst>
+                <p:ext uri="{386F3935-93C4-4BCD-93E2-E3B085C9AB24}">
+                  <p16:designElem xmlns:p16="http://schemas.microsoft.com/office/powerpoint/2015/main" xmlns="" val="1"/>
+                </p:ext>
+              </p:extLst>
+            </p:nvPr>
+          </p:nvSpPr>
+          <p:spPr bwMode="auto">
+            <a:xfrm>
+              <a:off x="-14288" y="5627688"/>
+              <a:ext cx="85725" cy="1216025"/>
+            </a:xfrm>
+            <a:custGeom>
+              <a:avLst/>
+              <a:gdLst/>
+              <a:ahLst/>
+              <a:cxnLst/>
+              <a:rect l="0" t="0" r="r" b="b"/>
+              <a:pathLst>
+                <a:path w="54" h="766">
+                  <a:moveTo>
+                    <a:pt x="54" y="766"/>
+                  </a:moveTo>
+                  <a:lnTo>
+                    <a:pt x="36" y="766"/>
+                  </a:lnTo>
+                  <a:lnTo>
+                    <a:pt x="36" y="149"/>
+                  </a:lnTo>
+                  <a:lnTo>
+                    <a:pt x="0" y="3"/>
+                  </a:lnTo>
+                  <a:lnTo>
+                    <a:pt x="18" y="0"/>
+                  </a:lnTo>
+                  <a:lnTo>
+                    <a:pt x="54" y="146"/>
+                  </a:lnTo>
+                  <a:lnTo>
+                    <a:pt x="54" y="766"/>
+                  </a:lnTo>
+                  <a:close/>
+                </a:path>
+              </a:pathLst>
+            </a:custGeom>
+            <a:grpFill/>
+            <a:ln>
+              <a:noFill/>
+            </a:ln>
+            <a:extLst>
+              <a:ext uri="{91240B29-F687-4F45-9708-019B960494DF}">
+                <a14:hiddenLine xmlns:a14="http://schemas.microsoft.com/office/drawing/2010/main" w="9525">
+                  <a:solidFill>
+                    <a:srgbClr val="000000"/>
+                  </a:solidFill>
+                  <a:round/>
+                  <a:headEnd/>
+                  <a:tailEnd/>
+                </a14:hiddenLine>
+              </a:ext>
+            </a:extLst>
+          </p:spPr>
+        </p:sp>
+        <p:sp>
+          <p:nvSpPr>
+            <p:cNvPr id="31" name="Freeform 25">
+              <a:extLst>
+                <a:ext uri="{FF2B5EF4-FFF2-40B4-BE49-F238E27FC236}">
+                  <a16:creationId xmlns:a16="http://schemas.microsoft.com/office/drawing/2014/main" xmlns="" id="{431BDA41-D09D-4984-B888-756F5F81B49E}"/>
+                </a:ext>
+                <a:ext uri="{C183D7F6-B498-43B3-948B-1728B52AA6E4}">
+                  <adec:decorative xmlns:adec="http://schemas.microsoft.com/office/drawing/2017/decorative" xmlns="" val="1"/>
+                </a:ext>
+              </a:extLst>
+            </p:cNvPr>
+            <p:cNvSpPr>
+              <a:spLocks noEditPoints="1"/>
+            </p:cNvSpPr>
+            <p:nvPr>
+              <p:extLst>
+                <p:ext uri="{386F3935-93C4-4BCD-93E2-E3B085C9AB24}">
+                  <p16:designElem xmlns:p16="http://schemas.microsoft.com/office/powerpoint/2015/main" xmlns="" val="1"/>
+                </p:ext>
+              </p:extLst>
+            </p:nvPr>
+          </p:nvSpPr>
+          <p:spPr bwMode="auto">
+            <a:xfrm>
+              <a:off x="527050" y="4867275"/>
+              <a:ext cx="190500" cy="188913"/>
+            </a:xfrm>
+            <a:custGeom>
+              <a:avLst/>
+              <a:gdLst/>
+              <a:ahLst/>
+              <a:cxnLst/>
+              <a:rect l="0" t="0" r="r" b="b"/>
+              <a:pathLst>
+                <a:path w="40" h="40">
+                  <a:moveTo>
+                    <a:pt x="20" y="40"/>
+                  </a:moveTo>
+                  <a:cubicBezTo>
+                    <a:pt x="9" y="40"/>
+                    <a:pt x="0" y="31"/>
+                    <a:pt x="0" y="20"/>
+                  </a:cubicBezTo>
+                  <a:cubicBezTo>
+                    <a:pt x="0" y="9"/>
+                    <a:pt x="9" y="0"/>
+                    <a:pt x="20" y="0"/>
+                  </a:cubicBezTo>
+                  <a:cubicBezTo>
+                    <a:pt x="31" y="0"/>
+                    <a:pt x="40" y="9"/>
+                    <a:pt x="40" y="20"/>
+                  </a:cubicBezTo>
+                  <a:cubicBezTo>
+                    <a:pt x="40" y="31"/>
+                    <a:pt x="31" y="40"/>
+                    <a:pt x="20" y="40"/>
+                  </a:cubicBezTo>
+                  <a:close/>
+                  <a:moveTo>
+                    <a:pt x="20" y="4"/>
+                  </a:moveTo>
+                  <a:cubicBezTo>
+                    <a:pt x="11" y="4"/>
+                    <a:pt x="4" y="11"/>
+                    <a:pt x="4" y="20"/>
+                  </a:cubicBezTo>
+                  <a:cubicBezTo>
+                    <a:pt x="4" y="29"/>
+                    <a:pt x="11" y="36"/>
+                    <a:pt x="20" y="36"/>
+                  </a:cubicBezTo>
+                  <a:cubicBezTo>
+                    <a:pt x="29" y="36"/>
+                    <a:pt x="36" y="29"/>
+                    <a:pt x="36" y="20"/>
+                  </a:cubicBezTo>
+                  <a:cubicBezTo>
+                    <a:pt x="36" y="11"/>
+                    <a:pt x="29" y="4"/>
+                    <a:pt x="20" y="4"/>
+                  </a:cubicBezTo>
+                  <a:close/>
+                </a:path>
+              </a:pathLst>
+            </a:custGeom>
+            <a:grpFill/>
+            <a:ln>
+              <a:noFill/>
+            </a:ln>
+            <a:extLst>
+              <a:ext uri="{91240B29-F687-4F45-9708-019B960494DF}">
+                <a14:hiddenLine xmlns:a14="http://schemas.microsoft.com/office/drawing/2010/main" w="9525">
+                  <a:solidFill>
+                    <a:srgbClr val="000000"/>
+                  </a:solidFill>
+                  <a:round/>
+                  <a:headEnd/>
+                  <a:tailEnd/>
+                </a14:hiddenLine>
+              </a:ext>
+            </a:extLst>
+          </p:spPr>
+        </p:sp>
+        <p:sp>
+          <p:nvSpPr>
+            <p:cNvPr id="32" name="Freeform 26">
+              <a:extLst>
+                <a:ext uri="{FF2B5EF4-FFF2-40B4-BE49-F238E27FC236}">
+                  <a16:creationId xmlns:a16="http://schemas.microsoft.com/office/drawing/2014/main" xmlns="" id="{0DC943D2-20E4-4C00-82D2-D405A7C00BBE}"/>
+                </a:ext>
+                <a:ext uri="{C183D7F6-B498-43B3-948B-1728B52AA6E4}">
+                  <adec:decorative xmlns:adec="http://schemas.microsoft.com/office/drawing/2017/decorative" xmlns="" val="1"/>
+                </a:ext>
+              </a:extLst>
+            </p:cNvPr>
+            <p:cNvSpPr/>
+            <p:nvPr>
+              <p:extLst>
+                <p:ext uri="{386F3935-93C4-4BCD-93E2-E3B085C9AB24}">
+                  <p16:designElem xmlns:p16="http://schemas.microsoft.com/office/powerpoint/2015/main" xmlns="" val="1"/>
+                </p:ext>
+              </p:extLst>
+            </p:nvPr>
+          </p:nvSpPr>
+          <p:spPr bwMode="auto">
+            <a:xfrm>
+              <a:off x="309562" y="5422900"/>
+              <a:ext cx="374650" cy="1425575"/>
+            </a:xfrm>
+            <a:custGeom>
+              <a:avLst/>
+              <a:gdLst/>
+              <a:ahLst/>
+              <a:cxnLst/>
+              <a:rect l="0" t="0" r="r" b="b"/>
+              <a:pathLst>
+                <a:path w="236" h="898">
+                  <a:moveTo>
+                    <a:pt x="18" y="898"/>
+                  </a:moveTo>
+                  <a:lnTo>
+                    <a:pt x="0" y="898"/>
+                  </a:lnTo>
+                  <a:lnTo>
+                    <a:pt x="0" y="515"/>
+                  </a:lnTo>
+                  <a:lnTo>
+                    <a:pt x="3" y="512"/>
+                  </a:lnTo>
+                  <a:lnTo>
+                    <a:pt x="221" y="0"/>
+                  </a:lnTo>
+                  <a:lnTo>
+                    <a:pt x="236" y="6"/>
+                  </a:lnTo>
+                  <a:lnTo>
+                    <a:pt x="18" y="518"/>
+                  </a:lnTo>
+                  <a:lnTo>
+                    <a:pt x="18" y="898"/>
+                  </a:lnTo>
+                  <a:close/>
+                </a:path>
+              </a:pathLst>
+            </a:custGeom>
+            <a:grpFill/>
+            <a:ln>
+              <a:noFill/>
+            </a:ln>
+            <a:extLst>
+              <a:ext uri="{91240B29-F687-4F45-9708-019B960494DF}">
+                <a14:hiddenLine xmlns:a14="http://schemas.microsoft.com/office/drawing/2010/main" w="9525">
+                  <a:solidFill>
+                    <a:srgbClr val="000000"/>
+                  </a:solidFill>
+                  <a:round/>
+                  <a:headEnd/>
+                  <a:tailEnd/>
+                </a14:hiddenLine>
+              </a:ext>
+            </a:extLst>
+          </p:spPr>
+        </p:sp>
+        <p:sp>
+          <p:nvSpPr>
+            <p:cNvPr id="33" name="Freeform 27">
+              <a:extLst>
+                <a:ext uri="{FF2B5EF4-FFF2-40B4-BE49-F238E27FC236}">
+                  <a16:creationId xmlns:a16="http://schemas.microsoft.com/office/drawing/2014/main" xmlns="" id="{4BC34A74-80A2-4DE1-8ADC-BBD1709035BA}"/>
+                </a:ext>
+                <a:ext uri="{C183D7F6-B498-43B3-948B-1728B52AA6E4}">
+                  <adec:decorative xmlns:adec="http://schemas.microsoft.com/office/drawing/2017/decorative" xmlns="" val="1"/>
+                </a:ext>
+              </a:extLst>
+            </p:cNvPr>
+            <p:cNvSpPr/>
+            <p:nvPr>
+              <p:extLst>
+                <p:ext uri="{386F3935-93C4-4BCD-93E2-E3B085C9AB24}">
+                  <p16:designElem xmlns:p16="http://schemas.microsoft.com/office/powerpoint/2015/main" xmlns="" val="1"/>
+                </p:ext>
+              </p:extLst>
+            </p:nvPr>
+          </p:nvSpPr>
+          <p:spPr bwMode="auto">
+            <a:xfrm>
+              <a:off x="569912" y="5945188"/>
+              <a:ext cx="152400" cy="912813"/>
+            </a:xfrm>
+            <a:custGeom>
+              <a:avLst/>
+              <a:gdLst/>
+              <a:ahLst/>
+              <a:cxnLst/>
+              <a:rect l="0" t="0" r="r" b="b"/>
+              <a:pathLst>
+                <a:path w="96" h="575">
+                  <a:moveTo>
+                    <a:pt x="15" y="575"/>
+                  </a:moveTo>
+                  <a:lnTo>
+                    <a:pt x="0" y="569"/>
+                  </a:lnTo>
+                  <a:lnTo>
+                    <a:pt x="81" y="383"/>
+                  </a:lnTo>
+                  <a:lnTo>
+                    <a:pt x="81" y="0"/>
+                  </a:lnTo>
+                  <a:lnTo>
+                    <a:pt x="96" y="0"/>
+                  </a:lnTo>
+                  <a:lnTo>
+                    <a:pt x="96" y="386"/>
+                  </a:lnTo>
+                  <a:lnTo>
+                    <a:pt x="15" y="575"/>
+                  </a:lnTo>
+                  <a:close/>
+                </a:path>
+              </a:pathLst>
+            </a:custGeom>
+            <a:grpFill/>
+            <a:ln>
+              <a:noFill/>
+            </a:ln>
+            <a:extLst>
+              <a:ext uri="{91240B29-F687-4F45-9708-019B960494DF}">
+                <a14:hiddenLine xmlns:a14="http://schemas.microsoft.com/office/drawing/2010/main" w="9525">
+                  <a:solidFill>
+                    <a:srgbClr val="000000"/>
+                  </a:solidFill>
+                  <a:round/>
+                  <a:headEnd/>
+                  <a:tailEnd/>
+                </a14:hiddenLine>
+              </a:ext>
+            </a:extLst>
+          </p:spPr>
+        </p:sp>
+        <p:sp>
+          <p:nvSpPr>
+            <p:cNvPr id="34" name="Freeform 28">
+              <a:extLst>
+                <a:ext uri="{FF2B5EF4-FFF2-40B4-BE49-F238E27FC236}">
+                  <a16:creationId xmlns:a16="http://schemas.microsoft.com/office/drawing/2014/main" xmlns="" id="{C6C3CA25-431F-4E26-952D-4AA9C4C725CF}"/>
+                </a:ext>
+                <a:ext uri="{C183D7F6-B498-43B3-948B-1728B52AA6E4}">
+                  <adec:decorative xmlns:adec="http://schemas.microsoft.com/office/drawing/2017/decorative" xmlns="" val="1"/>
+                </a:ext>
+              </a:extLst>
+            </p:cNvPr>
+            <p:cNvSpPr>
+              <a:spLocks noEditPoints="1"/>
+            </p:cNvSpPr>
+            <p:nvPr>
+              <p:extLst>
+                <p:ext uri="{386F3935-93C4-4BCD-93E2-E3B085C9AB24}">
+                  <p16:designElem xmlns:p16="http://schemas.microsoft.com/office/powerpoint/2015/main" xmlns="" val="1"/>
+                </p:ext>
+              </p:extLst>
+            </p:nvPr>
+          </p:nvSpPr>
+          <p:spPr bwMode="auto">
+            <a:xfrm>
+              <a:off x="612775" y="5246688"/>
+              <a:ext cx="190500" cy="190500"/>
+            </a:xfrm>
+            <a:custGeom>
+              <a:avLst/>
+              <a:gdLst/>
+              <a:ahLst/>
+              <a:cxnLst/>
+              <a:rect l="0" t="0" r="r" b="b"/>
+              <a:pathLst>
+                <a:path w="40" h="40">
+                  <a:moveTo>
+                    <a:pt x="20" y="40"/>
+                  </a:moveTo>
+                  <a:cubicBezTo>
+                    <a:pt x="9" y="40"/>
+                    <a:pt x="0" y="31"/>
+                    <a:pt x="0" y="20"/>
+                  </a:cubicBezTo>
+                  <a:cubicBezTo>
+                    <a:pt x="0" y="9"/>
+                    <a:pt x="9" y="0"/>
+                    <a:pt x="20" y="0"/>
+                  </a:cubicBezTo>
+                  <a:cubicBezTo>
+                    <a:pt x="31" y="0"/>
+                    <a:pt x="40" y="9"/>
+                    <a:pt x="40" y="20"/>
+                  </a:cubicBezTo>
+                  <a:cubicBezTo>
+                    <a:pt x="40" y="31"/>
+                    <a:pt x="31" y="40"/>
+                    <a:pt x="20" y="40"/>
+                  </a:cubicBezTo>
+                  <a:close/>
+                  <a:moveTo>
+                    <a:pt x="20" y="4"/>
+                  </a:moveTo>
+                  <a:cubicBezTo>
+                    <a:pt x="12" y="4"/>
+                    <a:pt x="4" y="11"/>
+                    <a:pt x="4" y="20"/>
+                  </a:cubicBezTo>
+                  <a:cubicBezTo>
+                    <a:pt x="4" y="29"/>
+                    <a:pt x="12" y="36"/>
+                    <a:pt x="20" y="36"/>
+                  </a:cubicBezTo>
+                  <a:cubicBezTo>
+                    <a:pt x="29" y="36"/>
+                    <a:pt x="36" y="29"/>
+                    <a:pt x="36" y="20"/>
+                  </a:cubicBezTo>
+                  <a:cubicBezTo>
+                    <a:pt x="36" y="11"/>
+                    <a:pt x="29" y="4"/>
+                    <a:pt x="20" y="4"/>
+                  </a:cubicBezTo>
+                  <a:close/>
+                </a:path>
+              </a:pathLst>
+            </a:custGeom>
+            <a:grpFill/>
+            <a:ln>
+              <a:noFill/>
+            </a:ln>
+            <a:extLst>
+              <a:ext uri="{91240B29-F687-4F45-9708-019B960494DF}">
+                <a14:hiddenLine xmlns:a14="http://schemas.microsoft.com/office/drawing/2010/main" w="9525">
+                  <a:solidFill>
+                    <a:srgbClr val="000000"/>
+                  </a:solidFill>
+                  <a:round/>
+                  <a:headEnd/>
+                  <a:tailEnd/>
+                </a14:hiddenLine>
+              </a:ext>
+            </a:extLst>
+          </p:spPr>
+        </p:sp>
+        <p:sp>
+          <p:nvSpPr>
+            <p:cNvPr id="35" name="Freeform 29">
+              <a:extLst>
+                <a:ext uri="{FF2B5EF4-FFF2-40B4-BE49-F238E27FC236}">
+                  <a16:creationId xmlns:a16="http://schemas.microsoft.com/office/drawing/2014/main" xmlns="" id="{776D1836-82AE-40EF-9829-C6B8D2CF0258}"/>
+                </a:ext>
+                <a:ext uri="{C183D7F6-B498-43B3-948B-1728B52AA6E4}">
+                  <adec:decorative xmlns:adec="http://schemas.microsoft.com/office/drawing/2017/decorative" xmlns="" val="1"/>
+                </a:ext>
+              </a:extLst>
+            </p:cNvPr>
+            <p:cNvSpPr>
+              <a:spLocks noEditPoints="1"/>
+            </p:cNvSpPr>
+            <p:nvPr>
+              <p:extLst>
+                <p:ext uri="{386F3935-93C4-4BCD-93E2-E3B085C9AB24}">
+                  <p16:designElem xmlns:p16="http://schemas.microsoft.com/office/powerpoint/2015/main" xmlns="" val="1"/>
+                </p:ext>
+              </p:extLst>
+            </p:nvPr>
+          </p:nvSpPr>
+          <p:spPr bwMode="auto">
+            <a:xfrm>
+              <a:off x="612775" y="5764213"/>
+              <a:ext cx="190500" cy="190500"/>
+            </a:xfrm>
+            <a:custGeom>
+              <a:avLst/>
+              <a:gdLst/>
+              <a:ahLst/>
+              <a:cxnLst/>
+              <a:rect l="0" t="0" r="r" b="b"/>
+              <a:pathLst>
+                <a:path w="40" h="40">
+                  <a:moveTo>
+                    <a:pt x="20" y="40"/>
+                  </a:moveTo>
+                  <a:cubicBezTo>
+                    <a:pt x="9" y="40"/>
+                    <a:pt x="0" y="31"/>
+                    <a:pt x="0" y="20"/>
+                  </a:cubicBezTo>
+                  <a:cubicBezTo>
+                    <a:pt x="0" y="9"/>
+                    <a:pt x="9" y="0"/>
+                    <a:pt x="20" y="0"/>
+                  </a:cubicBezTo>
+                  <a:cubicBezTo>
+                    <a:pt x="31" y="0"/>
+                    <a:pt x="40" y="9"/>
+                    <a:pt x="40" y="20"/>
+                  </a:cubicBezTo>
+                  <a:cubicBezTo>
+                    <a:pt x="40" y="31"/>
+                    <a:pt x="31" y="40"/>
+                    <a:pt x="20" y="40"/>
+                  </a:cubicBezTo>
+                  <a:close/>
+                  <a:moveTo>
+                    <a:pt x="20" y="4"/>
+                  </a:moveTo>
+                  <a:cubicBezTo>
+                    <a:pt x="12" y="4"/>
+                    <a:pt x="4" y="11"/>
+                    <a:pt x="4" y="20"/>
+                  </a:cubicBezTo>
+                  <a:cubicBezTo>
+                    <a:pt x="4" y="29"/>
+                    <a:pt x="12" y="36"/>
+                    <a:pt x="20" y="36"/>
+                  </a:cubicBezTo>
+                  <a:cubicBezTo>
+                    <a:pt x="29" y="36"/>
+                    <a:pt x="36" y="29"/>
+                    <a:pt x="36" y="20"/>
+                  </a:cubicBezTo>
+                  <a:cubicBezTo>
+                    <a:pt x="36" y="11"/>
+                    <a:pt x="29" y="4"/>
+                    <a:pt x="20" y="4"/>
+                  </a:cubicBezTo>
+                  <a:close/>
+                </a:path>
+              </a:pathLst>
+            </a:custGeom>
+            <a:grpFill/>
+            <a:ln>
+              <a:noFill/>
+            </a:ln>
+            <a:extLst>
+              <a:ext uri="{91240B29-F687-4F45-9708-019B960494DF}">
+                <a14:hiddenLine xmlns:a14="http://schemas.microsoft.com/office/drawing/2010/main" w="9525">
+                  <a:solidFill>
+                    <a:srgbClr val="000000"/>
+                  </a:solidFill>
+                  <a:round/>
+                  <a:headEnd/>
+                  <a:tailEnd/>
+                </a14:hiddenLine>
+              </a:ext>
+            </a:extLst>
+          </p:spPr>
+        </p:sp>
+        <p:sp>
+          <p:nvSpPr>
+            <p:cNvPr id="36" name="Freeform 30">
+              <a:extLst>
+                <a:ext uri="{FF2B5EF4-FFF2-40B4-BE49-F238E27FC236}">
+                  <a16:creationId xmlns:a16="http://schemas.microsoft.com/office/drawing/2014/main" xmlns="" id="{9A8E397E-ADF9-45C1-98F4-3F5A86378B6F}"/>
+                </a:ext>
+                <a:ext uri="{C183D7F6-B498-43B3-948B-1728B52AA6E4}">
+                  <adec:decorative xmlns:adec="http://schemas.microsoft.com/office/drawing/2017/decorative" xmlns="" val="1"/>
+                </a:ext>
+              </a:extLst>
+            </p:cNvPr>
+            <p:cNvSpPr/>
+            <p:nvPr>
+              <p:extLst>
+                <p:ext uri="{386F3935-93C4-4BCD-93E2-E3B085C9AB24}">
+                  <p16:designElem xmlns:p16="http://schemas.microsoft.com/office/powerpoint/2015/main" xmlns="" val="1"/>
+                </p:ext>
+              </p:extLst>
+            </p:nvPr>
+          </p:nvSpPr>
+          <p:spPr bwMode="auto">
+            <a:xfrm>
+              <a:off x="669925" y="6330950"/>
+              <a:ext cx="417513" cy="517525"/>
+            </a:xfrm>
+            <a:custGeom>
+              <a:avLst/>
+              <a:gdLst/>
+              <a:ahLst/>
+              <a:cxnLst/>
+              <a:rect l="0" t="0" r="r" b="b"/>
+              <a:pathLst>
+                <a:path w="263" h="326">
+                  <a:moveTo>
+                    <a:pt x="15" y="326"/>
+                  </a:moveTo>
+                  <a:lnTo>
+                    <a:pt x="0" y="320"/>
+                  </a:lnTo>
+                  <a:lnTo>
+                    <a:pt x="45" y="206"/>
+                  </a:lnTo>
+                  <a:lnTo>
+                    <a:pt x="48" y="206"/>
+                  </a:lnTo>
+                  <a:lnTo>
+                    <a:pt x="254" y="0"/>
+                  </a:lnTo>
+                  <a:lnTo>
+                    <a:pt x="263" y="12"/>
+                  </a:lnTo>
+                  <a:lnTo>
+                    <a:pt x="60" y="215"/>
+                  </a:lnTo>
+                  <a:lnTo>
+                    <a:pt x="15" y="326"/>
+                  </a:lnTo>
+                  <a:close/>
+                </a:path>
+              </a:pathLst>
+            </a:custGeom>
+            <a:grpFill/>
+            <a:ln>
+              <a:noFill/>
+            </a:ln>
+            <a:extLst>
+              <a:ext uri="{91240B29-F687-4F45-9708-019B960494DF}">
+                <a14:hiddenLine xmlns:a14="http://schemas.microsoft.com/office/drawing/2010/main" w="9525">
+                  <a:solidFill>
+                    <a:srgbClr val="000000"/>
+                  </a:solidFill>
+                  <a:round/>
+                  <a:headEnd/>
+                  <a:tailEnd/>
+                </a14:hiddenLine>
+              </a:ext>
+            </a:extLst>
+          </p:spPr>
+        </p:sp>
+        <p:sp>
+          <p:nvSpPr>
+            <p:cNvPr id="37" name="Freeform 31">
+              <a:extLst>
+                <a:ext uri="{FF2B5EF4-FFF2-40B4-BE49-F238E27FC236}">
+                  <a16:creationId xmlns:a16="http://schemas.microsoft.com/office/drawing/2014/main" xmlns="" id="{DE07CFD9-357F-40BC-A792-CE874BFE5094}"/>
+                </a:ext>
+                <a:ext uri="{C183D7F6-B498-43B3-948B-1728B52AA6E4}">
+                  <adec:decorative xmlns:adec="http://schemas.microsoft.com/office/drawing/2017/decorative" xmlns="" val="1"/>
+                </a:ext>
+              </a:extLst>
+            </p:cNvPr>
+            <p:cNvSpPr>
+              <a:spLocks noEditPoints="1"/>
+            </p:cNvSpPr>
+            <p:nvPr>
+              <p:extLst>
+                <p:ext uri="{386F3935-93C4-4BCD-93E2-E3B085C9AB24}">
+                  <p16:designElem xmlns:p16="http://schemas.microsoft.com/office/powerpoint/2015/main" xmlns="" val="1"/>
+                </p:ext>
+              </p:extLst>
+            </p:nvPr>
+          </p:nvSpPr>
+          <p:spPr bwMode="auto">
+            <a:xfrm>
+              <a:off x="1049337" y="6221413"/>
+              <a:ext cx="157163" cy="147638"/>
+            </a:xfrm>
+            <a:custGeom>
+              <a:avLst/>
+              <a:gdLst/>
+              <a:ahLst/>
+              <a:cxnLst/>
+              <a:rect l="0" t="0" r="r" b="b"/>
+              <a:pathLst>
+                <a:path w="33" h="31">
+                  <a:moveTo>
+                    <a:pt x="16" y="31"/>
+                  </a:moveTo>
+                  <a:cubicBezTo>
+                    <a:pt x="12" y="31"/>
+                    <a:pt x="8" y="29"/>
+                    <a:pt x="5" y="26"/>
+                  </a:cubicBezTo>
+                  <a:cubicBezTo>
+                    <a:pt x="2" y="24"/>
+                    <a:pt x="0" y="20"/>
+                    <a:pt x="0" y="15"/>
+                  </a:cubicBezTo>
+                  <a:cubicBezTo>
+                    <a:pt x="0" y="11"/>
+                    <a:pt x="2" y="7"/>
+                    <a:pt x="5" y="4"/>
+                  </a:cubicBezTo>
+                  <a:cubicBezTo>
+                    <a:pt x="8" y="1"/>
+                    <a:pt x="12" y="0"/>
+                    <a:pt x="16" y="0"/>
+                  </a:cubicBezTo>
+                  <a:cubicBezTo>
+                    <a:pt x="20" y="0"/>
+                    <a:pt x="24" y="1"/>
+                    <a:pt x="27" y="4"/>
+                  </a:cubicBezTo>
+                  <a:cubicBezTo>
+                    <a:pt x="33" y="10"/>
+                    <a:pt x="33" y="20"/>
+                    <a:pt x="27" y="26"/>
+                  </a:cubicBezTo>
+                  <a:cubicBezTo>
+                    <a:pt x="24" y="29"/>
+                    <a:pt x="20" y="31"/>
+                    <a:pt x="16" y="31"/>
+                  </a:cubicBezTo>
+                  <a:close/>
+                  <a:moveTo>
+                    <a:pt x="16" y="4"/>
+                  </a:moveTo>
+                  <a:cubicBezTo>
+                    <a:pt x="13" y="4"/>
+                    <a:pt x="10" y="5"/>
+                    <a:pt x="8" y="7"/>
+                  </a:cubicBezTo>
+                  <a:cubicBezTo>
+                    <a:pt x="6" y="9"/>
+                    <a:pt x="4" y="12"/>
+                    <a:pt x="4" y="15"/>
+                  </a:cubicBezTo>
+                  <a:cubicBezTo>
+                    <a:pt x="4" y="19"/>
+                    <a:pt x="6" y="21"/>
+                    <a:pt x="8" y="24"/>
+                  </a:cubicBezTo>
+                  <a:cubicBezTo>
+                    <a:pt x="10" y="26"/>
+                    <a:pt x="13" y="27"/>
+                    <a:pt x="16" y="27"/>
+                  </a:cubicBezTo>
+                  <a:cubicBezTo>
+                    <a:pt x="19" y="27"/>
+                    <a:pt x="22" y="26"/>
+                    <a:pt x="24" y="24"/>
+                  </a:cubicBezTo>
+                  <a:cubicBezTo>
+                    <a:pt x="29" y="19"/>
+                    <a:pt x="29" y="12"/>
+                    <a:pt x="24" y="7"/>
+                  </a:cubicBezTo>
+                  <a:cubicBezTo>
+                    <a:pt x="22" y="5"/>
+                    <a:pt x="19" y="4"/>
+                    <a:pt x="16" y="4"/>
+                  </a:cubicBezTo>
+                  <a:close/>
+                </a:path>
+              </a:pathLst>
+            </a:custGeom>
+            <a:grpFill/>
+            <a:ln>
+              <a:noFill/>
+            </a:ln>
+            <a:extLst>
+              <a:ext uri="{91240B29-F687-4F45-9708-019B960494DF}">
+                <a14:hiddenLine xmlns:a14="http://schemas.microsoft.com/office/drawing/2010/main" w="9525">
+                  <a:solidFill>
+                    <a:srgbClr val="000000"/>
+                  </a:solidFill>
+                  <a:round/>
+                  <a:headEnd/>
+                  <a:tailEnd/>
+                </a14:hiddenLine>
+              </a:ext>
+            </a:extLst>
+          </p:spPr>
+        </p:sp>
+      </p:grpSp>
+      <p:sp>
+        <p:nvSpPr>
+          <p:cNvPr id="2" name="제목 1">
+            <a:extLst>
+              <a:ext uri="{FF2B5EF4-FFF2-40B4-BE49-F238E27FC236}">
+                <a16:creationId xmlns:a16="http://schemas.microsoft.com/office/drawing/2014/main" xmlns="" id="{E1E58DEC-E87F-4697-AFE4-375E2155E787}"/>
+              </a:ext>
+            </a:extLst>
+          </p:cNvPr>
+          <p:cNvSpPr>
+            <a:spLocks noGrp="1"/>
+          </p:cNvSpPr>
+          <p:nvPr>
+            <p:ph type="title"/>
+          </p:nvPr>
+        </p:nvSpPr>
+        <p:spPr>
+          <a:xfrm>
+            <a:off x="1141413" y="1082673"/>
+            <a:ext cx="2869416" cy="4708528"/>
+          </a:xfrm>
+        </p:spPr>
+        <p:txBody>
+          <a:bodyPr>
+            <a:normAutofit/>
+          </a:bodyPr>
+          <a:lstStyle/>
+          <a:p>
+            <a:pPr algn="r"/>
+            <a:r>
+              <a:rPr lang="ko-KR" altLang="en-US" sz="4000" dirty="0"/>
+              <a:t>목차</a:t>
+            </a:r>
+          </a:p>
+        </p:txBody>
+      </p:sp>
+      <p:cxnSp>
+        <p:nvCxnSpPr>
+          <p:cNvPr id="39" name="Straight Connector 38">
+            <a:extLst>
+              <a:ext uri="{FF2B5EF4-FFF2-40B4-BE49-F238E27FC236}">
+                <a16:creationId xmlns:a16="http://schemas.microsoft.com/office/drawing/2014/main" xmlns="" id="{085ECEC0-FF5D-4348-92C7-1EA7C61E770C}"/>
+              </a:ext>
+              <a:ext uri="{C183D7F6-B498-43B3-948B-1728B52AA6E4}">
+                <adec:decorative xmlns:adec="http://schemas.microsoft.com/office/drawing/2017/decorative" xmlns="" val="1"/>
+              </a:ext>
+            </a:extLst>
+          </p:cNvPr>
+          <p:cNvCxnSpPr>
+            <a:cxnSpLocks noGrp="1" noRot="1" noChangeAspect="1" noMove="1" noResize="1" noEditPoints="1" noAdjustHandles="1" noChangeArrowheads="1" noChangeShapeType="1"/>
+          </p:cNvCxnSpPr>
+          <p:nvPr>
+            <p:extLst>
+              <p:ext uri="{386F3935-93C4-4BCD-93E2-E3B085C9AB24}">
+                <p16:designElem xmlns:p16="http://schemas.microsoft.com/office/powerpoint/2015/main" xmlns="" val="1"/>
+              </p:ext>
+            </p:extLst>
+          </p:nvPr>
+        </p:nvCxnSpPr>
+        <p:spPr>
+          <a:xfrm>
+            <a:off x="4654296" y="1454684"/>
+            <a:ext cx="0" cy="3649129"/>
+          </a:xfrm>
+          <a:prstGeom prst="line">
+            <a:avLst/>
+          </a:prstGeom>
+          <a:ln w="25400">
+            <a:solidFill>
+              <a:schemeClr val="tx1">
+                <a:alpha val="70000"/>
+              </a:schemeClr>
+            </a:solidFill>
+          </a:ln>
+        </p:spPr>
+        <p:style>
+          <a:lnRef idx="1">
+            <a:schemeClr val="accent1"/>
+          </a:lnRef>
+          <a:fillRef idx="0">
+            <a:schemeClr val="accent1"/>
+          </a:fillRef>
+          <a:effectRef idx="0">
+            <a:schemeClr val="accent1"/>
+          </a:effectRef>
+          <a:fontRef idx="minor">
+            <a:schemeClr val="tx1"/>
+          </a:fontRef>
+        </p:style>
+      </p:cxnSp>
+      <p:sp>
+        <p:nvSpPr>
+          <p:cNvPr id="3" name="내용 개체 틀 2">
+            <a:extLst>
+              <a:ext uri="{FF2B5EF4-FFF2-40B4-BE49-F238E27FC236}">
+                <a16:creationId xmlns:a16="http://schemas.microsoft.com/office/drawing/2014/main" xmlns="" id="{D9510D38-BC57-41C4-AC5D-07E22B3AF0F1}"/>
+              </a:ext>
+            </a:extLst>
+          </p:cNvPr>
+          <p:cNvSpPr>
+            <a:spLocks noGrp="1"/>
+          </p:cNvSpPr>
+          <p:nvPr>
+            <p:ph idx="1"/>
+          </p:nvPr>
+        </p:nvSpPr>
+        <p:spPr>
+          <a:xfrm>
+            <a:off x="5297763" y="1082673"/>
+            <a:ext cx="5751237" cy="4708528"/>
+          </a:xfrm>
+        </p:spPr>
+        <p:txBody>
+          <a:bodyPr anchor="ctr">
+            <a:normAutofit/>
+          </a:bodyPr>
+          <a:lstStyle/>
+          <a:p>
+            <a:pPr marL="342900" indent="-342900">
+              <a:buFont typeface="+mj-lt"/>
+              <a:buAutoNum type="arabicPeriod"/>
+            </a:pPr>
+            <a:r>
+              <a:rPr lang="en-US" altLang="ko-KR" sz="1800" dirty="0"/>
+              <a:t>LINQ</a:t>
+            </a:r>
+          </a:p>
+        </p:txBody>
+      </p:sp>
+      <p:grpSp>
+        <p:nvGrpSpPr>
+          <p:cNvPr id="41" name="Group 40">
+            <a:extLst>
+              <a:ext uri="{FF2B5EF4-FFF2-40B4-BE49-F238E27FC236}">
+                <a16:creationId xmlns:a16="http://schemas.microsoft.com/office/drawing/2014/main" xmlns="" id="{F4E035BE-9FF4-43D3-BC25-CF582D7FF85E}"/>
+              </a:ext>
+              <a:ext uri="{C183D7F6-B498-43B3-948B-1728B52AA6E4}">
+                <adec:decorative xmlns:adec="http://schemas.microsoft.com/office/drawing/2017/decorative" xmlns="" val="1"/>
+              </a:ext>
+            </a:extLst>
+          </p:cNvPr>
+          <p:cNvGrpSpPr>
+            <a:grpSpLocks noGrp="1" noUngrp="1" noRot="1" noChangeAspect="1" noMove="1" noResize="1"/>
+          </p:cNvGrpSpPr>
+          <p:nvPr>
+            <p:extLst>
+              <p:ext uri="{386F3935-93C4-4BCD-93E2-E3B085C9AB24}">
+                <p16:designElem xmlns:p16="http://schemas.microsoft.com/office/powerpoint/2015/main" xmlns="" val="1"/>
+              </p:ext>
+            </p:extLst>
+          </p:nvPr>
+        </p:nvGrpSpPr>
+        <p:grpSpPr>
+          <a:xfrm>
+            <a:off x="11364912" y="0"/>
+            <a:ext cx="674688" cy="6848476"/>
+            <a:chOff x="11364912" y="0"/>
+            <a:chExt cx="674688" cy="6848476"/>
+          </a:xfrm>
+          <a:solidFill>
+            <a:schemeClr val="tx1">
+              <a:alpha val="60000"/>
+            </a:schemeClr>
+          </a:solidFill>
+        </p:grpSpPr>
+        <p:sp>
+          <p:nvSpPr>
+            <p:cNvPr id="42" name="Freeform 32">
+              <a:extLst>
+                <a:ext uri="{FF2B5EF4-FFF2-40B4-BE49-F238E27FC236}">
+                  <a16:creationId xmlns:a16="http://schemas.microsoft.com/office/drawing/2014/main" xmlns="" id="{F98BCEB2-EC20-4E84-A994-0AC37292C8B2}"/>
+                </a:ext>
+                <a:ext uri="{C183D7F6-B498-43B3-948B-1728B52AA6E4}">
+                  <adec:decorative xmlns:adec="http://schemas.microsoft.com/office/drawing/2017/decorative" xmlns="" val="1"/>
+                </a:ext>
+              </a:extLst>
+            </p:cNvPr>
+            <p:cNvSpPr/>
+            <p:nvPr>
+              <p:extLst>
+                <p:ext uri="{386F3935-93C4-4BCD-93E2-E3B085C9AB24}">
+                  <p16:designElem xmlns:p16="http://schemas.microsoft.com/office/powerpoint/2015/main" xmlns="" val="1"/>
+                </p:ext>
+              </p:extLst>
+            </p:nvPr>
+          </p:nvSpPr>
+          <p:spPr bwMode="auto">
+            <a:xfrm>
+              <a:off x="11483975" y="0"/>
+              <a:ext cx="417513" cy="512763"/>
+            </a:xfrm>
+            <a:custGeom>
+              <a:avLst/>
+              <a:gdLst/>
+              <a:ahLst/>
+              <a:cxnLst/>
+              <a:rect l="0" t="0" r="r" b="b"/>
+              <a:pathLst>
+                <a:path w="263" h="323">
+                  <a:moveTo>
+                    <a:pt x="12" y="323"/>
+                  </a:moveTo>
+                  <a:lnTo>
+                    <a:pt x="0" y="314"/>
+                  </a:lnTo>
+                  <a:lnTo>
+                    <a:pt x="203" y="108"/>
+                  </a:lnTo>
+                  <a:lnTo>
+                    <a:pt x="248" y="0"/>
+                  </a:lnTo>
+                  <a:lnTo>
+                    <a:pt x="263" y="6"/>
+                  </a:lnTo>
+                  <a:lnTo>
+                    <a:pt x="218" y="117"/>
+                  </a:lnTo>
+                  <a:lnTo>
+                    <a:pt x="218" y="117"/>
+                  </a:lnTo>
+                  <a:lnTo>
+                    <a:pt x="12" y="323"/>
+                  </a:lnTo>
+                  <a:close/>
+                </a:path>
+              </a:pathLst>
+            </a:custGeom>
+            <a:grpFill/>
+            <a:ln>
+              <a:noFill/>
+            </a:ln>
+            <a:extLst>
+              <a:ext uri="{91240B29-F687-4F45-9708-019B960494DF}">
+                <a14:hiddenLine xmlns:a14="http://schemas.microsoft.com/office/drawing/2010/main" w="9525">
+                  <a:solidFill>
+                    <a:srgbClr val="000000"/>
+                  </a:solidFill>
+                  <a:round/>
+                  <a:headEnd/>
+                  <a:tailEnd/>
+                </a14:hiddenLine>
+              </a:ext>
+            </a:extLst>
+          </p:spPr>
+        </p:sp>
+        <p:sp>
+          <p:nvSpPr>
+            <p:cNvPr id="43" name="Freeform 33">
+              <a:extLst>
+                <a:ext uri="{FF2B5EF4-FFF2-40B4-BE49-F238E27FC236}">
+                  <a16:creationId xmlns:a16="http://schemas.microsoft.com/office/drawing/2014/main" xmlns="" id="{7A2E1821-AEDF-417E-9F17-83379E9C0941}"/>
+                </a:ext>
+                <a:ext uri="{C183D7F6-B498-43B3-948B-1728B52AA6E4}">
+                  <adec:decorative xmlns:adec="http://schemas.microsoft.com/office/drawing/2017/decorative" xmlns="" val="1"/>
+                </a:ext>
+              </a:extLst>
+            </p:cNvPr>
+            <p:cNvSpPr>
+              <a:spLocks noEditPoints="1"/>
+            </p:cNvSpPr>
+            <p:nvPr>
+              <p:extLst>
+                <p:ext uri="{386F3935-93C4-4BCD-93E2-E3B085C9AB24}">
+                  <p16:designElem xmlns:p16="http://schemas.microsoft.com/office/powerpoint/2015/main" xmlns="" val="1"/>
+                </p:ext>
+              </p:extLst>
+            </p:nvPr>
+          </p:nvSpPr>
+          <p:spPr bwMode="auto">
+            <a:xfrm>
+              <a:off x="11364912" y="474663"/>
+              <a:ext cx="157163" cy="152400"/>
+            </a:xfrm>
+            <a:custGeom>
+              <a:avLst/>
+              <a:gdLst/>
+              <a:ahLst/>
+              <a:cxnLst/>
+              <a:rect l="0" t="0" r="r" b="b"/>
+              <a:pathLst>
+                <a:path w="33" h="32">
+                  <a:moveTo>
+                    <a:pt x="17" y="32"/>
+                  </a:moveTo>
+                  <a:cubicBezTo>
+                    <a:pt x="13" y="32"/>
+                    <a:pt x="9" y="30"/>
+                    <a:pt x="6" y="27"/>
+                  </a:cubicBezTo>
+                  <a:cubicBezTo>
+                    <a:pt x="0" y="21"/>
+                    <a:pt x="0" y="11"/>
+                    <a:pt x="6" y="5"/>
+                  </a:cubicBezTo>
+                  <a:cubicBezTo>
+                    <a:pt x="9" y="2"/>
+                    <a:pt x="13" y="0"/>
+                    <a:pt x="17" y="0"/>
+                  </a:cubicBezTo>
+                  <a:cubicBezTo>
+                    <a:pt x="21" y="0"/>
+                    <a:pt x="25" y="2"/>
+                    <a:pt x="28" y="5"/>
+                  </a:cubicBezTo>
+                  <a:cubicBezTo>
+                    <a:pt x="31" y="8"/>
+                    <a:pt x="33" y="12"/>
+                    <a:pt x="33" y="16"/>
+                  </a:cubicBezTo>
+                  <a:cubicBezTo>
+                    <a:pt x="33" y="20"/>
+                    <a:pt x="31" y="24"/>
+                    <a:pt x="28" y="27"/>
+                  </a:cubicBezTo>
+                  <a:cubicBezTo>
+                    <a:pt x="25" y="30"/>
+                    <a:pt x="21" y="32"/>
+                    <a:pt x="17" y="32"/>
+                  </a:cubicBezTo>
+                  <a:close/>
+                  <a:moveTo>
+                    <a:pt x="17" y="4"/>
+                  </a:moveTo>
+                  <a:cubicBezTo>
+                    <a:pt x="14" y="4"/>
+                    <a:pt x="11" y="6"/>
+                    <a:pt x="9" y="8"/>
+                  </a:cubicBezTo>
+                  <a:cubicBezTo>
+                    <a:pt x="4" y="12"/>
+                    <a:pt x="4" y="20"/>
+                    <a:pt x="9" y="24"/>
+                  </a:cubicBezTo>
+                  <a:cubicBezTo>
+                    <a:pt x="11" y="27"/>
+                    <a:pt x="14" y="28"/>
+                    <a:pt x="17" y="28"/>
+                  </a:cubicBezTo>
+                  <a:cubicBezTo>
+                    <a:pt x="20" y="28"/>
+                    <a:pt x="23" y="27"/>
+                    <a:pt x="26" y="24"/>
+                  </a:cubicBezTo>
+                  <a:cubicBezTo>
+                    <a:pt x="30" y="20"/>
+                    <a:pt x="30" y="12"/>
+                    <a:pt x="26" y="8"/>
+                  </a:cubicBezTo>
+                  <a:cubicBezTo>
+                    <a:pt x="23" y="6"/>
+                    <a:pt x="20" y="4"/>
+                    <a:pt x="17" y="4"/>
+                  </a:cubicBezTo>
+                  <a:close/>
+                </a:path>
+              </a:pathLst>
+            </a:custGeom>
+            <a:grpFill/>
+            <a:ln>
+              <a:noFill/>
+            </a:ln>
+            <a:extLst>
+              <a:ext uri="{91240B29-F687-4F45-9708-019B960494DF}">
+                <a14:hiddenLine xmlns:a14="http://schemas.microsoft.com/office/drawing/2010/main" w="9525">
+                  <a:solidFill>
+                    <a:srgbClr val="000000"/>
+                  </a:solidFill>
+                  <a:round/>
+                  <a:headEnd/>
+                  <a:tailEnd/>
+                </a14:hiddenLine>
+              </a:ext>
+            </a:extLst>
+          </p:spPr>
+        </p:sp>
+        <p:sp>
+          <p:nvSpPr>
+            <p:cNvPr id="44" name="Freeform 34">
+              <a:extLst>
+                <a:ext uri="{FF2B5EF4-FFF2-40B4-BE49-F238E27FC236}">
+                  <a16:creationId xmlns:a16="http://schemas.microsoft.com/office/drawing/2014/main" xmlns="" id="{CB3734E2-8292-4B47-B6AB-0E5A058DE95A}"/>
+                </a:ext>
+                <a:ext uri="{C183D7F6-B498-43B3-948B-1728B52AA6E4}">
+                  <adec:decorative xmlns:adec="http://schemas.microsoft.com/office/drawing/2017/decorative" xmlns="" val="1"/>
+                </a:ext>
+              </a:extLst>
+            </p:cNvPr>
+            <p:cNvSpPr>
+              <a:spLocks noEditPoints="1"/>
+            </p:cNvSpPr>
+            <p:nvPr>
+              <p:extLst>
+                <p:ext uri="{386F3935-93C4-4BCD-93E2-E3B085C9AB24}">
+                  <p16:designElem xmlns:p16="http://schemas.microsoft.com/office/powerpoint/2015/main" xmlns="" val="1"/>
+                </p:ext>
+              </p:extLst>
+            </p:nvPr>
+          </p:nvSpPr>
+          <p:spPr bwMode="auto">
+            <a:xfrm>
+              <a:off x="11631612" y="1539875"/>
+              <a:ext cx="188913" cy="190500"/>
+            </a:xfrm>
+            <a:custGeom>
+              <a:avLst/>
+              <a:gdLst/>
+              <a:ahLst/>
+              <a:cxnLst/>
+              <a:rect l="0" t="0" r="r" b="b"/>
+              <a:pathLst>
+                <a:path w="40" h="40">
+                  <a:moveTo>
+                    <a:pt x="20" y="40"/>
+                  </a:moveTo>
+                  <a:cubicBezTo>
+                    <a:pt x="9" y="40"/>
+                    <a:pt x="0" y="31"/>
+                    <a:pt x="0" y="20"/>
+                  </a:cubicBezTo>
+                  <a:cubicBezTo>
+                    <a:pt x="0" y="9"/>
+                    <a:pt x="9" y="0"/>
+                    <a:pt x="20" y="0"/>
+                  </a:cubicBezTo>
+                  <a:cubicBezTo>
+                    <a:pt x="31" y="0"/>
+                    <a:pt x="40" y="9"/>
+                    <a:pt x="40" y="20"/>
+                  </a:cubicBezTo>
+                  <a:cubicBezTo>
+                    <a:pt x="40" y="31"/>
+                    <a:pt x="31" y="40"/>
+                    <a:pt x="20" y="40"/>
+                  </a:cubicBezTo>
+                  <a:close/>
+                  <a:moveTo>
+                    <a:pt x="20" y="4"/>
+                  </a:moveTo>
+                  <a:cubicBezTo>
+                    <a:pt x="11" y="4"/>
+                    <a:pt x="4" y="11"/>
+                    <a:pt x="4" y="20"/>
+                  </a:cubicBezTo>
+                  <a:cubicBezTo>
+                    <a:pt x="4" y="29"/>
+                    <a:pt x="11" y="36"/>
+                    <a:pt x="20" y="36"/>
+                  </a:cubicBezTo>
+                  <a:cubicBezTo>
+                    <a:pt x="29" y="36"/>
+                    <a:pt x="36" y="29"/>
+                    <a:pt x="36" y="20"/>
+                  </a:cubicBezTo>
+                  <a:cubicBezTo>
+                    <a:pt x="36" y="11"/>
+                    <a:pt x="29" y="4"/>
+                    <a:pt x="20" y="4"/>
+                  </a:cubicBezTo>
+                  <a:close/>
+                </a:path>
+              </a:pathLst>
+            </a:custGeom>
+            <a:grpFill/>
+            <a:ln>
+              <a:noFill/>
+            </a:ln>
+            <a:extLst>
+              <a:ext uri="{91240B29-F687-4F45-9708-019B960494DF}">
+                <a14:hiddenLine xmlns:a14="http://schemas.microsoft.com/office/drawing/2010/main" w="9525">
+                  <a:solidFill>
+                    <a:srgbClr val="000000"/>
+                  </a:solidFill>
+                  <a:round/>
+                  <a:headEnd/>
+                  <a:tailEnd/>
+                </a14:hiddenLine>
+              </a:ext>
+            </a:extLst>
+          </p:spPr>
+        </p:sp>
+        <p:sp>
+          <p:nvSpPr>
+            <p:cNvPr id="45" name="Freeform 35">
+              <a:extLst>
+                <a:ext uri="{FF2B5EF4-FFF2-40B4-BE49-F238E27FC236}">
+                  <a16:creationId xmlns:a16="http://schemas.microsoft.com/office/drawing/2014/main" xmlns="" id="{A0B09C51-29AB-45C0-B707-CCFB9DF280B1}"/>
+                </a:ext>
+                <a:ext uri="{C183D7F6-B498-43B3-948B-1728B52AA6E4}">
+                  <adec:decorative xmlns:adec="http://schemas.microsoft.com/office/drawing/2017/decorative" xmlns="" val="1"/>
+                </a:ext>
+              </a:extLst>
+            </p:cNvPr>
+            <p:cNvSpPr/>
+            <p:nvPr>
+              <p:extLst>
+                <p:ext uri="{386F3935-93C4-4BCD-93E2-E3B085C9AB24}">
+                  <p16:designElem xmlns:p16="http://schemas.microsoft.com/office/powerpoint/2015/main" xmlns="" val="1"/>
+                </p:ext>
+              </p:extLst>
+            </p:nvPr>
+          </p:nvSpPr>
+          <p:spPr bwMode="auto">
+            <a:xfrm>
+              <a:off x="11531600" y="5694363"/>
+              <a:ext cx="298450" cy="1154113"/>
+            </a:xfrm>
+            <a:custGeom>
+              <a:avLst/>
+              <a:gdLst/>
+              <a:ahLst/>
+              <a:cxnLst/>
+              <a:rect l="0" t="0" r="r" b="b"/>
+              <a:pathLst>
+                <a:path w="188" h="727">
+                  <a:moveTo>
+                    <a:pt x="15" y="727"/>
+                  </a:moveTo>
+                  <a:lnTo>
+                    <a:pt x="0" y="727"/>
+                  </a:lnTo>
+                  <a:lnTo>
+                    <a:pt x="0" y="407"/>
+                  </a:lnTo>
+                  <a:lnTo>
+                    <a:pt x="0" y="407"/>
+                  </a:lnTo>
+                  <a:lnTo>
+                    <a:pt x="176" y="0"/>
+                  </a:lnTo>
+                  <a:lnTo>
+                    <a:pt x="188" y="6"/>
+                  </a:lnTo>
+                  <a:lnTo>
+                    <a:pt x="15" y="410"/>
+                  </a:lnTo>
+                  <a:lnTo>
+                    <a:pt x="15" y="727"/>
+                  </a:lnTo>
+                  <a:close/>
+                </a:path>
+              </a:pathLst>
+            </a:custGeom>
+            <a:grpFill/>
+            <a:ln>
+              <a:noFill/>
+            </a:ln>
+            <a:extLst>
+              <a:ext uri="{91240B29-F687-4F45-9708-019B960494DF}">
+                <a14:hiddenLine xmlns:a14="http://schemas.microsoft.com/office/drawing/2010/main" w="9525">
+                  <a:solidFill>
+                    <a:srgbClr val="000000"/>
+                  </a:solidFill>
+                  <a:round/>
+                  <a:headEnd/>
+                  <a:tailEnd/>
+                </a14:hiddenLine>
+              </a:ext>
+            </a:extLst>
+          </p:spPr>
+        </p:sp>
+        <p:sp>
+          <p:nvSpPr>
+            <p:cNvPr id="46" name="Freeform 36">
+              <a:extLst>
+                <a:ext uri="{FF2B5EF4-FFF2-40B4-BE49-F238E27FC236}">
+                  <a16:creationId xmlns:a16="http://schemas.microsoft.com/office/drawing/2014/main" xmlns="" id="{510C0CED-AE1B-45AE-B5E1-57521E589D27}"/>
+                </a:ext>
+                <a:ext uri="{C183D7F6-B498-43B3-948B-1728B52AA6E4}">
+                  <adec:decorative xmlns:adec="http://schemas.microsoft.com/office/drawing/2017/decorative" xmlns="" val="1"/>
+                </a:ext>
+              </a:extLst>
+            </p:cNvPr>
+            <p:cNvSpPr>
+              <a:spLocks noEditPoints="1"/>
+            </p:cNvSpPr>
+            <p:nvPr>
+              <p:extLst>
+                <p:ext uri="{386F3935-93C4-4BCD-93E2-E3B085C9AB24}">
+                  <p16:designElem xmlns:p16="http://schemas.microsoft.com/office/powerpoint/2015/main" xmlns="" val="1"/>
+                </p:ext>
+              </p:extLst>
+            </p:nvPr>
+          </p:nvSpPr>
+          <p:spPr bwMode="auto">
+            <a:xfrm>
+              <a:off x="11772900" y="5551488"/>
+              <a:ext cx="157163" cy="155575"/>
+            </a:xfrm>
+            <a:custGeom>
+              <a:avLst/>
+              <a:gdLst/>
+              <a:ahLst/>
+              <a:cxnLst/>
+              <a:rect l="0" t="0" r="r" b="b"/>
+              <a:pathLst>
+                <a:path w="33" h="33">
+                  <a:moveTo>
+                    <a:pt x="17" y="33"/>
+                  </a:moveTo>
+                  <a:cubicBezTo>
+                    <a:pt x="8" y="33"/>
+                    <a:pt x="0" y="25"/>
+                    <a:pt x="0" y="16"/>
+                  </a:cubicBezTo>
+                  <a:cubicBezTo>
+                    <a:pt x="0" y="7"/>
+                    <a:pt x="8" y="0"/>
+                    <a:pt x="17" y="0"/>
+                  </a:cubicBezTo>
+                  <a:cubicBezTo>
+                    <a:pt x="26" y="0"/>
+                    <a:pt x="33" y="7"/>
+                    <a:pt x="33" y="16"/>
+                  </a:cubicBezTo>
+                  <a:cubicBezTo>
+                    <a:pt x="33" y="25"/>
+                    <a:pt x="26" y="33"/>
+                    <a:pt x="17" y="33"/>
+                  </a:cubicBezTo>
+                  <a:close/>
+                  <a:moveTo>
+                    <a:pt x="17" y="4"/>
+                  </a:moveTo>
+                  <a:cubicBezTo>
+                    <a:pt x="10" y="4"/>
+                    <a:pt x="4" y="9"/>
+                    <a:pt x="4" y="16"/>
+                  </a:cubicBezTo>
+                  <a:cubicBezTo>
+                    <a:pt x="4" y="23"/>
+                    <a:pt x="10" y="29"/>
+                    <a:pt x="17" y="29"/>
+                  </a:cubicBezTo>
+                  <a:cubicBezTo>
+                    <a:pt x="23" y="29"/>
+                    <a:pt x="29" y="23"/>
+                    <a:pt x="29" y="16"/>
+                  </a:cubicBezTo>
+                  <a:cubicBezTo>
+                    <a:pt x="29" y="9"/>
+                    <a:pt x="23" y="4"/>
+                    <a:pt x="17" y="4"/>
+                  </a:cubicBezTo>
+                  <a:close/>
+                </a:path>
+              </a:pathLst>
+            </a:custGeom>
+            <a:grpFill/>
+            <a:ln>
+              <a:noFill/>
+            </a:ln>
+            <a:extLst>
+              <a:ext uri="{91240B29-F687-4F45-9708-019B960494DF}">
+                <a14:hiddenLine xmlns:a14="http://schemas.microsoft.com/office/drawing/2010/main" w="9525">
+                  <a:solidFill>
+                    <a:srgbClr val="000000"/>
+                  </a:solidFill>
+                  <a:round/>
+                  <a:headEnd/>
+                  <a:tailEnd/>
+                </a14:hiddenLine>
+              </a:ext>
+            </a:extLst>
+          </p:spPr>
+        </p:sp>
+        <p:sp>
+          <p:nvSpPr>
+            <p:cNvPr id="47" name="Freeform 37">
+              <a:extLst>
+                <a:ext uri="{FF2B5EF4-FFF2-40B4-BE49-F238E27FC236}">
+                  <a16:creationId xmlns:a16="http://schemas.microsoft.com/office/drawing/2014/main" xmlns="" id="{591F2327-4B45-41AA-B41C-7404B6A1E4F2}"/>
+                </a:ext>
+                <a:ext uri="{C183D7F6-B498-43B3-948B-1728B52AA6E4}">
+                  <adec:decorative xmlns:adec="http://schemas.microsoft.com/office/drawing/2017/decorative" xmlns="" val="1"/>
+                </a:ext>
+              </a:extLst>
+            </p:cNvPr>
+            <p:cNvSpPr/>
+            <p:nvPr>
+              <p:extLst>
+                <p:ext uri="{386F3935-93C4-4BCD-93E2-E3B085C9AB24}">
+                  <p16:designElem xmlns:p16="http://schemas.microsoft.com/office/powerpoint/2015/main" xmlns="" val="1"/>
+                </p:ext>
+              </p:extLst>
+            </p:nvPr>
+          </p:nvSpPr>
+          <p:spPr bwMode="auto">
+            <a:xfrm>
+              <a:off x="11710987" y="4763"/>
+              <a:ext cx="304800" cy="1544638"/>
+            </a:xfrm>
+            <a:custGeom>
+              <a:avLst/>
+              <a:gdLst/>
+              <a:ahLst/>
+              <a:cxnLst/>
+              <a:rect l="0" t="0" r="r" b="b"/>
+              <a:pathLst>
+                <a:path w="192" h="973">
+                  <a:moveTo>
+                    <a:pt x="15" y="973"/>
+                  </a:moveTo>
+                  <a:lnTo>
+                    <a:pt x="0" y="973"/>
+                  </a:lnTo>
+                  <a:lnTo>
+                    <a:pt x="0" y="790"/>
+                  </a:lnTo>
+                  <a:lnTo>
+                    <a:pt x="174" y="614"/>
+                  </a:lnTo>
+                  <a:lnTo>
+                    <a:pt x="174" y="0"/>
+                  </a:lnTo>
+                  <a:lnTo>
+                    <a:pt x="192" y="0"/>
+                  </a:lnTo>
+                  <a:lnTo>
+                    <a:pt x="192" y="620"/>
+                  </a:lnTo>
+                  <a:lnTo>
+                    <a:pt x="15" y="796"/>
+                  </a:lnTo>
+                  <a:lnTo>
+                    <a:pt x="15" y="973"/>
+                  </a:lnTo>
+                  <a:close/>
+                </a:path>
+              </a:pathLst>
+            </a:custGeom>
+            <a:grpFill/>
+            <a:ln>
+              <a:noFill/>
+            </a:ln>
+            <a:extLst>
+              <a:ext uri="{91240B29-F687-4F45-9708-019B960494DF}">
+                <a14:hiddenLine xmlns:a14="http://schemas.microsoft.com/office/drawing/2010/main" w="9525">
+                  <a:solidFill>
+                    <a:srgbClr val="000000"/>
+                  </a:solidFill>
+                  <a:round/>
+                  <a:headEnd/>
+                  <a:tailEnd/>
+                </a14:hiddenLine>
+              </a:ext>
+            </a:extLst>
+          </p:spPr>
+        </p:sp>
+        <p:sp>
+          <p:nvSpPr>
+            <p:cNvPr id="48" name="Freeform 38">
+              <a:extLst>
+                <a:ext uri="{FF2B5EF4-FFF2-40B4-BE49-F238E27FC236}">
+                  <a16:creationId xmlns:a16="http://schemas.microsoft.com/office/drawing/2014/main" xmlns="" id="{5A63224C-41A0-42C0-96F6-0B2BE99A1353}"/>
+                </a:ext>
+                <a:ext uri="{C183D7F6-B498-43B3-948B-1728B52AA6E4}">
+                  <adec:decorative xmlns:adec="http://schemas.microsoft.com/office/drawing/2017/decorative" xmlns="" val="1"/>
+                </a:ext>
+              </a:extLst>
+            </p:cNvPr>
+            <p:cNvSpPr>
+              <a:spLocks noEditPoints="1"/>
+            </p:cNvSpPr>
+            <p:nvPr>
+              <p:extLst>
+                <p:ext uri="{386F3935-93C4-4BCD-93E2-E3B085C9AB24}">
+                  <p16:designElem xmlns:p16="http://schemas.microsoft.com/office/powerpoint/2015/main" xmlns="" val="1"/>
+                </p:ext>
+              </p:extLst>
+            </p:nvPr>
+          </p:nvSpPr>
+          <p:spPr bwMode="auto">
+            <a:xfrm>
+              <a:off x="11636375" y="4867275"/>
+              <a:ext cx="188913" cy="188913"/>
+            </a:xfrm>
+            <a:custGeom>
+              <a:avLst/>
+              <a:gdLst/>
+              <a:ahLst/>
+              <a:cxnLst/>
+              <a:rect l="0" t="0" r="r" b="b"/>
+              <a:pathLst>
+                <a:path w="40" h="40">
+                  <a:moveTo>
+                    <a:pt x="20" y="40"/>
+                  </a:moveTo>
+                  <a:cubicBezTo>
+                    <a:pt x="9" y="40"/>
+                    <a:pt x="0" y="31"/>
+                    <a:pt x="0" y="20"/>
+                  </a:cubicBezTo>
+                  <a:cubicBezTo>
+                    <a:pt x="0" y="9"/>
+                    <a:pt x="9" y="0"/>
+                    <a:pt x="20" y="0"/>
+                  </a:cubicBezTo>
+                  <a:cubicBezTo>
+                    <a:pt x="31" y="0"/>
+                    <a:pt x="40" y="9"/>
+                    <a:pt x="40" y="20"/>
+                  </a:cubicBezTo>
+                  <a:cubicBezTo>
+                    <a:pt x="40" y="31"/>
+                    <a:pt x="31" y="40"/>
+                    <a:pt x="20" y="40"/>
+                  </a:cubicBezTo>
+                  <a:close/>
+                  <a:moveTo>
+                    <a:pt x="20" y="4"/>
+                  </a:moveTo>
+                  <a:cubicBezTo>
+                    <a:pt x="11" y="4"/>
+                    <a:pt x="4" y="11"/>
+                    <a:pt x="4" y="20"/>
+                  </a:cubicBezTo>
+                  <a:cubicBezTo>
+                    <a:pt x="4" y="29"/>
+                    <a:pt x="11" y="36"/>
+                    <a:pt x="20" y="36"/>
+                  </a:cubicBezTo>
+                  <a:cubicBezTo>
+                    <a:pt x="29" y="36"/>
+                    <a:pt x="36" y="29"/>
+                    <a:pt x="36" y="20"/>
+                  </a:cubicBezTo>
+                  <a:cubicBezTo>
+                    <a:pt x="36" y="11"/>
+                    <a:pt x="29" y="4"/>
+                    <a:pt x="20" y="4"/>
+                  </a:cubicBezTo>
+                  <a:close/>
+                </a:path>
+              </a:pathLst>
+            </a:custGeom>
+            <a:grpFill/>
+            <a:ln>
+              <a:noFill/>
+            </a:ln>
+            <a:extLst>
+              <a:ext uri="{91240B29-F687-4F45-9708-019B960494DF}">
+                <a14:hiddenLine xmlns:a14="http://schemas.microsoft.com/office/drawing/2010/main" w="9525">
+                  <a:solidFill>
+                    <a:srgbClr val="000000"/>
+                  </a:solidFill>
+                  <a:round/>
+                  <a:headEnd/>
+                  <a:tailEnd/>
+                </a14:hiddenLine>
+              </a:ext>
+            </a:extLst>
+          </p:spPr>
+        </p:sp>
+        <p:sp>
+          <p:nvSpPr>
+            <p:cNvPr id="49" name="Freeform 39">
+              <a:extLst>
+                <a:ext uri="{FF2B5EF4-FFF2-40B4-BE49-F238E27FC236}">
+                  <a16:creationId xmlns:a16="http://schemas.microsoft.com/office/drawing/2014/main" xmlns="" id="{A7C00B9F-C253-4776-9935-EC02254A4F2F}"/>
+                </a:ext>
+                <a:ext uri="{C183D7F6-B498-43B3-948B-1728B52AA6E4}">
+                  <adec:decorative xmlns:adec="http://schemas.microsoft.com/office/drawing/2017/decorative" xmlns="" val="1"/>
+                </a:ext>
+              </a:extLst>
+            </p:cNvPr>
+            <p:cNvSpPr/>
+            <p:nvPr>
+              <p:extLst>
+                <p:ext uri="{386F3935-93C4-4BCD-93E2-E3B085C9AB24}">
+                  <p16:designElem xmlns:p16="http://schemas.microsoft.com/office/powerpoint/2015/main" xmlns="" val="1"/>
+                </p:ext>
+              </p:extLst>
+            </p:nvPr>
+          </p:nvSpPr>
+          <p:spPr bwMode="auto">
+            <a:xfrm>
+              <a:off x="11441112" y="5046663"/>
+              <a:ext cx="307975" cy="1801813"/>
+            </a:xfrm>
+            <a:custGeom>
+              <a:avLst/>
+              <a:gdLst/>
+              <a:ahLst/>
+              <a:cxnLst/>
+              <a:rect l="0" t="0" r="r" b="b"/>
+              <a:pathLst>
+                <a:path w="194" h="1135">
+                  <a:moveTo>
+                    <a:pt x="18" y="1135"/>
+                  </a:moveTo>
+                  <a:lnTo>
+                    <a:pt x="0" y="1135"/>
+                  </a:lnTo>
+                  <a:lnTo>
+                    <a:pt x="0" y="354"/>
+                  </a:lnTo>
+                  <a:lnTo>
+                    <a:pt x="176" y="177"/>
+                  </a:lnTo>
+                  <a:lnTo>
+                    <a:pt x="176" y="0"/>
+                  </a:lnTo>
+                  <a:lnTo>
+                    <a:pt x="194" y="0"/>
+                  </a:lnTo>
+                  <a:lnTo>
+                    <a:pt x="194" y="183"/>
+                  </a:lnTo>
+                  <a:lnTo>
+                    <a:pt x="18" y="360"/>
+                  </a:lnTo>
+                  <a:lnTo>
+                    <a:pt x="18" y="1135"/>
+                  </a:lnTo>
+                  <a:close/>
+                </a:path>
+              </a:pathLst>
+            </a:custGeom>
+            <a:grpFill/>
+            <a:ln>
+              <a:noFill/>
+            </a:ln>
+            <a:extLst>
+              <a:ext uri="{91240B29-F687-4F45-9708-019B960494DF}">
+                <a14:hiddenLine xmlns:a14="http://schemas.microsoft.com/office/drawing/2010/main" w="9525">
+                  <a:solidFill>
+                    <a:srgbClr val="000000"/>
+                  </a:solidFill>
+                  <a:round/>
+                  <a:headEnd/>
+                  <a:tailEnd/>
+                </a14:hiddenLine>
+              </a:ext>
+            </a:extLst>
+          </p:spPr>
+        </p:sp>
+        <p:sp>
+          <p:nvSpPr>
+            <p:cNvPr id="50" name="Freeform 40">
+              <a:extLst>
+                <a:ext uri="{FF2B5EF4-FFF2-40B4-BE49-F238E27FC236}">
+                  <a16:creationId xmlns:a16="http://schemas.microsoft.com/office/drawing/2014/main" xmlns="" id="{5062D4AA-13F3-4064-8440-FFE8562D8540}"/>
+                </a:ext>
+                <a:ext uri="{C183D7F6-B498-43B3-948B-1728B52AA6E4}">
+                  <adec:decorative xmlns:adec="http://schemas.microsoft.com/office/drawing/2017/decorative" xmlns="" val="1"/>
+                </a:ext>
+              </a:extLst>
+            </p:cNvPr>
+            <p:cNvSpPr>
+              <a:spLocks noEditPoints="1"/>
+            </p:cNvSpPr>
+            <p:nvPr>
+              <p:extLst>
+                <p:ext uri="{386F3935-93C4-4BCD-93E2-E3B085C9AB24}">
+                  <p16:designElem xmlns:p16="http://schemas.microsoft.com/office/powerpoint/2015/main" xmlns="" val="1"/>
+                </p:ext>
+              </p:extLst>
+            </p:nvPr>
+          </p:nvSpPr>
+          <p:spPr bwMode="auto">
+            <a:xfrm>
+              <a:off x="11849100" y="6416675"/>
+              <a:ext cx="190500" cy="188913"/>
+            </a:xfrm>
+            <a:custGeom>
+              <a:avLst/>
+              <a:gdLst/>
+              <a:ahLst/>
+              <a:cxnLst/>
+              <a:rect l="0" t="0" r="r" b="b"/>
+              <a:pathLst>
+                <a:path w="40" h="40">
+                  <a:moveTo>
+                    <a:pt x="20" y="40"/>
+                  </a:moveTo>
+                  <a:cubicBezTo>
+                    <a:pt x="9" y="40"/>
+                    <a:pt x="0" y="31"/>
+                    <a:pt x="0" y="20"/>
+                  </a:cubicBezTo>
+                  <a:cubicBezTo>
+                    <a:pt x="0" y="9"/>
+                    <a:pt x="9" y="0"/>
+                    <a:pt x="20" y="0"/>
+                  </a:cubicBezTo>
+                  <a:cubicBezTo>
+                    <a:pt x="31" y="0"/>
+                    <a:pt x="40" y="9"/>
+                    <a:pt x="40" y="20"/>
+                  </a:cubicBezTo>
+                  <a:cubicBezTo>
+                    <a:pt x="40" y="31"/>
+                    <a:pt x="31" y="40"/>
+                    <a:pt x="20" y="40"/>
+                  </a:cubicBezTo>
+                  <a:close/>
+                  <a:moveTo>
+                    <a:pt x="20" y="4"/>
+                  </a:moveTo>
+                  <a:cubicBezTo>
+                    <a:pt x="12" y="4"/>
+                    <a:pt x="4" y="11"/>
+                    <a:pt x="4" y="20"/>
+                  </a:cubicBezTo>
+                  <a:cubicBezTo>
+                    <a:pt x="4" y="29"/>
+                    <a:pt x="12" y="36"/>
+                    <a:pt x="20" y="36"/>
+                  </a:cubicBezTo>
+                  <a:cubicBezTo>
+                    <a:pt x="29" y="36"/>
+                    <a:pt x="36" y="29"/>
+                    <a:pt x="36" y="20"/>
+                  </a:cubicBezTo>
+                  <a:cubicBezTo>
+                    <a:pt x="36" y="11"/>
+                    <a:pt x="29" y="4"/>
+                    <a:pt x="20" y="4"/>
+                  </a:cubicBezTo>
+                  <a:close/>
+                </a:path>
+              </a:pathLst>
+            </a:custGeom>
+            <a:grpFill/>
+            <a:ln>
+              <a:noFill/>
+            </a:ln>
+            <a:extLst>
+              <a:ext uri="{91240B29-F687-4F45-9708-019B960494DF}">
+                <a14:hiddenLine xmlns:a14="http://schemas.microsoft.com/office/drawing/2010/main" w="9525">
+                  <a:solidFill>
+                    <a:srgbClr val="000000"/>
+                  </a:solidFill>
+                  <a:round/>
+                  <a:headEnd/>
+                  <a:tailEnd/>
+                </a14:hiddenLine>
+              </a:ext>
+            </a:extLst>
+          </p:spPr>
+        </p:sp>
+        <p:sp>
+          <p:nvSpPr>
+            <p:cNvPr id="51" name="Rectangle 41">
+              <a:extLst>
+                <a:ext uri="{FF2B5EF4-FFF2-40B4-BE49-F238E27FC236}">
+                  <a16:creationId xmlns:a16="http://schemas.microsoft.com/office/drawing/2014/main" xmlns="" id="{3E143B27-CB82-440B-879B-D25C1891C191}"/>
+                </a:ext>
+                <a:ext uri="{C183D7F6-B498-43B3-948B-1728B52AA6E4}">
+                  <adec:decorative xmlns:adec="http://schemas.microsoft.com/office/drawing/2017/decorative" xmlns="" val="1"/>
+                </a:ext>
+              </a:extLst>
+            </p:cNvPr>
+            <p:cNvSpPr>
+              <a:spLocks noChangeArrowheads="1"/>
+            </p:cNvSpPr>
+            <p:nvPr>
+              <p:extLst>
+                <p:ext uri="{386F3935-93C4-4BCD-93E2-E3B085C9AB24}">
+                  <p16:designElem xmlns:p16="http://schemas.microsoft.com/office/powerpoint/2015/main" xmlns="" val="1"/>
+                </p:ext>
+              </p:extLst>
+            </p:nvPr>
+          </p:nvSpPr>
+          <p:spPr bwMode="auto">
+            <a:xfrm>
+              <a:off x="11939587" y="6596063"/>
+              <a:ext cx="23813" cy="252413"/>
+            </a:xfrm>
+            <a:prstGeom prst="rect">
+              <a:avLst/>
+            </a:prstGeom>
+            <a:grpFill/>
+            <a:ln>
+              <a:noFill/>
+            </a:ln>
+            <a:extLst>
+              <a:ext uri="{91240B29-F687-4F45-9708-019B960494DF}">
+                <a14:hiddenLine xmlns:a14="http://schemas.microsoft.com/office/drawing/2010/main" w="9525">
+                  <a:solidFill>
+                    <a:srgbClr val="000000"/>
+                  </a:solidFill>
+                  <a:miter lim="800000"/>
+                  <a:headEnd/>
+                  <a:tailEnd/>
+                </a14:hiddenLine>
+              </a:ext>
+            </a:extLst>
+          </p:spPr>
+        </p:sp>
+      </p:grpSp>
+    </p:spTree>
+    <p:extLst>
+      <p:ext uri="{BB962C8B-B14F-4D97-AF65-F5344CB8AC3E}">
+        <p14:creationId xmlns:p14="http://schemas.microsoft.com/office/powerpoint/2010/main" val="3687747631"/>
+      </p:ext>
+    </p:extLst>
+  </p:cSld>
+  <p:clrMapOvr>
+    <a:masterClrMapping/>
+  </p:clrMapOvr>
+</p:sld>
+</file>
+
+<file path=ppt/slides/slide20.xml><?xml version="1.0" encoding="utf-8"?>
 <p:sld xmlns:a="http://schemas.openxmlformats.org/drawingml/2006/main" xmlns:r="http://schemas.openxmlformats.org/officeDocument/2006/relationships" xmlns:p="http://schemas.openxmlformats.org/presentationml/2006/main">
   <p:cSld>
     <p:spTree>
@@ -30279,7 +29531,7 @@
           <p:cNvPr id="3" name="표 4">
             <a:extLst>
               <a:ext uri="{FF2B5EF4-FFF2-40B4-BE49-F238E27FC236}">
-                <a16:creationId xmlns:a16="http://schemas.microsoft.com/office/drawing/2014/main" id="{913AC82F-4D76-4E35-81C4-F2DA6312D7AA}"/>
+                <a16:creationId xmlns:a16="http://schemas.microsoft.com/office/drawing/2014/main" xmlns="" id="{913AC82F-4D76-4E35-81C4-F2DA6312D7AA}"/>
               </a:ext>
             </a:extLst>
           </p:cNvPr>
@@ -30308,21 +29560,21 @@
                 <a:gridCol w="1494503">
                   <a:extLst>
                     <a:ext uri="{9D8B030D-6E8A-4147-A177-3AD203B41FA5}">
-                      <a16:colId xmlns:a16="http://schemas.microsoft.com/office/drawing/2014/main" val="3834144307"/>
+                      <a16:colId xmlns:a16="http://schemas.microsoft.com/office/drawing/2014/main" xmlns="" val="3834144307"/>
                     </a:ext>
                   </a:extLst>
                 </a:gridCol>
                 <a:gridCol w="2369574">
                   <a:extLst>
                     <a:ext uri="{9D8B030D-6E8A-4147-A177-3AD203B41FA5}">
-                      <a16:colId xmlns:a16="http://schemas.microsoft.com/office/drawing/2014/main" val="2120062107"/>
+                      <a16:colId xmlns:a16="http://schemas.microsoft.com/office/drawing/2014/main" xmlns="" val="2120062107"/>
                     </a:ext>
                   </a:extLst>
                 </a:gridCol>
                 <a:gridCol w="8327923">
                   <a:extLst>
                     <a:ext uri="{9D8B030D-6E8A-4147-A177-3AD203B41FA5}">
-                      <a16:colId xmlns:a16="http://schemas.microsoft.com/office/drawing/2014/main" val="1440019558"/>
+                      <a16:colId xmlns:a16="http://schemas.microsoft.com/office/drawing/2014/main" xmlns="" val="1440019558"/>
                     </a:ext>
                   </a:extLst>
                 </a:gridCol>
@@ -30378,7 +29630,7 @@
                 </a:tc>
                 <a:extLst>
                   <a:ext uri="{0D108BD9-81ED-4DB2-BD59-A6C34878D82A}">
-                    <a16:rowId xmlns:a16="http://schemas.microsoft.com/office/drawing/2014/main" val="2898954390"/>
+                    <a16:rowId xmlns:a16="http://schemas.microsoft.com/office/drawing/2014/main" xmlns="" val="2898954390"/>
                   </a:ext>
                 </a:extLst>
               </a:tr>
@@ -30463,7 +29715,7 @@
                 </a:tc>
                 <a:extLst>
                   <a:ext uri="{0D108BD9-81ED-4DB2-BD59-A6C34878D82A}">
-                    <a16:rowId xmlns:a16="http://schemas.microsoft.com/office/drawing/2014/main" val="3996163792"/>
+                    <a16:rowId xmlns:a16="http://schemas.microsoft.com/office/drawing/2014/main" xmlns="" val="3996163792"/>
                   </a:ext>
                 </a:extLst>
               </a:tr>
@@ -30548,7 +29800,7 @@
                 </a:tc>
                 <a:extLst>
                   <a:ext uri="{0D108BD9-81ED-4DB2-BD59-A6C34878D82A}">
-                    <a16:rowId xmlns:a16="http://schemas.microsoft.com/office/drawing/2014/main" val="476163804"/>
+                    <a16:rowId xmlns:a16="http://schemas.microsoft.com/office/drawing/2014/main" xmlns="" val="476163804"/>
                   </a:ext>
                 </a:extLst>
               </a:tr>
@@ -30678,7 +29930,7 @@
                 </a:tc>
                 <a:extLst>
                   <a:ext uri="{0D108BD9-81ED-4DB2-BD59-A6C34878D82A}">
-                    <a16:rowId xmlns:a16="http://schemas.microsoft.com/office/drawing/2014/main" val="1358587513"/>
+                    <a16:rowId xmlns:a16="http://schemas.microsoft.com/office/drawing/2014/main" xmlns="" val="1358587513"/>
                   </a:ext>
                 </a:extLst>
               </a:tr>
@@ -30754,7 +30006,7 @@
                 </a:tc>
                 <a:extLst>
                   <a:ext uri="{0D108BD9-81ED-4DB2-BD59-A6C34878D82A}">
-                    <a16:rowId xmlns:a16="http://schemas.microsoft.com/office/drawing/2014/main" val="3888127659"/>
+                    <a16:rowId xmlns:a16="http://schemas.microsoft.com/office/drawing/2014/main" xmlns="" val="3888127659"/>
                   </a:ext>
                 </a:extLst>
               </a:tr>
@@ -30830,7 +30082,7 @@
                 </a:tc>
                 <a:extLst>
                   <a:ext uri="{0D108BD9-81ED-4DB2-BD59-A6C34878D82A}">
-                    <a16:rowId xmlns:a16="http://schemas.microsoft.com/office/drawing/2014/main" val="3725144329"/>
+                    <a16:rowId xmlns:a16="http://schemas.microsoft.com/office/drawing/2014/main" xmlns="" val="3725144329"/>
                   </a:ext>
                 </a:extLst>
               </a:tr>
@@ -30952,7 +30204,7 @@
                 </a:tc>
                 <a:extLst>
                   <a:ext uri="{0D108BD9-81ED-4DB2-BD59-A6C34878D82A}">
-                    <a16:rowId xmlns:a16="http://schemas.microsoft.com/office/drawing/2014/main" val="2248215725"/>
+                    <a16:rowId xmlns:a16="http://schemas.microsoft.com/office/drawing/2014/main" xmlns="" val="2248215725"/>
                   </a:ext>
                 </a:extLst>
               </a:tr>
@@ -31038,7 +30290,7 @@
                 </a:tc>
                 <a:extLst>
                   <a:ext uri="{0D108BD9-81ED-4DB2-BD59-A6C34878D82A}">
-                    <a16:rowId xmlns:a16="http://schemas.microsoft.com/office/drawing/2014/main" val="3754296764"/>
+                    <a16:rowId xmlns:a16="http://schemas.microsoft.com/office/drawing/2014/main" xmlns="" val="3754296764"/>
                   </a:ext>
                 </a:extLst>
               </a:tr>
@@ -31160,7 +30412,7 @@
                 </a:tc>
                 <a:extLst>
                   <a:ext uri="{0D108BD9-81ED-4DB2-BD59-A6C34878D82A}">
-                    <a16:rowId xmlns:a16="http://schemas.microsoft.com/office/drawing/2014/main" val="3146518095"/>
+                    <a16:rowId xmlns:a16="http://schemas.microsoft.com/office/drawing/2014/main" xmlns="" val="3146518095"/>
                   </a:ext>
                 </a:extLst>
               </a:tr>
@@ -31227,7 +30479,7 @@
                 </a:tc>
                 <a:extLst>
                   <a:ext uri="{0D108BD9-81ED-4DB2-BD59-A6C34878D82A}">
-                    <a16:rowId xmlns:a16="http://schemas.microsoft.com/office/drawing/2014/main" val="3833203514"/>
+                    <a16:rowId xmlns:a16="http://schemas.microsoft.com/office/drawing/2014/main" xmlns="" val="3833203514"/>
                   </a:ext>
                 </a:extLst>
               </a:tr>
@@ -31294,7 +30546,7 @@
                 </a:tc>
                 <a:extLst>
                   <a:ext uri="{0D108BD9-81ED-4DB2-BD59-A6C34878D82A}">
-                    <a16:rowId xmlns:a16="http://schemas.microsoft.com/office/drawing/2014/main" val="2295019934"/>
+                    <a16:rowId xmlns:a16="http://schemas.microsoft.com/office/drawing/2014/main" xmlns="" val="2295019934"/>
                   </a:ext>
                 </a:extLst>
               </a:tr>
@@ -31363,7 +30615,7 @@
                 </a:tc>
                 <a:extLst>
                   <a:ext uri="{0D108BD9-81ED-4DB2-BD59-A6C34878D82A}">
-                    <a16:rowId xmlns:a16="http://schemas.microsoft.com/office/drawing/2014/main" val="3041922315"/>
+                    <a16:rowId xmlns:a16="http://schemas.microsoft.com/office/drawing/2014/main" xmlns="" val="3041922315"/>
                   </a:ext>
                 </a:extLst>
               </a:tr>
@@ -31432,7 +30684,7 @@
                 </a:tc>
                 <a:extLst>
                   <a:ext uri="{0D108BD9-81ED-4DB2-BD59-A6C34878D82A}">
-                    <a16:rowId xmlns:a16="http://schemas.microsoft.com/office/drawing/2014/main" val="3957888601"/>
+                    <a16:rowId xmlns:a16="http://schemas.microsoft.com/office/drawing/2014/main" xmlns="" val="3957888601"/>
                   </a:ext>
                 </a:extLst>
               </a:tr>
@@ -31514,7 +30766,7 @@
                 </a:tc>
                 <a:extLst>
                   <a:ext uri="{0D108BD9-81ED-4DB2-BD59-A6C34878D82A}">
-                    <a16:rowId xmlns:a16="http://schemas.microsoft.com/office/drawing/2014/main" val="2891529692"/>
+                    <a16:rowId xmlns:a16="http://schemas.microsoft.com/office/drawing/2014/main" xmlns="" val="2891529692"/>
                   </a:ext>
                 </a:extLst>
               </a:tr>
@@ -31576,7 +30828,7 @@
                 </a:tc>
                 <a:extLst>
                   <a:ext uri="{0D108BD9-81ED-4DB2-BD59-A6C34878D82A}">
-                    <a16:rowId xmlns:a16="http://schemas.microsoft.com/office/drawing/2014/main" val="90590707"/>
+                    <a16:rowId xmlns:a16="http://schemas.microsoft.com/office/drawing/2014/main" xmlns="" val="90590707"/>
                   </a:ext>
                 </a:extLst>
               </a:tr>
@@ -31638,7 +30890,7 @@
                 </a:tc>
                 <a:extLst>
                   <a:ext uri="{0D108BD9-81ED-4DB2-BD59-A6C34878D82A}">
-                    <a16:rowId xmlns:a16="http://schemas.microsoft.com/office/drawing/2014/main" val="68716883"/>
+                    <a16:rowId xmlns:a16="http://schemas.microsoft.com/office/drawing/2014/main" xmlns="" val="68716883"/>
                   </a:ext>
                 </a:extLst>
               </a:tr>
@@ -31700,7 +30952,7 @@
                 </a:tc>
                 <a:extLst>
                   <a:ext uri="{0D108BD9-81ED-4DB2-BD59-A6C34878D82A}">
-                    <a16:rowId xmlns:a16="http://schemas.microsoft.com/office/drawing/2014/main" val="3699924548"/>
+                    <a16:rowId xmlns:a16="http://schemas.microsoft.com/office/drawing/2014/main" xmlns="" val="3699924548"/>
                   </a:ext>
                 </a:extLst>
               </a:tr>
@@ -31721,7 +30973,7 @@
 </p:sld>
 </file>
 
-<file path=ppt/slides/slide22.xml><?xml version="1.0" encoding="utf-8"?>
+<file path=ppt/slides/slide21.xml><?xml version="1.0" encoding="utf-8"?>
 <p:sld xmlns:a="http://schemas.openxmlformats.org/drawingml/2006/main" xmlns:r="http://schemas.openxmlformats.org/officeDocument/2006/relationships" xmlns:p="http://schemas.openxmlformats.org/presentationml/2006/main">
   <p:cSld>
     <p:spTree>
@@ -31779,7 +31031,7 @@
           <p:cNvPr id="2" name="TextBox 1">
             <a:extLst>
               <a:ext uri="{FF2B5EF4-FFF2-40B4-BE49-F238E27FC236}">
-                <a16:creationId xmlns:a16="http://schemas.microsoft.com/office/drawing/2014/main" id="{5535DBAC-191A-4FCC-BA44-031FCF1FADAB}"/>
+                <a16:creationId xmlns:a16="http://schemas.microsoft.com/office/drawing/2014/main" xmlns="" id="{5535DBAC-191A-4FCC-BA44-031FCF1FADAB}"/>
               </a:ext>
             </a:extLst>
           </p:cNvPr>
@@ -32605,7 +31857,7 @@
           <p:cNvPr id="2" name="TextBox 1">
             <a:extLst>
               <a:ext uri="{FF2B5EF4-FFF2-40B4-BE49-F238E27FC236}">
-                <a16:creationId xmlns:a16="http://schemas.microsoft.com/office/drawing/2014/main" id="{5535DBAC-191A-4FCC-BA44-031FCF1FADAB}"/>
+                <a16:creationId xmlns:a16="http://schemas.microsoft.com/office/drawing/2014/main" xmlns="" id="{5535DBAC-191A-4FCC-BA44-031FCF1FADAB}"/>
               </a:ext>
             </a:extLst>
           </p:cNvPr>
@@ -32869,7 +32121,7 @@
           <p:cNvPr id="2" name="TextBox 1">
             <a:extLst>
               <a:ext uri="{FF2B5EF4-FFF2-40B4-BE49-F238E27FC236}">
-                <a16:creationId xmlns:a16="http://schemas.microsoft.com/office/drawing/2014/main" id="{5535DBAC-191A-4FCC-BA44-031FCF1FADAB}"/>
+                <a16:creationId xmlns:a16="http://schemas.microsoft.com/office/drawing/2014/main" xmlns="" id="{5535DBAC-191A-4FCC-BA44-031FCF1FADAB}"/>
               </a:ext>
             </a:extLst>
           </p:cNvPr>
@@ -33229,7 +32481,7 @@
           <p:cNvPr id="2" name="TextBox 1">
             <a:extLst>
               <a:ext uri="{FF2B5EF4-FFF2-40B4-BE49-F238E27FC236}">
-                <a16:creationId xmlns:a16="http://schemas.microsoft.com/office/drawing/2014/main" id="{5535DBAC-191A-4FCC-BA44-031FCF1FADAB}"/>
+                <a16:creationId xmlns:a16="http://schemas.microsoft.com/office/drawing/2014/main" xmlns="" id="{5535DBAC-191A-4FCC-BA44-031FCF1FADAB}"/>
               </a:ext>
             </a:extLst>
           </p:cNvPr>
@@ -33769,7 +33021,7 @@
           <p:cNvPr id="3" name="TextBox 2">
             <a:extLst>
               <a:ext uri="{FF2B5EF4-FFF2-40B4-BE49-F238E27FC236}">
-                <a16:creationId xmlns:a16="http://schemas.microsoft.com/office/drawing/2014/main" id="{29F41324-5D42-4697-88A3-08D7ABE204C9}"/>
+                <a16:creationId xmlns:a16="http://schemas.microsoft.com/office/drawing/2014/main" xmlns="" id="{29F41324-5D42-4697-88A3-08D7ABE204C9}"/>
               </a:ext>
             </a:extLst>
           </p:cNvPr>
@@ -33902,7 +33154,7 @@
           <p:cNvPr id="2" name="TextBox 1">
             <a:extLst>
               <a:ext uri="{FF2B5EF4-FFF2-40B4-BE49-F238E27FC236}">
-                <a16:creationId xmlns:a16="http://schemas.microsoft.com/office/drawing/2014/main" id="{5535DBAC-191A-4FCC-BA44-031FCF1FADAB}"/>
+                <a16:creationId xmlns:a16="http://schemas.microsoft.com/office/drawing/2014/main" xmlns="" id="{5535DBAC-191A-4FCC-BA44-031FCF1FADAB}"/>
               </a:ext>
             </a:extLst>
           </p:cNvPr>
@@ -34314,7 +33566,7 @@
           <p:cNvPr id="2" name="TextBox 1">
             <a:extLst>
               <a:ext uri="{FF2B5EF4-FFF2-40B4-BE49-F238E27FC236}">
-                <a16:creationId xmlns:a16="http://schemas.microsoft.com/office/drawing/2014/main" id="{5535DBAC-191A-4FCC-BA44-031FCF1FADAB}"/>
+                <a16:creationId xmlns:a16="http://schemas.microsoft.com/office/drawing/2014/main" xmlns="" id="{5535DBAC-191A-4FCC-BA44-031FCF1FADAB}"/>
               </a:ext>
             </a:extLst>
           </p:cNvPr>
@@ -34837,7 +34089,7 @@
           <p:cNvPr id="2" name="TextBox 1">
             <a:extLst>
               <a:ext uri="{FF2B5EF4-FFF2-40B4-BE49-F238E27FC236}">
-                <a16:creationId xmlns:a16="http://schemas.microsoft.com/office/drawing/2014/main" id="{5535DBAC-191A-4FCC-BA44-031FCF1FADAB}"/>
+                <a16:creationId xmlns:a16="http://schemas.microsoft.com/office/drawing/2014/main" xmlns="" id="{5535DBAC-191A-4FCC-BA44-031FCF1FADAB}"/>
               </a:ext>
             </a:extLst>
           </p:cNvPr>
@@ -35769,7 +35021,7 @@
   <a:extraClrSchemeLst/>
   <a:extLst>
     <a:ext uri="{05A4C25C-085E-4340-85A3-A5531E510DB2}">
-      <thm15:themeFamily xmlns:thm15="http://schemas.microsoft.com/office/thememl/2012/main" name="Circuit" id="{0AC2F7E7-15F5-431C-B2A2-456FE929F56C}" vid="{142578CA-DEC9-49C3-80AF-C113973CC9A9}"/>
+      <thm15:themeFamily xmlns:thm15="http://schemas.microsoft.com/office/thememl/2012/main" xmlns="" name="Circuit" id="{0AC2F7E7-15F5-431C-B2A2-456FE929F56C}" vid="{142578CA-DEC9-49C3-80AF-C113973CC9A9}"/>
     </a:ext>
   </a:extLst>
 </a:theme>
@@ -36064,7 +35316,7 @@
   <a:extraClrSchemeLst/>
   <a:extLst>
     <a:ext uri="{05A4C25C-085E-4340-85A3-A5531E510DB2}">
-      <thm15:themeFamily xmlns:thm15="http://schemas.microsoft.com/office/thememl/2012/main" name="Office Theme" id="{62F939B6-93AF-4DB8-9C6B-D6C7DFDC589F}" vid="{4A3C46E8-61CC-4603-A589-7422A47A8E4A}"/>
+      <thm15:themeFamily xmlns:thm15="http://schemas.microsoft.com/office/thememl/2012/main" xmlns="" name="Office Theme" id="{62F939B6-93AF-4DB8-9C6B-D6C7DFDC589F}" vid="{4A3C46E8-61CC-4603-A589-7422A47A8E4A}"/>
     </a:ext>
   </a:extLst>
 </a:theme>
